--- a/tutorial/general_tutorial/SAGA-Intro-Conclusion.pptx
+++ b/tutorial/general_tutorial/SAGA-Intro-Conclusion.pptx
@@ -7,23 +7,27 @@
     <p:sldMasterId id="2147483678" r:id="rId3"/>
   </p:sldMasterIdLst>
   <p:notesMasterIdLst>
-    <p:notesMasterId r:id="rId15"/>
+    <p:notesMasterId r:id="rId19"/>
   </p:notesMasterIdLst>
   <p:handoutMasterIdLst>
-    <p:handoutMasterId r:id="rId16"/>
+    <p:handoutMasterId r:id="rId20"/>
   </p:handoutMasterIdLst>
   <p:sldIdLst>
     <p:sldId id="256" r:id="rId4"/>
-    <p:sldId id="260" r:id="rId5"/>
-    <p:sldId id="261" r:id="rId6"/>
-    <p:sldId id="262" r:id="rId7"/>
-    <p:sldId id="263" r:id="rId8"/>
-    <p:sldId id="264" r:id="rId9"/>
+    <p:sldId id="261" r:id="rId5"/>
+    <p:sldId id="262" r:id="rId6"/>
+    <p:sldId id="263" r:id="rId7"/>
+    <p:sldId id="264" r:id="rId8"/>
+    <p:sldId id="273" r:id="rId9"/>
     <p:sldId id="265" r:id="rId10"/>
     <p:sldId id="266" r:id="rId11"/>
-    <p:sldId id="267" r:id="rId12"/>
-    <p:sldId id="268" r:id="rId13"/>
-    <p:sldId id="269" r:id="rId14"/>
+    <p:sldId id="270" r:id="rId12"/>
+    <p:sldId id="271" r:id="rId13"/>
+    <p:sldId id="272" r:id="rId14"/>
+    <p:sldId id="268" r:id="rId15"/>
+    <p:sldId id="269" r:id="rId16"/>
+    <p:sldId id="274" r:id="rId17"/>
+    <p:sldId id="267" r:id="rId18"/>
   </p:sldIdLst>
   <p:sldSz cx="9144000" cy="6858000" type="screen4x3"/>
   <p:notesSz cx="6858000" cy="9144000"/>
@@ -125,6 +129,690 @@
 </p:presentation>
 </file>
 
+<file path=ppt/charts/chart1.xml><?xml version="1.0" encoding="utf-8"?>
+<c:chartSpace xmlns:c="http://schemas.openxmlformats.org/drawingml/2006/chart" xmlns:a="http://schemas.openxmlformats.org/drawingml/2006/main" xmlns:r="http://schemas.openxmlformats.org/officeDocument/2006/relationships">
+  <c:date1904 val="1"/>
+  <c:lang val="en-US"/>
+  <c:style val="18"/>
+  <c:chart>
+    <c:plotArea>
+      <c:layout/>
+      <c:barChart>
+        <c:barDir val="col"/>
+        <c:grouping val="clustered"/>
+        <c:ser>
+          <c:idx val="0"/>
+          <c:order val="0"/>
+          <c:tx>
+            <c:strRef>
+              <c:f>Sheet1!$A$3</c:f>
+              <c:strCache>
+                <c:ptCount val="1"/>
+                <c:pt idx="0">
+                  <c:v>Synchronous</c:v>
+                </c:pt>
+              </c:strCache>
+            </c:strRef>
+          </c:tx>
+          <c:errBars>
+            <c:errBarType val="both"/>
+            <c:errValType val="cust"/>
+            <c:plus>
+              <c:numRef>
+                <c:f>(Sheet1!$C$3,Sheet1!$E$3,Sheet1!$G$3,Sheet1!$I$3)</c:f>
+                <c:numCache>
+                  <c:formatCode>General</c:formatCode>
+                  <c:ptCount val="4"/>
+                  <c:pt idx="0">
+                    <c:v>8.81</c:v>
+                  </c:pt>
+                  <c:pt idx="1">
+                    <c:v>11.2</c:v>
+                  </c:pt>
+                  <c:pt idx="2">
+                    <c:v>17.0</c:v>
+                  </c:pt>
+                  <c:pt idx="3">
+                    <c:v>18.34</c:v>
+                  </c:pt>
+                </c:numCache>
+              </c:numRef>
+            </c:plus>
+            <c:minus>
+              <c:numRef>
+                <c:f>(Sheet1!$C$3,Sheet1!$E$3,Sheet1!$G$3,Sheet1!$I$3)</c:f>
+                <c:numCache>
+                  <c:formatCode>General</c:formatCode>
+                  <c:ptCount val="4"/>
+                  <c:pt idx="0">
+                    <c:v>8.81</c:v>
+                  </c:pt>
+                  <c:pt idx="1">
+                    <c:v>11.2</c:v>
+                  </c:pt>
+                  <c:pt idx="2">
+                    <c:v>17.0</c:v>
+                  </c:pt>
+                  <c:pt idx="3">
+                    <c:v>18.34</c:v>
+                  </c:pt>
+                </c:numCache>
+              </c:numRef>
+            </c:minus>
+          </c:errBars>
+          <c:cat>
+            <c:strRef>
+              <c:f>(Sheet1!$B$2,Sheet1!$D$2,Sheet1!$F$2,Sheet1!$H$2,Sheet1!$J$2,Sheet1!$L$2,Sheet1!$N$2)</c:f>
+              <c:strCache>
+                <c:ptCount val="7"/>
+                <c:pt idx="0">
+                  <c:v>4 replicas/16 exchanges</c:v>
+                </c:pt>
+                <c:pt idx="1">
+                  <c:v>8 replicas/32 exchanges</c:v>
+                </c:pt>
+                <c:pt idx="2">
+                  <c:v>16/64</c:v>
+                </c:pt>
+                <c:pt idx="3">
+                  <c:v>32/128</c:v>
+                </c:pt>
+                <c:pt idx="4">
+                  <c:v>64/256</c:v>
+                </c:pt>
+                <c:pt idx="5">
+                  <c:v>128/512</c:v>
+                </c:pt>
+                <c:pt idx="6">
+                  <c:v>256/1024</c:v>
+                </c:pt>
+              </c:strCache>
+            </c:strRef>
+          </c:cat>
+          <c:val>
+            <c:numRef>
+              <c:f>(Sheet1!$B$3,Sheet1!$D$3,Sheet1!$F$3,Sheet1!$H$3,Sheet1!$J$3,Sheet1!$L$3,Sheet1!$N$3)</c:f>
+              <c:numCache>
+                <c:formatCode>General</c:formatCode>
+                <c:ptCount val="7"/>
+                <c:pt idx="0">
+                  <c:v>624.0</c:v>
+                </c:pt>
+                <c:pt idx="1">
+                  <c:v>685.0</c:v>
+                </c:pt>
+                <c:pt idx="2">
+                  <c:v>802.0</c:v>
+                </c:pt>
+                <c:pt idx="3">
+                  <c:v>1023.0</c:v>
+                </c:pt>
+              </c:numCache>
+            </c:numRef>
+          </c:val>
+        </c:ser>
+        <c:ser>
+          <c:idx val="1"/>
+          <c:order val="1"/>
+          <c:tx>
+            <c:strRef>
+              <c:f>Sheet1!$A$4</c:f>
+              <c:strCache>
+                <c:ptCount val="1"/>
+                <c:pt idx="0">
+                  <c:v>Asynchronous - Centralized</c:v>
+                </c:pt>
+              </c:strCache>
+            </c:strRef>
+          </c:tx>
+          <c:errBars>
+            <c:errBarType val="both"/>
+            <c:errValType val="cust"/>
+            <c:plus>
+              <c:numRef>
+                <c:f>(Sheet1!$C$4,Sheet1!$E$4,Sheet1!$G$4,Sheet1!$I$4,Sheet1!$K$4)</c:f>
+                <c:numCache>
+                  <c:formatCode>General</c:formatCode>
+                  <c:ptCount val="5"/>
+                  <c:pt idx="0">
+                    <c:v>11.1</c:v>
+                  </c:pt>
+                  <c:pt idx="1">
+                    <c:v>3.23</c:v>
+                  </c:pt>
+                  <c:pt idx="2">
+                    <c:v>16.36</c:v>
+                  </c:pt>
+                  <c:pt idx="3">
+                    <c:v>13.4</c:v>
+                  </c:pt>
+                  <c:pt idx="4">
+                    <c:v>19.2</c:v>
+                  </c:pt>
+                </c:numCache>
+              </c:numRef>
+            </c:plus>
+            <c:minus>
+              <c:numRef>
+                <c:f>(Sheet1!$C$4,Sheet1!$E$4,Sheet1!$G$4,Sheet1!$I$4,Sheet1!$K$4)</c:f>
+                <c:numCache>
+                  <c:formatCode>General</c:formatCode>
+                  <c:ptCount val="5"/>
+                  <c:pt idx="0">
+                    <c:v>11.1</c:v>
+                  </c:pt>
+                  <c:pt idx="1">
+                    <c:v>3.23</c:v>
+                  </c:pt>
+                  <c:pt idx="2">
+                    <c:v>16.36</c:v>
+                  </c:pt>
+                  <c:pt idx="3">
+                    <c:v>13.4</c:v>
+                  </c:pt>
+                  <c:pt idx="4">
+                    <c:v>19.2</c:v>
+                  </c:pt>
+                </c:numCache>
+              </c:numRef>
+            </c:minus>
+          </c:errBars>
+          <c:cat>
+            <c:strRef>
+              <c:f>(Sheet1!$B$2,Sheet1!$D$2,Sheet1!$F$2,Sheet1!$H$2,Sheet1!$J$2,Sheet1!$L$2,Sheet1!$N$2)</c:f>
+              <c:strCache>
+                <c:ptCount val="7"/>
+                <c:pt idx="0">
+                  <c:v>4 replicas/16 exchanges</c:v>
+                </c:pt>
+                <c:pt idx="1">
+                  <c:v>8 replicas/32 exchanges</c:v>
+                </c:pt>
+                <c:pt idx="2">
+                  <c:v>16/64</c:v>
+                </c:pt>
+                <c:pt idx="3">
+                  <c:v>32/128</c:v>
+                </c:pt>
+                <c:pt idx="4">
+                  <c:v>64/256</c:v>
+                </c:pt>
+                <c:pt idx="5">
+                  <c:v>128/512</c:v>
+                </c:pt>
+                <c:pt idx="6">
+                  <c:v>256/1024</c:v>
+                </c:pt>
+              </c:strCache>
+            </c:strRef>
+          </c:cat>
+          <c:val>
+            <c:numRef>
+              <c:f>(Sheet1!$B$4,Sheet1!$D$4,Sheet1!$F$4,Sheet1!$H$4,Sheet1!$J$4,Sheet1!$L$4,Sheet1!$N$4)</c:f>
+              <c:numCache>
+                <c:formatCode>General</c:formatCode>
+                <c:ptCount val="7"/>
+                <c:pt idx="0">
+                  <c:v>628.6</c:v>
+                </c:pt>
+                <c:pt idx="1">
+                  <c:v>630.0</c:v>
+                </c:pt>
+                <c:pt idx="2">
+                  <c:v>701.83</c:v>
+                </c:pt>
+                <c:pt idx="3">
+                  <c:v>804.0</c:v>
+                </c:pt>
+                <c:pt idx="4">
+                  <c:v>1097.0</c:v>
+                </c:pt>
+                <c:pt idx="5">
+                  <c:v>1893.0</c:v>
+                </c:pt>
+              </c:numCache>
+            </c:numRef>
+          </c:val>
+        </c:ser>
+        <c:ser>
+          <c:idx val="2"/>
+          <c:order val="2"/>
+          <c:tx>
+            <c:strRef>
+              <c:f>Sheet1!$A$5</c:f>
+              <c:strCache>
+                <c:ptCount val="1"/>
+                <c:pt idx="0">
+                  <c:v>Asynchronous - Decentralized</c:v>
+                </c:pt>
+              </c:strCache>
+            </c:strRef>
+          </c:tx>
+          <c:errBars>
+            <c:errBarType val="both"/>
+            <c:errValType val="cust"/>
+            <c:plus>
+              <c:numRef>
+                <c:f>(Sheet1!$C$5,Sheet1!$E$5,Sheet1!$G$5,Sheet1!$I$5,Sheet1!$K$5,Sheet1!$M$5,Sheet1!$O$5)</c:f>
+                <c:numCache>
+                  <c:formatCode>General</c:formatCode>
+                  <c:ptCount val="7"/>
+                  <c:pt idx="0">
+                    <c:v>5.97</c:v>
+                  </c:pt>
+                  <c:pt idx="1">
+                    <c:v>6.14</c:v>
+                  </c:pt>
+                  <c:pt idx="2">
+                    <c:v>3.38</c:v>
+                  </c:pt>
+                  <c:pt idx="3">
+                    <c:v>4.24</c:v>
+                  </c:pt>
+                  <c:pt idx="4">
+                    <c:v>3.77</c:v>
+                  </c:pt>
+                  <c:pt idx="5">
+                    <c:v>8.6</c:v>
+                  </c:pt>
+                  <c:pt idx="6">
+                    <c:v>25.4</c:v>
+                  </c:pt>
+                </c:numCache>
+              </c:numRef>
+            </c:plus>
+            <c:minus>
+              <c:numRef>
+                <c:f>(Sheet1!$C$5,Sheet1!$E$5,Sheet1!$G$5,Sheet1!$I$5,Sheet1!$K$5,Sheet1!$M$5,Sheet1!$O$5)</c:f>
+                <c:numCache>
+                  <c:formatCode>General</c:formatCode>
+                  <c:ptCount val="7"/>
+                  <c:pt idx="0">
+                    <c:v>5.97</c:v>
+                  </c:pt>
+                  <c:pt idx="1">
+                    <c:v>6.14</c:v>
+                  </c:pt>
+                  <c:pt idx="2">
+                    <c:v>3.38</c:v>
+                  </c:pt>
+                  <c:pt idx="3">
+                    <c:v>4.24</c:v>
+                  </c:pt>
+                  <c:pt idx="4">
+                    <c:v>3.77</c:v>
+                  </c:pt>
+                  <c:pt idx="5">
+                    <c:v>8.6</c:v>
+                  </c:pt>
+                  <c:pt idx="6">
+                    <c:v>25.4</c:v>
+                  </c:pt>
+                </c:numCache>
+              </c:numRef>
+            </c:minus>
+          </c:errBars>
+          <c:cat>
+            <c:strRef>
+              <c:f>(Sheet1!$B$2,Sheet1!$D$2,Sheet1!$F$2,Sheet1!$H$2,Sheet1!$J$2,Sheet1!$L$2,Sheet1!$N$2)</c:f>
+              <c:strCache>
+                <c:ptCount val="7"/>
+                <c:pt idx="0">
+                  <c:v>4 replicas/16 exchanges</c:v>
+                </c:pt>
+                <c:pt idx="1">
+                  <c:v>8 replicas/32 exchanges</c:v>
+                </c:pt>
+                <c:pt idx="2">
+                  <c:v>16/64</c:v>
+                </c:pt>
+                <c:pt idx="3">
+                  <c:v>32/128</c:v>
+                </c:pt>
+                <c:pt idx="4">
+                  <c:v>64/256</c:v>
+                </c:pt>
+                <c:pt idx="5">
+                  <c:v>128/512</c:v>
+                </c:pt>
+                <c:pt idx="6">
+                  <c:v>256/1024</c:v>
+                </c:pt>
+              </c:strCache>
+            </c:strRef>
+          </c:cat>
+          <c:val>
+            <c:numRef>
+              <c:f>(Sheet1!$B$5,Sheet1!$D$5,Sheet1!$F$5,Sheet1!$H$5,Sheet1!$J$5,Sheet1!$L$5,Sheet1!$N$5)</c:f>
+              <c:numCache>
+                <c:formatCode>General</c:formatCode>
+                <c:ptCount val="7"/>
+                <c:pt idx="0">
+                  <c:v>588.9</c:v>
+                </c:pt>
+                <c:pt idx="1">
+                  <c:v>609.0</c:v>
+                </c:pt>
+                <c:pt idx="2">
+                  <c:v>583.33</c:v>
+                </c:pt>
+                <c:pt idx="3">
+                  <c:v>641.0</c:v>
+                </c:pt>
+                <c:pt idx="4">
+                  <c:v>660.0</c:v>
+                </c:pt>
+                <c:pt idx="5">
+                  <c:v>784.0</c:v>
+                </c:pt>
+                <c:pt idx="6">
+                  <c:v>882.0</c:v>
+                </c:pt>
+              </c:numCache>
+            </c:numRef>
+          </c:val>
+        </c:ser>
+        <c:axId val="177944104"/>
+        <c:axId val="146823016"/>
+      </c:barChart>
+      <c:catAx>
+        <c:axId val="177944104"/>
+        <c:scaling>
+          <c:orientation val="minMax"/>
+        </c:scaling>
+        <c:axPos val="b"/>
+        <c:tickLblPos val="nextTo"/>
+        <c:crossAx val="146823016"/>
+        <c:crosses val="autoZero"/>
+        <c:auto val="1"/>
+        <c:lblAlgn val="ctr"/>
+        <c:lblOffset val="100"/>
+      </c:catAx>
+      <c:valAx>
+        <c:axId val="146823016"/>
+        <c:scaling>
+          <c:orientation val="minMax"/>
+        </c:scaling>
+        <c:axPos val="l"/>
+        <c:majorGridlines/>
+        <c:numFmt formatCode="General" sourceLinked="1"/>
+        <c:tickLblPos val="nextTo"/>
+        <c:crossAx val="177944104"/>
+        <c:crosses val="autoZero"/>
+        <c:crossBetween val="between"/>
+      </c:valAx>
+    </c:plotArea>
+    <c:legend>
+      <c:legendPos val="r"/>
+      <c:layout/>
+    </c:legend>
+    <c:plotVisOnly val="1"/>
+  </c:chart>
+  <c:externalData r:id="rId1"/>
+</c:chartSpace>
+</file>
+
+<file path=ppt/charts/chart2.xml><?xml version="1.0" encoding="utf-8"?>
+<c:chartSpace xmlns:c="http://schemas.openxmlformats.org/drawingml/2006/chart" xmlns:a="http://schemas.openxmlformats.org/drawingml/2006/main" xmlns:r="http://schemas.openxmlformats.org/officeDocument/2006/relationships">
+  <c:date1904 val="1"/>
+  <c:lang val="en-US"/>
+  <c:style val="18"/>
+  <c:chart>
+    <c:plotArea>
+      <c:layout/>
+      <c:barChart>
+        <c:barDir val="col"/>
+        <c:grouping val="clustered"/>
+        <c:ser>
+          <c:idx val="0"/>
+          <c:order val="0"/>
+          <c:tx>
+            <c:v>Synchronous</c:v>
+          </c:tx>
+          <c:errBars>
+            <c:errBarType val="both"/>
+            <c:errValType val="cust"/>
+            <c:plus>
+              <c:numRef>
+                <c:f>(Sheet1!$C$43,Sheet1!$E$43)</c:f>
+                <c:numCache>
+                  <c:formatCode>General</c:formatCode>
+                  <c:ptCount val="2"/>
+                  <c:pt idx="0">
+                    <c:v>14.5</c:v>
+                  </c:pt>
+                  <c:pt idx="1">
+                    <c:v>10.05</c:v>
+                  </c:pt>
+                </c:numCache>
+              </c:numRef>
+            </c:plus>
+            <c:minus>
+              <c:numRef>
+                <c:f>(Sheet1!$C$43,Sheet1!$E$43)</c:f>
+                <c:numCache>
+                  <c:formatCode>General</c:formatCode>
+                  <c:ptCount val="2"/>
+                  <c:pt idx="0">
+                    <c:v>14.5</c:v>
+                  </c:pt>
+                  <c:pt idx="1">
+                    <c:v>10.05</c:v>
+                  </c:pt>
+                </c:numCache>
+              </c:numRef>
+            </c:minus>
+          </c:errBars>
+          <c:cat>
+            <c:strRef>
+              <c:f>Sheet1!$B$38:$C$38</c:f>
+              <c:strCache>
+                <c:ptCount val="2"/>
+                <c:pt idx="0">
+                  <c:v>4BJs, 4Machines - 16 replicas/64 exchanges</c:v>
+                </c:pt>
+                <c:pt idx="1">
+                  <c:v>2BJs 2Machines, 8 replicas, 32 exchanges</c:v>
+                </c:pt>
+              </c:strCache>
+            </c:strRef>
+          </c:cat>
+          <c:val>
+            <c:numRef>
+              <c:f>Sheet1!$B$39:$C$39</c:f>
+              <c:numCache>
+                <c:formatCode>General</c:formatCode>
+                <c:ptCount val="2"/>
+                <c:pt idx="0">
+                  <c:v>1179.8</c:v>
+                </c:pt>
+                <c:pt idx="1">
+                  <c:v>805.0</c:v>
+                </c:pt>
+              </c:numCache>
+            </c:numRef>
+          </c:val>
+        </c:ser>
+        <c:ser>
+          <c:idx val="1"/>
+          <c:order val="1"/>
+          <c:tx>
+            <c:v>Asynchronous-Centralized</c:v>
+          </c:tx>
+          <c:errBars>
+            <c:errBarType val="both"/>
+            <c:errValType val="cust"/>
+            <c:plus>
+              <c:numRef>
+                <c:f>(Sheet1!$C$44,Sheet1!$E$44)</c:f>
+                <c:numCache>
+                  <c:formatCode>General</c:formatCode>
+                  <c:ptCount val="2"/>
+                  <c:pt idx="0">
+                    <c:v>7.11</c:v>
+                  </c:pt>
+                  <c:pt idx="1">
+                    <c:v>5.57</c:v>
+                  </c:pt>
+                </c:numCache>
+              </c:numRef>
+            </c:plus>
+            <c:minus>
+              <c:numRef>
+                <c:f>(Sheet1!$C$44,Sheet1!$E$44)</c:f>
+                <c:numCache>
+                  <c:formatCode>General</c:formatCode>
+                  <c:ptCount val="2"/>
+                  <c:pt idx="0">
+                    <c:v>7.11</c:v>
+                  </c:pt>
+                  <c:pt idx="1">
+                    <c:v>5.57</c:v>
+                  </c:pt>
+                </c:numCache>
+              </c:numRef>
+            </c:minus>
+          </c:errBars>
+          <c:cat>
+            <c:strRef>
+              <c:f>Sheet1!$B$38:$C$38</c:f>
+              <c:strCache>
+                <c:ptCount val="2"/>
+                <c:pt idx="0">
+                  <c:v>4BJs, 4Machines - 16 replicas/64 exchanges</c:v>
+                </c:pt>
+                <c:pt idx="1">
+                  <c:v>2BJs 2Machines, 8 replicas, 32 exchanges</c:v>
+                </c:pt>
+              </c:strCache>
+            </c:strRef>
+          </c:cat>
+          <c:val>
+            <c:numRef>
+              <c:f>Sheet1!$B$40:$C$40</c:f>
+              <c:numCache>
+                <c:formatCode>General</c:formatCode>
+                <c:ptCount val="2"/>
+                <c:pt idx="0">
+                  <c:v>685.0</c:v>
+                </c:pt>
+                <c:pt idx="1">
+                  <c:v>632.0</c:v>
+                </c:pt>
+              </c:numCache>
+            </c:numRef>
+          </c:val>
+        </c:ser>
+        <c:ser>
+          <c:idx val="2"/>
+          <c:order val="2"/>
+          <c:tx>
+            <c:v>Asynchronous-Decentralized</c:v>
+          </c:tx>
+          <c:errBars>
+            <c:errBarType val="both"/>
+            <c:errValType val="cust"/>
+            <c:plus>
+              <c:numRef>
+                <c:f>(Sheet1!$C$45,Sheet1!$E$45)</c:f>
+                <c:numCache>
+                  <c:formatCode>General</c:formatCode>
+                  <c:ptCount val="2"/>
+                  <c:pt idx="0">
+                    <c:v>1.66</c:v>
+                  </c:pt>
+                  <c:pt idx="1">
+                    <c:v>9.17</c:v>
+                  </c:pt>
+                </c:numCache>
+              </c:numRef>
+            </c:plus>
+            <c:minus>
+              <c:numRef>
+                <c:f>(Sheet1!$C$45,Sheet1!$E$45)</c:f>
+                <c:numCache>
+                  <c:formatCode>General</c:formatCode>
+                  <c:ptCount val="2"/>
+                  <c:pt idx="0">
+                    <c:v>1.66</c:v>
+                  </c:pt>
+                  <c:pt idx="1">
+                    <c:v>9.17</c:v>
+                  </c:pt>
+                </c:numCache>
+              </c:numRef>
+            </c:minus>
+          </c:errBars>
+          <c:cat>
+            <c:strRef>
+              <c:f>Sheet1!$B$38:$C$38</c:f>
+              <c:strCache>
+                <c:ptCount val="2"/>
+                <c:pt idx="0">
+                  <c:v>4BJs, 4Machines - 16 replicas/64 exchanges</c:v>
+                </c:pt>
+                <c:pt idx="1">
+                  <c:v>2BJs 2Machines, 8 replicas, 32 exchanges</c:v>
+                </c:pt>
+              </c:strCache>
+            </c:strRef>
+          </c:cat>
+          <c:val>
+            <c:numRef>
+              <c:f>Sheet1!$B$41:$C$41</c:f>
+              <c:numCache>
+                <c:formatCode>General</c:formatCode>
+                <c:ptCount val="2"/>
+                <c:pt idx="0">
+                  <c:v>641.0</c:v>
+                </c:pt>
+                <c:pt idx="1">
+                  <c:v>607.8</c:v>
+                </c:pt>
+              </c:numCache>
+            </c:numRef>
+          </c:val>
+        </c:ser>
+        <c:axId val="68804280"/>
+        <c:axId val="467493992"/>
+      </c:barChart>
+      <c:catAx>
+        <c:axId val="68804280"/>
+        <c:scaling>
+          <c:orientation val="minMax"/>
+        </c:scaling>
+        <c:axPos val="b"/>
+        <c:tickLblPos val="nextTo"/>
+        <c:crossAx val="467493992"/>
+        <c:crosses val="autoZero"/>
+        <c:auto val="1"/>
+        <c:lblAlgn val="ctr"/>
+        <c:lblOffset val="100"/>
+      </c:catAx>
+      <c:valAx>
+        <c:axId val="467493992"/>
+        <c:scaling>
+          <c:orientation val="minMax"/>
+        </c:scaling>
+        <c:axPos val="l"/>
+        <c:majorGridlines/>
+        <c:numFmt formatCode="General" sourceLinked="1"/>
+        <c:tickLblPos val="nextTo"/>
+        <c:crossAx val="68804280"/>
+        <c:crosses val="autoZero"/>
+        <c:crossBetween val="between"/>
+      </c:valAx>
+    </c:plotArea>
+    <c:legend>
+      <c:legendPos val="r"/>
+      <c:layout/>
+    </c:legend>
+    <c:plotVisOnly val="1"/>
+  </c:chart>
+  <c:externalData r:id="rId1"/>
+</c:chartSpace>
+</file>
+
 <file path=ppt/handoutMasters/handoutMaster1.xml><?xml version="1.0" encoding="utf-8"?>
 <p:handoutMaster xmlns:a="http://schemas.openxmlformats.org/drawingml/2006/main" xmlns:r="http://schemas.openxmlformats.org/officeDocument/2006/relationships" xmlns:mc="http://schemas.openxmlformats.org/markup-compatibility/2006" xmlns:mv="urn:schemas-microsoft-com:mac:vml" xmlns:p="http://schemas.openxmlformats.org/presentationml/2006/main" mc:Ignorable="mv" mc:PreserveAttributes="mv:*">
   <p:cSld>
@@ -208,7 +896,7 @@
             <a:fld id="{9A6AC4B2-6F12-454D-8DA7-7B9C78843B81}" type="datetimeFigureOut">
               <a:rPr lang="en-US" smtClean="0"/>
               <a:pPr/>
-              <a:t>10/19/10</a:t>
+              <a:t>10/20/10</a:t>
             </a:fld>
             <a:endParaRPr lang="en-US"/>
           </a:p>
@@ -371,7 +1059,7 @@
             <a:fld id="{19F24AD4-A78B-B645-8B43-825B1EB2901C}" type="datetimeFigureOut">
               <a:rPr lang="en-US" smtClean="0"/>
               <a:pPr/>
-              <a:t>10/19/10</a:t>
+              <a:t>10/20/10</a:t>
             </a:fld>
             <a:endParaRPr lang="en-US"/>
           </a:p>
@@ -907,7 +1595,7 @@
             <a:fld id="{ADB8239A-D789-5443-937F-338E3AE3D41C}" type="datetime1">
               <a:rPr lang="en-US" smtClean="0"/>
               <a:pPr/>
-              <a:t>10/19/10</a:t>
+              <a:t>10/20/10</a:t>
             </a:fld>
             <a:endParaRPr lang="en-US"/>
           </a:p>
@@ -1211,7 +1899,7 @@
             <a:fld id="{459EC1CE-E98D-704D-AD6F-6E3323A36483}" type="datetime1">
               <a:rPr lang="en-US" smtClean="0"/>
               <a:pPr/>
-              <a:t>10/19/10</a:t>
+              <a:t>10/20/10</a:t>
             </a:fld>
             <a:endParaRPr lang="en-US"/>
           </a:p>
@@ -1487,7 +2175,7 @@
             <a:fld id="{23E692A5-8B3E-1949-B0CC-6F0593ACFA8E}" type="datetime1">
               <a:rPr lang="en-US" smtClean="0"/>
               <a:pPr/>
-              <a:t>10/19/10</a:t>
+              <a:t>10/20/10</a:t>
             </a:fld>
             <a:endParaRPr lang="en-US"/>
           </a:p>
@@ -1779,7 +2467,7 @@
             <a:fld id="{C381DA14-A3C0-9C42-96F2-BEE3D5DE963D}" type="datetime1">
               <a:rPr lang="en-US" smtClean="0"/>
               <a:pPr/>
-              <a:t>10/19/10</a:t>
+              <a:t>10/20/10</a:t>
             </a:fld>
             <a:endParaRPr lang="en-US"/>
           </a:p>
@@ -2106,7 +2794,7 @@
             <a:fld id="{33319320-9A5F-694B-B7B5-C734EC93AAA2}" type="datetime1">
               <a:rPr lang="en-US" smtClean="0"/>
               <a:pPr/>
-              <a:t>10/19/10</a:t>
+              <a:t>10/20/10</a:t>
             </a:fld>
             <a:endParaRPr lang="en-US"/>
           </a:p>
@@ -2354,7 +3042,7 @@
             <a:fld id="{CF6CE397-A6E6-7547-B24A-92BB5049E0F2}" type="datetime1">
               <a:rPr lang="en-US" smtClean="0"/>
               <a:pPr/>
-              <a:t>10/19/10</a:t>
+              <a:t>10/20/10</a:t>
             </a:fld>
             <a:endParaRPr lang="en-US"/>
           </a:p>
@@ -2531,7 +3219,7 @@
             <a:fld id="{27AB7D46-BD5E-E641-9118-DCE28F3B83FA}" type="datetime1">
               <a:rPr lang="en-US" smtClean="0"/>
               <a:pPr/>
-              <a:t>10/19/10</a:t>
+              <a:t>10/20/10</a:t>
             </a:fld>
             <a:endParaRPr lang="en-US"/>
           </a:p>
@@ -2871,7 +3559,7 @@
             <a:fld id="{4C4AD4EB-88D0-C141-9474-CCD86A78CB94}" type="datetimeFigureOut">
               <a:rPr lang="en-US" smtClean="0"/>
               <a:pPr/>
-              <a:t>10/19/10</a:t>
+              <a:t>10/20/10</a:t>
             </a:fld>
             <a:endParaRPr lang="en-US"/>
           </a:p>
@@ -3155,7 +3843,7 @@
             <a:fld id="{BC26097E-015C-3B4D-86C1-CD2AD30F0B81}" type="datetime1">
               <a:rPr lang="en-US" smtClean="0"/>
               <a:pPr/>
-              <a:t>10/19/10</a:t>
+              <a:t>10/20/10</a:t>
             </a:fld>
             <a:endParaRPr lang="en-US"/>
           </a:p>
@@ -3431,7 +4119,7 @@
             <a:fld id="{ED6649F4-2545-3040-B7BD-803CA59D50C7}" type="datetime1">
               <a:rPr lang="en-US" smtClean="0"/>
               <a:pPr/>
-              <a:t>10/19/10</a:t>
+              <a:t>10/20/10</a:t>
             </a:fld>
             <a:endParaRPr lang="en-US"/>
           </a:p>
@@ -3739,7 +4427,7 @@
             <a:fld id="{833A9088-CEDD-2F48-A9A0-611A3CC03FE9}" type="datetime1">
               <a:rPr lang="en-US" smtClean="0"/>
               <a:pPr/>
-              <a:t>10/19/10</a:t>
+              <a:t>10/20/10</a:t>
             </a:fld>
             <a:endParaRPr lang="en-US"/>
           </a:p>
@@ -4033,7 +4721,7 @@
             <a:fld id="{AED87ACF-EB3C-EA42-8610-542FB50388EB}" type="datetime1">
               <a:rPr lang="en-US" smtClean="0"/>
               <a:pPr/>
-              <a:t>10/19/10</a:t>
+              <a:t>10/20/10</a:t>
             </a:fld>
             <a:endParaRPr lang="en-US"/>
           </a:p>
@@ -4465,7 +5153,7 @@
             <a:fld id="{0E0DC31B-692F-774E-A937-DA560DE61DA8}" type="datetime1">
               <a:rPr lang="en-US" smtClean="0"/>
               <a:pPr/>
-              <a:t>10/19/10</a:t>
+              <a:t>10/20/10</a:t>
             </a:fld>
             <a:endParaRPr lang="en-US"/>
           </a:p>
@@ -4813,7 +5501,7 @@
             <a:fld id="{95DEFDAE-5BDC-1B4F-BC4C-23C867CEBC21}" type="datetime1">
               <a:rPr lang="en-US" smtClean="0"/>
               <a:pPr/>
-              <a:t>10/19/10</a:t>
+              <a:t>10/20/10</a:t>
             </a:fld>
             <a:endParaRPr lang="en-US"/>
           </a:p>
@@ -4905,7 +5593,7 @@
             <a:fld id="{9F53C516-787B-9A45-AFCF-5D75DD78DEBE}" type="datetime1">
               <a:rPr lang="en-US" smtClean="0"/>
               <a:pPr/>
-              <a:t>10/19/10</a:t>
+              <a:t>10/20/10</a:t>
             </a:fld>
             <a:endParaRPr lang="en-US"/>
           </a:p>
@@ -5244,7 +5932,7 @@
             <a:fld id="{F19CAA94-9393-BB4A-8CB6-008B1351A132}" type="datetime1">
               <a:rPr lang="en-US" smtClean="0"/>
               <a:pPr/>
-              <a:t>10/19/10</a:t>
+              <a:t>10/20/10</a:t>
             </a:fld>
             <a:endParaRPr lang="en-US"/>
           </a:p>
@@ -5458,7 +6146,7 @@
             <a:fld id="{A3476A5E-2ED6-7749-A8C1-D0B1EEEB97E0}" type="datetime1">
               <a:rPr lang="en-US" smtClean="0"/>
               <a:pPr/>
-              <a:t>10/19/10</a:t>
+              <a:t>10/20/10</a:t>
             </a:fld>
             <a:endParaRPr lang="en-US"/>
           </a:p>
@@ -6872,7 +7560,7 @@
             <a:fld id="{4C4AD4EB-88D0-C141-9474-CCD86A78CB94}" type="datetimeFigureOut">
               <a:rPr lang="en-US" smtClean="0"/>
               <a:pPr/>
-              <a:t>10/19/10</a:t>
+              <a:t>10/20/10</a:t>
             </a:fld>
             <a:endParaRPr lang="en-US"/>
           </a:p>
@@ -7452,11 +8140,7 @@
           <a:p>
             <a:r>
               <a:rPr lang="en-US" dirty="0" smtClean="0"/>
-              <a:t>A Brief Introduction to </a:t>
-            </a:r>
-            <a:r>
-              <a:rPr lang="en-US" dirty="0" smtClean="0"/>
-              <a:t>SAGA</a:t>
+              <a:t>A Brief Introduction to SAGA</a:t>
             </a:r>
             <a:endParaRPr lang="en-US" dirty="0"/>
           </a:p>
@@ -7590,6 +8274,192 @@
       </p:grpSpPr>
       <p:sp>
         <p:nvSpPr>
+          <p:cNvPr id="2" name="Title 1"/>
+          <p:cNvSpPr>
+            <a:spLocks noGrp="1"/>
+          </p:cNvSpPr>
+          <p:nvPr>
+            <p:ph type="title"/>
+          </p:nvPr>
+        </p:nvSpPr>
+        <p:spPr/>
+        <p:txBody>
+          <a:bodyPr/>
+          <a:lstStyle/>
+          <a:p>
+            <a:r>
+              <a:rPr lang="en-US" dirty="0" smtClean="0"/>
+              <a:t>Innovation in Distributed Algorithms (2)</a:t>
+            </a:r>
+            <a:endParaRPr lang="en-US" dirty="0"/>
+          </a:p>
+        </p:txBody>
+      </p:sp>
+      <p:graphicFrame>
+        <p:nvGraphicFramePr>
+          <p:cNvPr id="5" name="Chart 4"/>
+          <p:cNvGraphicFramePr/>
+          <p:nvPr/>
+        </p:nvGraphicFramePr>
+        <p:xfrm>
+          <a:off x="1094828" y="2662621"/>
+          <a:ext cx="7112000" cy="3365500"/>
+        </p:xfrm>
+        <a:graphic>
+          <a:graphicData uri="http://schemas.openxmlformats.org/drawingml/2006/chart">
+            <c:chart xmlns:c="http://schemas.openxmlformats.org/drawingml/2006/chart" xmlns:r="http://schemas.openxmlformats.org/officeDocument/2006/relationships" r:id="rId2"/>
+          </a:graphicData>
+        </a:graphic>
+      </p:graphicFrame>
+    </p:spTree>
+  </p:cSld>
+  <p:clrMapOvr>
+    <a:masterClrMapping/>
+  </p:clrMapOvr>
+</p:sld>
+</file>
+
+<file path=ppt/slides/slide11.xml><?xml version="1.0" encoding="utf-8"?>
+<p:sld xmlns:a="http://schemas.openxmlformats.org/drawingml/2006/main" xmlns:r="http://schemas.openxmlformats.org/officeDocument/2006/relationships" xmlns:mc="http://schemas.openxmlformats.org/markup-compatibility/2006" xmlns:mv="urn:schemas-microsoft-com:mac:vml" xmlns:p="http://schemas.openxmlformats.org/presentationml/2006/main" mc:Ignorable="mv" mc:PreserveAttributes="mv:*">
+  <p:cSld>
+    <p:spTree>
+      <p:nvGrpSpPr>
+        <p:cNvPr id="1" name=""/>
+        <p:cNvGrpSpPr/>
+        <p:nvPr/>
+      </p:nvGrpSpPr>
+      <p:grpSpPr>
+        <a:xfrm>
+          <a:off x="0" y="0"/>
+          <a:ext cx="0" cy="0"/>
+          <a:chOff x="0" y="0"/>
+          <a:chExt cx="0" cy="0"/>
+        </a:xfrm>
+      </p:grpSpPr>
+      <p:sp>
+        <p:nvSpPr>
+          <p:cNvPr id="2" name="Title 1"/>
+          <p:cNvSpPr>
+            <a:spLocks noGrp="1"/>
+          </p:cNvSpPr>
+          <p:nvPr>
+            <p:ph type="title"/>
+          </p:nvPr>
+        </p:nvSpPr>
+        <p:spPr/>
+        <p:txBody>
+          <a:bodyPr>
+            <a:normAutofit fontScale="90000"/>
+          </a:bodyPr>
+          <a:lstStyle/>
+          <a:p>
+            <a:r>
+              <a:rPr lang="en-US" dirty="0" smtClean="0"/>
+              <a:t>Understanding Distributed Programming Models </a:t>
+            </a:r>
+            <a:endParaRPr lang="en-US" dirty="0"/>
+          </a:p>
+        </p:txBody>
+      </p:sp>
+      <p:pic>
+        <p:nvPicPr>
+          <p:cNvPr id="4" name="Content Placeholder 3" descr="sphere_varying_workers.png"/>
+          <p:cNvPicPr>
+            <a:picLocks noGrp="1" noChangeAspect="1"/>
+          </p:cNvPicPr>
+          <p:nvPr>
+            <p:ph idx="1"/>
+          </p:nvPr>
+        </p:nvPicPr>
+        <p:blipFill>
+          <a:blip r:embed="rId2"/>
+          <a:srcRect l="-14268" r="-14268"/>
+          <a:stretch>
+            <a:fillRect/>
+          </a:stretch>
+        </p:blipFill>
+        <p:spPr>
+          <a:xfrm>
+            <a:off x="4129449" y="1817641"/>
+            <a:ext cx="5014551" cy="2731106"/>
+          </a:xfrm>
+        </p:spPr>
+      </p:pic>
+      <p:pic>
+        <p:nvPicPr>
+          <p:cNvPr id="5" name="Picture 4" descr="sagamr_varying_workers.png"/>
+          <p:cNvPicPr>
+            <a:picLocks noChangeAspect="1"/>
+          </p:cNvPicPr>
+          <p:nvPr/>
+        </p:nvPicPr>
+        <p:blipFill>
+          <a:blip r:embed="rId3"/>
+          <a:stretch>
+            <a:fillRect/>
+          </a:stretch>
+        </p:blipFill>
+        <p:spPr>
+          <a:xfrm>
+            <a:off x="4746883" y="4310826"/>
+            <a:ext cx="3827804" cy="2547174"/>
+          </a:xfrm>
+          <a:prstGeom prst="rect">
+            <a:avLst/>
+          </a:prstGeom>
+        </p:spPr>
+      </p:pic>
+      <p:pic>
+        <p:nvPicPr>
+          <p:cNvPr id="6" name="Picture 5" descr="sphere_mr_varying_chunksize.png"/>
+          <p:cNvPicPr>
+            <a:picLocks noChangeAspect="1"/>
+          </p:cNvPicPr>
+          <p:nvPr/>
+        </p:nvPicPr>
+        <p:blipFill>
+          <a:blip r:embed="rId4"/>
+          <a:stretch>
+            <a:fillRect/>
+          </a:stretch>
+        </p:blipFill>
+        <p:spPr>
+          <a:xfrm>
+            <a:off x="0" y="2465574"/>
+            <a:ext cx="4571429" cy="3200000"/>
+          </a:xfrm>
+          <a:prstGeom prst="rect">
+            <a:avLst/>
+          </a:prstGeom>
+        </p:spPr>
+      </p:pic>
+    </p:spTree>
+  </p:cSld>
+  <p:clrMapOvr>
+    <a:masterClrMapping/>
+  </p:clrMapOvr>
+</p:sld>
+</file>
+
+<file path=ppt/slides/slide12.xml><?xml version="1.0" encoding="utf-8"?>
+<p:sld xmlns:a="http://schemas.openxmlformats.org/drawingml/2006/main" xmlns:r="http://schemas.openxmlformats.org/officeDocument/2006/relationships" xmlns:mc="http://schemas.openxmlformats.org/markup-compatibility/2006" xmlns:mv="urn:schemas-microsoft-com:mac:vml" xmlns:p="http://schemas.openxmlformats.org/presentationml/2006/main" mc:Ignorable="mv" mc:PreserveAttributes="mv:*">
+  <p:cSld>
+    <p:spTree>
+      <p:nvGrpSpPr>
+        <p:cNvPr id="1" name=""/>
+        <p:cNvGrpSpPr/>
+        <p:nvPr/>
+      </p:nvGrpSpPr>
+      <p:grpSpPr>
+        <a:xfrm>
+          <a:off x="0" y="0"/>
+          <a:ext cx="0" cy="0"/>
+          <a:chOff x="0" y="0"/>
+          <a:chExt cx="0" cy="0"/>
+        </a:xfrm>
+      </p:grpSpPr>
+      <p:sp>
+        <p:nvSpPr>
           <p:cNvPr id="61" name="Footer Placeholder 3"/>
           <p:cNvSpPr>
             <a:spLocks noGrp="1"/>
@@ -7628,7 +8498,7 @@
             <a:fld id="{D7EEED34-8CD6-0C49-8D66-19FEDD51CB4E}" type="slidenum">
               <a:rPr lang="en-US"/>
               <a:pPr/>
-              <a:t>10</a:t>
+              <a:t>12</a:t>
             </a:fld>
             <a:endParaRPr lang="en-US"/>
           </a:p>
@@ -11016,7 +11886,7 @@
 </p:sld>
 </file>
 
-<file path=ppt/slides/slide11.xml><?xml version="1.0" encoding="utf-8"?>
+<file path=ppt/slides/slide13.xml><?xml version="1.0" encoding="utf-8"?>
 <p:sld xmlns:a="http://schemas.openxmlformats.org/drawingml/2006/main" xmlns:r="http://schemas.openxmlformats.org/officeDocument/2006/relationships" xmlns:mc="http://schemas.openxmlformats.org/markup-compatibility/2006" xmlns:mv="urn:schemas-microsoft-com:mac:vml" xmlns:p="http://schemas.openxmlformats.org/presentationml/2006/main" mc:Ignorable="mv" mc:PreserveAttributes="mv:*">
   <p:cSld>
     <p:spTree>
@@ -11130,7 +12000,7 @@
 </p:sld>
 </file>
 
-<file path=ppt/slides/slide2.xml><?xml version="1.0" encoding="utf-8"?>
+<file path=ppt/slides/slide14.xml><?xml version="1.0" encoding="utf-8"?>
 <p:sld xmlns:a="http://schemas.openxmlformats.org/drawingml/2006/main" xmlns:r="http://schemas.openxmlformats.org/officeDocument/2006/relationships" xmlns:mc="http://schemas.openxmlformats.org/markup-compatibility/2006" xmlns:mv="urn:schemas-microsoft-com:mac:vml" xmlns:p="http://schemas.openxmlformats.org/presentationml/2006/main" mc:Ignorable="mv" mc:PreserveAttributes="mv:*">
   <p:cSld>
     <p:spTree>
@@ -11159,12 +12029,33 @@
         </p:nvSpPr>
         <p:spPr/>
         <p:txBody>
-          <a:bodyPr/>
+          <a:bodyPr>
+            <a:normAutofit fontScale="90000"/>
+          </a:bodyPr>
           <a:lstStyle/>
           <a:p>
             <a:r>
+              <a:rPr lang="en-US" dirty="0" err="1" smtClean="0"/>
+              <a:t>ExTENCI</a:t>
+            </a:r>
+            <a:r>
               <a:rPr lang="en-US" dirty="0" smtClean="0"/>
-              <a:t>Installation</a:t>
+              <a:t>: </a:t>
+            </a:r>
+            <a:r>
+              <a:rPr lang="en-US" dirty="0" err="1" smtClean="0"/>
+              <a:t>TeraGrid</a:t>
+            </a:r>
+            <a:r>
+              <a:rPr lang="en-US" dirty="0" smtClean="0"/>
+              <a:t>-OSG [2010-12]</a:t>
+            </a:r>
+            <a:br>
+              <a:rPr lang="en-US" dirty="0" smtClean="0"/>
+            </a:br>
+            <a:r>
+              <a:rPr lang="en-US" dirty="0" smtClean="0"/>
+              <a:t>Cactus Application Scenarios</a:t>
             </a:r>
             <a:endParaRPr lang="en-US" dirty="0"/>
           </a:p>
@@ -11182,109 +12073,124 @@
         </p:nvSpPr>
         <p:spPr/>
         <p:txBody>
-          <a:bodyPr>
-            <a:normAutofit/>
-          </a:bodyPr>
+          <a:bodyPr/>
           <a:lstStyle/>
           <a:p>
             <a:r>
               <a:rPr lang="en-US" dirty="0" smtClean="0"/>
-              <a:t>SAGA consists of several components that can be installed on demand and separately:</a:t>
+              <a:t>Problem size varies – determinant of Infrastructure used</a:t>
             </a:r>
           </a:p>
           <a:p>
             <a:pPr lvl="1"/>
             <a:r>
-              <a:rPr lang="en-US" b="1" i="1" dirty="0" smtClean="0"/>
-              <a:t>Core Components </a:t>
-            </a:r>
-            <a:r>
               <a:rPr lang="en-US" dirty="0" smtClean="0"/>
-              <a:t>(required)</a:t>
-            </a:r>
-            <a:endParaRPr lang="en-US" b="1" i="1" dirty="0" smtClean="0"/>
+              <a:t>TG, OSG or either..</a:t>
+            </a:r>
+          </a:p>
+          <a:p>
+            <a:r>
+              <a:rPr lang="en-US" dirty="0" smtClean="0"/>
+              <a:t>MPI-based applications have a very complex SW environment that they need to worry about</a:t>
+            </a:r>
+          </a:p>
+          <a:p>
+            <a:r>
+              <a:rPr lang="en-US" dirty="0" smtClean="0"/>
+              <a:t>Application Scenarios/Usage Modes</a:t>
+            </a:r>
+          </a:p>
+          <a:p>
+            <a:pPr lvl="1"/>
+            <a:r>
+              <a:rPr lang="en-US" dirty="0" smtClean="0"/>
+              <a:t>1. Ensemble of Cactus Simulations</a:t>
+            </a:r>
           </a:p>
           <a:p>
             <a:pPr lvl="2"/>
             <a:r>
+              <a:rPr lang="en-US" dirty="0" err="1" smtClean="0"/>
+              <a:t>NumRel</a:t>
+            </a:r>
+            <a:r>
               <a:rPr lang="en-US" dirty="0" smtClean="0"/>
-              <a:t>Also contains the default adaptors (local files, local jobs </a:t>
-            </a:r>
-            <a:br>
+              <a:t>, </a:t>
+            </a:r>
+            <a:r>
+              <a:rPr lang="en-US" dirty="0" err="1" smtClean="0"/>
+              <a:t>EnKF</a:t>
+            </a:r>
+            <a:r>
               <a:rPr lang="en-US" dirty="0" smtClean="0"/>
-            </a:br>
+              <a:t> (Petroleum Eng)</a:t>
+            </a:r>
+          </a:p>
+          <a:p>
+            <a:pPr lvl="1"/>
             <a:r>
               <a:rPr lang="en-US" dirty="0" smtClean="0"/>
-              <a:t>and SQL-based advert and replica adaptors) </a:t>
+              <a:t>2. </a:t>
+            </a:r>
+            <a:r>
+              <a:rPr lang="en-US" dirty="0" err="1" smtClean="0"/>
+              <a:t>Multiphysics</a:t>
+            </a:r>
+            <a:r>
+              <a:rPr lang="en-US" dirty="0" smtClean="0"/>
+              <a:t> Code</a:t>
+            </a:r>
+          </a:p>
+          <a:p>
+            <a:pPr lvl="2"/>
+            <a:r>
+              <a:rPr lang="en-US" dirty="0" smtClean="0"/>
+              <a:t>GR-MHD, CFD-MD</a:t>
             </a:r>
           </a:p>
           <a:p>
             <a:pPr lvl="1"/>
             <a:r>
-              <a:rPr lang="en-US" b="1" i="1" dirty="0" smtClean="0"/>
-              <a:t>Python Language Bindings </a:t>
-            </a:r>
-            <a:r>
               <a:rPr lang="en-US" dirty="0" smtClean="0"/>
-              <a:t>(optional)</a:t>
-            </a:r>
+              <a:t>3. Spawning Simulations</a:t>
+            </a:r>
+          </a:p>
+          <a:p>
+            <a:pPr lvl="2"/>
+            <a:r>
+              <a:rPr lang="en-US" dirty="0" err="1" smtClean="0"/>
+              <a:t>Realtime</a:t>
+            </a:r>
+            <a:r>
+              <a:rPr lang="en-US" dirty="0" smtClean="0"/>
+              <a:t> ‘outsourcing’ from </a:t>
+            </a:r>
+            <a:r>
+              <a:rPr lang="en-US" dirty="0" err="1" smtClean="0"/>
+              <a:t>BlueWaters</a:t>
+            </a:r>
+            <a:r>
+              <a:rPr lang="en-US" dirty="0" smtClean="0"/>
+              <a:t>/Ranger to </a:t>
+            </a:r>
+            <a:r>
+              <a:rPr lang="en-US" dirty="0" err="1" smtClean="0"/>
+              <a:t>specialised</a:t>
+            </a:r>
+            <a:r>
+              <a:rPr lang="en-US" dirty="0" smtClean="0"/>
+              <a:t> architectures or less powerful resources</a:t>
+            </a:r>
+          </a:p>
+          <a:p>
+            <a:endParaRPr lang="en-US" dirty="0" smtClean="0"/>
+          </a:p>
+          <a:p>
+            <a:endParaRPr lang="en-US" dirty="0" smtClean="0"/>
           </a:p>
           <a:p>
             <a:pPr lvl="1"/>
-            <a:r>
-              <a:rPr lang="en-US" b="1" i="1" dirty="0" smtClean="0"/>
-              <a:t>Adaptors </a:t>
-            </a:r>
-            <a:r>
-              <a:rPr lang="en-US" dirty="0" smtClean="0"/>
-              <a:t>(optional)</a:t>
-            </a:r>
-            <a:endParaRPr lang="en-US" b="1" i="1" dirty="0" smtClean="0"/>
-          </a:p>
-          <a:p>
-            <a:pPr lvl="2"/>
-            <a:r>
-              <a:rPr lang="en-US" dirty="0" err="1" smtClean="0"/>
-              <a:t>Globus</a:t>
-            </a:r>
-            <a:r>
-              <a:rPr lang="en-US" dirty="0" smtClean="0"/>
-              <a:t>, LSF, </a:t>
-            </a:r>
-            <a:r>
-              <a:rPr lang="en-US" dirty="0" err="1" smtClean="0"/>
-              <a:t>gLite</a:t>
-            </a:r>
-            <a:r>
-              <a:rPr lang="en-US" dirty="0" smtClean="0"/>
-              <a:t>, SSH, Cloud, …</a:t>
-            </a:r>
-          </a:p>
-          <a:p>
-            <a:r>
-              <a:rPr lang="en-US" dirty="0" smtClean="0"/>
-              <a:t>The latest versions of all components can be downloaded from the SAGA website: </a:t>
-            </a:r>
-            <a:r>
-              <a:rPr lang="en-US" dirty="0" smtClean="0">
-                <a:hlinkClick r:id="rId2"/>
-              </a:rPr>
-              <a:t>http://saga.cct.lsu.edu/</a:t>
-            </a:r>
-            <a:endParaRPr lang="en-US" dirty="0" smtClean="0"/>
-          </a:p>
-          <a:p>
-            <a:r>
-              <a:rPr lang="en-US" dirty="0" smtClean="0"/>
-              <a:t>SVN: </a:t>
-            </a:r>
-            <a:r>
-              <a:rPr lang="en-US" dirty="0" smtClean="0">
-                <a:hlinkClick r:id="rId3"/>
-              </a:rPr>
-              <a:t>https://svn.cct.lsu.edu/repos/saga/</a:t>
-            </a:r>
-            <a:endParaRPr lang="en-US" dirty="0" smtClean="0"/>
+            <a:endParaRPr lang="en-US" dirty="0"/>
           </a:p>
         </p:txBody>
       </p:sp>
@@ -11293,10 +12199,107 @@
   <p:clrMapOvr>
     <a:masterClrMapping/>
   </p:clrMapOvr>
+  <p:timing>
+    <p:tnLst>
+      <p:par>
+        <p:cTn id="1" dur="indefinite" restart="never" nodeType="tmRoot"/>
+      </p:par>
+    </p:tnLst>
+  </p:timing>
 </p:sld>
 </file>
 
-<file path=ppt/slides/slide3.xml><?xml version="1.0" encoding="utf-8"?>
+<file path=ppt/slides/slide15.xml><?xml version="1.0" encoding="utf-8"?>
+<p:sld xmlns:a="http://schemas.openxmlformats.org/drawingml/2006/main" xmlns:r="http://schemas.openxmlformats.org/officeDocument/2006/relationships" xmlns:mc="http://schemas.openxmlformats.org/markup-compatibility/2006" xmlns:mv="urn:schemas-microsoft-com:mac:vml" xmlns:p="http://schemas.openxmlformats.org/presentationml/2006/main" mc:Ignorable="mv" mc:PreserveAttributes="mv:*">
+  <p:cSld>
+    <p:spTree>
+      <p:nvGrpSpPr>
+        <p:cNvPr id="1" name=""/>
+        <p:cNvGrpSpPr/>
+        <p:nvPr/>
+      </p:nvGrpSpPr>
+      <p:grpSpPr>
+        <a:xfrm>
+          <a:off x="0" y="0"/>
+          <a:ext cx="0" cy="0"/>
+          <a:chOff x="0" y="0"/>
+          <a:chExt cx="0" cy="0"/>
+        </a:xfrm>
+      </p:grpSpPr>
+      <p:pic>
+        <p:nvPicPr>
+          <p:cNvPr id="87042" name="Picture 1" descr="Picture 2.png"/>
+          <p:cNvPicPr>
+            <a:picLocks noChangeAspect="1"/>
+          </p:cNvPicPr>
+          <p:nvPr/>
+        </p:nvPicPr>
+        <p:blipFill>
+          <a:blip r:embed="rId2"/>
+          <a:srcRect/>
+          <a:stretch>
+            <a:fillRect/>
+          </a:stretch>
+        </p:blipFill>
+        <p:spPr bwMode="auto">
+          <a:xfrm>
+            <a:off x="192088" y="1016000"/>
+            <a:ext cx="8799512" cy="5232400"/>
+          </a:xfrm>
+          <a:prstGeom prst="rect">
+            <a:avLst/>
+          </a:prstGeom>
+          <a:noFill/>
+          <a:ln w="9525">
+            <a:noFill/>
+            <a:miter lim="800000"/>
+            <a:headEnd/>
+            <a:tailEnd/>
+          </a:ln>
+        </p:spPr>
+      </p:pic>
+      <p:sp>
+        <p:nvSpPr>
+          <p:cNvPr id="5" name="Title 4"/>
+          <p:cNvSpPr>
+            <a:spLocks noGrp="1"/>
+          </p:cNvSpPr>
+          <p:nvPr>
+            <p:ph type="title"/>
+          </p:nvPr>
+        </p:nvSpPr>
+        <p:spPr/>
+        <p:txBody>
+          <a:bodyPr>
+            <a:normAutofit fontScale="90000"/>
+          </a:bodyPr>
+          <a:lstStyle/>
+          <a:p>
+            <a:r>
+              <a:rPr lang="en-US" dirty="0" smtClean="0"/>
+              <a:t>SAGA – Production Grade Software supporting fundamental research </a:t>
+            </a:r>
+            <a:endParaRPr lang="en-US" dirty="0"/>
+          </a:p>
+        </p:txBody>
+      </p:sp>
+    </p:spTree>
+  </p:cSld>
+  <p:clrMapOvr>
+    <a:masterClrMapping/>
+  </p:clrMapOvr>
+  <p:transition/>
+  <p:timing>
+    <p:tnLst>
+      <p:par>
+        <p:cTn id="1" dur="indefinite" restart="never" nodeType="tmRoot"/>
+      </p:par>
+    </p:tnLst>
+  </p:timing>
+</p:sld>
+</file>
+
+<file path=ppt/slides/slide2.xml><?xml version="1.0" encoding="utf-8"?>
 <p:sld xmlns:a="http://schemas.openxmlformats.org/drawingml/2006/main" xmlns:r="http://schemas.openxmlformats.org/officeDocument/2006/relationships" xmlns:mc="http://schemas.openxmlformats.org/markup-compatibility/2006" xmlns:mv="urn:schemas-microsoft-com:mac:vml" xmlns:p="http://schemas.openxmlformats.org/presentationml/2006/main" mc:Ignorable="mv" mc:PreserveAttributes="mv:*">
   <p:cSld>
     <p:spTree>
@@ -11601,7 +12604,7 @@
 </p:sld>
 </file>
 
-<file path=ppt/slides/slide4.xml><?xml version="1.0" encoding="utf-8"?>
+<file path=ppt/slides/slide3.xml><?xml version="1.0" encoding="utf-8"?>
 <p:sld xmlns:a="http://schemas.openxmlformats.org/drawingml/2006/main" xmlns:r="http://schemas.openxmlformats.org/officeDocument/2006/relationships" xmlns:mc="http://schemas.openxmlformats.org/markup-compatibility/2006" xmlns:mv="urn:schemas-microsoft-com:mac:vml" xmlns:p="http://schemas.openxmlformats.org/presentationml/2006/main" mc:Ignorable="mv" mc:PreserveAttributes="mv:*">
   <p:cSld>
     <p:spTree>
@@ -12271,7 +13274,7 @@
 </p:sld>
 </file>
 
-<file path=ppt/slides/slide5.xml><?xml version="1.0" encoding="utf-8"?>
+<file path=ppt/slides/slide4.xml><?xml version="1.0" encoding="utf-8"?>
 <p:sld xmlns:a="http://schemas.openxmlformats.org/drawingml/2006/main" xmlns:r="http://schemas.openxmlformats.org/officeDocument/2006/relationships" xmlns:mc="http://schemas.openxmlformats.org/markup-compatibility/2006" xmlns:mv="urn:schemas-microsoft-com:mac:vml" xmlns:p="http://schemas.openxmlformats.org/presentationml/2006/main" mc:Ignorable="mv" mc:PreserveAttributes="mv:*">
   <p:cSld>
     <p:spTree>
@@ -12358,7 +13361,7 @@
 </p:sld>
 </file>
 
-<file path=ppt/slides/slide6.xml><?xml version="1.0" encoding="utf-8"?>
+<file path=ppt/slides/slide5.xml><?xml version="1.0" encoding="utf-8"?>
 <p:sld xmlns:a="http://schemas.openxmlformats.org/drawingml/2006/main" xmlns:r="http://schemas.openxmlformats.org/officeDocument/2006/relationships" xmlns:mc="http://schemas.openxmlformats.org/markup-compatibility/2006" xmlns:mv="urn:schemas-microsoft-com:mac:vml" xmlns:p="http://schemas.openxmlformats.org/presentationml/2006/main" mc:Ignorable="mv" mc:PreserveAttributes="mv:*">
   <p:cSld>
     <p:spTree>
@@ -12423,6 +13426,97 @@
     <a:masterClrMapping/>
   </p:clrMapOvr>
   <p:transition/>
+  <p:timing>
+    <p:tnLst>
+      <p:par>
+        <p:cTn id="1" dur="indefinite" restart="never" nodeType="tmRoot"/>
+      </p:par>
+    </p:tnLst>
+  </p:timing>
+</p:sld>
+</file>
+
+<file path=ppt/slides/slide6.xml><?xml version="1.0" encoding="utf-8"?>
+<p:sld xmlns:a="http://schemas.openxmlformats.org/drawingml/2006/main" xmlns:r="http://schemas.openxmlformats.org/officeDocument/2006/relationships" xmlns:mc="http://schemas.openxmlformats.org/markup-compatibility/2006" xmlns:mv="urn:schemas-microsoft-com:mac:vml" xmlns:p="http://schemas.openxmlformats.org/presentationml/2006/main" mc:Ignorable="mv" mc:PreserveAttributes="mv:*">
+  <p:cSld>
+    <p:spTree>
+      <p:nvGrpSpPr>
+        <p:cNvPr id="1" name=""/>
+        <p:cNvGrpSpPr/>
+        <p:nvPr/>
+      </p:nvGrpSpPr>
+      <p:grpSpPr>
+        <a:xfrm>
+          <a:off x="0" y="0"/>
+          <a:ext cx="0" cy="0"/>
+          <a:chOff x="0" y="0"/>
+          <a:chExt cx="0" cy="0"/>
+        </a:xfrm>
+      </p:grpSpPr>
+      <p:sp>
+        <p:nvSpPr>
+          <p:cNvPr id="2" name="Title 1"/>
+          <p:cNvSpPr>
+            <a:spLocks noGrp="1"/>
+          </p:cNvSpPr>
+          <p:nvPr>
+            <p:ph type="title"/>
+          </p:nvPr>
+        </p:nvSpPr>
+        <p:spPr/>
+        <p:txBody>
+          <a:bodyPr>
+            <a:noAutofit/>
+          </a:bodyPr>
+          <a:lstStyle/>
+          <a:p>
+            <a:r>
+              <a:rPr lang="en-US" sz="2600" dirty="0" smtClean="0"/>
+              <a:t>Abstractions for Dynamic Execution (2)</a:t>
+            </a:r>
+            <a:br>
+              <a:rPr lang="en-US" sz="2600" dirty="0" smtClean="0"/>
+            </a:br>
+            <a:r>
+              <a:rPr lang="en-US" sz="2600" dirty="0" smtClean="0"/>
+              <a:t>SAGA Pilot-Job (</a:t>
+            </a:r>
+            <a:r>
+              <a:rPr lang="en-US" sz="2600" dirty="0" err="1" smtClean="0"/>
+              <a:t>BigJob</a:t>
+            </a:r>
+            <a:r>
+              <a:rPr lang="en-US" sz="2600" dirty="0" smtClean="0"/>
+              <a:t>)</a:t>
+            </a:r>
+            <a:endParaRPr lang="en-US" sz="2600" dirty="0"/>
+          </a:p>
+        </p:txBody>
+      </p:sp>
+      <p:pic>
+        <p:nvPicPr>
+          <p:cNvPr id="4" name="Content Placeholder 3" descr="bigjob.png"/>
+          <p:cNvPicPr>
+            <a:picLocks noGrp="1" noChangeAspect="1"/>
+          </p:cNvPicPr>
+          <p:nvPr>
+            <p:ph idx="1"/>
+          </p:nvPr>
+        </p:nvPicPr>
+        <p:blipFill>
+          <a:blip r:embed="rId2"/>
+          <a:srcRect l="-2356" r="-2356"/>
+          <a:stretch>
+            <a:fillRect/>
+          </a:stretch>
+        </p:blipFill>
+        <p:spPr/>
+      </p:pic>
+    </p:spTree>
+  </p:cSld>
+  <p:clrMapOvr>
+    <a:masterClrMapping/>
+  </p:clrMapOvr>
   <p:timing>
     <p:tnLst>
       <p:par>
@@ -12822,41 +13916,9 @@
           <a:chExt cx="0" cy="0"/>
         </a:xfrm>
       </p:grpSpPr>
-      <p:pic>
-        <p:nvPicPr>
-          <p:cNvPr id="87042" name="Picture 1" descr="Picture 2.png"/>
-          <p:cNvPicPr>
-            <a:picLocks noChangeAspect="1"/>
-          </p:cNvPicPr>
-          <p:nvPr/>
-        </p:nvPicPr>
-        <p:blipFill>
-          <a:blip r:embed="rId2"/>
-          <a:srcRect/>
-          <a:stretch>
-            <a:fillRect/>
-          </a:stretch>
-        </p:blipFill>
-        <p:spPr bwMode="auto">
-          <a:xfrm>
-            <a:off x="192088" y="1016000"/>
-            <a:ext cx="8799512" cy="5232400"/>
-          </a:xfrm>
-          <a:prstGeom prst="rect">
-            <a:avLst/>
-          </a:prstGeom>
-          <a:noFill/>
-          <a:ln w="9525">
-            <a:noFill/>
-            <a:miter lim="800000"/>
-            <a:headEnd/>
-            <a:tailEnd/>
-          </a:ln>
-        </p:spPr>
-      </p:pic>
-      <p:sp>
-        <p:nvSpPr>
-          <p:cNvPr id="5" name="Title 4"/>
+      <p:sp>
+        <p:nvSpPr>
+          <p:cNvPr id="2" name="Title 1"/>
           <p:cNvSpPr>
             <a:spLocks noGrp="1"/>
           </p:cNvSpPr>
@@ -12866,32 +13928,38 @@
         </p:nvSpPr>
         <p:spPr/>
         <p:txBody>
-          <a:bodyPr>
-            <a:normAutofit fontScale="90000"/>
-          </a:bodyPr>
+          <a:bodyPr/>
           <a:lstStyle/>
           <a:p>
             <a:r>
               <a:rPr lang="en-US" dirty="0" smtClean="0"/>
-              <a:t>SAGA – Production Grade Software supporting fundamental research </a:t>
+              <a:t>Innovation in Distributed Algorithms (1)</a:t>
             </a:r>
             <a:endParaRPr lang="en-US" dirty="0"/>
           </a:p>
         </p:txBody>
       </p:sp>
+      <p:graphicFrame>
+        <p:nvGraphicFramePr>
+          <p:cNvPr id="4" name="Chart 3"/>
+          <p:cNvGraphicFramePr/>
+          <p:nvPr/>
+        </p:nvGraphicFramePr>
+        <p:xfrm>
+          <a:off x="1022350" y="2071851"/>
+          <a:ext cx="7184478" cy="3717597"/>
+        </p:xfrm>
+        <a:graphic>
+          <a:graphicData uri="http://schemas.openxmlformats.org/drawingml/2006/chart">
+            <c:chart xmlns:c="http://schemas.openxmlformats.org/drawingml/2006/chart" xmlns:r="http://schemas.openxmlformats.org/officeDocument/2006/relationships" r:id="rId2"/>
+          </a:graphicData>
+        </a:graphic>
+      </p:graphicFrame>
     </p:spTree>
   </p:cSld>
   <p:clrMapOvr>
     <a:masterClrMapping/>
   </p:clrMapOvr>
-  <p:transition/>
-  <p:timing>
-    <p:tnLst>
-      <p:par>
-        <p:cTn id="1" dur="indefinite" restart="never" nodeType="tmRoot"/>
-      </p:par>
-    </p:tnLst>
-  </p:timing>
 </p:sld>
 </file>
 

--- a/tutorial/general_tutorial/SAGA-Intro-Conclusion.pptx
+++ b/tutorial/general_tutorial/SAGA-Intro-Conclusion.pptx
@@ -12434,7 +12434,7 @@
         </p:nvSpPr>
         <p:spPr>
           <a:xfrm>
-            <a:off x="757947" y="1529880"/>
+            <a:off x="482366" y="2087422"/>
             <a:ext cx="7966954" cy="4940436"/>
           </a:xfrm>
         </p:spPr>
@@ -12718,8 +12718,8 @@
         </p:nvSpPr>
         <p:spPr>
           <a:xfrm>
-            <a:off x="757947" y="1529880"/>
-            <a:ext cx="7966954" cy="5033310"/>
+            <a:off x="757947" y="2038256"/>
+            <a:ext cx="7691373" cy="4524934"/>
           </a:xfrm>
           <a:prstGeom prst="rect">
             <a:avLst/>
@@ -12727,7 +12727,7 @@
         </p:spPr>
         <p:txBody>
           <a:bodyPr vert="horz" lIns="91440" tIns="45720" rIns="91440" bIns="45720" rtlCol="0">
-            <a:normAutofit fontScale="92500" lnSpcReduction="20000"/>
+            <a:normAutofit fontScale="85000" lnSpcReduction="10000"/>
           </a:bodyPr>
           <a:lstStyle/>
           <a:p>
@@ -13696,12 +13696,14 @@
         </p:nvSpPr>
         <p:spPr>
           <a:xfrm>
-            <a:off x="655077" y="1348072"/>
-            <a:ext cx="3775170" cy="4804652"/>
+            <a:off x="892711" y="2011972"/>
+            <a:ext cx="3537536" cy="4140751"/>
           </a:xfrm>
         </p:spPr>
         <p:txBody>
-          <a:bodyPr/>
+          <a:bodyPr>
+            <a:normAutofit fontScale="92500" lnSpcReduction="10000"/>
+          </a:bodyPr>
           <a:lstStyle/>
           <a:p>
             <a:r>
@@ -13838,7 +13840,7 @@
         </p:nvSpPr>
         <p:spPr>
           <a:xfrm>
-            <a:off x="713660" y="5730876"/>
+            <a:off x="713660" y="6152722"/>
             <a:ext cx="4110306" cy="923330"/>
           </a:xfrm>
           <a:prstGeom prst="rect">

--- a/tutorial/general_tutorial/SAGA-Intro-Conclusion.pptx
+++ b/tutorial/general_tutorial/SAGA-Intro-Conclusion.pptx
@@ -5,29 +5,32 @@
     <p:sldMasterId id="2147483660" r:id="rId1"/>
     <p:sldMasterId id="2147483676" r:id="rId2"/>
     <p:sldMasterId id="2147483678" r:id="rId3"/>
+    <p:sldMasterId id="2147483680" r:id="rId4"/>
+    <p:sldMasterId id="2147483682" r:id="rId5"/>
+    <p:sldMasterId id="2147483684" r:id="rId6"/>
   </p:sldMasterIdLst>
   <p:notesMasterIdLst>
-    <p:notesMasterId r:id="rId19"/>
+    <p:notesMasterId r:id="rId22"/>
   </p:notesMasterIdLst>
   <p:handoutMasterIdLst>
-    <p:handoutMasterId r:id="rId20"/>
+    <p:handoutMasterId r:id="rId23"/>
   </p:handoutMasterIdLst>
   <p:sldIdLst>
-    <p:sldId id="256" r:id="rId4"/>
-    <p:sldId id="261" r:id="rId5"/>
-    <p:sldId id="262" r:id="rId6"/>
-    <p:sldId id="263" r:id="rId7"/>
-    <p:sldId id="264" r:id="rId8"/>
-    <p:sldId id="273" r:id="rId9"/>
-    <p:sldId id="265" r:id="rId10"/>
-    <p:sldId id="266" r:id="rId11"/>
-    <p:sldId id="270" r:id="rId12"/>
-    <p:sldId id="271" r:id="rId13"/>
+    <p:sldId id="256" r:id="rId7"/>
+    <p:sldId id="261" r:id="rId8"/>
+    <p:sldId id="262" r:id="rId9"/>
+    <p:sldId id="263" r:id="rId10"/>
+    <p:sldId id="264" r:id="rId11"/>
+    <p:sldId id="277" r:id="rId12"/>
+    <p:sldId id="279" r:id="rId13"/>
     <p:sldId id="272" r:id="rId14"/>
-    <p:sldId id="268" r:id="rId15"/>
-    <p:sldId id="269" r:id="rId16"/>
-    <p:sldId id="274" r:id="rId17"/>
-    <p:sldId id="267" r:id="rId18"/>
+    <p:sldId id="266" r:id="rId15"/>
+    <p:sldId id="265" r:id="rId16"/>
+    <p:sldId id="267" r:id="rId17"/>
+    <p:sldId id="278" r:id="rId18"/>
+    <p:sldId id="269" r:id="rId19"/>
+    <p:sldId id="268" r:id="rId20"/>
+    <p:sldId id="280" r:id="rId21"/>
   </p:sldIdLst>
   <p:sldSz cx="9144000" cy="6858000" type="screen4x3"/>
   <p:notesSz cx="6858000" cy="9144000"/>
@@ -144,429 +147,6 @@
           <c:idx val="0"/>
           <c:order val="0"/>
           <c:tx>
-            <c:strRef>
-              <c:f>Sheet1!$A$3</c:f>
-              <c:strCache>
-                <c:ptCount val="1"/>
-                <c:pt idx="0">
-                  <c:v>Synchronous</c:v>
-                </c:pt>
-              </c:strCache>
-            </c:strRef>
-          </c:tx>
-          <c:errBars>
-            <c:errBarType val="both"/>
-            <c:errValType val="cust"/>
-            <c:plus>
-              <c:numRef>
-                <c:f>(Sheet1!$C$3,Sheet1!$E$3,Sheet1!$G$3,Sheet1!$I$3)</c:f>
-                <c:numCache>
-                  <c:formatCode>General</c:formatCode>
-                  <c:ptCount val="4"/>
-                  <c:pt idx="0">
-                    <c:v>8.81</c:v>
-                  </c:pt>
-                  <c:pt idx="1">
-                    <c:v>11.2</c:v>
-                  </c:pt>
-                  <c:pt idx="2">
-                    <c:v>17.0</c:v>
-                  </c:pt>
-                  <c:pt idx="3">
-                    <c:v>18.34</c:v>
-                  </c:pt>
-                </c:numCache>
-              </c:numRef>
-            </c:plus>
-            <c:minus>
-              <c:numRef>
-                <c:f>(Sheet1!$C$3,Sheet1!$E$3,Sheet1!$G$3,Sheet1!$I$3)</c:f>
-                <c:numCache>
-                  <c:formatCode>General</c:formatCode>
-                  <c:ptCount val="4"/>
-                  <c:pt idx="0">
-                    <c:v>8.81</c:v>
-                  </c:pt>
-                  <c:pt idx="1">
-                    <c:v>11.2</c:v>
-                  </c:pt>
-                  <c:pt idx="2">
-                    <c:v>17.0</c:v>
-                  </c:pt>
-                  <c:pt idx="3">
-                    <c:v>18.34</c:v>
-                  </c:pt>
-                </c:numCache>
-              </c:numRef>
-            </c:minus>
-          </c:errBars>
-          <c:cat>
-            <c:strRef>
-              <c:f>(Sheet1!$B$2,Sheet1!$D$2,Sheet1!$F$2,Sheet1!$H$2,Sheet1!$J$2,Sheet1!$L$2,Sheet1!$N$2)</c:f>
-              <c:strCache>
-                <c:ptCount val="7"/>
-                <c:pt idx="0">
-                  <c:v>4 replicas/16 exchanges</c:v>
-                </c:pt>
-                <c:pt idx="1">
-                  <c:v>8 replicas/32 exchanges</c:v>
-                </c:pt>
-                <c:pt idx="2">
-                  <c:v>16/64</c:v>
-                </c:pt>
-                <c:pt idx="3">
-                  <c:v>32/128</c:v>
-                </c:pt>
-                <c:pt idx="4">
-                  <c:v>64/256</c:v>
-                </c:pt>
-                <c:pt idx="5">
-                  <c:v>128/512</c:v>
-                </c:pt>
-                <c:pt idx="6">
-                  <c:v>256/1024</c:v>
-                </c:pt>
-              </c:strCache>
-            </c:strRef>
-          </c:cat>
-          <c:val>
-            <c:numRef>
-              <c:f>(Sheet1!$B$3,Sheet1!$D$3,Sheet1!$F$3,Sheet1!$H$3,Sheet1!$J$3,Sheet1!$L$3,Sheet1!$N$3)</c:f>
-              <c:numCache>
-                <c:formatCode>General</c:formatCode>
-                <c:ptCount val="7"/>
-                <c:pt idx="0">
-                  <c:v>624.0</c:v>
-                </c:pt>
-                <c:pt idx="1">
-                  <c:v>685.0</c:v>
-                </c:pt>
-                <c:pt idx="2">
-                  <c:v>802.0</c:v>
-                </c:pt>
-                <c:pt idx="3">
-                  <c:v>1023.0</c:v>
-                </c:pt>
-              </c:numCache>
-            </c:numRef>
-          </c:val>
-        </c:ser>
-        <c:ser>
-          <c:idx val="1"/>
-          <c:order val="1"/>
-          <c:tx>
-            <c:strRef>
-              <c:f>Sheet1!$A$4</c:f>
-              <c:strCache>
-                <c:ptCount val="1"/>
-                <c:pt idx="0">
-                  <c:v>Asynchronous - Centralized</c:v>
-                </c:pt>
-              </c:strCache>
-            </c:strRef>
-          </c:tx>
-          <c:errBars>
-            <c:errBarType val="both"/>
-            <c:errValType val="cust"/>
-            <c:plus>
-              <c:numRef>
-                <c:f>(Sheet1!$C$4,Sheet1!$E$4,Sheet1!$G$4,Sheet1!$I$4,Sheet1!$K$4)</c:f>
-                <c:numCache>
-                  <c:formatCode>General</c:formatCode>
-                  <c:ptCount val="5"/>
-                  <c:pt idx="0">
-                    <c:v>11.1</c:v>
-                  </c:pt>
-                  <c:pt idx="1">
-                    <c:v>3.23</c:v>
-                  </c:pt>
-                  <c:pt idx="2">
-                    <c:v>16.36</c:v>
-                  </c:pt>
-                  <c:pt idx="3">
-                    <c:v>13.4</c:v>
-                  </c:pt>
-                  <c:pt idx="4">
-                    <c:v>19.2</c:v>
-                  </c:pt>
-                </c:numCache>
-              </c:numRef>
-            </c:plus>
-            <c:minus>
-              <c:numRef>
-                <c:f>(Sheet1!$C$4,Sheet1!$E$4,Sheet1!$G$4,Sheet1!$I$4,Sheet1!$K$4)</c:f>
-                <c:numCache>
-                  <c:formatCode>General</c:formatCode>
-                  <c:ptCount val="5"/>
-                  <c:pt idx="0">
-                    <c:v>11.1</c:v>
-                  </c:pt>
-                  <c:pt idx="1">
-                    <c:v>3.23</c:v>
-                  </c:pt>
-                  <c:pt idx="2">
-                    <c:v>16.36</c:v>
-                  </c:pt>
-                  <c:pt idx="3">
-                    <c:v>13.4</c:v>
-                  </c:pt>
-                  <c:pt idx="4">
-                    <c:v>19.2</c:v>
-                  </c:pt>
-                </c:numCache>
-              </c:numRef>
-            </c:minus>
-          </c:errBars>
-          <c:cat>
-            <c:strRef>
-              <c:f>(Sheet1!$B$2,Sheet1!$D$2,Sheet1!$F$2,Sheet1!$H$2,Sheet1!$J$2,Sheet1!$L$2,Sheet1!$N$2)</c:f>
-              <c:strCache>
-                <c:ptCount val="7"/>
-                <c:pt idx="0">
-                  <c:v>4 replicas/16 exchanges</c:v>
-                </c:pt>
-                <c:pt idx="1">
-                  <c:v>8 replicas/32 exchanges</c:v>
-                </c:pt>
-                <c:pt idx="2">
-                  <c:v>16/64</c:v>
-                </c:pt>
-                <c:pt idx="3">
-                  <c:v>32/128</c:v>
-                </c:pt>
-                <c:pt idx="4">
-                  <c:v>64/256</c:v>
-                </c:pt>
-                <c:pt idx="5">
-                  <c:v>128/512</c:v>
-                </c:pt>
-                <c:pt idx="6">
-                  <c:v>256/1024</c:v>
-                </c:pt>
-              </c:strCache>
-            </c:strRef>
-          </c:cat>
-          <c:val>
-            <c:numRef>
-              <c:f>(Sheet1!$B$4,Sheet1!$D$4,Sheet1!$F$4,Sheet1!$H$4,Sheet1!$J$4,Sheet1!$L$4,Sheet1!$N$4)</c:f>
-              <c:numCache>
-                <c:formatCode>General</c:formatCode>
-                <c:ptCount val="7"/>
-                <c:pt idx="0">
-                  <c:v>628.6</c:v>
-                </c:pt>
-                <c:pt idx="1">
-                  <c:v>630.0</c:v>
-                </c:pt>
-                <c:pt idx="2">
-                  <c:v>701.83</c:v>
-                </c:pt>
-                <c:pt idx="3">
-                  <c:v>804.0</c:v>
-                </c:pt>
-                <c:pt idx="4">
-                  <c:v>1097.0</c:v>
-                </c:pt>
-                <c:pt idx="5">
-                  <c:v>1893.0</c:v>
-                </c:pt>
-              </c:numCache>
-            </c:numRef>
-          </c:val>
-        </c:ser>
-        <c:ser>
-          <c:idx val="2"/>
-          <c:order val="2"/>
-          <c:tx>
-            <c:strRef>
-              <c:f>Sheet1!$A$5</c:f>
-              <c:strCache>
-                <c:ptCount val="1"/>
-                <c:pt idx="0">
-                  <c:v>Asynchronous - Decentralized</c:v>
-                </c:pt>
-              </c:strCache>
-            </c:strRef>
-          </c:tx>
-          <c:errBars>
-            <c:errBarType val="both"/>
-            <c:errValType val="cust"/>
-            <c:plus>
-              <c:numRef>
-                <c:f>(Sheet1!$C$5,Sheet1!$E$5,Sheet1!$G$5,Sheet1!$I$5,Sheet1!$K$5,Sheet1!$M$5,Sheet1!$O$5)</c:f>
-                <c:numCache>
-                  <c:formatCode>General</c:formatCode>
-                  <c:ptCount val="7"/>
-                  <c:pt idx="0">
-                    <c:v>5.97</c:v>
-                  </c:pt>
-                  <c:pt idx="1">
-                    <c:v>6.14</c:v>
-                  </c:pt>
-                  <c:pt idx="2">
-                    <c:v>3.38</c:v>
-                  </c:pt>
-                  <c:pt idx="3">
-                    <c:v>4.24</c:v>
-                  </c:pt>
-                  <c:pt idx="4">
-                    <c:v>3.77</c:v>
-                  </c:pt>
-                  <c:pt idx="5">
-                    <c:v>8.6</c:v>
-                  </c:pt>
-                  <c:pt idx="6">
-                    <c:v>25.4</c:v>
-                  </c:pt>
-                </c:numCache>
-              </c:numRef>
-            </c:plus>
-            <c:minus>
-              <c:numRef>
-                <c:f>(Sheet1!$C$5,Sheet1!$E$5,Sheet1!$G$5,Sheet1!$I$5,Sheet1!$K$5,Sheet1!$M$5,Sheet1!$O$5)</c:f>
-                <c:numCache>
-                  <c:formatCode>General</c:formatCode>
-                  <c:ptCount val="7"/>
-                  <c:pt idx="0">
-                    <c:v>5.97</c:v>
-                  </c:pt>
-                  <c:pt idx="1">
-                    <c:v>6.14</c:v>
-                  </c:pt>
-                  <c:pt idx="2">
-                    <c:v>3.38</c:v>
-                  </c:pt>
-                  <c:pt idx="3">
-                    <c:v>4.24</c:v>
-                  </c:pt>
-                  <c:pt idx="4">
-                    <c:v>3.77</c:v>
-                  </c:pt>
-                  <c:pt idx="5">
-                    <c:v>8.6</c:v>
-                  </c:pt>
-                  <c:pt idx="6">
-                    <c:v>25.4</c:v>
-                  </c:pt>
-                </c:numCache>
-              </c:numRef>
-            </c:minus>
-          </c:errBars>
-          <c:cat>
-            <c:strRef>
-              <c:f>(Sheet1!$B$2,Sheet1!$D$2,Sheet1!$F$2,Sheet1!$H$2,Sheet1!$J$2,Sheet1!$L$2,Sheet1!$N$2)</c:f>
-              <c:strCache>
-                <c:ptCount val="7"/>
-                <c:pt idx="0">
-                  <c:v>4 replicas/16 exchanges</c:v>
-                </c:pt>
-                <c:pt idx="1">
-                  <c:v>8 replicas/32 exchanges</c:v>
-                </c:pt>
-                <c:pt idx="2">
-                  <c:v>16/64</c:v>
-                </c:pt>
-                <c:pt idx="3">
-                  <c:v>32/128</c:v>
-                </c:pt>
-                <c:pt idx="4">
-                  <c:v>64/256</c:v>
-                </c:pt>
-                <c:pt idx="5">
-                  <c:v>128/512</c:v>
-                </c:pt>
-                <c:pt idx="6">
-                  <c:v>256/1024</c:v>
-                </c:pt>
-              </c:strCache>
-            </c:strRef>
-          </c:cat>
-          <c:val>
-            <c:numRef>
-              <c:f>(Sheet1!$B$5,Sheet1!$D$5,Sheet1!$F$5,Sheet1!$H$5,Sheet1!$J$5,Sheet1!$L$5,Sheet1!$N$5)</c:f>
-              <c:numCache>
-                <c:formatCode>General</c:formatCode>
-                <c:ptCount val="7"/>
-                <c:pt idx="0">
-                  <c:v>588.9</c:v>
-                </c:pt>
-                <c:pt idx="1">
-                  <c:v>609.0</c:v>
-                </c:pt>
-                <c:pt idx="2">
-                  <c:v>583.33</c:v>
-                </c:pt>
-                <c:pt idx="3">
-                  <c:v>641.0</c:v>
-                </c:pt>
-                <c:pt idx="4">
-                  <c:v>660.0</c:v>
-                </c:pt>
-                <c:pt idx="5">
-                  <c:v>784.0</c:v>
-                </c:pt>
-                <c:pt idx="6">
-                  <c:v>882.0</c:v>
-                </c:pt>
-              </c:numCache>
-            </c:numRef>
-          </c:val>
-        </c:ser>
-        <c:axId val="177944104"/>
-        <c:axId val="146823016"/>
-      </c:barChart>
-      <c:catAx>
-        <c:axId val="177944104"/>
-        <c:scaling>
-          <c:orientation val="minMax"/>
-        </c:scaling>
-        <c:axPos val="b"/>
-        <c:tickLblPos val="nextTo"/>
-        <c:crossAx val="146823016"/>
-        <c:crosses val="autoZero"/>
-        <c:auto val="1"/>
-        <c:lblAlgn val="ctr"/>
-        <c:lblOffset val="100"/>
-      </c:catAx>
-      <c:valAx>
-        <c:axId val="146823016"/>
-        <c:scaling>
-          <c:orientation val="minMax"/>
-        </c:scaling>
-        <c:axPos val="l"/>
-        <c:majorGridlines/>
-        <c:numFmt formatCode="General" sourceLinked="1"/>
-        <c:tickLblPos val="nextTo"/>
-        <c:crossAx val="177944104"/>
-        <c:crosses val="autoZero"/>
-        <c:crossBetween val="between"/>
-      </c:valAx>
-    </c:plotArea>
-    <c:legend>
-      <c:legendPos val="r"/>
-      <c:layout/>
-    </c:legend>
-    <c:plotVisOnly val="1"/>
-  </c:chart>
-  <c:externalData r:id="rId1"/>
-</c:chartSpace>
-</file>
-
-<file path=ppt/charts/chart2.xml><?xml version="1.0" encoding="utf-8"?>
-<c:chartSpace xmlns:c="http://schemas.openxmlformats.org/drawingml/2006/chart" xmlns:a="http://schemas.openxmlformats.org/drawingml/2006/main" xmlns:r="http://schemas.openxmlformats.org/officeDocument/2006/relationships">
-  <c:date1904 val="1"/>
-  <c:lang val="en-US"/>
-  <c:style val="18"/>
-  <c:chart>
-    <c:plotArea>
-      <c:layout/>
-      <c:barChart>
-        <c:barDir val="col"/>
-        <c:grouping val="clustered"/>
-        <c:ser>
-          <c:idx val="0"/>
-          <c:order val="0"/>
-          <c:tx>
             <c:v>Synchronous</c:v>
           </c:tx>
           <c:errBars>
@@ -649,7 +229,7 @@
                   <c:formatCode>General</c:formatCode>
                   <c:ptCount val="2"/>
                   <c:pt idx="0">
-                    <c:v>7.11</c:v>
+                    <c:v>7.109999999999999</c:v>
                   </c:pt>
                   <c:pt idx="1">
                     <c:v>5.57</c:v>
@@ -664,7 +244,7 @@
                   <c:formatCode>General</c:formatCode>
                   <c:ptCount val="2"/>
                   <c:pt idx="0">
-                    <c:v>7.11</c:v>
+                    <c:v>7.109999999999999</c:v>
                   </c:pt>
                   <c:pt idx="1">
                     <c:v>5.57</c:v>
@@ -773,24 +353,24 @@
             </c:numRef>
           </c:val>
         </c:ser>
-        <c:axId val="68804280"/>
-        <c:axId val="467493992"/>
+        <c:axId val="522861096"/>
+        <c:axId val="522812888"/>
       </c:barChart>
       <c:catAx>
-        <c:axId val="68804280"/>
+        <c:axId val="522861096"/>
         <c:scaling>
           <c:orientation val="minMax"/>
         </c:scaling>
         <c:axPos val="b"/>
         <c:tickLblPos val="nextTo"/>
-        <c:crossAx val="467493992"/>
+        <c:crossAx val="522812888"/>
         <c:crosses val="autoZero"/>
         <c:auto val="1"/>
         <c:lblAlgn val="ctr"/>
         <c:lblOffset val="100"/>
       </c:catAx>
       <c:valAx>
-        <c:axId val="467493992"/>
+        <c:axId val="522812888"/>
         <c:scaling>
           <c:orientation val="minMax"/>
         </c:scaling>
@@ -798,7 +378,7 @@
         <c:majorGridlines/>
         <c:numFmt formatCode="General" sourceLinked="1"/>
         <c:tickLblPos val="nextTo"/>
-        <c:crossAx val="68804280"/>
+        <c:crossAx val="522861096"/>
         <c:crosses val="autoZero"/>
         <c:crossBetween val="between"/>
       </c:valAx>
@@ -896,7 +476,7 @@
             <a:fld id="{9A6AC4B2-6F12-454D-8DA7-7B9C78843B81}" type="datetimeFigureOut">
               <a:rPr lang="en-US" smtClean="0"/>
               <a:pPr/>
-              <a:t>10/20/10</a:t>
+              <a:t>11/28/10</a:t>
             </a:fld>
             <a:endParaRPr lang="en-US"/>
           </a:p>
@@ -1059,7 +639,7 @@
             <a:fld id="{19F24AD4-A78B-B645-8B43-825B1EB2901C}" type="datetimeFigureOut">
               <a:rPr lang="en-US" smtClean="0"/>
               <a:pPr/>
-              <a:t>10/20/10</a:t>
+              <a:t>11/28/10</a:t>
             </a:fld>
             <a:endParaRPr lang="en-US"/>
           </a:p>
@@ -1425,38 +1005,6 @@
           <a:chExt cx="0" cy="0"/>
         </a:xfrm>
       </p:grpSpPr>
-      <p:pic>
-        <p:nvPicPr>
-          <p:cNvPr id="11" name="Picture 1"/>
-          <p:cNvPicPr>
-            <a:picLocks noChangeArrowheads="1"/>
-          </p:cNvPicPr>
-          <p:nvPr userDrawn="1"/>
-        </p:nvPicPr>
-        <p:blipFill>
-          <a:blip r:embed="rId2"/>
-          <a:srcRect/>
-          <a:stretch>
-            <a:fillRect/>
-          </a:stretch>
-        </p:blipFill>
-        <p:spPr bwMode="auto">
-          <a:xfrm>
-            <a:off x="7130616" y="570391"/>
-            <a:ext cx="1644429" cy="1289027"/>
-          </a:xfrm>
-          <a:prstGeom prst="rect">
-            <a:avLst/>
-          </a:prstGeom>
-          <a:noFill/>
-          <a:ln w="12700">
-            <a:noFill/>
-            <a:miter lim="800000"/>
-            <a:headEnd/>
-            <a:tailEnd/>
-          </a:ln>
-        </p:spPr>
-      </p:pic>
       <p:sp>
         <p:nvSpPr>
           <p:cNvPr id="8" name="Rectangle 7"/>
@@ -1516,7 +1064,7 @@
           <p:nvPr userDrawn="1"/>
         </p:nvPicPr>
         <p:blipFill>
-          <a:blip r:embed="rId3"/>
+          <a:blip r:embed="rId2"/>
           <a:stretch>
             <a:fillRect/>
           </a:stretch>
@@ -1595,7 +1143,7 @@
             <a:fld id="{ADB8239A-D789-5443-937F-338E3AE3D41C}" type="datetime1">
               <a:rPr lang="en-US" smtClean="0"/>
               <a:pPr/>
-              <a:t>10/20/10</a:t>
+              <a:t>11/28/10</a:t>
             </a:fld>
             <a:endParaRPr lang="en-US"/>
           </a:p>
@@ -1899,7 +1447,7 @@
             <a:fld id="{459EC1CE-E98D-704D-AD6F-6E3323A36483}" type="datetime1">
               <a:rPr lang="en-US" smtClean="0"/>
               <a:pPr/>
-              <a:t>10/20/10</a:t>
+              <a:t>11/28/10</a:t>
             </a:fld>
             <a:endParaRPr lang="en-US"/>
           </a:p>
@@ -2175,7 +1723,7 @@
             <a:fld id="{23E692A5-8B3E-1949-B0CC-6F0593ACFA8E}" type="datetime1">
               <a:rPr lang="en-US" smtClean="0"/>
               <a:pPr/>
-              <a:t>10/20/10</a:t>
+              <a:t>11/28/10</a:t>
             </a:fld>
             <a:endParaRPr lang="en-US"/>
           </a:p>
@@ -2467,7 +2015,7 @@
             <a:fld id="{C381DA14-A3C0-9C42-96F2-BEE3D5DE963D}" type="datetime1">
               <a:rPr lang="en-US" smtClean="0"/>
               <a:pPr/>
-              <a:t>10/20/10</a:t>
+              <a:t>11/28/10</a:t>
             </a:fld>
             <a:endParaRPr lang="en-US"/>
           </a:p>
@@ -2794,7 +2342,7 @@
             <a:fld id="{33319320-9A5F-694B-B7B5-C734EC93AAA2}" type="datetime1">
               <a:rPr lang="en-US" smtClean="0"/>
               <a:pPr/>
-              <a:t>10/20/10</a:t>
+              <a:t>11/28/10</a:t>
             </a:fld>
             <a:endParaRPr lang="en-US"/>
           </a:p>
@@ -3042,7 +2590,7 @@
             <a:fld id="{CF6CE397-A6E6-7547-B24A-92BB5049E0F2}" type="datetime1">
               <a:rPr lang="en-US" smtClean="0"/>
               <a:pPr/>
-              <a:t>10/20/10</a:t>
+              <a:t>11/28/10</a:t>
             </a:fld>
             <a:endParaRPr lang="en-US"/>
           </a:p>
@@ -3219,7 +2767,7 @@
             <a:fld id="{27AB7D46-BD5E-E641-9118-DCE28F3B83FA}" type="datetime1">
               <a:rPr lang="en-US" smtClean="0"/>
               <a:pPr/>
-              <a:t>10/20/10</a:t>
+              <a:t>11/28/10</a:t>
             </a:fld>
             <a:endParaRPr lang="en-US"/>
           </a:p>
@@ -3559,7 +3107,7 @@
             <a:fld id="{4C4AD4EB-88D0-C141-9474-CCD86A78CB94}" type="datetimeFigureOut">
               <a:rPr lang="en-US" smtClean="0"/>
               <a:pPr/>
-              <a:t>10/20/10</a:t>
+              <a:t>11/28/10</a:t>
             </a:fld>
             <a:endParaRPr lang="en-US"/>
           </a:p>
@@ -3640,6 +3188,392 @@
           </a:ln>
         </p:spPr>
       </p:pic>
+    </p:spTree>
+  </p:cSld>
+  <p:clrMapOvr>
+    <a:masterClrMapping/>
+  </p:clrMapOvr>
+</p:sldLayout>
+</file>
+
+<file path=ppt/slideLayouts/slideLayout18.xml><?xml version="1.0" encoding="utf-8"?>
+<p:sldLayout xmlns:a="http://schemas.openxmlformats.org/drawingml/2006/main" xmlns:r="http://schemas.openxmlformats.org/officeDocument/2006/relationships" xmlns:mc="http://schemas.openxmlformats.org/markup-compatibility/2006" xmlns:mv="urn:schemas-microsoft-com:mac:vml" xmlns:p="http://schemas.openxmlformats.org/presentationml/2006/main" mc:Ignorable="mv" mc:PreserveAttributes="mv:*" type="blank">
+  <p:cSld name="Blank">
+    <p:spTree>
+      <p:nvGrpSpPr>
+        <p:cNvPr id="1" name=""/>
+        <p:cNvGrpSpPr/>
+        <p:nvPr/>
+      </p:nvGrpSpPr>
+      <p:grpSpPr>
+        <a:xfrm>
+          <a:off x="0" y="0"/>
+          <a:ext cx="0" cy="0"/>
+          <a:chOff x="0" y="0"/>
+          <a:chExt cx="0" cy="0"/>
+        </a:xfrm>
+      </p:grpSpPr>
+      <p:sp>
+        <p:nvSpPr>
+          <p:cNvPr id="2" name="Date Placeholder 1"/>
+          <p:cNvSpPr>
+            <a:spLocks noGrp="1"/>
+          </p:cNvSpPr>
+          <p:nvPr>
+            <p:ph type="dt" sz="half" idx="10"/>
+          </p:nvPr>
+        </p:nvSpPr>
+        <p:spPr/>
+        <p:txBody>
+          <a:bodyPr/>
+          <a:lstStyle/>
+          <a:p>
+            <a:fld id="{4C4AD4EB-88D0-C141-9474-CCD86A78CB94}" type="datetimeFigureOut">
+              <a:rPr lang="en-US" smtClean="0"/>
+              <a:pPr/>
+              <a:t>11/28/10</a:t>
+            </a:fld>
+            <a:endParaRPr lang="en-US"/>
+          </a:p>
+        </p:txBody>
+      </p:sp>
+      <p:sp>
+        <p:nvSpPr>
+          <p:cNvPr id="3" name="Footer Placeholder 2"/>
+          <p:cNvSpPr>
+            <a:spLocks noGrp="1"/>
+          </p:cNvSpPr>
+          <p:nvPr>
+            <p:ph type="ftr" sz="quarter" idx="11"/>
+          </p:nvPr>
+        </p:nvSpPr>
+        <p:spPr/>
+        <p:txBody>
+          <a:bodyPr/>
+          <a:lstStyle/>
+          <a:p>
+            <a:endParaRPr lang="en-US"/>
+          </a:p>
+        </p:txBody>
+      </p:sp>
+      <p:sp>
+        <p:nvSpPr>
+          <p:cNvPr id="4" name="Slide Number Placeholder 3"/>
+          <p:cNvSpPr>
+            <a:spLocks noGrp="1"/>
+          </p:cNvSpPr>
+          <p:nvPr>
+            <p:ph type="sldNum" sz="quarter" idx="12"/>
+          </p:nvPr>
+        </p:nvSpPr>
+        <p:spPr/>
+        <p:txBody>
+          <a:bodyPr/>
+          <a:lstStyle/>
+          <a:p>
+            <a:fld id="{DF7665AF-92BA-E649-941D-268879B3EA81}" type="slidenum">
+              <a:rPr lang="en-US" smtClean="0"/>
+              <a:pPr/>
+              <a:t>‹#›</a:t>
+            </a:fld>
+            <a:endParaRPr lang="en-US"/>
+          </a:p>
+        </p:txBody>
+      </p:sp>
+    </p:spTree>
+  </p:cSld>
+  <p:clrMapOvr>
+    <a:masterClrMapping/>
+  </p:clrMapOvr>
+</p:sldLayout>
+</file>
+
+<file path=ppt/slideLayouts/slideLayout19.xml><?xml version="1.0" encoding="utf-8"?>
+<p:sldLayout xmlns:a="http://schemas.openxmlformats.org/drawingml/2006/main" xmlns:r="http://schemas.openxmlformats.org/officeDocument/2006/relationships" xmlns:mc="http://schemas.openxmlformats.org/markup-compatibility/2006" xmlns:mv="urn:schemas-microsoft-com:mac:vml" xmlns:p="http://schemas.openxmlformats.org/presentationml/2006/main" mc:Ignorable="mv" mc:PreserveAttributes="mv:*" type="twoObj">
+  <p:cSld name="Two Content">
+    <p:spTree>
+      <p:nvGrpSpPr>
+        <p:cNvPr id="1" name=""/>
+        <p:cNvGrpSpPr/>
+        <p:nvPr/>
+      </p:nvGrpSpPr>
+      <p:grpSpPr>
+        <a:xfrm>
+          <a:off x="0" y="0"/>
+          <a:ext cx="0" cy="0"/>
+          <a:chOff x="0" y="0"/>
+          <a:chExt cx="0" cy="0"/>
+        </a:xfrm>
+      </p:grpSpPr>
+      <p:sp>
+        <p:nvSpPr>
+          <p:cNvPr id="2" name="Title 1"/>
+          <p:cNvSpPr>
+            <a:spLocks noGrp="1"/>
+          </p:cNvSpPr>
+          <p:nvPr>
+            <p:ph type="title"/>
+          </p:nvPr>
+        </p:nvSpPr>
+        <p:spPr/>
+        <p:txBody>
+          <a:bodyPr/>
+          <a:lstStyle/>
+          <a:p>
+            <a:r>
+              <a:rPr lang="en-US" smtClean="0"/>
+              <a:t>Click to edit Master title style</a:t>
+            </a:r>
+            <a:endParaRPr/>
+          </a:p>
+        </p:txBody>
+      </p:sp>
+      <p:sp>
+        <p:nvSpPr>
+          <p:cNvPr id="3" name="Content Placeholder 2"/>
+          <p:cNvSpPr>
+            <a:spLocks noGrp="1"/>
+          </p:cNvSpPr>
+          <p:nvPr>
+            <p:ph sz="half" idx="1"/>
+          </p:nvPr>
+        </p:nvSpPr>
+        <p:spPr>
+          <a:xfrm>
+            <a:off x="1117600" y="2595563"/>
+            <a:ext cx="3566160" cy="3681412"/>
+          </a:xfrm>
+        </p:spPr>
+        <p:txBody>
+          <a:bodyPr>
+            <a:normAutofit/>
+          </a:bodyPr>
+          <a:lstStyle>
+            <a:lvl1pPr>
+              <a:defRPr sz="1800"/>
+            </a:lvl1pPr>
+            <a:lvl2pPr>
+              <a:defRPr sz="1800"/>
+            </a:lvl2pPr>
+            <a:lvl3pPr>
+              <a:defRPr sz="1800"/>
+            </a:lvl3pPr>
+            <a:lvl4pPr>
+              <a:defRPr sz="1800"/>
+            </a:lvl4pPr>
+            <a:lvl5pPr>
+              <a:defRPr sz="1800"/>
+            </a:lvl5pPr>
+            <a:lvl6pPr>
+              <a:defRPr sz="1800"/>
+            </a:lvl6pPr>
+            <a:lvl7pPr>
+              <a:defRPr sz="1800"/>
+            </a:lvl7pPr>
+            <a:lvl8pPr>
+              <a:defRPr sz="1800"/>
+            </a:lvl8pPr>
+            <a:lvl9pPr>
+              <a:defRPr sz="1800"/>
+            </a:lvl9pPr>
+          </a:lstStyle>
+          <a:p>
+            <a:pPr lvl="0"/>
+            <a:r>
+              <a:rPr lang="en-US" smtClean="0"/>
+              <a:t>Click to edit Master text styles</a:t>
+            </a:r>
+          </a:p>
+          <a:p>
+            <a:pPr lvl="1"/>
+            <a:r>
+              <a:rPr lang="en-US" smtClean="0"/>
+              <a:t>Second level</a:t>
+            </a:r>
+          </a:p>
+          <a:p>
+            <a:pPr lvl="2"/>
+            <a:r>
+              <a:rPr lang="en-US" smtClean="0"/>
+              <a:t>Third level</a:t>
+            </a:r>
+          </a:p>
+          <a:p>
+            <a:pPr lvl="3"/>
+            <a:r>
+              <a:rPr lang="en-US" smtClean="0"/>
+              <a:t>Fourth level</a:t>
+            </a:r>
+          </a:p>
+          <a:p>
+            <a:pPr lvl="4"/>
+            <a:r>
+              <a:rPr lang="en-US" smtClean="0"/>
+              <a:t>Fifth level</a:t>
+            </a:r>
+            <a:endParaRPr/>
+          </a:p>
+        </p:txBody>
+      </p:sp>
+      <p:sp>
+        <p:nvSpPr>
+          <p:cNvPr id="4" name="Content Placeholder 3"/>
+          <p:cNvSpPr>
+            <a:spLocks noGrp="1"/>
+          </p:cNvSpPr>
+          <p:nvPr>
+            <p:ph sz="half" idx="2"/>
+          </p:nvPr>
+        </p:nvSpPr>
+        <p:spPr>
+          <a:xfrm>
+            <a:off x="5147534" y="2595563"/>
+            <a:ext cx="3566160" cy="3681412"/>
+          </a:xfrm>
+        </p:spPr>
+        <p:txBody>
+          <a:bodyPr>
+            <a:normAutofit/>
+          </a:bodyPr>
+          <a:lstStyle>
+            <a:lvl1pPr>
+              <a:defRPr sz="1800"/>
+            </a:lvl1pPr>
+            <a:lvl2pPr>
+              <a:defRPr sz="1800"/>
+            </a:lvl2pPr>
+            <a:lvl3pPr>
+              <a:defRPr sz="1800"/>
+            </a:lvl3pPr>
+            <a:lvl4pPr>
+              <a:defRPr sz="1800"/>
+            </a:lvl4pPr>
+            <a:lvl5pPr>
+              <a:defRPr sz="1800"/>
+            </a:lvl5pPr>
+            <a:lvl6pPr>
+              <a:defRPr sz="1800"/>
+            </a:lvl6pPr>
+            <a:lvl7pPr>
+              <a:defRPr sz="1800"/>
+            </a:lvl7pPr>
+            <a:lvl8pPr>
+              <a:defRPr sz="1800"/>
+            </a:lvl8pPr>
+            <a:lvl9pPr>
+              <a:defRPr sz="1800"/>
+            </a:lvl9pPr>
+          </a:lstStyle>
+          <a:p>
+            <a:pPr lvl="0"/>
+            <a:r>
+              <a:rPr lang="en-US" smtClean="0"/>
+              <a:t>Click to edit Master text styles</a:t>
+            </a:r>
+          </a:p>
+          <a:p>
+            <a:pPr lvl="1"/>
+            <a:r>
+              <a:rPr lang="en-US" smtClean="0"/>
+              <a:t>Second level</a:t>
+            </a:r>
+          </a:p>
+          <a:p>
+            <a:pPr lvl="2"/>
+            <a:r>
+              <a:rPr lang="en-US" smtClean="0"/>
+              <a:t>Third level</a:t>
+            </a:r>
+          </a:p>
+          <a:p>
+            <a:pPr lvl="3"/>
+            <a:r>
+              <a:rPr lang="en-US" smtClean="0"/>
+              <a:t>Fourth level</a:t>
+            </a:r>
+          </a:p>
+          <a:p>
+            <a:pPr lvl="4"/>
+            <a:r>
+              <a:rPr lang="en-US" smtClean="0"/>
+              <a:t>Fifth level</a:t>
+            </a:r>
+            <a:endParaRPr/>
+          </a:p>
+        </p:txBody>
+      </p:sp>
+      <p:sp>
+        <p:nvSpPr>
+          <p:cNvPr id="5" name="Date Placeholder 4"/>
+          <p:cNvSpPr>
+            <a:spLocks noGrp="1"/>
+          </p:cNvSpPr>
+          <p:nvPr>
+            <p:ph type="dt" sz="half" idx="10"/>
+          </p:nvPr>
+        </p:nvSpPr>
+        <p:spPr>
+          <a:xfrm>
+            <a:off x="6580094" y="188259"/>
+            <a:ext cx="2133600" cy="365125"/>
+          </a:xfrm>
+        </p:spPr>
+        <p:txBody>
+          <a:bodyPr/>
+          <a:lstStyle/>
+          <a:p>
+            <a:fld id="{4C4AD4EB-88D0-C141-9474-CCD86A78CB94}" type="datetimeFigureOut">
+              <a:rPr lang="en-US" smtClean="0"/>
+              <a:pPr/>
+              <a:t>11/28/10</a:t>
+            </a:fld>
+            <a:endParaRPr lang="en-US"/>
+          </a:p>
+        </p:txBody>
+      </p:sp>
+      <p:sp>
+        <p:nvSpPr>
+          <p:cNvPr id="6" name="Footer Placeholder 5"/>
+          <p:cNvSpPr>
+            <a:spLocks noGrp="1"/>
+          </p:cNvSpPr>
+          <p:nvPr>
+            <p:ph type="ftr" sz="quarter" idx="11"/>
+          </p:nvPr>
+        </p:nvSpPr>
+        <p:spPr/>
+        <p:txBody>
+          <a:bodyPr/>
+          <a:lstStyle/>
+          <a:p>
+            <a:endParaRPr lang="en-US"/>
+          </a:p>
+        </p:txBody>
+      </p:sp>
+      <p:sp>
+        <p:nvSpPr>
+          <p:cNvPr id="7" name="Slide Number Placeholder 6"/>
+          <p:cNvSpPr>
+            <a:spLocks noGrp="1"/>
+          </p:cNvSpPr>
+          <p:nvPr>
+            <p:ph type="sldNum" sz="quarter" idx="12"/>
+          </p:nvPr>
+        </p:nvSpPr>
+        <p:spPr/>
+        <p:txBody>
+          <a:bodyPr/>
+          <a:lstStyle/>
+          <a:p>
+            <a:fld id="{DF7665AF-92BA-E649-941D-268879B3EA81}" type="slidenum">
+              <a:rPr lang="en-US" smtClean="0"/>
+              <a:pPr/>
+              <a:t>‹#›</a:t>
+            </a:fld>
+            <a:endParaRPr lang="en-US"/>
+          </a:p>
+        </p:txBody>
+      </p:sp>
     </p:spTree>
   </p:cSld>
   <p:clrMapOvr>
@@ -3843,7 +3777,7 @@
             <a:fld id="{BC26097E-015C-3B4D-86C1-CD2AD30F0B81}" type="datetime1">
               <a:rPr lang="en-US" smtClean="0"/>
               <a:pPr/>
-              <a:t>10/20/10</a:t>
+              <a:t>11/28/10</a:t>
             </a:fld>
             <a:endParaRPr lang="en-US"/>
           </a:p>
@@ -3894,6 +3828,98 @@
           <a:lstStyle/>
           <a:p>
             <a:endParaRPr lang="en-US" dirty="0"/>
+          </a:p>
+        </p:txBody>
+      </p:sp>
+    </p:spTree>
+  </p:cSld>
+  <p:clrMapOvr>
+    <a:masterClrMapping/>
+  </p:clrMapOvr>
+</p:sldLayout>
+</file>
+
+<file path=ppt/slideLayouts/slideLayout20.xml><?xml version="1.0" encoding="utf-8"?>
+<p:sldLayout xmlns:a="http://schemas.openxmlformats.org/drawingml/2006/main" xmlns:r="http://schemas.openxmlformats.org/officeDocument/2006/relationships" xmlns:mc="http://schemas.openxmlformats.org/markup-compatibility/2006" xmlns:mv="urn:schemas-microsoft-com:mac:vml" xmlns:p="http://schemas.openxmlformats.org/presentationml/2006/main" mc:Ignorable="mv" mc:PreserveAttributes="mv:*" type="blank">
+  <p:cSld name="Blank">
+    <p:spTree>
+      <p:nvGrpSpPr>
+        <p:cNvPr id="1" name=""/>
+        <p:cNvGrpSpPr/>
+        <p:nvPr/>
+      </p:nvGrpSpPr>
+      <p:grpSpPr>
+        <a:xfrm>
+          <a:off x="0" y="0"/>
+          <a:ext cx="0" cy="0"/>
+          <a:chOff x="0" y="0"/>
+          <a:chExt cx="0" cy="0"/>
+        </a:xfrm>
+      </p:grpSpPr>
+      <p:sp>
+        <p:nvSpPr>
+          <p:cNvPr id="2" name="Date Placeholder 1"/>
+          <p:cNvSpPr>
+            <a:spLocks noGrp="1"/>
+          </p:cNvSpPr>
+          <p:nvPr>
+            <p:ph type="dt" sz="half" idx="10"/>
+          </p:nvPr>
+        </p:nvSpPr>
+        <p:spPr/>
+        <p:txBody>
+          <a:bodyPr/>
+          <a:lstStyle/>
+          <a:p>
+            <a:fld id="{4C4AD4EB-88D0-C141-9474-CCD86A78CB94}" type="datetimeFigureOut">
+              <a:rPr lang="en-US" smtClean="0"/>
+              <a:pPr/>
+              <a:t>11/28/10</a:t>
+            </a:fld>
+            <a:endParaRPr lang="en-US"/>
+          </a:p>
+        </p:txBody>
+      </p:sp>
+      <p:sp>
+        <p:nvSpPr>
+          <p:cNvPr id="3" name="Footer Placeholder 2"/>
+          <p:cNvSpPr>
+            <a:spLocks noGrp="1"/>
+          </p:cNvSpPr>
+          <p:nvPr>
+            <p:ph type="ftr" sz="quarter" idx="11"/>
+          </p:nvPr>
+        </p:nvSpPr>
+        <p:spPr/>
+        <p:txBody>
+          <a:bodyPr/>
+          <a:lstStyle/>
+          <a:p>
+            <a:endParaRPr lang="en-US"/>
+          </a:p>
+        </p:txBody>
+      </p:sp>
+      <p:sp>
+        <p:nvSpPr>
+          <p:cNvPr id="4" name="Slide Number Placeholder 3"/>
+          <p:cNvSpPr>
+            <a:spLocks noGrp="1"/>
+          </p:cNvSpPr>
+          <p:nvPr>
+            <p:ph type="sldNum" sz="quarter" idx="12"/>
+          </p:nvPr>
+        </p:nvSpPr>
+        <p:spPr/>
+        <p:txBody>
+          <a:bodyPr/>
+          <a:lstStyle/>
+          <a:p>
+            <a:fld id="{DF7665AF-92BA-E649-941D-268879B3EA81}" type="slidenum">
+              <a:rPr lang="en-US" smtClean="0"/>
+              <a:pPr/>
+              <a:t>‹#›</a:t>
+            </a:fld>
+            <a:endParaRPr lang="en-US"/>
           </a:p>
         </p:txBody>
       </p:sp>
@@ -4119,7 +4145,7 @@
             <a:fld id="{ED6649F4-2545-3040-B7BD-803CA59D50C7}" type="datetime1">
               <a:rPr lang="en-US" smtClean="0"/>
               <a:pPr/>
-              <a:t>10/20/10</a:t>
+              <a:t>11/28/10</a:t>
             </a:fld>
             <a:endParaRPr lang="en-US"/>
           </a:p>
@@ -4427,7 +4453,7 @@
             <a:fld id="{833A9088-CEDD-2F48-A9A0-611A3CC03FE9}" type="datetime1">
               <a:rPr lang="en-US" smtClean="0"/>
               <a:pPr/>
-              <a:t>10/20/10</a:t>
+              <a:t>11/28/10</a:t>
             </a:fld>
             <a:endParaRPr lang="en-US"/>
           </a:p>
@@ -4721,7 +4747,7 @@
             <a:fld id="{AED87ACF-EB3C-EA42-8610-542FB50388EB}" type="datetime1">
               <a:rPr lang="en-US" smtClean="0"/>
               <a:pPr/>
-              <a:t>10/20/10</a:t>
+              <a:t>11/28/10</a:t>
             </a:fld>
             <a:endParaRPr lang="en-US"/>
           </a:p>
@@ -5153,7 +5179,7 @@
             <a:fld id="{0E0DC31B-692F-774E-A937-DA560DE61DA8}" type="datetime1">
               <a:rPr lang="en-US" smtClean="0"/>
               <a:pPr/>
-              <a:t>10/20/10</a:t>
+              <a:t>11/28/10</a:t>
             </a:fld>
             <a:endParaRPr lang="en-US"/>
           </a:p>
@@ -5501,7 +5527,7 @@
             <a:fld id="{95DEFDAE-5BDC-1B4F-BC4C-23C867CEBC21}" type="datetime1">
               <a:rPr lang="en-US" smtClean="0"/>
               <a:pPr/>
-              <a:t>10/20/10</a:t>
+              <a:t>11/28/10</a:t>
             </a:fld>
             <a:endParaRPr lang="en-US"/>
           </a:p>
@@ -5593,7 +5619,7 @@
             <a:fld id="{9F53C516-787B-9A45-AFCF-5D75DD78DEBE}" type="datetime1">
               <a:rPr lang="en-US" smtClean="0"/>
               <a:pPr/>
-              <a:t>10/20/10</a:t>
+              <a:t>11/28/10</a:t>
             </a:fld>
             <a:endParaRPr lang="en-US"/>
           </a:p>
@@ -5932,7 +5958,7 @@
             <a:fld id="{F19CAA94-9393-BB4A-8CB6-008B1351A132}" type="datetime1">
               <a:rPr lang="en-US" smtClean="0"/>
               <a:pPr/>
-              <a:t>10/20/10</a:t>
+              <a:t>11/28/10</a:t>
             </a:fld>
             <a:endParaRPr lang="en-US"/>
           </a:p>
@@ -6146,7 +6172,7 @@
             <a:fld id="{A3476A5E-2ED6-7749-A8C1-D0B1EEEB97E0}" type="datetime1">
               <a:rPr lang="en-US" smtClean="0"/>
               <a:pPr/>
-              <a:t>10/20/10</a:t>
+              <a:t>11/28/10</a:t>
             </a:fld>
             <a:endParaRPr lang="en-US"/>
           </a:p>
@@ -7560,7 +7586,7 @@
             <a:fld id="{4C4AD4EB-88D0-C141-9474-CCD86A78CB94}" type="datetimeFigureOut">
               <a:rPr lang="en-US" smtClean="0"/>
               <a:pPr/>
-              <a:t>10/20/10</a:t>
+              <a:t>11/28/10</a:t>
             </a:fld>
             <a:endParaRPr lang="en-US"/>
           </a:p>
@@ -7782,6 +7808,1967 @@
   <p:clrMap bg1="lt1" tx1="dk1" bg2="lt2" tx2="dk2" accent1="accent1" accent2="accent2" accent3="accent3" accent4="accent4" accent5="accent5" accent6="accent6" hlink="hlink" folHlink="folHlink"/>
   <p:sldLayoutIdLst>
     <p:sldLayoutId id="2147483679" r:id="rId1"/>
+  </p:sldLayoutIdLst>
+  <p:txStyles>
+    <p:titleStyle>
+      <a:lvl1pPr marL="0" indent="0" algn="l" defTabSz="914400" rtl="0" eaLnBrk="1" latinLnBrk="0" hangingPunct="1">
+        <a:spcBef>
+          <a:spcPct val="0"/>
+        </a:spcBef>
+        <a:buNone/>
+        <a:defRPr sz="3200" kern="1200">
+          <a:solidFill>
+            <a:schemeClr val="bg1"/>
+          </a:solidFill>
+          <a:latin typeface="+mj-lt"/>
+          <a:ea typeface="+mj-ea"/>
+          <a:cs typeface="+mj-cs"/>
+        </a:defRPr>
+      </a:lvl1pPr>
+    </p:titleStyle>
+    <p:bodyStyle>
+      <a:lvl1pPr marL="342900" indent="-342900" algn="l" defTabSz="914400" rtl="0" eaLnBrk="1" latinLnBrk="0" hangingPunct="1">
+        <a:spcBef>
+          <a:spcPts val="2000"/>
+        </a:spcBef>
+        <a:buClr>
+          <a:schemeClr val="tx1">
+            <a:lumMod val="95000"/>
+            <a:lumOff val="5000"/>
+          </a:schemeClr>
+        </a:buClr>
+        <a:buFont typeface="Wingdings 2" pitchFamily="18" charset="2"/>
+        <a:buChar char=""/>
+        <a:defRPr sz="2000" kern="1200">
+          <a:solidFill>
+            <a:schemeClr val="tx1">
+              <a:lumMod val="65000"/>
+              <a:lumOff val="35000"/>
+            </a:schemeClr>
+          </a:solidFill>
+          <a:latin typeface="+mn-lt"/>
+          <a:ea typeface="+mn-ea"/>
+          <a:cs typeface="+mn-cs"/>
+        </a:defRPr>
+      </a:lvl1pPr>
+      <a:lvl2pPr marL="685800" indent="-336550" algn="l" defTabSz="914400" rtl="0" eaLnBrk="1" latinLnBrk="0" hangingPunct="1">
+        <a:spcBef>
+          <a:spcPts val="600"/>
+        </a:spcBef>
+        <a:buClr>
+          <a:schemeClr val="tx1">
+            <a:lumMod val="85000"/>
+            <a:lumOff val="15000"/>
+          </a:schemeClr>
+        </a:buClr>
+        <a:buFont typeface="Arial"/>
+        <a:buChar char="•"/>
+        <a:defRPr sz="1800" kern="1200">
+          <a:solidFill>
+            <a:schemeClr val="accent5"/>
+          </a:solidFill>
+          <a:latin typeface="+mn-lt"/>
+          <a:ea typeface="+mn-ea"/>
+          <a:cs typeface="+mn-cs"/>
+        </a:defRPr>
+      </a:lvl2pPr>
+      <a:lvl3pPr marL="1035050" indent="-349250" algn="l" defTabSz="914400" rtl="0" eaLnBrk="1" latinLnBrk="0" hangingPunct="1">
+        <a:spcBef>
+          <a:spcPts val="600"/>
+        </a:spcBef>
+        <a:buClr>
+          <a:schemeClr val="tx1">
+            <a:lumMod val="75000"/>
+            <a:lumOff val="25000"/>
+          </a:schemeClr>
+        </a:buClr>
+        <a:buFont typeface="Arial"/>
+        <a:buChar char="•"/>
+        <a:defRPr sz="1800" kern="1200">
+          <a:solidFill>
+            <a:schemeClr val="tx1">
+              <a:lumMod val="75000"/>
+              <a:lumOff val="25000"/>
+            </a:schemeClr>
+          </a:solidFill>
+          <a:latin typeface="+mn-lt"/>
+          <a:ea typeface="+mn-ea"/>
+          <a:cs typeface="+mn-cs"/>
+        </a:defRPr>
+      </a:lvl3pPr>
+      <a:lvl4pPr marL="1371600" indent="-336550" algn="l" defTabSz="914400" rtl="0" eaLnBrk="1" latinLnBrk="0" hangingPunct="1">
+        <a:spcBef>
+          <a:spcPts val="600"/>
+        </a:spcBef>
+        <a:buClr>
+          <a:schemeClr val="tx1">
+            <a:lumMod val="65000"/>
+            <a:lumOff val="35000"/>
+          </a:schemeClr>
+        </a:buClr>
+        <a:buFont typeface="Arial"/>
+        <a:buChar char="•"/>
+        <a:defRPr sz="1800" kern="1200">
+          <a:solidFill>
+            <a:schemeClr val="tx1">
+              <a:lumMod val="65000"/>
+              <a:lumOff val="35000"/>
+            </a:schemeClr>
+          </a:solidFill>
+          <a:latin typeface="+mn-lt"/>
+          <a:ea typeface="+mn-ea"/>
+          <a:cs typeface="+mn-cs"/>
+        </a:defRPr>
+      </a:lvl4pPr>
+      <a:lvl5pPr marL="1720850" indent="-349250" algn="l" defTabSz="914400" rtl="0" eaLnBrk="1" latinLnBrk="0" hangingPunct="1">
+        <a:spcBef>
+          <a:spcPts val="600"/>
+        </a:spcBef>
+        <a:buClr>
+          <a:schemeClr val="tx1">
+            <a:lumMod val="50000"/>
+            <a:lumOff val="50000"/>
+          </a:schemeClr>
+        </a:buClr>
+        <a:buFont typeface="Arial"/>
+        <a:buChar char="•"/>
+        <a:defRPr sz="1800" kern="1200">
+          <a:solidFill>
+            <a:schemeClr val="tx1">
+              <a:lumMod val="65000"/>
+              <a:lumOff val="35000"/>
+            </a:schemeClr>
+          </a:solidFill>
+          <a:latin typeface="+mn-lt"/>
+          <a:ea typeface="+mn-ea"/>
+          <a:cs typeface="+mn-cs"/>
+        </a:defRPr>
+      </a:lvl5pPr>
+      <a:lvl6pPr marL="2514600" indent="-228600" algn="l" defTabSz="914400" rtl="0" eaLnBrk="1" latinLnBrk="0" hangingPunct="1">
+        <a:spcBef>
+          <a:spcPct val="20000"/>
+        </a:spcBef>
+        <a:buFont typeface="Arial" pitchFamily="34" charset="0"/>
+        <a:buChar char="•"/>
+        <a:defRPr sz="2000" kern="1200">
+          <a:solidFill>
+            <a:schemeClr val="tx1"/>
+          </a:solidFill>
+          <a:latin typeface="+mn-lt"/>
+          <a:ea typeface="+mn-ea"/>
+          <a:cs typeface="+mn-cs"/>
+        </a:defRPr>
+      </a:lvl6pPr>
+      <a:lvl7pPr marL="2971800" indent="-228600" algn="l" defTabSz="914400" rtl="0" eaLnBrk="1" latinLnBrk="0" hangingPunct="1">
+        <a:spcBef>
+          <a:spcPct val="20000"/>
+        </a:spcBef>
+        <a:buFont typeface="Arial" pitchFamily="34" charset="0"/>
+        <a:buChar char="•"/>
+        <a:defRPr sz="2000" kern="1200">
+          <a:solidFill>
+            <a:schemeClr val="tx1"/>
+          </a:solidFill>
+          <a:latin typeface="+mn-lt"/>
+          <a:ea typeface="+mn-ea"/>
+          <a:cs typeface="+mn-cs"/>
+        </a:defRPr>
+      </a:lvl7pPr>
+      <a:lvl8pPr marL="3429000" indent="-228600" algn="l" defTabSz="914400" rtl="0" eaLnBrk="1" latinLnBrk="0" hangingPunct="1">
+        <a:spcBef>
+          <a:spcPct val="20000"/>
+        </a:spcBef>
+        <a:buFont typeface="Arial" pitchFamily="34" charset="0"/>
+        <a:buChar char="•"/>
+        <a:defRPr sz="2000" kern="1200">
+          <a:solidFill>
+            <a:schemeClr val="tx1"/>
+          </a:solidFill>
+          <a:latin typeface="+mn-lt"/>
+          <a:ea typeface="+mn-ea"/>
+          <a:cs typeface="+mn-cs"/>
+        </a:defRPr>
+      </a:lvl8pPr>
+      <a:lvl9pPr marL="3886200" indent="-228600" algn="l" defTabSz="914400" rtl="0" eaLnBrk="1" latinLnBrk="0" hangingPunct="1">
+        <a:spcBef>
+          <a:spcPct val="20000"/>
+        </a:spcBef>
+        <a:buFont typeface="Arial" pitchFamily="34" charset="0"/>
+        <a:buChar char="•"/>
+        <a:defRPr sz="2000" kern="1200">
+          <a:solidFill>
+            <a:schemeClr val="tx1"/>
+          </a:solidFill>
+          <a:latin typeface="+mn-lt"/>
+          <a:ea typeface="+mn-ea"/>
+          <a:cs typeface="+mn-cs"/>
+        </a:defRPr>
+      </a:lvl9pPr>
+    </p:bodyStyle>
+    <p:otherStyle>
+      <a:defPPr>
+        <a:defRPr/>
+      </a:defPPr>
+      <a:lvl1pPr marL="0" algn="l" defTabSz="914400" rtl="0" eaLnBrk="1" latinLnBrk="0" hangingPunct="1">
+        <a:defRPr sz="1800" kern="1200">
+          <a:solidFill>
+            <a:schemeClr val="tx1"/>
+          </a:solidFill>
+          <a:latin typeface="+mn-lt"/>
+          <a:ea typeface="+mn-ea"/>
+          <a:cs typeface="+mn-cs"/>
+        </a:defRPr>
+      </a:lvl1pPr>
+      <a:lvl2pPr marL="457200" algn="l" defTabSz="914400" rtl="0" eaLnBrk="1" latinLnBrk="0" hangingPunct="1">
+        <a:defRPr sz="1800" kern="1200">
+          <a:solidFill>
+            <a:schemeClr val="tx1"/>
+          </a:solidFill>
+          <a:latin typeface="+mn-lt"/>
+          <a:ea typeface="+mn-ea"/>
+          <a:cs typeface="+mn-cs"/>
+        </a:defRPr>
+      </a:lvl2pPr>
+      <a:lvl3pPr marL="914400" algn="l" defTabSz="914400" rtl="0" eaLnBrk="1" latinLnBrk="0" hangingPunct="1">
+        <a:defRPr sz="1800" kern="1200">
+          <a:solidFill>
+            <a:schemeClr val="tx1"/>
+          </a:solidFill>
+          <a:latin typeface="+mn-lt"/>
+          <a:ea typeface="+mn-ea"/>
+          <a:cs typeface="+mn-cs"/>
+        </a:defRPr>
+      </a:lvl3pPr>
+      <a:lvl4pPr marL="1371600" algn="l" defTabSz="914400" rtl="0" eaLnBrk="1" latinLnBrk="0" hangingPunct="1">
+        <a:defRPr sz="1800" kern="1200">
+          <a:solidFill>
+            <a:schemeClr val="tx1"/>
+          </a:solidFill>
+          <a:latin typeface="+mn-lt"/>
+          <a:ea typeface="+mn-ea"/>
+          <a:cs typeface="+mn-cs"/>
+        </a:defRPr>
+      </a:lvl4pPr>
+      <a:lvl5pPr marL="1828800" algn="l" defTabSz="914400" rtl="0" eaLnBrk="1" latinLnBrk="0" hangingPunct="1">
+        <a:defRPr sz="1800" kern="1200">
+          <a:solidFill>
+            <a:schemeClr val="tx1"/>
+          </a:solidFill>
+          <a:latin typeface="+mn-lt"/>
+          <a:ea typeface="+mn-ea"/>
+          <a:cs typeface="+mn-cs"/>
+        </a:defRPr>
+      </a:lvl5pPr>
+      <a:lvl6pPr marL="2286000" algn="l" defTabSz="914400" rtl="0" eaLnBrk="1" latinLnBrk="0" hangingPunct="1">
+        <a:defRPr sz="1800" kern="1200">
+          <a:solidFill>
+            <a:schemeClr val="tx1"/>
+          </a:solidFill>
+          <a:latin typeface="+mn-lt"/>
+          <a:ea typeface="+mn-ea"/>
+          <a:cs typeface="+mn-cs"/>
+        </a:defRPr>
+      </a:lvl6pPr>
+      <a:lvl7pPr marL="2743200" algn="l" defTabSz="914400" rtl="0" eaLnBrk="1" latinLnBrk="0" hangingPunct="1">
+        <a:defRPr sz="1800" kern="1200">
+          <a:solidFill>
+            <a:schemeClr val="tx1"/>
+          </a:solidFill>
+          <a:latin typeface="+mn-lt"/>
+          <a:ea typeface="+mn-ea"/>
+          <a:cs typeface="+mn-cs"/>
+        </a:defRPr>
+      </a:lvl7pPr>
+      <a:lvl8pPr marL="3200400" algn="l" defTabSz="914400" rtl="0" eaLnBrk="1" latinLnBrk="0" hangingPunct="1">
+        <a:defRPr sz="1800" kern="1200">
+          <a:solidFill>
+            <a:schemeClr val="tx1"/>
+          </a:solidFill>
+          <a:latin typeface="+mn-lt"/>
+          <a:ea typeface="+mn-ea"/>
+          <a:cs typeface="+mn-cs"/>
+        </a:defRPr>
+      </a:lvl8pPr>
+      <a:lvl9pPr marL="3657600" algn="l" defTabSz="914400" rtl="0" eaLnBrk="1" latinLnBrk="0" hangingPunct="1">
+        <a:defRPr sz="1800" kern="1200">
+          <a:solidFill>
+            <a:schemeClr val="tx1"/>
+          </a:solidFill>
+          <a:latin typeface="+mn-lt"/>
+          <a:ea typeface="+mn-ea"/>
+          <a:cs typeface="+mn-cs"/>
+        </a:defRPr>
+      </a:lvl9pPr>
+    </p:otherStyle>
+  </p:txStyles>
+</p:sldMaster>
+</file>
+
+<file path=ppt/slideMasters/slideMaster4.xml><?xml version="1.0" encoding="utf-8"?>
+<p:sldMaster xmlns:a="http://schemas.openxmlformats.org/drawingml/2006/main" xmlns:r="http://schemas.openxmlformats.org/officeDocument/2006/relationships" xmlns:mc="http://schemas.openxmlformats.org/markup-compatibility/2006" xmlns:mv="urn:schemas-microsoft-com:mac:vml" xmlns:p="http://schemas.openxmlformats.org/presentationml/2006/main" mc:Ignorable="mv" mc:PreserveAttributes="mv:*">
+  <p:cSld>
+    <p:bg>
+      <p:bgRef idx="1001">
+        <a:schemeClr val="bg1"/>
+      </p:bgRef>
+    </p:bg>
+    <p:spTree>
+      <p:nvGrpSpPr>
+        <p:cNvPr id="1" name=""/>
+        <p:cNvGrpSpPr/>
+        <p:nvPr/>
+      </p:nvGrpSpPr>
+      <p:grpSpPr>
+        <a:xfrm>
+          <a:off x="0" y="0"/>
+          <a:ext cx="0" cy="0"/>
+          <a:chOff x="0" y="0"/>
+          <a:chExt cx="0" cy="0"/>
+        </a:xfrm>
+      </p:grpSpPr>
+      <p:sp>
+        <p:nvSpPr>
+          <p:cNvPr id="2" name="Title Placeholder 1"/>
+          <p:cNvSpPr>
+            <a:spLocks noGrp="1"/>
+          </p:cNvSpPr>
+          <p:nvPr>
+            <p:ph type="title"/>
+          </p:nvPr>
+        </p:nvSpPr>
+        <p:spPr>
+          <a:xfrm>
+            <a:off x="1114424" y="263714"/>
+            <a:ext cx="8029576" cy="914400"/>
+          </a:xfrm>
+          <a:prstGeom prst="rect">
+            <a:avLst/>
+          </a:prstGeom>
+          <a:solidFill>
+            <a:schemeClr val="tx2"/>
+          </a:solidFill>
+        </p:spPr>
+        <p:txBody>
+          <a:bodyPr vert="horz" lIns="1188720" tIns="45720" rIns="274320" bIns="45720" rtlCol="0" anchor="ctr">
+            <a:normAutofit/>
+          </a:bodyPr>
+          <a:lstStyle/>
+          <a:p>
+            <a:r>
+              <a:rPr lang="en-US" dirty="0" smtClean="0"/>
+              <a:t>Click to edit Master title style</a:t>
+            </a:r>
+            <a:endParaRPr dirty="0"/>
+          </a:p>
+        </p:txBody>
+      </p:sp>
+      <p:sp>
+        <p:nvSpPr>
+          <p:cNvPr id="3" name="Text Placeholder 2"/>
+          <p:cNvSpPr>
+            <a:spLocks noGrp="1"/>
+          </p:cNvSpPr>
+          <p:nvPr>
+            <p:ph type="body" idx="1"/>
+          </p:nvPr>
+        </p:nvSpPr>
+        <p:spPr>
+          <a:xfrm>
+            <a:off x="1114424" y="1549124"/>
+            <a:ext cx="7610476" cy="4791700"/>
+          </a:xfrm>
+          <a:prstGeom prst="rect">
+            <a:avLst/>
+          </a:prstGeom>
+        </p:spPr>
+        <p:txBody>
+          <a:bodyPr vert="horz" lIns="91440" tIns="45720" rIns="91440" bIns="45720" rtlCol="0">
+            <a:normAutofit/>
+          </a:bodyPr>
+          <a:lstStyle/>
+          <a:p>
+            <a:pPr lvl="0"/>
+            <a:r>
+              <a:rPr lang="en-US" dirty="0" smtClean="0"/>
+              <a:t>Click to edit Master text styles</a:t>
+            </a:r>
+          </a:p>
+          <a:p>
+            <a:pPr lvl="1"/>
+            <a:r>
+              <a:rPr lang="en-US" dirty="0" smtClean="0"/>
+              <a:t>Second level</a:t>
+            </a:r>
+          </a:p>
+          <a:p>
+            <a:pPr lvl="2"/>
+            <a:r>
+              <a:rPr lang="en-US" dirty="0" smtClean="0"/>
+              <a:t>Third level</a:t>
+            </a:r>
+          </a:p>
+          <a:p>
+            <a:pPr lvl="3"/>
+            <a:r>
+              <a:rPr lang="en-US" dirty="0" smtClean="0"/>
+              <a:t>Fourth level</a:t>
+            </a:r>
+          </a:p>
+          <a:p>
+            <a:pPr lvl="4"/>
+            <a:r>
+              <a:rPr lang="en-US" dirty="0" smtClean="0"/>
+              <a:t>Fifth level</a:t>
+            </a:r>
+            <a:endParaRPr dirty="0"/>
+          </a:p>
+        </p:txBody>
+      </p:sp>
+      <p:sp>
+        <p:nvSpPr>
+          <p:cNvPr id="4" name="Date Placeholder 3"/>
+          <p:cNvSpPr>
+            <a:spLocks noGrp="1"/>
+          </p:cNvSpPr>
+          <p:nvPr>
+            <p:ph type="dt" sz="half" idx="2"/>
+          </p:nvPr>
+        </p:nvSpPr>
+        <p:spPr>
+          <a:xfrm>
+            <a:off x="6580094" y="188259"/>
+            <a:ext cx="2133600" cy="365125"/>
+          </a:xfrm>
+          <a:prstGeom prst="rect">
+            <a:avLst/>
+          </a:prstGeom>
+        </p:spPr>
+        <p:txBody>
+          <a:bodyPr vert="horz" lIns="91440" tIns="45720" rIns="91440" bIns="45720" rtlCol="0" anchor="ctr"/>
+          <a:lstStyle>
+            <a:lvl1pPr algn="r">
+              <a:defRPr sz="1000">
+                <a:solidFill>
+                  <a:schemeClr val="tx1">
+                    <a:lumMod val="65000"/>
+                    <a:lumOff val="35000"/>
+                  </a:schemeClr>
+                </a:solidFill>
+              </a:defRPr>
+            </a:lvl1pPr>
+          </a:lstStyle>
+          <a:p>
+            <a:fld id="{4C4AD4EB-88D0-C141-9474-CCD86A78CB94}" type="datetimeFigureOut">
+              <a:rPr lang="en-US" smtClean="0"/>
+              <a:pPr/>
+              <a:t>11/28/10</a:t>
+            </a:fld>
+            <a:endParaRPr lang="en-US"/>
+          </a:p>
+        </p:txBody>
+      </p:sp>
+      <p:sp>
+        <p:nvSpPr>
+          <p:cNvPr id="5" name="Footer Placeholder 4"/>
+          <p:cNvSpPr>
+            <a:spLocks noGrp="1"/>
+          </p:cNvSpPr>
+          <p:nvPr>
+            <p:ph type="ftr" sz="quarter" idx="3"/>
+          </p:nvPr>
+        </p:nvSpPr>
+        <p:spPr>
+          <a:xfrm>
+            <a:off x="1120588" y="188259"/>
+            <a:ext cx="2895600" cy="365125"/>
+          </a:xfrm>
+          <a:prstGeom prst="rect">
+            <a:avLst/>
+          </a:prstGeom>
+        </p:spPr>
+        <p:txBody>
+          <a:bodyPr vert="horz" lIns="91440" tIns="45720" rIns="91440" bIns="45720" rtlCol="0" anchor="ctr"/>
+          <a:lstStyle>
+            <a:lvl1pPr algn="l">
+              <a:defRPr sz="1000">
+                <a:solidFill>
+                  <a:schemeClr val="tx1">
+                    <a:lumMod val="65000"/>
+                    <a:lumOff val="35000"/>
+                  </a:schemeClr>
+                </a:solidFill>
+              </a:defRPr>
+            </a:lvl1pPr>
+          </a:lstStyle>
+          <a:p>
+            <a:endParaRPr lang="en-US"/>
+          </a:p>
+        </p:txBody>
+      </p:sp>
+      <p:sp>
+        <p:nvSpPr>
+          <p:cNvPr id="6" name="Slide Number Placeholder 5"/>
+          <p:cNvSpPr>
+            <a:spLocks noGrp="1"/>
+          </p:cNvSpPr>
+          <p:nvPr>
+            <p:ph type="sldNum" sz="quarter" idx="4"/>
+          </p:nvPr>
+        </p:nvSpPr>
+        <p:spPr>
+          <a:xfrm>
+            <a:off x="8789894" y="6569075"/>
+            <a:ext cx="457200" cy="365125"/>
+          </a:xfrm>
+          <a:prstGeom prst="rect">
+            <a:avLst/>
+          </a:prstGeom>
+        </p:spPr>
+        <p:txBody>
+          <a:bodyPr vert="horz" lIns="91440" tIns="45720" rIns="91440" bIns="45720" rtlCol="0" anchor="ctr"/>
+          <a:lstStyle>
+            <a:lvl1pPr algn="ctr">
+              <a:defRPr sz="800">
+                <a:solidFill>
+                  <a:schemeClr val="tx1">
+                    <a:lumMod val="65000"/>
+                    <a:lumOff val="35000"/>
+                  </a:schemeClr>
+                </a:solidFill>
+              </a:defRPr>
+            </a:lvl1pPr>
+          </a:lstStyle>
+          <a:p>
+            <a:fld id="{DF7665AF-92BA-E649-941D-268879B3EA81}" type="slidenum">
+              <a:rPr lang="en-US" smtClean="0"/>
+              <a:pPr/>
+              <a:t>‹#›</a:t>
+            </a:fld>
+            <a:endParaRPr lang="en-US"/>
+          </a:p>
+        </p:txBody>
+      </p:sp>
+      <p:sp>
+        <p:nvSpPr>
+          <p:cNvPr id="7" name="Rectangle 6"/>
+          <p:cNvSpPr/>
+          <p:nvPr/>
+        </p:nvSpPr>
+        <p:spPr>
+          <a:xfrm>
+            <a:off x="914400" y="0"/>
+            <a:ext cx="7999413" cy="182880"/>
+          </a:xfrm>
+          <a:prstGeom prst="rect">
+            <a:avLst/>
+          </a:prstGeom>
+          <a:solidFill>
+            <a:schemeClr val="bg2">
+              <a:lumMod val="60000"/>
+              <a:lumOff val="40000"/>
+            </a:schemeClr>
+          </a:solidFill>
+          <a:ln>
+            <a:noFill/>
+          </a:ln>
+        </p:spPr>
+        <p:style>
+          <a:lnRef idx="2">
+            <a:schemeClr val="accent1">
+              <a:shade val="50000"/>
+            </a:schemeClr>
+          </a:lnRef>
+          <a:fillRef idx="1">
+            <a:schemeClr val="accent1"/>
+          </a:fillRef>
+          <a:effectRef idx="0">
+            <a:schemeClr val="accent1"/>
+          </a:effectRef>
+          <a:fontRef idx="minor">
+            <a:schemeClr val="lt1"/>
+          </a:fontRef>
+        </p:style>
+        <p:txBody>
+          <a:bodyPr rtlCol="0" anchor="ctr"/>
+          <a:lstStyle/>
+          <a:p>
+            <a:pPr algn="ctr"/>
+            <a:endParaRPr/>
+          </a:p>
+        </p:txBody>
+      </p:sp>
+      <p:sp>
+        <p:nvSpPr>
+          <p:cNvPr id="8" name="Rectangle 7"/>
+          <p:cNvSpPr/>
+          <p:nvPr/>
+        </p:nvSpPr>
+        <p:spPr>
+          <a:xfrm>
+            <a:off x="914400" y="6675120"/>
+            <a:ext cx="7999413" cy="182880"/>
+          </a:xfrm>
+          <a:prstGeom prst="rect">
+            <a:avLst/>
+          </a:prstGeom>
+          <a:solidFill>
+            <a:schemeClr val="bg2">
+              <a:lumMod val="40000"/>
+              <a:lumOff val="60000"/>
+            </a:schemeClr>
+          </a:solidFill>
+          <a:ln>
+            <a:noFill/>
+          </a:ln>
+        </p:spPr>
+        <p:style>
+          <a:lnRef idx="2">
+            <a:schemeClr val="accent1">
+              <a:shade val="50000"/>
+            </a:schemeClr>
+          </a:lnRef>
+          <a:fillRef idx="1">
+            <a:schemeClr val="accent1"/>
+          </a:fillRef>
+          <a:effectRef idx="0">
+            <a:schemeClr val="accent1"/>
+          </a:effectRef>
+          <a:fontRef idx="minor">
+            <a:schemeClr val="lt1"/>
+          </a:fontRef>
+        </p:style>
+        <p:txBody>
+          <a:bodyPr rtlCol="0" anchor="ctr"/>
+          <a:lstStyle/>
+          <a:p>
+            <a:pPr algn="ctr"/>
+            <a:endParaRPr/>
+          </a:p>
+        </p:txBody>
+      </p:sp>
+    </p:spTree>
+  </p:cSld>
+  <p:clrMap bg1="lt1" tx1="dk1" bg2="lt2" tx2="dk2" accent1="accent1" accent2="accent2" accent3="accent3" accent4="accent4" accent5="accent5" accent6="accent6" hlink="hlink" folHlink="folHlink"/>
+  <p:sldLayoutIdLst>
+    <p:sldLayoutId id="2147483681" r:id="rId1"/>
+  </p:sldLayoutIdLst>
+  <p:txStyles>
+    <p:titleStyle>
+      <a:lvl1pPr marL="0" indent="0" algn="l" defTabSz="914400" rtl="0" eaLnBrk="1" latinLnBrk="0" hangingPunct="1">
+        <a:spcBef>
+          <a:spcPct val="0"/>
+        </a:spcBef>
+        <a:buNone/>
+        <a:defRPr sz="3200" kern="1200">
+          <a:solidFill>
+            <a:schemeClr val="bg1"/>
+          </a:solidFill>
+          <a:latin typeface="+mj-lt"/>
+          <a:ea typeface="+mj-ea"/>
+          <a:cs typeface="+mj-cs"/>
+        </a:defRPr>
+      </a:lvl1pPr>
+    </p:titleStyle>
+    <p:bodyStyle>
+      <a:lvl1pPr marL="342900" indent="-342900" algn="l" defTabSz="914400" rtl="0" eaLnBrk="1" latinLnBrk="0" hangingPunct="1">
+        <a:spcBef>
+          <a:spcPts val="2000"/>
+        </a:spcBef>
+        <a:buClr>
+          <a:schemeClr val="tx1">
+            <a:lumMod val="95000"/>
+            <a:lumOff val="5000"/>
+          </a:schemeClr>
+        </a:buClr>
+        <a:buFont typeface="Wingdings 2" pitchFamily="18" charset="2"/>
+        <a:buChar char=""/>
+        <a:defRPr sz="2000" kern="1200">
+          <a:solidFill>
+            <a:schemeClr val="tx1">
+              <a:lumMod val="65000"/>
+              <a:lumOff val="35000"/>
+            </a:schemeClr>
+          </a:solidFill>
+          <a:latin typeface="+mn-lt"/>
+          <a:ea typeface="+mn-ea"/>
+          <a:cs typeface="+mn-cs"/>
+        </a:defRPr>
+      </a:lvl1pPr>
+      <a:lvl2pPr marL="685800" indent="-336550" algn="l" defTabSz="914400" rtl="0" eaLnBrk="1" latinLnBrk="0" hangingPunct="1">
+        <a:spcBef>
+          <a:spcPts val="600"/>
+        </a:spcBef>
+        <a:buClr>
+          <a:schemeClr val="tx1">
+            <a:lumMod val="85000"/>
+            <a:lumOff val="15000"/>
+          </a:schemeClr>
+        </a:buClr>
+        <a:buFont typeface="Arial"/>
+        <a:buChar char="•"/>
+        <a:defRPr sz="1800" kern="1200">
+          <a:solidFill>
+            <a:schemeClr val="accent5"/>
+          </a:solidFill>
+          <a:latin typeface="+mn-lt"/>
+          <a:ea typeface="+mn-ea"/>
+          <a:cs typeface="+mn-cs"/>
+        </a:defRPr>
+      </a:lvl2pPr>
+      <a:lvl3pPr marL="1035050" indent="-349250" algn="l" defTabSz="914400" rtl="0" eaLnBrk="1" latinLnBrk="0" hangingPunct="1">
+        <a:spcBef>
+          <a:spcPts val="600"/>
+        </a:spcBef>
+        <a:buClr>
+          <a:schemeClr val="tx1">
+            <a:lumMod val="75000"/>
+            <a:lumOff val="25000"/>
+          </a:schemeClr>
+        </a:buClr>
+        <a:buFont typeface="Arial"/>
+        <a:buChar char="•"/>
+        <a:defRPr sz="1800" kern="1200">
+          <a:solidFill>
+            <a:schemeClr val="tx1">
+              <a:lumMod val="75000"/>
+              <a:lumOff val="25000"/>
+            </a:schemeClr>
+          </a:solidFill>
+          <a:latin typeface="+mn-lt"/>
+          <a:ea typeface="+mn-ea"/>
+          <a:cs typeface="+mn-cs"/>
+        </a:defRPr>
+      </a:lvl3pPr>
+      <a:lvl4pPr marL="1371600" indent="-336550" algn="l" defTabSz="914400" rtl="0" eaLnBrk="1" latinLnBrk="0" hangingPunct="1">
+        <a:spcBef>
+          <a:spcPts val="600"/>
+        </a:spcBef>
+        <a:buClr>
+          <a:schemeClr val="tx1">
+            <a:lumMod val="65000"/>
+            <a:lumOff val="35000"/>
+          </a:schemeClr>
+        </a:buClr>
+        <a:buFont typeface="Arial"/>
+        <a:buChar char="•"/>
+        <a:defRPr sz="1800" kern="1200">
+          <a:solidFill>
+            <a:schemeClr val="tx1">
+              <a:lumMod val="65000"/>
+              <a:lumOff val="35000"/>
+            </a:schemeClr>
+          </a:solidFill>
+          <a:latin typeface="+mn-lt"/>
+          <a:ea typeface="+mn-ea"/>
+          <a:cs typeface="+mn-cs"/>
+        </a:defRPr>
+      </a:lvl4pPr>
+      <a:lvl5pPr marL="1720850" indent="-349250" algn="l" defTabSz="914400" rtl="0" eaLnBrk="1" latinLnBrk="0" hangingPunct="1">
+        <a:spcBef>
+          <a:spcPts val="600"/>
+        </a:spcBef>
+        <a:buClr>
+          <a:schemeClr val="tx1">
+            <a:lumMod val="50000"/>
+            <a:lumOff val="50000"/>
+          </a:schemeClr>
+        </a:buClr>
+        <a:buFont typeface="Arial"/>
+        <a:buChar char="•"/>
+        <a:defRPr sz="1800" kern="1200">
+          <a:solidFill>
+            <a:schemeClr val="tx1">
+              <a:lumMod val="65000"/>
+              <a:lumOff val="35000"/>
+            </a:schemeClr>
+          </a:solidFill>
+          <a:latin typeface="+mn-lt"/>
+          <a:ea typeface="+mn-ea"/>
+          <a:cs typeface="+mn-cs"/>
+        </a:defRPr>
+      </a:lvl5pPr>
+      <a:lvl6pPr marL="2514600" indent="-228600" algn="l" defTabSz="914400" rtl="0" eaLnBrk="1" latinLnBrk="0" hangingPunct="1">
+        <a:spcBef>
+          <a:spcPct val="20000"/>
+        </a:spcBef>
+        <a:buFont typeface="Arial" pitchFamily="34" charset="0"/>
+        <a:buChar char="•"/>
+        <a:defRPr sz="2000" kern="1200">
+          <a:solidFill>
+            <a:schemeClr val="tx1"/>
+          </a:solidFill>
+          <a:latin typeface="+mn-lt"/>
+          <a:ea typeface="+mn-ea"/>
+          <a:cs typeface="+mn-cs"/>
+        </a:defRPr>
+      </a:lvl6pPr>
+      <a:lvl7pPr marL="2971800" indent="-228600" algn="l" defTabSz="914400" rtl="0" eaLnBrk="1" latinLnBrk="0" hangingPunct="1">
+        <a:spcBef>
+          <a:spcPct val="20000"/>
+        </a:spcBef>
+        <a:buFont typeface="Arial" pitchFamily="34" charset="0"/>
+        <a:buChar char="•"/>
+        <a:defRPr sz="2000" kern="1200">
+          <a:solidFill>
+            <a:schemeClr val="tx1"/>
+          </a:solidFill>
+          <a:latin typeface="+mn-lt"/>
+          <a:ea typeface="+mn-ea"/>
+          <a:cs typeface="+mn-cs"/>
+        </a:defRPr>
+      </a:lvl7pPr>
+      <a:lvl8pPr marL="3429000" indent="-228600" algn="l" defTabSz="914400" rtl="0" eaLnBrk="1" latinLnBrk="0" hangingPunct="1">
+        <a:spcBef>
+          <a:spcPct val="20000"/>
+        </a:spcBef>
+        <a:buFont typeface="Arial" pitchFamily="34" charset="0"/>
+        <a:buChar char="•"/>
+        <a:defRPr sz="2000" kern="1200">
+          <a:solidFill>
+            <a:schemeClr val="tx1"/>
+          </a:solidFill>
+          <a:latin typeface="+mn-lt"/>
+          <a:ea typeface="+mn-ea"/>
+          <a:cs typeface="+mn-cs"/>
+        </a:defRPr>
+      </a:lvl8pPr>
+      <a:lvl9pPr marL="3886200" indent="-228600" algn="l" defTabSz="914400" rtl="0" eaLnBrk="1" latinLnBrk="0" hangingPunct="1">
+        <a:spcBef>
+          <a:spcPct val="20000"/>
+        </a:spcBef>
+        <a:buFont typeface="Arial" pitchFamily="34" charset="0"/>
+        <a:buChar char="•"/>
+        <a:defRPr sz="2000" kern="1200">
+          <a:solidFill>
+            <a:schemeClr val="tx1"/>
+          </a:solidFill>
+          <a:latin typeface="+mn-lt"/>
+          <a:ea typeface="+mn-ea"/>
+          <a:cs typeface="+mn-cs"/>
+        </a:defRPr>
+      </a:lvl9pPr>
+    </p:bodyStyle>
+    <p:otherStyle>
+      <a:defPPr>
+        <a:defRPr/>
+      </a:defPPr>
+      <a:lvl1pPr marL="0" algn="l" defTabSz="914400" rtl="0" eaLnBrk="1" latinLnBrk="0" hangingPunct="1">
+        <a:defRPr sz="1800" kern="1200">
+          <a:solidFill>
+            <a:schemeClr val="tx1"/>
+          </a:solidFill>
+          <a:latin typeface="+mn-lt"/>
+          <a:ea typeface="+mn-ea"/>
+          <a:cs typeface="+mn-cs"/>
+        </a:defRPr>
+      </a:lvl1pPr>
+      <a:lvl2pPr marL="457200" algn="l" defTabSz="914400" rtl="0" eaLnBrk="1" latinLnBrk="0" hangingPunct="1">
+        <a:defRPr sz="1800" kern="1200">
+          <a:solidFill>
+            <a:schemeClr val="tx1"/>
+          </a:solidFill>
+          <a:latin typeface="+mn-lt"/>
+          <a:ea typeface="+mn-ea"/>
+          <a:cs typeface="+mn-cs"/>
+        </a:defRPr>
+      </a:lvl2pPr>
+      <a:lvl3pPr marL="914400" algn="l" defTabSz="914400" rtl="0" eaLnBrk="1" latinLnBrk="0" hangingPunct="1">
+        <a:defRPr sz="1800" kern="1200">
+          <a:solidFill>
+            <a:schemeClr val="tx1"/>
+          </a:solidFill>
+          <a:latin typeface="+mn-lt"/>
+          <a:ea typeface="+mn-ea"/>
+          <a:cs typeface="+mn-cs"/>
+        </a:defRPr>
+      </a:lvl3pPr>
+      <a:lvl4pPr marL="1371600" algn="l" defTabSz="914400" rtl="0" eaLnBrk="1" latinLnBrk="0" hangingPunct="1">
+        <a:defRPr sz="1800" kern="1200">
+          <a:solidFill>
+            <a:schemeClr val="tx1"/>
+          </a:solidFill>
+          <a:latin typeface="+mn-lt"/>
+          <a:ea typeface="+mn-ea"/>
+          <a:cs typeface="+mn-cs"/>
+        </a:defRPr>
+      </a:lvl4pPr>
+      <a:lvl5pPr marL="1828800" algn="l" defTabSz="914400" rtl="0" eaLnBrk="1" latinLnBrk="0" hangingPunct="1">
+        <a:defRPr sz="1800" kern="1200">
+          <a:solidFill>
+            <a:schemeClr val="tx1"/>
+          </a:solidFill>
+          <a:latin typeface="+mn-lt"/>
+          <a:ea typeface="+mn-ea"/>
+          <a:cs typeface="+mn-cs"/>
+        </a:defRPr>
+      </a:lvl5pPr>
+      <a:lvl6pPr marL="2286000" algn="l" defTabSz="914400" rtl="0" eaLnBrk="1" latinLnBrk="0" hangingPunct="1">
+        <a:defRPr sz="1800" kern="1200">
+          <a:solidFill>
+            <a:schemeClr val="tx1"/>
+          </a:solidFill>
+          <a:latin typeface="+mn-lt"/>
+          <a:ea typeface="+mn-ea"/>
+          <a:cs typeface="+mn-cs"/>
+        </a:defRPr>
+      </a:lvl6pPr>
+      <a:lvl7pPr marL="2743200" algn="l" defTabSz="914400" rtl="0" eaLnBrk="1" latinLnBrk="0" hangingPunct="1">
+        <a:defRPr sz="1800" kern="1200">
+          <a:solidFill>
+            <a:schemeClr val="tx1"/>
+          </a:solidFill>
+          <a:latin typeface="+mn-lt"/>
+          <a:ea typeface="+mn-ea"/>
+          <a:cs typeface="+mn-cs"/>
+        </a:defRPr>
+      </a:lvl7pPr>
+      <a:lvl8pPr marL="3200400" algn="l" defTabSz="914400" rtl="0" eaLnBrk="1" latinLnBrk="0" hangingPunct="1">
+        <a:defRPr sz="1800" kern="1200">
+          <a:solidFill>
+            <a:schemeClr val="tx1"/>
+          </a:solidFill>
+          <a:latin typeface="+mn-lt"/>
+          <a:ea typeface="+mn-ea"/>
+          <a:cs typeface="+mn-cs"/>
+        </a:defRPr>
+      </a:lvl8pPr>
+      <a:lvl9pPr marL="3657600" algn="l" defTabSz="914400" rtl="0" eaLnBrk="1" latinLnBrk="0" hangingPunct="1">
+        <a:defRPr sz="1800" kern="1200">
+          <a:solidFill>
+            <a:schemeClr val="tx1"/>
+          </a:solidFill>
+          <a:latin typeface="+mn-lt"/>
+          <a:ea typeface="+mn-ea"/>
+          <a:cs typeface="+mn-cs"/>
+        </a:defRPr>
+      </a:lvl9pPr>
+    </p:otherStyle>
+  </p:txStyles>
+</p:sldMaster>
+</file>
+
+<file path=ppt/slideMasters/slideMaster5.xml><?xml version="1.0" encoding="utf-8"?>
+<p:sldMaster xmlns:a="http://schemas.openxmlformats.org/drawingml/2006/main" xmlns:r="http://schemas.openxmlformats.org/officeDocument/2006/relationships" xmlns:mc="http://schemas.openxmlformats.org/markup-compatibility/2006" xmlns:mv="urn:schemas-microsoft-com:mac:vml" xmlns:p="http://schemas.openxmlformats.org/presentationml/2006/main" mc:Ignorable="mv" mc:PreserveAttributes="mv:*">
+  <p:cSld>
+    <p:bg>
+      <p:bgRef idx="1001">
+        <a:schemeClr val="bg1"/>
+      </p:bgRef>
+    </p:bg>
+    <p:spTree>
+      <p:nvGrpSpPr>
+        <p:cNvPr id="1" name=""/>
+        <p:cNvGrpSpPr/>
+        <p:nvPr/>
+      </p:nvGrpSpPr>
+      <p:grpSpPr>
+        <a:xfrm>
+          <a:off x="0" y="0"/>
+          <a:ext cx="0" cy="0"/>
+          <a:chOff x="0" y="0"/>
+          <a:chExt cx="0" cy="0"/>
+        </a:xfrm>
+      </p:grpSpPr>
+      <p:sp>
+        <p:nvSpPr>
+          <p:cNvPr id="2" name="Title Placeholder 1"/>
+          <p:cNvSpPr>
+            <a:spLocks noGrp="1"/>
+          </p:cNvSpPr>
+          <p:nvPr>
+            <p:ph type="title"/>
+          </p:nvPr>
+        </p:nvSpPr>
+        <p:spPr>
+          <a:xfrm>
+            <a:off x="1114424" y="263714"/>
+            <a:ext cx="8029576" cy="914400"/>
+          </a:xfrm>
+          <a:prstGeom prst="rect">
+            <a:avLst/>
+          </a:prstGeom>
+          <a:solidFill>
+            <a:schemeClr val="tx2"/>
+          </a:solidFill>
+        </p:spPr>
+        <p:txBody>
+          <a:bodyPr vert="horz" lIns="1188720" tIns="45720" rIns="274320" bIns="45720" rtlCol="0" anchor="ctr">
+            <a:normAutofit/>
+          </a:bodyPr>
+          <a:lstStyle/>
+          <a:p>
+            <a:r>
+              <a:rPr lang="en-US" dirty="0" smtClean="0"/>
+              <a:t>Click to edit Master title style</a:t>
+            </a:r>
+            <a:endParaRPr dirty="0"/>
+          </a:p>
+        </p:txBody>
+      </p:sp>
+      <p:sp>
+        <p:nvSpPr>
+          <p:cNvPr id="3" name="Text Placeholder 2"/>
+          <p:cNvSpPr>
+            <a:spLocks noGrp="1"/>
+          </p:cNvSpPr>
+          <p:nvPr>
+            <p:ph type="body" idx="1"/>
+          </p:nvPr>
+        </p:nvSpPr>
+        <p:spPr>
+          <a:xfrm>
+            <a:off x="1114424" y="1549124"/>
+            <a:ext cx="7610476" cy="4791700"/>
+          </a:xfrm>
+          <a:prstGeom prst="rect">
+            <a:avLst/>
+          </a:prstGeom>
+        </p:spPr>
+        <p:txBody>
+          <a:bodyPr vert="horz" lIns="91440" tIns="45720" rIns="91440" bIns="45720" rtlCol="0">
+            <a:normAutofit/>
+          </a:bodyPr>
+          <a:lstStyle/>
+          <a:p>
+            <a:pPr lvl="0"/>
+            <a:r>
+              <a:rPr lang="en-US" dirty="0" smtClean="0"/>
+              <a:t>Click to edit Master text styles</a:t>
+            </a:r>
+          </a:p>
+          <a:p>
+            <a:pPr lvl="1"/>
+            <a:r>
+              <a:rPr lang="en-US" dirty="0" smtClean="0"/>
+              <a:t>Second level</a:t>
+            </a:r>
+          </a:p>
+          <a:p>
+            <a:pPr lvl="2"/>
+            <a:r>
+              <a:rPr lang="en-US" dirty="0" smtClean="0"/>
+              <a:t>Third level</a:t>
+            </a:r>
+          </a:p>
+          <a:p>
+            <a:pPr lvl="3"/>
+            <a:r>
+              <a:rPr lang="en-US" dirty="0" smtClean="0"/>
+              <a:t>Fourth level</a:t>
+            </a:r>
+          </a:p>
+          <a:p>
+            <a:pPr lvl="4"/>
+            <a:r>
+              <a:rPr lang="en-US" dirty="0" smtClean="0"/>
+              <a:t>Fifth level</a:t>
+            </a:r>
+            <a:endParaRPr dirty="0"/>
+          </a:p>
+        </p:txBody>
+      </p:sp>
+      <p:sp>
+        <p:nvSpPr>
+          <p:cNvPr id="4" name="Date Placeholder 3"/>
+          <p:cNvSpPr>
+            <a:spLocks noGrp="1"/>
+          </p:cNvSpPr>
+          <p:nvPr>
+            <p:ph type="dt" sz="half" idx="2"/>
+          </p:nvPr>
+        </p:nvSpPr>
+        <p:spPr>
+          <a:xfrm>
+            <a:off x="6580094" y="188259"/>
+            <a:ext cx="2133600" cy="365125"/>
+          </a:xfrm>
+          <a:prstGeom prst="rect">
+            <a:avLst/>
+          </a:prstGeom>
+        </p:spPr>
+        <p:txBody>
+          <a:bodyPr vert="horz" lIns="91440" tIns="45720" rIns="91440" bIns="45720" rtlCol="0" anchor="ctr"/>
+          <a:lstStyle>
+            <a:lvl1pPr algn="r">
+              <a:defRPr sz="1000">
+                <a:solidFill>
+                  <a:schemeClr val="tx1">
+                    <a:lumMod val="65000"/>
+                    <a:lumOff val="35000"/>
+                  </a:schemeClr>
+                </a:solidFill>
+              </a:defRPr>
+            </a:lvl1pPr>
+          </a:lstStyle>
+          <a:p>
+            <a:fld id="{4C4AD4EB-88D0-C141-9474-CCD86A78CB94}" type="datetimeFigureOut">
+              <a:rPr lang="en-US" smtClean="0"/>
+              <a:pPr/>
+              <a:t>11/28/10</a:t>
+            </a:fld>
+            <a:endParaRPr lang="en-US"/>
+          </a:p>
+        </p:txBody>
+      </p:sp>
+      <p:sp>
+        <p:nvSpPr>
+          <p:cNvPr id="5" name="Footer Placeholder 4"/>
+          <p:cNvSpPr>
+            <a:spLocks noGrp="1"/>
+          </p:cNvSpPr>
+          <p:nvPr>
+            <p:ph type="ftr" sz="quarter" idx="3"/>
+          </p:nvPr>
+        </p:nvSpPr>
+        <p:spPr>
+          <a:xfrm>
+            <a:off x="1120588" y="188259"/>
+            <a:ext cx="2895600" cy="365125"/>
+          </a:xfrm>
+          <a:prstGeom prst="rect">
+            <a:avLst/>
+          </a:prstGeom>
+        </p:spPr>
+        <p:txBody>
+          <a:bodyPr vert="horz" lIns="91440" tIns="45720" rIns="91440" bIns="45720" rtlCol="0" anchor="ctr"/>
+          <a:lstStyle>
+            <a:lvl1pPr algn="l">
+              <a:defRPr sz="1000">
+                <a:solidFill>
+                  <a:schemeClr val="tx1">
+                    <a:lumMod val="65000"/>
+                    <a:lumOff val="35000"/>
+                  </a:schemeClr>
+                </a:solidFill>
+              </a:defRPr>
+            </a:lvl1pPr>
+          </a:lstStyle>
+          <a:p>
+            <a:endParaRPr lang="en-US"/>
+          </a:p>
+        </p:txBody>
+      </p:sp>
+      <p:sp>
+        <p:nvSpPr>
+          <p:cNvPr id="6" name="Slide Number Placeholder 5"/>
+          <p:cNvSpPr>
+            <a:spLocks noGrp="1"/>
+          </p:cNvSpPr>
+          <p:nvPr>
+            <p:ph type="sldNum" sz="quarter" idx="4"/>
+          </p:nvPr>
+        </p:nvSpPr>
+        <p:spPr>
+          <a:xfrm>
+            <a:off x="8789894" y="6569075"/>
+            <a:ext cx="457200" cy="365125"/>
+          </a:xfrm>
+          <a:prstGeom prst="rect">
+            <a:avLst/>
+          </a:prstGeom>
+        </p:spPr>
+        <p:txBody>
+          <a:bodyPr vert="horz" lIns="91440" tIns="45720" rIns="91440" bIns="45720" rtlCol="0" anchor="ctr"/>
+          <a:lstStyle>
+            <a:lvl1pPr algn="ctr">
+              <a:defRPr sz="800">
+                <a:solidFill>
+                  <a:schemeClr val="tx1">
+                    <a:lumMod val="65000"/>
+                    <a:lumOff val="35000"/>
+                  </a:schemeClr>
+                </a:solidFill>
+              </a:defRPr>
+            </a:lvl1pPr>
+          </a:lstStyle>
+          <a:p>
+            <a:fld id="{DF7665AF-92BA-E649-941D-268879B3EA81}" type="slidenum">
+              <a:rPr lang="en-US" smtClean="0"/>
+              <a:pPr/>
+              <a:t>‹#›</a:t>
+            </a:fld>
+            <a:endParaRPr lang="en-US"/>
+          </a:p>
+        </p:txBody>
+      </p:sp>
+      <p:sp>
+        <p:nvSpPr>
+          <p:cNvPr id="7" name="Rectangle 6"/>
+          <p:cNvSpPr/>
+          <p:nvPr/>
+        </p:nvSpPr>
+        <p:spPr>
+          <a:xfrm>
+            <a:off x="914400" y="0"/>
+            <a:ext cx="7999413" cy="182880"/>
+          </a:xfrm>
+          <a:prstGeom prst="rect">
+            <a:avLst/>
+          </a:prstGeom>
+          <a:solidFill>
+            <a:schemeClr val="bg2">
+              <a:lumMod val="60000"/>
+              <a:lumOff val="40000"/>
+            </a:schemeClr>
+          </a:solidFill>
+          <a:ln>
+            <a:noFill/>
+          </a:ln>
+        </p:spPr>
+        <p:style>
+          <a:lnRef idx="2">
+            <a:schemeClr val="accent1">
+              <a:shade val="50000"/>
+            </a:schemeClr>
+          </a:lnRef>
+          <a:fillRef idx="1">
+            <a:schemeClr val="accent1"/>
+          </a:fillRef>
+          <a:effectRef idx="0">
+            <a:schemeClr val="accent1"/>
+          </a:effectRef>
+          <a:fontRef idx="minor">
+            <a:schemeClr val="lt1"/>
+          </a:fontRef>
+        </p:style>
+        <p:txBody>
+          <a:bodyPr rtlCol="0" anchor="ctr"/>
+          <a:lstStyle/>
+          <a:p>
+            <a:pPr algn="ctr"/>
+            <a:endParaRPr/>
+          </a:p>
+        </p:txBody>
+      </p:sp>
+      <p:sp>
+        <p:nvSpPr>
+          <p:cNvPr id="8" name="Rectangle 7"/>
+          <p:cNvSpPr/>
+          <p:nvPr/>
+        </p:nvSpPr>
+        <p:spPr>
+          <a:xfrm>
+            <a:off x="914400" y="6675120"/>
+            <a:ext cx="7999413" cy="182880"/>
+          </a:xfrm>
+          <a:prstGeom prst="rect">
+            <a:avLst/>
+          </a:prstGeom>
+          <a:solidFill>
+            <a:schemeClr val="bg2">
+              <a:lumMod val="40000"/>
+              <a:lumOff val="60000"/>
+            </a:schemeClr>
+          </a:solidFill>
+          <a:ln>
+            <a:noFill/>
+          </a:ln>
+        </p:spPr>
+        <p:style>
+          <a:lnRef idx="2">
+            <a:schemeClr val="accent1">
+              <a:shade val="50000"/>
+            </a:schemeClr>
+          </a:lnRef>
+          <a:fillRef idx="1">
+            <a:schemeClr val="accent1"/>
+          </a:fillRef>
+          <a:effectRef idx="0">
+            <a:schemeClr val="accent1"/>
+          </a:effectRef>
+          <a:fontRef idx="minor">
+            <a:schemeClr val="lt1"/>
+          </a:fontRef>
+        </p:style>
+        <p:txBody>
+          <a:bodyPr rtlCol="0" anchor="ctr"/>
+          <a:lstStyle/>
+          <a:p>
+            <a:pPr algn="ctr"/>
+            <a:endParaRPr/>
+          </a:p>
+        </p:txBody>
+      </p:sp>
+    </p:spTree>
+  </p:cSld>
+  <p:clrMap bg1="lt1" tx1="dk1" bg2="lt2" tx2="dk2" accent1="accent1" accent2="accent2" accent3="accent3" accent4="accent4" accent5="accent5" accent6="accent6" hlink="hlink" folHlink="folHlink"/>
+  <p:sldLayoutIdLst>
+    <p:sldLayoutId id="2147483683" r:id="rId1"/>
+  </p:sldLayoutIdLst>
+  <p:txStyles>
+    <p:titleStyle>
+      <a:lvl1pPr marL="0" indent="0" algn="l" defTabSz="914400" rtl="0" eaLnBrk="1" latinLnBrk="0" hangingPunct="1">
+        <a:spcBef>
+          <a:spcPct val="0"/>
+        </a:spcBef>
+        <a:buNone/>
+        <a:defRPr sz="3200" kern="1200">
+          <a:solidFill>
+            <a:schemeClr val="bg1"/>
+          </a:solidFill>
+          <a:latin typeface="+mj-lt"/>
+          <a:ea typeface="+mj-ea"/>
+          <a:cs typeface="+mj-cs"/>
+        </a:defRPr>
+      </a:lvl1pPr>
+    </p:titleStyle>
+    <p:bodyStyle>
+      <a:lvl1pPr marL="342900" indent="-342900" algn="l" defTabSz="914400" rtl="0" eaLnBrk="1" latinLnBrk="0" hangingPunct="1">
+        <a:spcBef>
+          <a:spcPts val="2000"/>
+        </a:spcBef>
+        <a:buClr>
+          <a:schemeClr val="tx1">
+            <a:lumMod val="95000"/>
+            <a:lumOff val="5000"/>
+          </a:schemeClr>
+        </a:buClr>
+        <a:buFont typeface="Wingdings 2" pitchFamily="18" charset="2"/>
+        <a:buChar char=""/>
+        <a:defRPr sz="2000" kern="1200">
+          <a:solidFill>
+            <a:schemeClr val="tx1">
+              <a:lumMod val="65000"/>
+              <a:lumOff val="35000"/>
+            </a:schemeClr>
+          </a:solidFill>
+          <a:latin typeface="+mn-lt"/>
+          <a:ea typeface="+mn-ea"/>
+          <a:cs typeface="+mn-cs"/>
+        </a:defRPr>
+      </a:lvl1pPr>
+      <a:lvl2pPr marL="685800" indent="-336550" algn="l" defTabSz="914400" rtl="0" eaLnBrk="1" latinLnBrk="0" hangingPunct="1">
+        <a:spcBef>
+          <a:spcPts val="600"/>
+        </a:spcBef>
+        <a:buClr>
+          <a:schemeClr val="tx1">
+            <a:lumMod val="85000"/>
+            <a:lumOff val="15000"/>
+          </a:schemeClr>
+        </a:buClr>
+        <a:buFont typeface="Arial"/>
+        <a:buChar char="•"/>
+        <a:defRPr sz="1800" kern="1200">
+          <a:solidFill>
+            <a:schemeClr val="accent5"/>
+          </a:solidFill>
+          <a:latin typeface="+mn-lt"/>
+          <a:ea typeface="+mn-ea"/>
+          <a:cs typeface="+mn-cs"/>
+        </a:defRPr>
+      </a:lvl2pPr>
+      <a:lvl3pPr marL="1035050" indent="-349250" algn="l" defTabSz="914400" rtl="0" eaLnBrk="1" latinLnBrk="0" hangingPunct="1">
+        <a:spcBef>
+          <a:spcPts val="600"/>
+        </a:spcBef>
+        <a:buClr>
+          <a:schemeClr val="tx1">
+            <a:lumMod val="75000"/>
+            <a:lumOff val="25000"/>
+          </a:schemeClr>
+        </a:buClr>
+        <a:buFont typeface="Arial"/>
+        <a:buChar char="•"/>
+        <a:defRPr sz="1800" kern="1200">
+          <a:solidFill>
+            <a:schemeClr val="tx1">
+              <a:lumMod val="75000"/>
+              <a:lumOff val="25000"/>
+            </a:schemeClr>
+          </a:solidFill>
+          <a:latin typeface="+mn-lt"/>
+          <a:ea typeface="+mn-ea"/>
+          <a:cs typeface="+mn-cs"/>
+        </a:defRPr>
+      </a:lvl3pPr>
+      <a:lvl4pPr marL="1371600" indent="-336550" algn="l" defTabSz="914400" rtl="0" eaLnBrk="1" latinLnBrk="0" hangingPunct="1">
+        <a:spcBef>
+          <a:spcPts val="600"/>
+        </a:spcBef>
+        <a:buClr>
+          <a:schemeClr val="tx1">
+            <a:lumMod val="65000"/>
+            <a:lumOff val="35000"/>
+          </a:schemeClr>
+        </a:buClr>
+        <a:buFont typeface="Arial"/>
+        <a:buChar char="•"/>
+        <a:defRPr sz="1800" kern="1200">
+          <a:solidFill>
+            <a:schemeClr val="tx1">
+              <a:lumMod val="65000"/>
+              <a:lumOff val="35000"/>
+            </a:schemeClr>
+          </a:solidFill>
+          <a:latin typeface="+mn-lt"/>
+          <a:ea typeface="+mn-ea"/>
+          <a:cs typeface="+mn-cs"/>
+        </a:defRPr>
+      </a:lvl4pPr>
+      <a:lvl5pPr marL="1720850" indent="-349250" algn="l" defTabSz="914400" rtl="0" eaLnBrk="1" latinLnBrk="0" hangingPunct="1">
+        <a:spcBef>
+          <a:spcPts val="600"/>
+        </a:spcBef>
+        <a:buClr>
+          <a:schemeClr val="tx1">
+            <a:lumMod val="50000"/>
+            <a:lumOff val="50000"/>
+          </a:schemeClr>
+        </a:buClr>
+        <a:buFont typeface="Arial"/>
+        <a:buChar char="•"/>
+        <a:defRPr sz="1800" kern="1200">
+          <a:solidFill>
+            <a:schemeClr val="tx1">
+              <a:lumMod val="65000"/>
+              <a:lumOff val="35000"/>
+            </a:schemeClr>
+          </a:solidFill>
+          <a:latin typeface="+mn-lt"/>
+          <a:ea typeface="+mn-ea"/>
+          <a:cs typeface="+mn-cs"/>
+        </a:defRPr>
+      </a:lvl5pPr>
+      <a:lvl6pPr marL="2514600" indent="-228600" algn="l" defTabSz="914400" rtl="0" eaLnBrk="1" latinLnBrk="0" hangingPunct="1">
+        <a:spcBef>
+          <a:spcPct val="20000"/>
+        </a:spcBef>
+        <a:buFont typeface="Arial" pitchFamily="34" charset="0"/>
+        <a:buChar char="•"/>
+        <a:defRPr sz="2000" kern="1200">
+          <a:solidFill>
+            <a:schemeClr val="tx1"/>
+          </a:solidFill>
+          <a:latin typeface="+mn-lt"/>
+          <a:ea typeface="+mn-ea"/>
+          <a:cs typeface="+mn-cs"/>
+        </a:defRPr>
+      </a:lvl6pPr>
+      <a:lvl7pPr marL="2971800" indent="-228600" algn="l" defTabSz="914400" rtl="0" eaLnBrk="1" latinLnBrk="0" hangingPunct="1">
+        <a:spcBef>
+          <a:spcPct val="20000"/>
+        </a:spcBef>
+        <a:buFont typeface="Arial" pitchFamily="34" charset="0"/>
+        <a:buChar char="•"/>
+        <a:defRPr sz="2000" kern="1200">
+          <a:solidFill>
+            <a:schemeClr val="tx1"/>
+          </a:solidFill>
+          <a:latin typeface="+mn-lt"/>
+          <a:ea typeface="+mn-ea"/>
+          <a:cs typeface="+mn-cs"/>
+        </a:defRPr>
+      </a:lvl7pPr>
+      <a:lvl8pPr marL="3429000" indent="-228600" algn="l" defTabSz="914400" rtl="0" eaLnBrk="1" latinLnBrk="0" hangingPunct="1">
+        <a:spcBef>
+          <a:spcPct val="20000"/>
+        </a:spcBef>
+        <a:buFont typeface="Arial" pitchFamily="34" charset="0"/>
+        <a:buChar char="•"/>
+        <a:defRPr sz="2000" kern="1200">
+          <a:solidFill>
+            <a:schemeClr val="tx1"/>
+          </a:solidFill>
+          <a:latin typeface="+mn-lt"/>
+          <a:ea typeface="+mn-ea"/>
+          <a:cs typeface="+mn-cs"/>
+        </a:defRPr>
+      </a:lvl8pPr>
+      <a:lvl9pPr marL="3886200" indent="-228600" algn="l" defTabSz="914400" rtl="0" eaLnBrk="1" latinLnBrk="0" hangingPunct="1">
+        <a:spcBef>
+          <a:spcPct val="20000"/>
+        </a:spcBef>
+        <a:buFont typeface="Arial" pitchFamily="34" charset="0"/>
+        <a:buChar char="•"/>
+        <a:defRPr sz="2000" kern="1200">
+          <a:solidFill>
+            <a:schemeClr val="tx1"/>
+          </a:solidFill>
+          <a:latin typeface="+mn-lt"/>
+          <a:ea typeface="+mn-ea"/>
+          <a:cs typeface="+mn-cs"/>
+        </a:defRPr>
+      </a:lvl9pPr>
+    </p:bodyStyle>
+    <p:otherStyle>
+      <a:defPPr>
+        <a:defRPr/>
+      </a:defPPr>
+      <a:lvl1pPr marL="0" algn="l" defTabSz="914400" rtl="0" eaLnBrk="1" latinLnBrk="0" hangingPunct="1">
+        <a:defRPr sz="1800" kern="1200">
+          <a:solidFill>
+            <a:schemeClr val="tx1"/>
+          </a:solidFill>
+          <a:latin typeface="+mn-lt"/>
+          <a:ea typeface="+mn-ea"/>
+          <a:cs typeface="+mn-cs"/>
+        </a:defRPr>
+      </a:lvl1pPr>
+      <a:lvl2pPr marL="457200" algn="l" defTabSz="914400" rtl="0" eaLnBrk="1" latinLnBrk="0" hangingPunct="1">
+        <a:defRPr sz="1800" kern="1200">
+          <a:solidFill>
+            <a:schemeClr val="tx1"/>
+          </a:solidFill>
+          <a:latin typeface="+mn-lt"/>
+          <a:ea typeface="+mn-ea"/>
+          <a:cs typeface="+mn-cs"/>
+        </a:defRPr>
+      </a:lvl2pPr>
+      <a:lvl3pPr marL="914400" algn="l" defTabSz="914400" rtl="0" eaLnBrk="1" latinLnBrk="0" hangingPunct="1">
+        <a:defRPr sz="1800" kern="1200">
+          <a:solidFill>
+            <a:schemeClr val="tx1"/>
+          </a:solidFill>
+          <a:latin typeface="+mn-lt"/>
+          <a:ea typeface="+mn-ea"/>
+          <a:cs typeface="+mn-cs"/>
+        </a:defRPr>
+      </a:lvl3pPr>
+      <a:lvl4pPr marL="1371600" algn="l" defTabSz="914400" rtl="0" eaLnBrk="1" latinLnBrk="0" hangingPunct="1">
+        <a:defRPr sz="1800" kern="1200">
+          <a:solidFill>
+            <a:schemeClr val="tx1"/>
+          </a:solidFill>
+          <a:latin typeface="+mn-lt"/>
+          <a:ea typeface="+mn-ea"/>
+          <a:cs typeface="+mn-cs"/>
+        </a:defRPr>
+      </a:lvl4pPr>
+      <a:lvl5pPr marL="1828800" algn="l" defTabSz="914400" rtl="0" eaLnBrk="1" latinLnBrk="0" hangingPunct="1">
+        <a:defRPr sz="1800" kern="1200">
+          <a:solidFill>
+            <a:schemeClr val="tx1"/>
+          </a:solidFill>
+          <a:latin typeface="+mn-lt"/>
+          <a:ea typeface="+mn-ea"/>
+          <a:cs typeface="+mn-cs"/>
+        </a:defRPr>
+      </a:lvl5pPr>
+      <a:lvl6pPr marL="2286000" algn="l" defTabSz="914400" rtl="0" eaLnBrk="1" latinLnBrk="0" hangingPunct="1">
+        <a:defRPr sz="1800" kern="1200">
+          <a:solidFill>
+            <a:schemeClr val="tx1"/>
+          </a:solidFill>
+          <a:latin typeface="+mn-lt"/>
+          <a:ea typeface="+mn-ea"/>
+          <a:cs typeface="+mn-cs"/>
+        </a:defRPr>
+      </a:lvl6pPr>
+      <a:lvl7pPr marL="2743200" algn="l" defTabSz="914400" rtl="0" eaLnBrk="1" latinLnBrk="0" hangingPunct="1">
+        <a:defRPr sz="1800" kern="1200">
+          <a:solidFill>
+            <a:schemeClr val="tx1"/>
+          </a:solidFill>
+          <a:latin typeface="+mn-lt"/>
+          <a:ea typeface="+mn-ea"/>
+          <a:cs typeface="+mn-cs"/>
+        </a:defRPr>
+      </a:lvl7pPr>
+      <a:lvl8pPr marL="3200400" algn="l" defTabSz="914400" rtl="0" eaLnBrk="1" latinLnBrk="0" hangingPunct="1">
+        <a:defRPr sz="1800" kern="1200">
+          <a:solidFill>
+            <a:schemeClr val="tx1"/>
+          </a:solidFill>
+          <a:latin typeface="+mn-lt"/>
+          <a:ea typeface="+mn-ea"/>
+          <a:cs typeface="+mn-cs"/>
+        </a:defRPr>
+      </a:lvl8pPr>
+      <a:lvl9pPr marL="3657600" algn="l" defTabSz="914400" rtl="0" eaLnBrk="1" latinLnBrk="0" hangingPunct="1">
+        <a:defRPr sz="1800" kern="1200">
+          <a:solidFill>
+            <a:schemeClr val="tx1"/>
+          </a:solidFill>
+          <a:latin typeface="+mn-lt"/>
+          <a:ea typeface="+mn-ea"/>
+          <a:cs typeface="+mn-cs"/>
+        </a:defRPr>
+      </a:lvl9pPr>
+    </p:otherStyle>
+  </p:txStyles>
+</p:sldMaster>
+</file>
+
+<file path=ppt/slideMasters/slideMaster6.xml><?xml version="1.0" encoding="utf-8"?>
+<p:sldMaster xmlns:a="http://schemas.openxmlformats.org/drawingml/2006/main" xmlns:r="http://schemas.openxmlformats.org/officeDocument/2006/relationships" xmlns:mc="http://schemas.openxmlformats.org/markup-compatibility/2006" xmlns:mv="urn:schemas-microsoft-com:mac:vml" xmlns:p="http://schemas.openxmlformats.org/presentationml/2006/main" mc:Ignorable="mv" mc:PreserveAttributes="mv:*">
+  <p:cSld>
+    <p:bg>
+      <p:bgRef idx="1001">
+        <a:schemeClr val="bg1"/>
+      </p:bgRef>
+    </p:bg>
+    <p:spTree>
+      <p:nvGrpSpPr>
+        <p:cNvPr id="1" name=""/>
+        <p:cNvGrpSpPr/>
+        <p:nvPr/>
+      </p:nvGrpSpPr>
+      <p:grpSpPr>
+        <a:xfrm>
+          <a:off x="0" y="0"/>
+          <a:ext cx="0" cy="0"/>
+          <a:chOff x="0" y="0"/>
+          <a:chExt cx="0" cy="0"/>
+        </a:xfrm>
+      </p:grpSpPr>
+      <p:sp>
+        <p:nvSpPr>
+          <p:cNvPr id="2" name="Title Placeholder 1"/>
+          <p:cNvSpPr>
+            <a:spLocks noGrp="1"/>
+          </p:cNvSpPr>
+          <p:nvPr>
+            <p:ph type="title"/>
+          </p:nvPr>
+        </p:nvSpPr>
+        <p:spPr>
+          <a:xfrm>
+            <a:off x="1114424" y="263714"/>
+            <a:ext cx="8029576" cy="914400"/>
+          </a:xfrm>
+          <a:prstGeom prst="rect">
+            <a:avLst/>
+          </a:prstGeom>
+          <a:solidFill>
+            <a:schemeClr val="tx2"/>
+          </a:solidFill>
+        </p:spPr>
+        <p:txBody>
+          <a:bodyPr vert="horz" lIns="1188720" tIns="45720" rIns="274320" bIns="45720" rtlCol="0" anchor="ctr">
+            <a:normAutofit/>
+          </a:bodyPr>
+          <a:lstStyle/>
+          <a:p>
+            <a:r>
+              <a:rPr lang="en-US" dirty="0" smtClean="0"/>
+              <a:t>Click to edit Master title style</a:t>
+            </a:r>
+            <a:endParaRPr dirty="0"/>
+          </a:p>
+        </p:txBody>
+      </p:sp>
+      <p:sp>
+        <p:nvSpPr>
+          <p:cNvPr id="3" name="Text Placeholder 2"/>
+          <p:cNvSpPr>
+            <a:spLocks noGrp="1"/>
+          </p:cNvSpPr>
+          <p:nvPr>
+            <p:ph type="body" idx="1"/>
+          </p:nvPr>
+        </p:nvSpPr>
+        <p:spPr>
+          <a:xfrm>
+            <a:off x="1114424" y="1549124"/>
+            <a:ext cx="7610476" cy="4791700"/>
+          </a:xfrm>
+          <a:prstGeom prst="rect">
+            <a:avLst/>
+          </a:prstGeom>
+        </p:spPr>
+        <p:txBody>
+          <a:bodyPr vert="horz" lIns="91440" tIns="45720" rIns="91440" bIns="45720" rtlCol="0">
+            <a:normAutofit/>
+          </a:bodyPr>
+          <a:lstStyle/>
+          <a:p>
+            <a:pPr lvl="0"/>
+            <a:r>
+              <a:rPr lang="en-US" dirty="0" smtClean="0"/>
+              <a:t>Click to edit Master text styles</a:t>
+            </a:r>
+          </a:p>
+          <a:p>
+            <a:pPr lvl="1"/>
+            <a:r>
+              <a:rPr lang="en-US" dirty="0" smtClean="0"/>
+              <a:t>Second level</a:t>
+            </a:r>
+          </a:p>
+          <a:p>
+            <a:pPr lvl="2"/>
+            <a:r>
+              <a:rPr lang="en-US" dirty="0" smtClean="0"/>
+              <a:t>Third level</a:t>
+            </a:r>
+          </a:p>
+          <a:p>
+            <a:pPr lvl="3"/>
+            <a:r>
+              <a:rPr lang="en-US" dirty="0" smtClean="0"/>
+              <a:t>Fourth level</a:t>
+            </a:r>
+          </a:p>
+          <a:p>
+            <a:pPr lvl="4"/>
+            <a:r>
+              <a:rPr lang="en-US" dirty="0" smtClean="0"/>
+              <a:t>Fifth level</a:t>
+            </a:r>
+            <a:endParaRPr dirty="0"/>
+          </a:p>
+        </p:txBody>
+      </p:sp>
+      <p:sp>
+        <p:nvSpPr>
+          <p:cNvPr id="4" name="Date Placeholder 3"/>
+          <p:cNvSpPr>
+            <a:spLocks noGrp="1"/>
+          </p:cNvSpPr>
+          <p:nvPr>
+            <p:ph type="dt" sz="half" idx="2"/>
+          </p:nvPr>
+        </p:nvSpPr>
+        <p:spPr>
+          <a:xfrm>
+            <a:off x="6580094" y="188259"/>
+            <a:ext cx="2133600" cy="365125"/>
+          </a:xfrm>
+          <a:prstGeom prst="rect">
+            <a:avLst/>
+          </a:prstGeom>
+        </p:spPr>
+        <p:txBody>
+          <a:bodyPr vert="horz" lIns="91440" tIns="45720" rIns="91440" bIns="45720" rtlCol="0" anchor="ctr"/>
+          <a:lstStyle>
+            <a:lvl1pPr algn="r">
+              <a:defRPr sz="1000">
+                <a:solidFill>
+                  <a:schemeClr val="tx1">
+                    <a:lumMod val="65000"/>
+                    <a:lumOff val="35000"/>
+                  </a:schemeClr>
+                </a:solidFill>
+              </a:defRPr>
+            </a:lvl1pPr>
+          </a:lstStyle>
+          <a:p>
+            <a:fld id="{4C4AD4EB-88D0-C141-9474-CCD86A78CB94}" type="datetimeFigureOut">
+              <a:rPr lang="en-US" smtClean="0"/>
+              <a:pPr/>
+              <a:t>11/28/10</a:t>
+            </a:fld>
+            <a:endParaRPr lang="en-US"/>
+          </a:p>
+        </p:txBody>
+      </p:sp>
+      <p:sp>
+        <p:nvSpPr>
+          <p:cNvPr id="5" name="Footer Placeholder 4"/>
+          <p:cNvSpPr>
+            <a:spLocks noGrp="1"/>
+          </p:cNvSpPr>
+          <p:nvPr>
+            <p:ph type="ftr" sz="quarter" idx="3"/>
+          </p:nvPr>
+        </p:nvSpPr>
+        <p:spPr>
+          <a:xfrm>
+            <a:off x="1120588" y="188259"/>
+            <a:ext cx="2895600" cy="365125"/>
+          </a:xfrm>
+          <a:prstGeom prst="rect">
+            <a:avLst/>
+          </a:prstGeom>
+        </p:spPr>
+        <p:txBody>
+          <a:bodyPr vert="horz" lIns="91440" tIns="45720" rIns="91440" bIns="45720" rtlCol="0" anchor="ctr"/>
+          <a:lstStyle>
+            <a:lvl1pPr algn="l">
+              <a:defRPr sz="1000">
+                <a:solidFill>
+                  <a:schemeClr val="tx1">
+                    <a:lumMod val="65000"/>
+                    <a:lumOff val="35000"/>
+                  </a:schemeClr>
+                </a:solidFill>
+              </a:defRPr>
+            </a:lvl1pPr>
+          </a:lstStyle>
+          <a:p>
+            <a:endParaRPr lang="en-US"/>
+          </a:p>
+        </p:txBody>
+      </p:sp>
+      <p:sp>
+        <p:nvSpPr>
+          <p:cNvPr id="6" name="Slide Number Placeholder 5"/>
+          <p:cNvSpPr>
+            <a:spLocks noGrp="1"/>
+          </p:cNvSpPr>
+          <p:nvPr>
+            <p:ph type="sldNum" sz="quarter" idx="4"/>
+          </p:nvPr>
+        </p:nvSpPr>
+        <p:spPr>
+          <a:xfrm>
+            <a:off x="8789894" y="6569075"/>
+            <a:ext cx="457200" cy="365125"/>
+          </a:xfrm>
+          <a:prstGeom prst="rect">
+            <a:avLst/>
+          </a:prstGeom>
+        </p:spPr>
+        <p:txBody>
+          <a:bodyPr vert="horz" lIns="91440" tIns="45720" rIns="91440" bIns="45720" rtlCol="0" anchor="ctr"/>
+          <a:lstStyle>
+            <a:lvl1pPr algn="ctr">
+              <a:defRPr sz="800">
+                <a:solidFill>
+                  <a:schemeClr val="tx1">
+                    <a:lumMod val="65000"/>
+                    <a:lumOff val="35000"/>
+                  </a:schemeClr>
+                </a:solidFill>
+              </a:defRPr>
+            </a:lvl1pPr>
+          </a:lstStyle>
+          <a:p>
+            <a:fld id="{DF7665AF-92BA-E649-941D-268879B3EA81}" type="slidenum">
+              <a:rPr lang="en-US" smtClean="0"/>
+              <a:pPr/>
+              <a:t>‹#›</a:t>
+            </a:fld>
+            <a:endParaRPr lang="en-US"/>
+          </a:p>
+        </p:txBody>
+      </p:sp>
+      <p:sp>
+        <p:nvSpPr>
+          <p:cNvPr id="7" name="Rectangle 6"/>
+          <p:cNvSpPr/>
+          <p:nvPr/>
+        </p:nvSpPr>
+        <p:spPr>
+          <a:xfrm>
+            <a:off x="914400" y="0"/>
+            <a:ext cx="7999413" cy="182880"/>
+          </a:xfrm>
+          <a:prstGeom prst="rect">
+            <a:avLst/>
+          </a:prstGeom>
+          <a:solidFill>
+            <a:schemeClr val="bg2">
+              <a:lumMod val="60000"/>
+              <a:lumOff val="40000"/>
+            </a:schemeClr>
+          </a:solidFill>
+          <a:ln>
+            <a:noFill/>
+          </a:ln>
+        </p:spPr>
+        <p:style>
+          <a:lnRef idx="2">
+            <a:schemeClr val="accent1">
+              <a:shade val="50000"/>
+            </a:schemeClr>
+          </a:lnRef>
+          <a:fillRef idx="1">
+            <a:schemeClr val="accent1"/>
+          </a:fillRef>
+          <a:effectRef idx="0">
+            <a:schemeClr val="accent1"/>
+          </a:effectRef>
+          <a:fontRef idx="minor">
+            <a:schemeClr val="lt1"/>
+          </a:fontRef>
+        </p:style>
+        <p:txBody>
+          <a:bodyPr rtlCol="0" anchor="ctr"/>
+          <a:lstStyle/>
+          <a:p>
+            <a:pPr algn="ctr"/>
+            <a:endParaRPr/>
+          </a:p>
+        </p:txBody>
+      </p:sp>
+      <p:sp>
+        <p:nvSpPr>
+          <p:cNvPr id="8" name="Rectangle 7"/>
+          <p:cNvSpPr/>
+          <p:nvPr/>
+        </p:nvSpPr>
+        <p:spPr>
+          <a:xfrm>
+            <a:off x="914400" y="6675120"/>
+            <a:ext cx="7999413" cy="182880"/>
+          </a:xfrm>
+          <a:prstGeom prst="rect">
+            <a:avLst/>
+          </a:prstGeom>
+          <a:solidFill>
+            <a:schemeClr val="bg2">
+              <a:lumMod val="40000"/>
+              <a:lumOff val="60000"/>
+            </a:schemeClr>
+          </a:solidFill>
+          <a:ln>
+            <a:noFill/>
+          </a:ln>
+        </p:spPr>
+        <p:style>
+          <a:lnRef idx="2">
+            <a:schemeClr val="accent1">
+              <a:shade val="50000"/>
+            </a:schemeClr>
+          </a:lnRef>
+          <a:fillRef idx="1">
+            <a:schemeClr val="accent1"/>
+          </a:fillRef>
+          <a:effectRef idx="0">
+            <a:schemeClr val="accent1"/>
+          </a:effectRef>
+          <a:fontRef idx="minor">
+            <a:schemeClr val="lt1"/>
+          </a:fontRef>
+        </p:style>
+        <p:txBody>
+          <a:bodyPr rtlCol="0" anchor="ctr"/>
+          <a:lstStyle/>
+          <a:p>
+            <a:pPr algn="ctr"/>
+            <a:endParaRPr/>
+          </a:p>
+        </p:txBody>
+      </p:sp>
+      <p:pic>
+        <p:nvPicPr>
+          <p:cNvPr id="9" name="Picture 1"/>
+          <p:cNvPicPr>
+            <a:picLocks noChangeArrowheads="1"/>
+          </p:cNvPicPr>
+          <p:nvPr userDrawn="1"/>
+        </p:nvPicPr>
+        <p:blipFill>
+          <a:blip r:embed="rId3"/>
+          <a:srcRect/>
+          <a:stretch>
+            <a:fillRect/>
+          </a:stretch>
+        </p:blipFill>
+        <p:spPr bwMode="auto">
+          <a:xfrm>
+            <a:off x="94958" y="263714"/>
+            <a:ext cx="786525" cy="709637"/>
+          </a:xfrm>
+          <a:prstGeom prst="rect">
+            <a:avLst/>
+          </a:prstGeom>
+          <a:noFill/>
+          <a:ln w="12700">
+            <a:noFill/>
+            <a:miter lim="800000"/>
+            <a:headEnd/>
+            <a:tailEnd/>
+          </a:ln>
+        </p:spPr>
+      </p:pic>
+    </p:spTree>
+  </p:cSld>
+  <p:clrMap bg1="lt1" tx1="dk1" bg2="lt2" tx2="dk2" accent1="accent1" accent2="accent2" accent3="accent3" accent4="accent4" accent5="accent5" accent6="accent6" hlink="hlink" folHlink="folHlink"/>
+  <p:sldLayoutIdLst>
+    <p:sldLayoutId id="2147483685" r:id="rId1"/>
   </p:sldLayoutIdLst>
   <p:txStyles>
     <p:titleStyle>
@@ -8284,38 +10271,50 @@
         </p:nvSpPr>
         <p:spPr/>
         <p:txBody>
-          <a:bodyPr/>
+          <a:bodyPr>
+            <a:noAutofit/>
+          </a:bodyPr>
           <a:lstStyle/>
           <a:p>
             <a:r>
-              <a:rPr lang="en-US" dirty="0" smtClean="0"/>
-              <a:t>Innovation in Distributed Algorithms (2)</a:t>
-            </a:r>
-            <a:endParaRPr lang="en-US" dirty="0"/>
-          </a:p>
-        </p:txBody>
-      </p:sp>
-      <p:graphicFrame>
-        <p:nvGraphicFramePr>
-          <p:cNvPr id="5" name="Chart 4"/>
-          <p:cNvGraphicFramePr/>
-          <p:nvPr/>
-        </p:nvGraphicFramePr>
-        <p:xfrm>
-          <a:off x="1094828" y="2662621"/>
-          <a:ext cx="7112000" cy="3365500"/>
-        </p:xfrm>
-        <a:graphic>
-          <a:graphicData uri="http://schemas.openxmlformats.org/drawingml/2006/chart">
-            <c:chart xmlns:c="http://schemas.openxmlformats.org/drawingml/2006/chart" xmlns:r="http://schemas.openxmlformats.org/officeDocument/2006/relationships" r:id="rId2"/>
-          </a:graphicData>
-        </a:graphic>
-      </p:graphicFrame>
+              <a:rPr lang="en-US" sz="2400" dirty="0" smtClean="0"/>
+              <a:t>SAGA: Tools for Effective Distributed Execution</a:t>
+            </a:r>
+            <a:endParaRPr lang="en-US" sz="2400" dirty="0"/>
+          </a:p>
+        </p:txBody>
+      </p:sp>
+      <p:pic>
+        <p:nvPicPr>
+          <p:cNvPr id="5" name="Content Placeholder 4" descr="distributed_pilot_job.png"/>
+          <p:cNvPicPr>
+            <a:picLocks noGrp="1" noChangeAspect="1"/>
+          </p:cNvPicPr>
+          <p:nvPr>
+            <p:ph idx="1"/>
+          </p:nvPr>
+        </p:nvPicPr>
+        <p:blipFill>
+          <a:blip r:embed="rId2"/>
+          <a:srcRect t="-10678" b="-10678"/>
+          <a:stretch>
+            <a:fillRect/>
+          </a:stretch>
+        </p:blipFill>
+        <p:spPr/>
+      </p:pic>
     </p:spTree>
   </p:cSld>
   <p:clrMapOvr>
     <a:masterClrMapping/>
   </p:clrMapOvr>
+  <p:timing>
+    <p:tnLst>
+      <p:par>
+        <p:cTn id="1" dur="indefinite" restart="never" nodeType="tmRoot"/>
+      </p:par>
+    </p:tnLst>
+  </p:timing>
 </p:sld>
 </file>
 
@@ -8336,108 +10335,101 @@
           <a:chExt cx="0" cy="0"/>
         </a:xfrm>
       </p:grpSpPr>
-      <p:sp>
-        <p:nvSpPr>
-          <p:cNvPr id="2" name="Title 1"/>
-          <p:cNvSpPr>
-            <a:spLocks noGrp="1"/>
-          </p:cNvSpPr>
-          <p:nvPr>
-            <p:ph type="title"/>
-          </p:nvPr>
-        </p:nvSpPr>
-        <p:spPr/>
-        <p:txBody>
-          <a:bodyPr>
-            <a:normAutofit fontScale="90000"/>
-          </a:bodyPr>
-          <a:lstStyle/>
-          <a:p>
-            <a:r>
-              <a:rPr lang="en-US" dirty="0" smtClean="0"/>
-              <a:t>Understanding Distributed Programming Models </a:t>
-            </a:r>
-            <a:endParaRPr lang="en-US" dirty="0"/>
-          </a:p>
-        </p:txBody>
-      </p:sp>
       <p:pic>
         <p:nvPicPr>
-          <p:cNvPr id="4" name="Content Placeholder 3" descr="sphere_varying_workers.png"/>
-          <p:cNvPicPr>
-            <a:picLocks noGrp="1" noChangeAspect="1"/>
-          </p:cNvPicPr>
-          <p:nvPr>
-            <p:ph idx="1"/>
-          </p:nvPr>
-        </p:nvPicPr>
-        <p:blipFill>
-          <a:blip r:embed="rId2"/>
-          <a:srcRect l="-14268" r="-14268"/>
-          <a:stretch>
-            <a:fillRect/>
-          </a:stretch>
-        </p:blipFill>
-        <p:spPr>
-          <a:xfrm>
-            <a:off x="4129449" y="1817641"/>
-            <a:ext cx="5014551" cy="2731106"/>
-          </a:xfrm>
-        </p:spPr>
-      </p:pic>
-      <p:pic>
-        <p:nvPicPr>
-          <p:cNvPr id="5" name="Picture 4" descr="sagamr_varying_workers.png"/>
+          <p:cNvPr id="87042" name="Picture 1" descr="Picture 2.png"/>
           <p:cNvPicPr>
             <a:picLocks noChangeAspect="1"/>
           </p:cNvPicPr>
           <p:nvPr/>
         </p:nvPicPr>
         <p:blipFill>
-          <a:blip r:embed="rId3"/>
+          <a:blip r:embed="rId2"/>
+          <a:srcRect/>
           <a:stretch>
             <a:fillRect/>
           </a:stretch>
         </p:blipFill>
-        <p:spPr>
+        <p:spPr bwMode="auto">
           <a:xfrm>
-            <a:off x="4746883" y="4310826"/>
-            <a:ext cx="3827804" cy="2547174"/>
+            <a:off x="192088" y="1016000"/>
+            <a:ext cx="8799512" cy="5232400"/>
           </a:xfrm>
           <a:prstGeom prst="rect">
             <a:avLst/>
           </a:prstGeom>
+          <a:noFill/>
+          <a:ln w="9525">
+            <a:noFill/>
+            <a:miter lim="800000"/>
+            <a:headEnd/>
+            <a:tailEnd/>
+          </a:ln>
         </p:spPr>
       </p:pic>
-      <p:pic>
-        <p:nvPicPr>
-          <p:cNvPr id="6" name="Picture 5" descr="sphere_mr_varying_chunksize.png"/>
-          <p:cNvPicPr>
-            <a:picLocks noChangeAspect="1"/>
-          </p:cNvPicPr>
-          <p:nvPr/>
-        </p:nvPicPr>
-        <p:blipFill>
-          <a:blip r:embed="rId4"/>
-          <a:stretch>
-            <a:fillRect/>
-          </a:stretch>
-        </p:blipFill>
+      <p:sp>
+        <p:nvSpPr>
+          <p:cNvPr id="5" name="Title 4"/>
+          <p:cNvSpPr>
+            <a:spLocks noGrp="1"/>
+          </p:cNvSpPr>
+          <p:nvPr>
+            <p:ph type="title"/>
+          </p:nvPr>
+        </p:nvSpPr>
         <p:spPr>
           <a:xfrm>
-            <a:off x="0" y="2465574"/>
-            <a:ext cx="4571429" cy="3200000"/>
-          </a:xfrm>
-          <a:prstGeom prst="rect">
-            <a:avLst/>
-          </a:prstGeom>
+            <a:off x="25400" y="133256"/>
+            <a:ext cx="8913813" cy="914400"/>
+          </a:xfrm>
         </p:spPr>
-      </p:pic>
+        <p:txBody>
+          <a:bodyPr>
+            <a:normAutofit fontScale="90000"/>
+          </a:bodyPr>
+          <a:lstStyle/>
+          <a:p>
+            <a:r>
+              <a:rPr lang="en-US" dirty="0" smtClean="0"/>
+              <a:t>SAGA</a:t>
+            </a:r>
+            <a:r>
+              <a:rPr lang="en-US" dirty="0" smtClean="0"/>
+              <a:t>: Provides </a:t>
+            </a:r>
+            <a:r>
+              <a:rPr lang="en-US" dirty="0" smtClean="0"/>
+              <a:t>uniform access layers to </a:t>
+            </a:r>
+            <a:r>
+              <a:rPr lang="en-US" dirty="0" err="1" smtClean="0"/>
+              <a:t>heterogenous</a:t>
+            </a:r>
+            <a:r>
+              <a:rPr lang="en-US" dirty="0" smtClean="0"/>
+              <a:t> </a:t>
+            </a:r>
+            <a:r>
+              <a:rPr lang="en-US" dirty="0" smtClean="0"/>
+              <a:t>CI</a:t>
+            </a:r>
+            <a:endParaRPr lang="en-US" dirty="0"/>
+          </a:p>
+        </p:txBody>
+      </p:sp>
     </p:spTree>
   </p:cSld>
   <p:clrMapOvr>
     <a:masterClrMapping/>
   </p:clrMapOvr>
+  <p:transition/>
+  <p:timing>
+    <p:tnLst>
+      <p:par>
+        <p:cTn id="1" dur="indefinite" restart="never" nodeType="tmRoot"/>
+      </p:par>
+    </p:tnLst>
+  </p:timing>
 </p:sld>
 </file>
 
@@ -8458,6 +10450,209 @@
           <a:chExt cx="0" cy="0"/>
         </a:xfrm>
       </p:grpSpPr>
+      <p:pic>
+        <p:nvPicPr>
+          <p:cNvPr id="2" name="Picture 1" descr="mandelbrot-9.png"/>
+          <p:cNvPicPr>
+            <a:picLocks noChangeAspect="1"/>
+          </p:cNvPicPr>
+          <p:nvPr/>
+        </p:nvPicPr>
+        <p:blipFill>
+          <a:blip r:embed="rId2"/>
+          <a:stretch>
+            <a:fillRect/>
+          </a:stretch>
+        </p:blipFill>
+        <p:spPr>
+          <a:xfrm>
+            <a:off x="1058415" y="1287403"/>
+            <a:ext cx="8089359" cy="5570597"/>
+          </a:xfrm>
+          <a:prstGeom prst="rect">
+            <a:avLst/>
+          </a:prstGeom>
+        </p:spPr>
+      </p:pic>
+      <p:sp>
+        <p:nvSpPr>
+          <p:cNvPr id="3" name="Title 2"/>
+          <p:cNvSpPr>
+            <a:spLocks noGrp="1"/>
+          </p:cNvSpPr>
+          <p:nvPr>
+            <p:ph type="title"/>
+          </p:nvPr>
+        </p:nvSpPr>
+        <p:spPr/>
+        <p:txBody>
+          <a:bodyPr>
+            <a:noAutofit/>
+          </a:bodyPr>
+          <a:lstStyle/>
+          <a:p>
+            <a:r>
+              <a:rPr lang="en-US" sz="2400" dirty="0" smtClean="0"/>
+              <a:t>SAGA: To </a:t>
+            </a:r>
+            <a:r>
+              <a:rPr lang="en-US" sz="2400" dirty="0" smtClean="0"/>
+              <a:t>provide uniform access layers to</a:t>
+            </a:r>
+            <a:r>
+              <a:rPr lang="en-US" sz="2400" dirty="0" smtClean="0"/>
+              <a:t> heterogeneous CI</a:t>
+            </a:r>
+            <a:endParaRPr lang="en-US" sz="2400" dirty="0"/>
+          </a:p>
+        </p:txBody>
+      </p:sp>
+    </p:spTree>
+  </p:cSld>
+  <p:clrMapOvr>
+    <a:masterClrMapping/>
+  </p:clrMapOvr>
+  <p:timing>
+    <p:tnLst>
+      <p:par>
+        <p:cTn id="1" dur="indefinite" restart="never" nodeType="tmRoot"/>
+      </p:par>
+    </p:tnLst>
+  </p:timing>
+</p:sld>
+</file>
+
+<file path=ppt/slides/slide13.xml><?xml version="1.0" encoding="utf-8"?>
+<p:sld xmlns:a="http://schemas.openxmlformats.org/drawingml/2006/main" xmlns:r="http://schemas.openxmlformats.org/officeDocument/2006/relationships" xmlns:mc="http://schemas.openxmlformats.org/markup-compatibility/2006" xmlns:mv="urn:schemas-microsoft-com:mac:vml" xmlns:p="http://schemas.openxmlformats.org/presentationml/2006/main" mc:Ignorable="mv" mc:PreserveAttributes="mv:*">
+  <p:cSld>
+    <p:spTree>
+      <p:nvGrpSpPr>
+        <p:cNvPr id="1" name=""/>
+        <p:cNvGrpSpPr/>
+        <p:nvPr/>
+      </p:nvGrpSpPr>
+      <p:grpSpPr>
+        <a:xfrm>
+          <a:off x="0" y="0"/>
+          <a:ext cx="0" cy="0"/>
+          <a:chOff x="0" y="0"/>
+          <a:chExt cx="0" cy="0"/>
+        </a:xfrm>
+      </p:grpSpPr>
+      <p:sp>
+        <p:nvSpPr>
+          <p:cNvPr id="37890" name="Rectangle 1"/>
+          <p:cNvSpPr>
+            <a:spLocks noGrp="1" noChangeArrowheads="1"/>
+          </p:cNvSpPr>
+          <p:nvPr>
+            <p:ph type="title"/>
+          </p:nvPr>
+        </p:nvSpPr>
+        <p:spPr/>
+        <p:txBody>
+          <a:bodyPr/>
+          <a:lstStyle/>
+          <a:p>
+            <a:pPr eaLnBrk="1" hangingPunct="1"/>
+            <a:r>
+              <a:rPr lang="en-US" smtClean="0"/>
+              <a:t>SAGA-GANGA Integration</a:t>
+            </a:r>
+          </a:p>
+        </p:txBody>
+      </p:sp>
+      <p:pic>
+        <p:nvPicPr>
+          <p:cNvPr id="37891" name="Picture 2"/>
+          <p:cNvPicPr>
+            <a:picLocks noChangeAspect="1" noChangeArrowheads="1"/>
+          </p:cNvPicPr>
+          <p:nvPr/>
+        </p:nvPicPr>
+        <p:blipFill>
+          <a:blip r:embed="rId2">
+            <a:alphaModFix amt="90000"/>
+          </a:blip>
+          <a:srcRect/>
+          <a:stretch>
+            <a:fillRect/>
+          </a:stretch>
+        </p:blipFill>
+        <p:spPr bwMode="auto">
+          <a:xfrm>
+            <a:off x="95774" y="2046287"/>
+            <a:ext cx="4799972" cy="4100513"/>
+          </a:xfrm>
+          <a:prstGeom prst="rect">
+            <a:avLst/>
+          </a:prstGeom>
+          <a:noFill/>
+          <a:ln w="12700">
+            <a:noFill/>
+            <a:miter lim="800000"/>
+            <a:headEnd/>
+            <a:tailEnd/>
+          </a:ln>
+        </p:spPr>
+      </p:pic>
+      <p:pic>
+        <p:nvPicPr>
+          <p:cNvPr id="4" name="Picture 3" descr="ganga_saga_scaling.png"/>
+          <p:cNvPicPr>
+            <a:picLocks noChangeAspect="1"/>
+          </p:cNvPicPr>
+          <p:nvPr/>
+        </p:nvPicPr>
+        <p:blipFill>
+          <a:blip r:embed="rId3"/>
+          <a:stretch>
+            <a:fillRect/>
+          </a:stretch>
+        </p:blipFill>
+        <p:spPr>
+          <a:xfrm>
+            <a:off x="4895746" y="2617787"/>
+            <a:ext cx="4248253" cy="2589213"/>
+          </a:xfrm>
+          <a:prstGeom prst="rect">
+            <a:avLst/>
+          </a:prstGeom>
+        </p:spPr>
+      </p:pic>
+    </p:spTree>
+  </p:cSld>
+  <p:clrMapOvr>
+    <a:masterClrMapping/>
+  </p:clrMapOvr>
+  <p:transition/>
+  <p:timing>
+    <p:tnLst>
+      <p:par>
+        <p:cTn id="1" dur="indefinite" restart="never" nodeType="tmRoot"/>
+      </p:par>
+    </p:tnLst>
+  </p:timing>
+</p:sld>
+</file>
+
+<file path=ppt/slides/slide14.xml><?xml version="1.0" encoding="utf-8"?>
+<p:sld xmlns:a="http://schemas.openxmlformats.org/drawingml/2006/main" xmlns:r="http://schemas.openxmlformats.org/officeDocument/2006/relationships" xmlns:mc="http://schemas.openxmlformats.org/markup-compatibility/2006" xmlns:mv="urn:schemas-microsoft-com:mac:vml" xmlns:p="http://schemas.openxmlformats.org/presentationml/2006/main" mc:Ignorable="mv" mc:PreserveAttributes="mv:*">
+  <p:cSld>
+    <p:spTree>
+      <p:nvGrpSpPr>
+        <p:cNvPr id="1" name=""/>
+        <p:cNvGrpSpPr/>
+        <p:nvPr/>
+      </p:nvGrpSpPr>
+      <p:grpSpPr>
+        <a:xfrm>
+          <a:off x="0" y="0"/>
+          <a:ext cx="0" cy="0"/>
+          <a:chOff x="0" y="0"/>
+          <a:chExt cx="0" cy="0"/>
+        </a:xfrm>
+      </p:grpSpPr>
       <p:sp>
         <p:nvSpPr>
           <p:cNvPr id="61" name="Footer Placeholder 3"/>
@@ -8498,7 +10693,7 @@
             <a:fld id="{D7EEED34-8CD6-0C49-8D66-19FEDD51CB4E}" type="slidenum">
               <a:rPr lang="en-US"/>
               <a:pPr/>
-              <a:t>12</a:t>
+              <a:t>14</a:t>
             </a:fld>
             <a:endParaRPr lang="en-US"/>
           </a:p>
@@ -11886,329 +14081,6 @@
 </p:sld>
 </file>
 
-<file path=ppt/slides/slide13.xml><?xml version="1.0" encoding="utf-8"?>
-<p:sld xmlns:a="http://schemas.openxmlformats.org/drawingml/2006/main" xmlns:r="http://schemas.openxmlformats.org/officeDocument/2006/relationships" xmlns:mc="http://schemas.openxmlformats.org/markup-compatibility/2006" xmlns:mv="urn:schemas-microsoft-com:mac:vml" xmlns:p="http://schemas.openxmlformats.org/presentationml/2006/main" mc:Ignorable="mv" mc:PreserveAttributes="mv:*">
-  <p:cSld>
-    <p:spTree>
-      <p:nvGrpSpPr>
-        <p:cNvPr id="1" name=""/>
-        <p:cNvGrpSpPr/>
-        <p:nvPr/>
-      </p:nvGrpSpPr>
-      <p:grpSpPr>
-        <a:xfrm>
-          <a:off x="0" y="0"/>
-          <a:ext cx="0" cy="0"/>
-          <a:chOff x="0" y="0"/>
-          <a:chExt cx="0" cy="0"/>
-        </a:xfrm>
-      </p:grpSpPr>
-      <p:sp>
-        <p:nvSpPr>
-          <p:cNvPr id="37890" name="Rectangle 1"/>
-          <p:cNvSpPr>
-            <a:spLocks noGrp="1" noChangeArrowheads="1"/>
-          </p:cNvSpPr>
-          <p:nvPr>
-            <p:ph type="title"/>
-          </p:nvPr>
-        </p:nvSpPr>
-        <p:spPr/>
-        <p:txBody>
-          <a:bodyPr/>
-          <a:lstStyle/>
-          <a:p>
-            <a:pPr eaLnBrk="1" hangingPunct="1"/>
-            <a:r>
-              <a:rPr lang="en-US" smtClean="0"/>
-              <a:t>SAGA-GANGA Integration</a:t>
-            </a:r>
-          </a:p>
-        </p:txBody>
-      </p:sp>
-      <p:pic>
-        <p:nvPicPr>
-          <p:cNvPr id="37891" name="Picture 2"/>
-          <p:cNvPicPr>
-            <a:picLocks noChangeAspect="1" noChangeArrowheads="1"/>
-          </p:cNvPicPr>
-          <p:nvPr/>
-        </p:nvPicPr>
-        <p:blipFill>
-          <a:blip r:embed="rId2">
-            <a:alphaModFix amt="90000"/>
-          </a:blip>
-          <a:srcRect/>
-          <a:stretch>
-            <a:fillRect/>
-          </a:stretch>
-        </p:blipFill>
-        <p:spPr bwMode="auto">
-          <a:xfrm>
-            <a:off x="95774" y="2046287"/>
-            <a:ext cx="4799972" cy="4100513"/>
-          </a:xfrm>
-          <a:prstGeom prst="rect">
-            <a:avLst/>
-          </a:prstGeom>
-          <a:noFill/>
-          <a:ln w="12700">
-            <a:noFill/>
-            <a:miter lim="800000"/>
-            <a:headEnd/>
-            <a:tailEnd/>
-          </a:ln>
-        </p:spPr>
-      </p:pic>
-      <p:pic>
-        <p:nvPicPr>
-          <p:cNvPr id="4" name="Picture 3" descr="ganga_saga_scaling.png"/>
-          <p:cNvPicPr>
-            <a:picLocks noChangeAspect="1"/>
-          </p:cNvPicPr>
-          <p:nvPr/>
-        </p:nvPicPr>
-        <p:blipFill>
-          <a:blip r:embed="rId3"/>
-          <a:stretch>
-            <a:fillRect/>
-          </a:stretch>
-        </p:blipFill>
-        <p:spPr>
-          <a:xfrm>
-            <a:off x="4895746" y="2617787"/>
-            <a:ext cx="4248253" cy="2589213"/>
-          </a:xfrm>
-          <a:prstGeom prst="rect">
-            <a:avLst/>
-          </a:prstGeom>
-        </p:spPr>
-      </p:pic>
-    </p:spTree>
-  </p:cSld>
-  <p:clrMapOvr>
-    <a:masterClrMapping/>
-  </p:clrMapOvr>
-  <p:transition/>
-  <p:timing>
-    <p:tnLst>
-      <p:par>
-        <p:cTn id="1" dur="indefinite" restart="never" nodeType="tmRoot"/>
-      </p:par>
-    </p:tnLst>
-  </p:timing>
-</p:sld>
-</file>
-
-<file path=ppt/slides/slide14.xml><?xml version="1.0" encoding="utf-8"?>
-<p:sld xmlns:a="http://schemas.openxmlformats.org/drawingml/2006/main" xmlns:r="http://schemas.openxmlformats.org/officeDocument/2006/relationships" xmlns:mc="http://schemas.openxmlformats.org/markup-compatibility/2006" xmlns:mv="urn:schemas-microsoft-com:mac:vml" xmlns:p="http://schemas.openxmlformats.org/presentationml/2006/main" mc:Ignorable="mv" mc:PreserveAttributes="mv:*">
-  <p:cSld>
-    <p:spTree>
-      <p:nvGrpSpPr>
-        <p:cNvPr id="1" name=""/>
-        <p:cNvGrpSpPr/>
-        <p:nvPr/>
-      </p:nvGrpSpPr>
-      <p:grpSpPr>
-        <a:xfrm>
-          <a:off x="0" y="0"/>
-          <a:ext cx="0" cy="0"/>
-          <a:chOff x="0" y="0"/>
-          <a:chExt cx="0" cy="0"/>
-        </a:xfrm>
-      </p:grpSpPr>
-      <p:sp>
-        <p:nvSpPr>
-          <p:cNvPr id="2" name="Title 1"/>
-          <p:cNvSpPr>
-            <a:spLocks noGrp="1"/>
-          </p:cNvSpPr>
-          <p:nvPr>
-            <p:ph type="title"/>
-          </p:nvPr>
-        </p:nvSpPr>
-        <p:spPr/>
-        <p:txBody>
-          <a:bodyPr>
-            <a:normAutofit fontScale="90000"/>
-          </a:bodyPr>
-          <a:lstStyle/>
-          <a:p>
-            <a:r>
-              <a:rPr lang="en-US" dirty="0" err="1" smtClean="0"/>
-              <a:t>ExTENCI</a:t>
-            </a:r>
-            <a:r>
-              <a:rPr lang="en-US" dirty="0" smtClean="0"/>
-              <a:t>: </a:t>
-            </a:r>
-            <a:r>
-              <a:rPr lang="en-US" dirty="0" err="1" smtClean="0"/>
-              <a:t>TeraGrid</a:t>
-            </a:r>
-            <a:r>
-              <a:rPr lang="en-US" dirty="0" smtClean="0"/>
-              <a:t>-OSG [2010-12]</a:t>
-            </a:r>
-            <a:br>
-              <a:rPr lang="en-US" dirty="0" smtClean="0"/>
-            </a:br>
-            <a:r>
-              <a:rPr lang="en-US" dirty="0" smtClean="0"/>
-              <a:t>Cactus Application Scenarios</a:t>
-            </a:r>
-            <a:endParaRPr lang="en-US" dirty="0"/>
-          </a:p>
-        </p:txBody>
-      </p:sp>
-      <p:sp>
-        <p:nvSpPr>
-          <p:cNvPr id="3" name="Content Placeholder 2"/>
-          <p:cNvSpPr>
-            <a:spLocks noGrp="1"/>
-          </p:cNvSpPr>
-          <p:nvPr>
-            <p:ph idx="1"/>
-          </p:nvPr>
-        </p:nvSpPr>
-        <p:spPr/>
-        <p:txBody>
-          <a:bodyPr/>
-          <a:lstStyle/>
-          <a:p>
-            <a:r>
-              <a:rPr lang="en-US" dirty="0" smtClean="0"/>
-              <a:t>Problem size varies – determinant of Infrastructure used</a:t>
-            </a:r>
-          </a:p>
-          <a:p>
-            <a:pPr lvl="1"/>
-            <a:r>
-              <a:rPr lang="en-US" dirty="0" smtClean="0"/>
-              <a:t>TG, OSG or either..</a:t>
-            </a:r>
-          </a:p>
-          <a:p>
-            <a:r>
-              <a:rPr lang="en-US" dirty="0" smtClean="0"/>
-              <a:t>MPI-based applications have a very complex SW environment that they need to worry about</a:t>
-            </a:r>
-          </a:p>
-          <a:p>
-            <a:r>
-              <a:rPr lang="en-US" dirty="0" smtClean="0"/>
-              <a:t>Application Scenarios/Usage Modes</a:t>
-            </a:r>
-          </a:p>
-          <a:p>
-            <a:pPr lvl="1"/>
-            <a:r>
-              <a:rPr lang="en-US" dirty="0" smtClean="0"/>
-              <a:t>1. Ensemble of Cactus Simulations</a:t>
-            </a:r>
-          </a:p>
-          <a:p>
-            <a:pPr lvl="2"/>
-            <a:r>
-              <a:rPr lang="en-US" dirty="0" err="1" smtClean="0"/>
-              <a:t>NumRel</a:t>
-            </a:r>
-            <a:r>
-              <a:rPr lang="en-US" dirty="0" smtClean="0"/>
-              <a:t>, </a:t>
-            </a:r>
-            <a:r>
-              <a:rPr lang="en-US" dirty="0" err="1" smtClean="0"/>
-              <a:t>EnKF</a:t>
-            </a:r>
-            <a:r>
-              <a:rPr lang="en-US" dirty="0" smtClean="0"/>
-              <a:t> (Petroleum Eng)</a:t>
-            </a:r>
-          </a:p>
-          <a:p>
-            <a:pPr lvl="1"/>
-            <a:r>
-              <a:rPr lang="en-US" dirty="0" smtClean="0"/>
-              <a:t>2. </a:t>
-            </a:r>
-            <a:r>
-              <a:rPr lang="en-US" dirty="0" err="1" smtClean="0"/>
-              <a:t>Multiphysics</a:t>
-            </a:r>
-            <a:r>
-              <a:rPr lang="en-US" dirty="0" smtClean="0"/>
-              <a:t> Code</a:t>
-            </a:r>
-          </a:p>
-          <a:p>
-            <a:pPr lvl="2"/>
-            <a:r>
-              <a:rPr lang="en-US" dirty="0" smtClean="0"/>
-              <a:t>GR-MHD, CFD-MD</a:t>
-            </a:r>
-          </a:p>
-          <a:p>
-            <a:pPr lvl="1"/>
-            <a:r>
-              <a:rPr lang="en-US" dirty="0" smtClean="0"/>
-              <a:t>3. Spawning Simulations</a:t>
-            </a:r>
-          </a:p>
-          <a:p>
-            <a:pPr lvl="2"/>
-            <a:r>
-              <a:rPr lang="en-US" dirty="0" err="1" smtClean="0"/>
-              <a:t>Realtime</a:t>
-            </a:r>
-            <a:r>
-              <a:rPr lang="en-US" dirty="0" smtClean="0"/>
-              <a:t> ‘outsourcing’ from </a:t>
-            </a:r>
-            <a:r>
-              <a:rPr lang="en-US" dirty="0" err="1" smtClean="0"/>
-              <a:t>BlueWaters</a:t>
-            </a:r>
-            <a:r>
-              <a:rPr lang="en-US" dirty="0" smtClean="0"/>
-              <a:t>/Ranger to </a:t>
-            </a:r>
-            <a:r>
-              <a:rPr lang="en-US" dirty="0" err="1" smtClean="0"/>
-              <a:t>specialised</a:t>
-            </a:r>
-            <a:r>
-              <a:rPr lang="en-US" dirty="0" smtClean="0"/>
-              <a:t> architectures or less powerful resources</a:t>
-            </a:r>
-          </a:p>
-          <a:p>
-            <a:endParaRPr lang="en-US" dirty="0" smtClean="0"/>
-          </a:p>
-          <a:p>
-            <a:endParaRPr lang="en-US" dirty="0" smtClean="0"/>
-          </a:p>
-          <a:p>
-            <a:pPr lvl="1"/>
-            <a:endParaRPr lang="en-US" dirty="0"/>
-          </a:p>
-        </p:txBody>
-      </p:sp>
-    </p:spTree>
-  </p:cSld>
-  <p:clrMapOvr>
-    <a:masterClrMapping/>
-  </p:clrMapOvr>
-  <p:timing>
-    <p:tnLst>
-      <p:par>
-        <p:cTn id="1" dur="indefinite" restart="never" nodeType="tmRoot"/>
-      </p:par>
-    </p:tnLst>
-  </p:timing>
-</p:sld>
-</file>
-
 <file path=ppt/slides/slide15.xml><?xml version="1.0" encoding="utf-8"?>
 <p:sld xmlns:a="http://schemas.openxmlformats.org/drawingml/2006/main" xmlns:r="http://schemas.openxmlformats.org/officeDocument/2006/relationships" xmlns:mc="http://schemas.openxmlformats.org/markup-compatibility/2006" xmlns:mv="urn:schemas-microsoft-com:mac:vml" xmlns:p="http://schemas.openxmlformats.org/presentationml/2006/main" mc:Ignorable="mv" mc:PreserveAttributes="mv:*">
   <p:cSld>
@@ -12226,9 +14098,62 @@
           <a:chExt cx="0" cy="0"/>
         </a:xfrm>
       </p:grpSpPr>
+      <p:sp>
+        <p:nvSpPr>
+          <p:cNvPr id="4" name="Title 3"/>
+          <p:cNvSpPr>
+            <a:spLocks noGrp="1"/>
+          </p:cNvSpPr>
+          <p:nvPr>
+            <p:ph type="title" idx="4294967295"/>
+          </p:nvPr>
+        </p:nvSpPr>
+        <p:spPr>
+          <a:xfrm>
+            <a:off x="1114425" y="263525"/>
+            <a:ext cx="8029575" cy="914400"/>
+          </a:xfrm>
+        </p:spPr>
+        <p:txBody>
+          <a:bodyPr>
+            <a:normAutofit fontScale="90000"/>
+          </a:bodyPr>
+          <a:lstStyle/>
+          <a:p>
+            <a:r>
+              <a:rPr lang="en-US" dirty="0" smtClean="0"/>
+              <a:t>DARE – Gateway for RNA-folding  </a:t>
+            </a:r>
+            <a:br>
+              <a:rPr lang="en-US" dirty="0" smtClean="0"/>
+            </a:br>
+            <a:r>
+              <a:rPr lang="en-US" sz="2667" dirty="0" smtClean="0"/>
+              <a:t>(</a:t>
+            </a:r>
+            <a:r>
+              <a:rPr lang="en-US" sz="2667" dirty="0" err="1" smtClean="0"/>
+              <a:t>Joohyun</a:t>
+            </a:r>
+            <a:r>
+              <a:rPr lang="en-US" sz="2667" dirty="0" smtClean="0"/>
+              <a:t> Kim, </a:t>
+            </a:r>
+            <a:r>
+              <a:rPr lang="en-US" sz="2667" dirty="0" err="1" smtClean="0"/>
+              <a:t>CyD</a:t>
+            </a:r>
+            <a:r>
+              <a:rPr lang="en-US" sz="2667" dirty="0" smtClean="0"/>
+              <a:t>)</a:t>
+            </a:r>
+            <a:endParaRPr lang="en-US" sz="2667" dirty="0"/>
+          </a:p>
+        </p:txBody>
+      </p:sp>
       <p:pic>
         <p:nvPicPr>
-          <p:cNvPr id="87042" name="Picture 1" descr="Picture 2.png"/>
+          <p:cNvPr id="5" name="Picture 4" descr="dare-rfold-snapshot.png"/>
           <p:cNvPicPr>
             <a:picLocks noChangeAspect="1"/>
           </p:cNvPicPr>
@@ -12236,66 +14161,101 @@
         </p:nvPicPr>
         <p:blipFill>
           <a:blip r:embed="rId2"/>
-          <a:srcRect/>
           <a:stretch>
             <a:fillRect/>
           </a:stretch>
         </p:blipFill>
-        <p:spPr bwMode="auto">
+        <p:spPr>
           <a:xfrm>
-            <a:off x="192088" y="1016000"/>
-            <a:ext cx="8799512" cy="5232400"/>
+            <a:off x="0" y="1292074"/>
+            <a:ext cx="9144000" cy="2193925"/>
           </a:xfrm>
           <a:prstGeom prst="rect">
             <a:avLst/>
           </a:prstGeom>
-          <a:noFill/>
-          <a:ln w="9525">
-            <a:noFill/>
-            <a:miter lim="800000"/>
-            <a:headEnd/>
-            <a:tailEnd/>
-          </a:ln>
         </p:spPr>
       </p:pic>
       <p:sp>
         <p:nvSpPr>
-          <p:cNvPr id="5" name="Title 4"/>
-          <p:cNvSpPr>
-            <a:spLocks noGrp="1"/>
-          </p:cNvSpPr>
-          <p:nvPr>
-            <p:ph type="title"/>
-          </p:nvPr>
-        </p:nvSpPr>
-        <p:spPr/>
-        <p:txBody>
-          <a:bodyPr>
-            <a:normAutofit fontScale="90000"/>
+          <p:cNvPr id="6" name="Rectangle 5"/>
+          <p:cNvSpPr/>
+          <p:nvPr/>
+        </p:nvSpPr>
+        <p:spPr>
+          <a:xfrm>
+            <a:off x="1" y="3820210"/>
+            <a:ext cx="4168024" cy="1569660"/>
+          </a:xfrm>
+          <a:prstGeom prst="rect">
+            <a:avLst/>
+          </a:prstGeom>
+        </p:spPr>
+        <p:txBody>
+          <a:bodyPr wrap="square">
+            <a:spAutoFit/>
           </a:bodyPr>
           <a:lstStyle/>
           <a:p>
-            <a:r>
-              <a:rPr lang="en-US" dirty="0" smtClean="0"/>
-              <a:t>SAGA – Production Grade Software supporting fundamental research </a:t>
-            </a:r>
-            <a:endParaRPr lang="en-US" dirty="0"/>
-          </a:p>
-        </p:txBody>
-      </p:sp>
+            <a:pPr>
+              <a:buFont typeface="Arial"/>
+              <a:buChar char="•"/>
+            </a:pPr>
+            <a:r>
+              <a:rPr lang="en-US" sz="2400" dirty="0" smtClean="0"/>
+              <a:t> DARE-Gateway:</a:t>
+            </a:r>
+          </a:p>
+          <a:p>
+            <a:pPr lvl="1">
+              <a:buFont typeface="Arial"/>
+              <a:buChar char="•"/>
+            </a:pPr>
+            <a:r>
+              <a:rPr lang="en-US" sz="2400" dirty="0" smtClean="0"/>
+              <a:t> Integrated, Extensible</a:t>
+            </a:r>
+          </a:p>
+          <a:p>
+            <a:pPr lvl="1">
+              <a:buFont typeface="Arial"/>
+              <a:buChar char="•"/>
+            </a:pPr>
+            <a:r>
+              <a:rPr lang="en-US" sz="2400" dirty="0" smtClean="0"/>
+              <a:t> Balanced: Scale-Up and Scale-out to</a:t>
+            </a:r>
+          </a:p>
+        </p:txBody>
+      </p:sp>
+      <p:pic>
+        <p:nvPicPr>
+          <p:cNvPr id="7" name="Picture 6" descr="pipeline.jpg"/>
+          <p:cNvPicPr>
+            <a:picLocks noChangeAspect="1"/>
+          </p:cNvPicPr>
+          <p:nvPr/>
+        </p:nvPicPr>
+        <p:blipFill>
+          <a:blip r:embed="rId3"/>
+          <a:stretch>
+            <a:fillRect/>
+          </a:stretch>
+        </p:blipFill>
+        <p:spPr>
+          <a:xfrm>
+            <a:off x="4461083" y="3327805"/>
+            <a:ext cx="4669939" cy="3337061"/>
+          </a:xfrm>
+          <a:prstGeom prst="rect">
+            <a:avLst/>
+          </a:prstGeom>
+        </p:spPr>
+      </p:pic>
     </p:spTree>
   </p:cSld>
   <p:clrMapOvr>
     <a:masterClrMapping/>
   </p:clrMapOvr>
-  <p:transition/>
-  <p:timing>
-    <p:tnLst>
-      <p:par>
-        <p:cTn id="1" dur="indefinite" restart="never" nodeType="tmRoot"/>
-      </p:par>
-    </p:tnLst>
-  </p:timing>
 </p:sld>
 </file>
 
@@ -12398,19 +14358,19 @@
         <p:spPr/>
         <p:txBody>
           <a:bodyPr>
-            <a:normAutofit fontScale="90000"/>
+            <a:noAutofit/>
           </a:bodyPr>
           <a:lstStyle/>
           <a:p>
             <a:r>
-              <a:rPr lang="en-US" dirty="0" smtClean="0"/>
+              <a:rPr lang="en-US" sz="2400" dirty="0" smtClean="0"/>
               <a:t>Distributed Applications </a:t>
             </a:r>
             <a:br>
-              <a:rPr lang="en-US" dirty="0" smtClean="0"/>
+              <a:rPr lang="en-US" sz="2400" dirty="0" smtClean="0"/>
             </a:br>
             <a:r>
-              <a:rPr lang="en-US" sz="3111" dirty="0" smtClean="0">
+              <a:rPr lang="en-US" sz="2400" dirty="0" smtClean="0">
                 <a:solidFill>
                   <a:schemeClr val="bg1">
                     <a:lumMod val="75000"/>
@@ -12487,28 +14447,45 @@
             <a:pPr lvl="2"/>
             <a:r>
               <a:rPr lang="en-US" dirty="0" smtClean="0"/>
-              <a:t>Control &amp; Coordination over Multiple &amp; Distributed  sites</a:t>
+              <a:t>Control</a:t>
+            </a:r>
+            <a:r>
+              <a:rPr lang="en-US" dirty="0" smtClean="0"/>
+              <a:t>/</a:t>
+            </a:r>
+            <a:r>
+              <a:rPr lang="en-US" dirty="0" smtClean="0"/>
+              <a:t>Coordination &amp; execution over</a:t>
+            </a:r>
+            <a:r>
+              <a:rPr lang="en-US" dirty="0" smtClean="0"/>
+              <a:t> Heterogeneous </a:t>
+            </a:r>
+            <a:r>
+              <a:rPr lang="en-US" dirty="0" smtClean="0"/>
+              <a:t>sites</a:t>
             </a:r>
           </a:p>
           <a:p>
             <a:pPr lvl="2"/>
             <a:r>
               <a:rPr lang="en-US" dirty="0" smtClean="0"/>
-              <a:t>Dynamical and Heterogeneous resources and variable control</a:t>
-            </a:r>
-          </a:p>
-          <a:p>
-            <a:pPr lvl="2"/>
+              <a:t>Complex </a:t>
+            </a:r>
             <a:r>
               <a:rPr lang="en-US" dirty="0" smtClean="0"/>
-              <a:t>Complex Design point/Models of Distributed Applications, </a:t>
+              <a:t>Design point/Models of Distributed Applications, </a:t>
             </a:r>
           </a:p>
           <a:p>
             <a:pPr lvl="3"/>
             <a:r>
               <a:rPr lang="en-US" dirty="0" smtClean="0"/>
-              <a:t>Reasons for using distributed CI -- more than (peak) performance result, thus a complex design point</a:t>
+              <a:t>Reasons for using distributed CI -- more than (peak) performance </a:t>
+            </a:r>
+            <a:r>
+              <a:rPr lang="en-US" dirty="0" smtClean="0"/>
+              <a:t>result</a:t>
             </a:r>
           </a:p>
           <a:p>
@@ -12558,30 +14535,32 @@
               <a:rPr lang="en-US" dirty="0" smtClean="0">
                 <a:sym typeface="Arial" pitchFamily="-110" charset="0"/>
               </a:rPr>
-              <a:t>See: DPA Survey Paper (sub. to ACM CS) &amp; </a:t>
+              <a:t>See: DPA Survey </a:t>
             </a:r>
             <a:r>
               <a:rPr lang="en-US" dirty="0" smtClean="0">
-                <a:solidFill>
-                  <a:schemeClr val="bg1">
-                    <a:lumMod val="75000"/>
-                  </a:schemeClr>
-                </a:solidFill>
-                <a:hlinkClick r:id="rId2"/>
+                <a:sym typeface="Arial" pitchFamily="-110" charset="0"/>
               </a:rPr>
-              <a:t>http://grid2009.org/bestpaper</a:t>
+              <a:t>Paper</a:t>
             </a:r>
             <a:r>
               <a:rPr lang="en-US" dirty="0" smtClean="0">
-                <a:solidFill>
-                  <a:schemeClr val="bg1">
-                    <a:lumMod val="75000"/>
-                  </a:schemeClr>
-                </a:solidFill>
+                <a:sym typeface="Arial" pitchFamily="-110" charset="0"/>
               </a:rPr>
-              <a:t> </a:t>
-            </a:r>
-            <a:endParaRPr lang="en-US" dirty="0" smtClean="0"/>
+              <a:t>:</a:t>
+            </a:r>
+          </a:p>
+          <a:p>
+            <a:pPr lvl="1"/>
+            <a:r>
+              <a:rPr lang="en-US" dirty="0" err="1" smtClean="0">
+                <a:sym typeface="Arial" pitchFamily="-110" charset="0"/>
+              </a:rPr>
+              <a:t>http://www.cct.lsu.edu/~sjha/dpa_publications/dpa_surveypaper.pdf</a:t>
+            </a:r>
+            <a:endParaRPr lang="en-US" dirty="0" smtClean="0">
+              <a:sym typeface="Arial" pitchFamily="-110" charset="0"/>
+            </a:endParaRPr>
           </a:p>
           <a:p>
             <a:endParaRPr lang="en-US" dirty="0"/>
@@ -12621,70 +14600,6 @@
           <a:chExt cx="0" cy="0"/>
         </a:xfrm>
       </p:grpSpPr>
-      <p:pic>
-        <p:nvPicPr>
-          <p:cNvPr id="26626" name="Picture 1"/>
-          <p:cNvPicPr>
-            <a:picLocks noChangeArrowheads="1"/>
-          </p:cNvPicPr>
-          <p:nvPr/>
-        </p:nvPicPr>
-        <p:blipFill>
-          <a:blip r:embed="rId2"/>
-          <a:srcRect/>
-          <a:stretch>
-            <a:fillRect/>
-          </a:stretch>
-        </p:blipFill>
-        <p:spPr bwMode="auto">
-          <a:xfrm>
-            <a:off x="9525" y="44450"/>
-            <a:ext cx="1290638" cy="1062038"/>
-          </a:xfrm>
-          <a:prstGeom prst="rect">
-            <a:avLst/>
-          </a:prstGeom>
-          <a:noFill/>
-          <a:ln w="12700">
-            <a:noFill/>
-            <a:miter lim="800000"/>
-            <a:headEnd/>
-            <a:tailEnd/>
-          </a:ln>
-        </p:spPr>
-      </p:pic>
-      <p:pic>
-        <p:nvPicPr>
-          <p:cNvPr id="26627" name="Picture 2"/>
-          <p:cNvPicPr>
-            <a:picLocks noChangeArrowheads="1"/>
-          </p:cNvPicPr>
-          <p:nvPr/>
-        </p:nvPicPr>
-        <p:blipFill>
-          <a:blip r:embed="rId3"/>
-          <a:srcRect/>
-          <a:stretch>
-            <a:fillRect/>
-          </a:stretch>
-        </p:blipFill>
-        <p:spPr bwMode="auto">
-          <a:xfrm>
-            <a:off x="7567613" y="36513"/>
-            <a:ext cx="1576387" cy="954087"/>
-          </a:xfrm>
-          <a:prstGeom prst="rect">
-            <a:avLst/>
-          </a:prstGeom>
-          <a:noFill/>
-          <a:ln w="12700">
-            <a:noFill/>
-            <a:miter lim="800000"/>
-            <a:headEnd/>
-            <a:tailEnd/>
-          </a:ln>
-        </p:spPr>
-      </p:pic>
       <p:sp>
         <p:nvSpPr>
           <p:cNvPr id="26629" name="Rectangle 4"/>
@@ -13333,15 +15248,21 @@
             <p:ph type="title"/>
           </p:nvPr>
         </p:nvSpPr>
-        <p:spPr/>
+        <p:spPr>
+          <a:xfrm>
+            <a:off x="0" y="171356"/>
+            <a:ext cx="8913813" cy="914400"/>
+          </a:xfrm>
+        </p:spPr>
         <p:txBody>
           <a:bodyPr/>
           <a:lstStyle/>
           <a:p>
             <a:r>
-              <a:rPr lang="en-US" dirty="0" smtClean="0"/>
+              <a:rPr lang="en-US" smtClean="0"/>
               <a:t>SAGA: In a thousand words</a:t>
             </a:r>
+            <a:endParaRPr lang="en-US" dirty="0" smtClean="0"/>
           </a:p>
         </p:txBody>
       </p:sp>
@@ -13465,65 +15386,168 @@
         </p:nvSpPr>
         <p:spPr/>
         <p:txBody>
-          <a:bodyPr>
-            <a:noAutofit/>
-          </a:bodyPr>
+          <a:bodyPr/>
           <a:lstStyle/>
           <a:p>
             <a:r>
-              <a:rPr lang="en-US" sz="2600" dirty="0" smtClean="0"/>
-              <a:t>Abstractions for Dynamic Execution (2)</a:t>
-            </a:r>
-            <a:br>
-              <a:rPr lang="en-US" sz="2600" dirty="0" smtClean="0"/>
-            </a:br>
-            <a:r>
-              <a:rPr lang="en-US" sz="2600" dirty="0" smtClean="0"/>
-              <a:t>SAGA Pilot-Job (</a:t>
-            </a:r>
-            <a:r>
-              <a:rPr lang="en-US" sz="2600" dirty="0" err="1" smtClean="0"/>
-              <a:t>BigJob</a:t>
-            </a:r>
-            <a:r>
-              <a:rPr lang="en-US" sz="2600" dirty="0" smtClean="0"/>
-              <a:t>)</a:t>
-            </a:r>
-            <a:endParaRPr lang="en-US" sz="2600" dirty="0"/>
-          </a:p>
-        </p:txBody>
-      </p:sp>
-      <p:pic>
-        <p:nvPicPr>
-          <p:cNvPr id="4" name="Content Placeholder 3" descr="bigjob.png"/>
-          <p:cNvPicPr>
-            <a:picLocks noGrp="1" noChangeAspect="1"/>
-          </p:cNvPicPr>
+              <a:rPr lang="en-US" dirty="0" smtClean="0"/>
+              <a:t>How is SAGA Used?</a:t>
+            </a:r>
+            <a:endParaRPr lang="en-US" dirty="0"/>
+          </a:p>
+        </p:txBody>
+      </p:sp>
+      <p:sp>
+        <p:nvSpPr>
+          <p:cNvPr id="3" name="Content Placeholder 2"/>
+          <p:cNvSpPr>
+            <a:spLocks noGrp="1"/>
+          </p:cNvSpPr>
           <p:nvPr>
             <p:ph idx="1"/>
           </p:nvPr>
-        </p:nvPicPr>
-        <p:blipFill>
-          <a:blip r:embed="rId2"/>
-          <a:srcRect l="-2356" r="-2356"/>
-          <a:stretch>
-            <a:fillRect/>
-          </a:stretch>
-        </p:blipFill>
-        <p:spPr/>
-      </p:pic>
+        </p:nvSpPr>
+        <p:spPr>
+          <a:xfrm>
+            <a:off x="740895" y="2068618"/>
+            <a:ext cx="7984005" cy="4553160"/>
+          </a:xfrm>
+        </p:spPr>
+        <p:txBody>
+          <a:bodyPr>
+            <a:normAutofit/>
+          </a:bodyPr>
+          <a:lstStyle/>
+          <a:p>
+            <a:r>
+              <a:rPr lang="en-US" dirty="0" smtClean="0"/>
+              <a:t>SAGA is used to develop applications that are distributed by definition:</a:t>
+            </a:r>
+          </a:p>
+          <a:p>
+            <a:pPr lvl="1"/>
+            <a:r>
+              <a:rPr lang="en-US" dirty="0" smtClean="0"/>
+              <a:t>Simple extensions of “localized applications” (</a:t>
+            </a:r>
+            <a:r>
+              <a:rPr lang="en-US" dirty="0" err="1" smtClean="0"/>
+              <a:t>eg</a:t>
+            </a:r>
+            <a:r>
+              <a:rPr lang="en-US" dirty="0" smtClean="0"/>
+              <a:t> scripting)</a:t>
+            </a:r>
+          </a:p>
+          <a:p>
+            <a:pPr lvl="1"/>
+            <a:r>
+              <a:rPr lang="en-US" dirty="0" smtClean="0"/>
+              <a:t>Novel Distributed Programming Models (</a:t>
+            </a:r>
+            <a:r>
+              <a:rPr lang="en-US" dirty="0" err="1" smtClean="0"/>
+              <a:t>eg</a:t>
+            </a:r>
+            <a:r>
+              <a:rPr lang="en-US" dirty="0" smtClean="0"/>
+              <a:t> Rep-</a:t>
+            </a:r>
+            <a:r>
+              <a:rPr lang="en-US" dirty="0" err="1" smtClean="0"/>
+              <a:t>Exch</a:t>
+            </a:r>
+            <a:r>
+              <a:rPr lang="en-US" dirty="0" smtClean="0"/>
+              <a:t>)</a:t>
+            </a:r>
+          </a:p>
+          <a:p>
+            <a:r>
+              <a:rPr lang="en-US" dirty="0" smtClean="0"/>
+              <a:t>SAGA: Build tools and abstractions that enable the execution of applications over distributed resources, without modifying the applications</a:t>
+            </a:r>
+          </a:p>
+          <a:p>
+            <a:pPr lvl="1"/>
+            <a:r>
+              <a:rPr lang="en-US" dirty="0" err="1" smtClean="0"/>
+              <a:t>Eg</a:t>
+            </a:r>
+            <a:r>
+              <a:rPr lang="en-US" dirty="0" smtClean="0"/>
+              <a:t>. Infrastructure Independent Pilot-Jobs</a:t>
+            </a:r>
+          </a:p>
+          <a:p>
+            <a:r>
+              <a:rPr lang="en-US" dirty="0" smtClean="0"/>
+              <a:t>SAGA: To provide uniform access layers to </a:t>
+            </a:r>
+            <a:r>
+              <a:rPr lang="en-US" dirty="0" err="1" smtClean="0"/>
+              <a:t>heter</a:t>
+            </a:r>
+            <a:r>
+              <a:rPr lang="en-US" dirty="0" smtClean="0"/>
+              <a:t>. CI</a:t>
+            </a:r>
+          </a:p>
+          <a:p>
+            <a:pPr lvl="1"/>
+            <a:r>
+              <a:rPr lang="en-US" dirty="0" smtClean="0"/>
+              <a:t>Uniform access to EGI (ARC, </a:t>
+            </a:r>
+            <a:r>
+              <a:rPr lang="en-US" dirty="0" err="1" smtClean="0"/>
+              <a:t>gLite</a:t>
+            </a:r>
+            <a:r>
+              <a:rPr lang="en-US" dirty="0" smtClean="0"/>
+              <a:t>, </a:t>
+            </a:r>
+            <a:r>
+              <a:rPr lang="en-US" dirty="0" err="1" smtClean="0"/>
+              <a:t>Globus</a:t>
+            </a:r>
+            <a:r>
+              <a:rPr lang="en-US" dirty="0" smtClean="0"/>
+              <a:t> and </a:t>
+            </a:r>
+            <a:r>
+              <a:rPr lang="en-US" dirty="0" err="1" smtClean="0"/>
+              <a:t>Unicore</a:t>
+            </a:r>
+            <a:r>
+              <a:rPr lang="en-US" dirty="0" smtClean="0"/>
+              <a:t>/</a:t>
+            </a:r>
+            <a:r>
+              <a:rPr lang="en-US" dirty="0" smtClean="0"/>
+              <a:t>BES</a:t>
+            </a:r>
+            <a:r>
+              <a:rPr lang="en-US" dirty="0" smtClean="0"/>
+              <a:t>)</a:t>
+            </a:r>
+            <a:endParaRPr lang="en-US" dirty="0" smtClean="0"/>
+          </a:p>
+          <a:p>
+            <a:pPr lvl="1"/>
+            <a:r>
+              <a:rPr lang="en-US" dirty="0" smtClean="0"/>
+              <a:t>Simplify the building of tools and Gateways or MW applications, workers submitted to &gt;8 back-ends </a:t>
+            </a:r>
+            <a:endParaRPr lang="en-US" dirty="0"/>
+          </a:p>
+        </p:txBody>
+      </p:sp>
     </p:spTree>
   </p:cSld>
   <p:clrMapOvr>
     <a:masterClrMapping/>
   </p:clrMapOvr>
-  <p:timing>
-    <p:tnLst>
-      <p:par>
-        <p:cTn id="1" dur="indefinite" restart="never" nodeType="tmRoot"/>
-      </p:par>
-    </p:tnLst>
-  </p:timing>
 </p:sld>
 </file>
 
@@ -13546,7 +15570,7 @@
       </p:grpSpPr>
       <p:sp>
         <p:nvSpPr>
-          <p:cNvPr id="2" name="Title 1"/>
+          <p:cNvPr id="5" name="Title 4"/>
           <p:cNvSpPr>
             <a:spLocks noGrp="1"/>
           </p:cNvSpPr>
@@ -13563,30 +15587,136 @@
           <a:p>
             <a:r>
               <a:rPr lang="en-US" sz="2400" dirty="0" smtClean="0"/>
-              <a:t>Deployment &amp; Scheduling of  Multiple  Infrastructure Independent Pilot-Jobs</a:t>
+              <a:t>SAGA: Develop </a:t>
+            </a:r>
+            <a:r>
+              <a:rPr lang="en-US" sz="2400" dirty="0" smtClean="0"/>
+              <a:t>applications that are distributed by </a:t>
+            </a:r>
+            <a:r>
+              <a:rPr lang="en-US" sz="2400" dirty="0" smtClean="0"/>
+              <a:t>definition</a:t>
             </a:r>
             <a:endParaRPr lang="en-US" sz="2400" dirty="0"/>
+          </a:p>
+        </p:txBody>
+      </p:sp>
+      <p:sp>
+        <p:nvSpPr>
+          <p:cNvPr id="6" name="Content Placeholder 5"/>
+          <p:cNvSpPr>
+            <a:spLocks noGrp="1"/>
+          </p:cNvSpPr>
+          <p:nvPr>
+            <p:ph sz="half" idx="2"/>
+          </p:nvPr>
+        </p:nvSpPr>
+        <p:spPr>
+          <a:xfrm>
+            <a:off x="406400" y="1397001"/>
+            <a:ext cx="4495800" cy="4978399"/>
+          </a:xfrm>
+        </p:spPr>
+        <p:txBody>
+          <a:bodyPr>
+            <a:normAutofit/>
+          </a:bodyPr>
+          <a:lstStyle/>
+          <a:p>
+            <a:r>
+              <a:rPr lang="en-US" sz="1700" dirty="0" smtClean="0"/>
+              <a:t>How to develop a simple MR that is interoperable across infrastructure concurrently?</a:t>
+            </a:r>
+            <a:endParaRPr lang="en-US" sz="1700" dirty="0" smtClean="0"/>
+          </a:p>
+          <a:p>
+            <a:r>
+              <a:rPr lang="en-US" sz="1700" dirty="0" smtClean="0"/>
+              <a:t>Same </a:t>
+            </a:r>
+            <a:r>
+              <a:rPr lang="en-US" sz="1700" dirty="0" smtClean="0"/>
+              <a:t>application,</a:t>
+            </a:r>
+            <a:r>
+              <a:rPr lang="en-US" sz="1700" dirty="0" smtClean="0"/>
+              <a:t> same programming model:</a:t>
+            </a:r>
+          </a:p>
+          <a:p>
+            <a:pPr lvl="1"/>
+            <a:r>
+              <a:rPr lang="en-US" sz="1700" dirty="0" smtClean="0"/>
+              <a:t>Very different performance </a:t>
+            </a:r>
+            <a:r>
+              <a:rPr lang="en-US" sz="1700" dirty="0" smtClean="0"/>
+              <a:t>dependence</a:t>
+            </a:r>
+            <a:endParaRPr lang="en-US" sz="1700" dirty="0" smtClean="0"/>
+          </a:p>
+          <a:p>
+            <a:r>
+              <a:rPr lang="en-US" sz="1700" dirty="0" smtClean="0"/>
+              <a:t>Same application, different </a:t>
+            </a:r>
+            <a:r>
+              <a:rPr lang="en-US" sz="1700" dirty="0" smtClean="0"/>
+              <a:t>programming </a:t>
+            </a:r>
+            <a:r>
+              <a:rPr lang="en-US" sz="1700" dirty="0" smtClean="0"/>
+              <a:t>models</a:t>
+            </a:r>
+            <a:endParaRPr lang="en-US" sz="1700" dirty="0" smtClean="0"/>
+          </a:p>
+          <a:p>
+            <a:pPr lvl="1"/>
+            <a:r>
+              <a:rPr lang="en-US" sz="1700" dirty="0" smtClean="0"/>
+              <a:t>Very </a:t>
+            </a:r>
+            <a:r>
+              <a:rPr lang="en-US" sz="1700" dirty="0" smtClean="0"/>
+              <a:t>different performance </a:t>
+            </a:r>
+            <a:r>
+              <a:rPr lang="en-US" sz="1700" dirty="0" smtClean="0"/>
+              <a:t>dependence</a:t>
+            </a:r>
+          </a:p>
+          <a:p>
+            <a:pPr lvl="1">
+              <a:buNone/>
+            </a:pPr>
+            <a:endParaRPr lang="en-US" sz="1700" dirty="0" smtClean="0"/>
           </a:p>
         </p:txBody>
       </p:sp>
       <p:pic>
         <p:nvPicPr>
-          <p:cNvPr id="5" name="Content Placeholder 4" descr="distributed_pilot_job.png"/>
+          <p:cNvPr id="7" name="Content Placeholder 3" descr="saga_mapreduce_schema.png"/>
           <p:cNvPicPr>
-            <a:picLocks noGrp="1" noChangeAspect="1"/>
+            <a:picLocks noChangeAspect="1"/>
           </p:cNvPicPr>
-          <p:nvPr>
-            <p:ph idx="1"/>
-          </p:nvPr>
+          <p:nvPr/>
         </p:nvPicPr>
         <p:blipFill>
           <a:blip r:embed="rId2"/>
-          <a:srcRect t="-10678" b="-10678"/>
+          <a:srcRect l="-10578" r="-10578"/>
           <a:stretch>
             <a:fillRect/>
           </a:stretch>
         </p:blipFill>
-        <p:spPr/>
+        <p:spPr>
+          <a:xfrm>
+            <a:off x="4368800" y="1592712"/>
+            <a:ext cx="4632959" cy="4782688"/>
+          </a:xfrm>
+          <a:prstGeom prst="rect">
+            <a:avLst/>
+          </a:prstGeom>
+        </p:spPr>
       </p:pic>
     </p:spTree>
   </p:cSld>
@@ -13632,177 +15762,46 @@
         </p:nvSpPr>
         <p:spPr/>
         <p:txBody>
-          <a:bodyPr rtlCol="0">
-            <a:normAutofit/>
+          <a:bodyPr>
+            <a:normAutofit fontScale="90000"/>
           </a:bodyPr>
           <a:lstStyle/>
           <a:p>
-            <a:pPr eaLnBrk="1" fontAlgn="auto" hangingPunct="1">
-              <a:spcAft>
-                <a:spcPts val="0"/>
-              </a:spcAft>
-              <a:defRPr/>
-            </a:pPr>
-            <a:r>
-              <a:rPr lang="en-US" sz="2222" dirty="0" smtClean="0"/>
-              <a:t>Distributed Adaptive Replica Exchange (DARE)</a:t>
-            </a:r>
-            <a:r>
-              <a:rPr lang="en-US" sz="2800" dirty="0" smtClean="0"/>
-              <a:t/>
-            </a:r>
-            <a:br>
-              <a:rPr lang="en-US" sz="2800" dirty="0" smtClean="0"/>
-            </a:br>
-            <a:r>
-              <a:rPr lang="en-US" sz="2222" dirty="0" smtClean="0">
-                <a:solidFill>
-                  <a:schemeClr val="bg1">
-                    <a:lumMod val="75000"/>
-                  </a:schemeClr>
-                </a:solidFill>
-              </a:rPr>
-              <a:t>Multiple Pilot-Jobs on the “Distributed” </a:t>
-            </a:r>
-            <a:r>
-              <a:rPr lang="en-US" sz="2222" dirty="0" err="1" smtClean="0">
-                <a:solidFill>
-                  <a:schemeClr val="bg1">
-                    <a:lumMod val="75000"/>
-                  </a:schemeClr>
-                </a:solidFill>
-              </a:rPr>
-              <a:t>TeraGrid</a:t>
-            </a:r>
-            <a:endParaRPr lang="en-US" sz="2222" dirty="0" smtClean="0">
-              <a:solidFill>
-                <a:srgbClr val="800000"/>
-              </a:solidFill>
-              <a:latin typeface="Cooper Black"/>
-              <a:cs typeface="Cooper Black"/>
-            </a:endParaRPr>
-          </a:p>
-        </p:txBody>
-      </p:sp>
-      <p:sp>
-        <p:nvSpPr>
-          <p:cNvPr id="8" name="Content Placeholder 7"/>
-          <p:cNvSpPr>
-            <a:spLocks noGrp="1"/>
-          </p:cNvSpPr>
+            <a:r>
+              <a:rPr lang="en-US" dirty="0" smtClean="0"/>
+              <a:t>Understanding Distributed Programming Models </a:t>
+            </a:r>
+            <a:endParaRPr lang="en-US" dirty="0"/>
+          </a:p>
+        </p:txBody>
+      </p:sp>
+      <p:pic>
+        <p:nvPicPr>
+          <p:cNvPr id="4" name="Content Placeholder 3" descr="sphere_varying_workers.png"/>
+          <p:cNvPicPr>
+            <a:picLocks noGrp="1" noChangeAspect="1"/>
+          </p:cNvPicPr>
           <p:nvPr>
             <p:ph idx="1"/>
           </p:nvPr>
-        </p:nvSpPr>
-        <p:spPr>
-          <a:xfrm>
-            <a:off x="892711" y="2011972"/>
-            <a:ext cx="3537536" cy="4140751"/>
-          </a:xfrm>
-        </p:spPr>
-        <p:txBody>
-          <a:bodyPr>
-            <a:normAutofit fontScale="92500" lnSpcReduction="10000"/>
-          </a:bodyPr>
-          <a:lstStyle/>
-          <a:p>
-            <a:r>
-              <a:rPr lang="en-US" dirty="0" smtClean="0"/>
-              <a:t>Ability to dynamically add HPC resources. On TG:</a:t>
-            </a:r>
-          </a:p>
-          <a:p>
-            <a:pPr lvl="1"/>
-            <a:r>
-              <a:rPr lang="en-US" dirty="0" smtClean="0"/>
-              <a:t>Each Pilot-Job 64px</a:t>
-            </a:r>
-          </a:p>
-          <a:p>
-            <a:pPr lvl="1"/>
-            <a:r>
-              <a:rPr lang="en-US" dirty="0" smtClean="0"/>
-              <a:t>Each NAMD 16px</a:t>
-            </a:r>
-          </a:p>
-          <a:p>
-            <a:r>
-              <a:rPr lang="en-US" dirty="0" smtClean="0"/>
-              <a:t>Time-to-completion improves</a:t>
-            </a:r>
-          </a:p>
-          <a:p>
-            <a:pPr lvl="1"/>
-            <a:r>
-              <a:rPr lang="en-US" dirty="0" smtClean="0"/>
-              <a:t>No loss of efficiency</a:t>
-            </a:r>
-          </a:p>
-          <a:p>
-            <a:r>
-              <a:rPr lang="en-US" dirty="0" smtClean="0"/>
-              <a:t>Time-per-generation is measure of sampling</a:t>
-            </a:r>
-          </a:p>
-          <a:p>
-            <a:r>
-              <a:rPr lang="en-US" dirty="0" smtClean="0"/>
-              <a:t>Variants of  RE: Sync (local) </a:t>
-            </a:r>
-            <a:r>
-              <a:rPr lang="en-US" dirty="0" err="1" smtClean="0"/>
-              <a:t>vs</a:t>
-            </a:r>
-            <a:r>
-              <a:rPr lang="en-US" dirty="0" smtClean="0"/>
-              <a:t> </a:t>
-            </a:r>
-            <a:r>
-              <a:rPr lang="en-US" dirty="0" err="1" smtClean="0"/>
-              <a:t>async</a:t>
-            </a:r>
-            <a:r>
-              <a:rPr lang="en-US" dirty="0" smtClean="0"/>
-              <a:t> (distr.)</a:t>
-            </a:r>
-          </a:p>
-        </p:txBody>
-      </p:sp>
-      <p:pic>
-        <p:nvPicPr>
-          <p:cNvPr id="37892" name="Picture 5" descr="perf_repex.pdf"/>
-          <p:cNvPicPr>
-            <a:picLocks noChangeAspect="1"/>
-          </p:cNvPicPr>
-          <p:nvPr/>
         </p:nvPicPr>
         <p:blipFill>
           <a:blip r:embed="rId2"/>
-          <a:srcRect/>
+          <a:srcRect l="-14268" r="-14268"/>
           <a:stretch>
             <a:fillRect/>
           </a:stretch>
         </p:blipFill>
-        <p:spPr bwMode="auto">
+        <p:spPr>
           <a:xfrm>
-            <a:off x="4823966" y="3902075"/>
-            <a:ext cx="4114800" cy="2879725"/>
-          </a:xfrm>
-          <a:prstGeom prst="rect">
-            <a:avLst/>
-          </a:prstGeom>
-          <a:noFill/>
-          <a:ln w="9525">
-            <a:noFill/>
-            <a:miter lim="800000"/>
-            <a:headEnd/>
-            <a:tailEnd/>
-          </a:ln>
+            <a:off x="4129449" y="1817641"/>
+            <a:ext cx="5014551" cy="2731106"/>
+          </a:xfrm>
         </p:spPr>
       </p:pic>
       <p:pic>
         <p:nvPicPr>
-          <p:cNvPr id="37894" name="Picture 7" descr="perf_distributed_number_replica-1.pdf"/>
+          <p:cNvPr id="5" name="Picture 4" descr="sagamr_varying_workers.png"/>
           <p:cNvPicPr>
             <a:picLocks noChangeAspect="1"/>
           </p:cNvPicPr>
@@ -13810,94 +15809,49 @@
         </p:nvPicPr>
         <p:blipFill>
           <a:blip r:embed="rId3"/>
-          <a:srcRect/>
           <a:stretch>
             <a:fillRect/>
           </a:stretch>
         </p:blipFill>
-        <p:spPr bwMode="auto">
+        <p:spPr>
           <a:xfrm>
-            <a:off x="4888046" y="1371600"/>
-            <a:ext cx="3657600" cy="2552700"/>
+            <a:off x="4746883" y="4310826"/>
+            <a:ext cx="3827804" cy="2547174"/>
           </a:xfrm>
           <a:prstGeom prst="rect">
             <a:avLst/>
           </a:prstGeom>
-          <a:noFill/>
-          <a:ln w="9525">
-            <a:noFill/>
-            <a:miter lim="800000"/>
-            <a:headEnd/>
-            <a:tailEnd/>
-          </a:ln>
         </p:spPr>
       </p:pic>
-      <p:sp>
-        <p:nvSpPr>
-          <p:cNvPr id="6" name="TextBox 5"/>
-          <p:cNvSpPr txBox="1"/>
+      <p:pic>
+        <p:nvPicPr>
+          <p:cNvPr id="6" name="Picture 5" descr="sphere_mr_varying_chunksize.png"/>
+          <p:cNvPicPr>
+            <a:picLocks noChangeAspect="1"/>
+          </p:cNvPicPr>
           <p:nvPr/>
-        </p:nvSpPr>
+        </p:nvPicPr>
+        <p:blipFill>
+          <a:blip r:embed="rId4"/>
+          <a:stretch>
+            <a:fillRect/>
+          </a:stretch>
+        </p:blipFill>
         <p:spPr>
           <a:xfrm>
-            <a:off x="713660" y="6152722"/>
-            <a:ext cx="4110306" cy="923330"/>
+            <a:off x="0" y="2465574"/>
+            <a:ext cx="4571429" cy="3200000"/>
           </a:xfrm>
           <a:prstGeom prst="rect">
             <a:avLst/>
           </a:prstGeom>
-          <a:noFill/>
         </p:spPr>
-        <p:txBody>
-          <a:bodyPr wrap="square" rtlCol="0">
-            <a:spAutoFit/>
-          </a:bodyPr>
-          <a:lstStyle/>
-          <a:p>
-            <a:r>
-              <a:rPr lang="en-US" i="1" dirty="0" err="1" smtClean="0"/>
-              <a:t>Luckow</a:t>
-            </a:r>
-            <a:r>
-              <a:rPr lang="en-US" i="1" dirty="0" smtClean="0"/>
-              <a:t>, Kim, </a:t>
-            </a:r>
-            <a:r>
-              <a:rPr lang="en-US" i="1" dirty="0" err="1" smtClean="0"/>
-              <a:t>Schnor</a:t>
-            </a:r>
-            <a:r>
-              <a:rPr lang="en-US" i="1" dirty="0" smtClean="0"/>
-              <a:t>, Jha </a:t>
-            </a:r>
-          </a:p>
-          <a:p>
-            <a:r>
-              <a:rPr lang="en-US" i="1" dirty="0" smtClean="0"/>
-              <a:t>Adaptive Replica-Exchange, </a:t>
-            </a:r>
-          </a:p>
-          <a:p>
-            <a:r>
-              <a:rPr lang="en-US" i="1" dirty="0" smtClean="0"/>
-              <a:t>Phil. Trans of Royal Society A (2009)</a:t>
-            </a:r>
-            <a:endParaRPr lang="en-US" i="1" dirty="0"/>
-          </a:p>
-        </p:txBody>
-      </p:sp>
+      </p:pic>
     </p:spTree>
   </p:cSld>
   <p:clrMapOvr>
     <a:masterClrMapping/>
   </p:clrMapOvr>
-  <p:timing>
-    <p:tnLst>
-      <p:par>
-        <p:cTn id="1" dur="indefinite" restart="never" nodeType="tmRoot"/>
-      </p:par>
-    </p:tnLst>
-  </p:timing>
 </p:sld>
 </file>
 
@@ -13930,30 +15884,166 @@
         </p:nvSpPr>
         <p:spPr/>
         <p:txBody>
-          <a:bodyPr/>
+          <a:bodyPr rtlCol="0">
+            <a:normAutofit/>
+          </a:bodyPr>
           <a:lstStyle/>
           <a:p>
+            <a:pPr eaLnBrk="1" fontAlgn="auto" hangingPunct="1">
+              <a:spcAft>
+                <a:spcPts val="0"/>
+              </a:spcAft>
+              <a:defRPr/>
+            </a:pPr>
+            <a:r>
+              <a:rPr lang="en-US" sz="2222" dirty="0" smtClean="0"/>
+              <a:t>Distributed Adaptive Replica Exchange (DARE)</a:t>
+            </a:r>
+            <a:r>
+              <a:rPr lang="en-US" sz="2800" dirty="0" smtClean="0"/>
+              <a:t/>
+            </a:r>
+            <a:br>
+              <a:rPr lang="en-US" sz="2800" dirty="0" smtClean="0"/>
+            </a:br>
+            <a:r>
+              <a:rPr lang="en-US" sz="2222" dirty="0" smtClean="0">
+                <a:solidFill>
+                  <a:schemeClr val="bg1">
+                    <a:lumMod val="75000"/>
+                  </a:schemeClr>
+                </a:solidFill>
+              </a:rPr>
+              <a:t>Multiple Pilot-Jobs on the “Distributed” </a:t>
+            </a:r>
+            <a:r>
+              <a:rPr lang="en-US" sz="2222" dirty="0" err="1" smtClean="0">
+                <a:solidFill>
+                  <a:schemeClr val="bg1">
+                    <a:lumMod val="75000"/>
+                  </a:schemeClr>
+                </a:solidFill>
+              </a:rPr>
+              <a:t>TeraGrid</a:t>
+            </a:r>
+            <a:endParaRPr lang="en-US" sz="2222" dirty="0" smtClean="0">
+              <a:solidFill>
+                <a:srgbClr val="800000"/>
+              </a:solidFill>
+              <a:latin typeface="Cooper Black"/>
+              <a:cs typeface="Cooper Black"/>
+            </a:endParaRPr>
+          </a:p>
+        </p:txBody>
+      </p:sp>
+      <p:sp>
+        <p:nvSpPr>
+          <p:cNvPr id="8" name="Content Placeholder 7"/>
+          <p:cNvSpPr>
+            <a:spLocks noGrp="1"/>
+          </p:cNvSpPr>
+          <p:nvPr>
+            <p:ph idx="1"/>
+          </p:nvPr>
+        </p:nvSpPr>
+        <p:spPr>
+          <a:xfrm>
+            <a:off x="892710" y="2011973"/>
+            <a:ext cx="7489289" cy="1366228"/>
+          </a:xfrm>
+        </p:spPr>
+        <p:txBody>
+          <a:bodyPr>
+            <a:normAutofit/>
+          </a:bodyPr>
+          <a:lstStyle/>
+          <a:p>
             <a:r>
               <a:rPr lang="en-US" dirty="0" smtClean="0"/>
-              <a:t>Innovation in Distributed Algorithms (1)</a:t>
-            </a:r>
-            <a:endParaRPr lang="en-US" dirty="0"/>
-          </a:p>
-        </p:txBody>
-      </p:sp>
+              <a:t>Ability to dynamically add HPC resources. On TG:</a:t>
+            </a:r>
+            <a:endParaRPr lang="en-US" dirty="0" smtClean="0"/>
+          </a:p>
+          <a:p>
+            <a:r>
+              <a:rPr lang="en-US" dirty="0" smtClean="0"/>
+              <a:t>Innovations in Distributed Algorithms:</a:t>
+            </a:r>
+          </a:p>
+          <a:p>
+            <a:pPr lvl="1"/>
+            <a:r>
+              <a:rPr lang="en-US" dirty="0" smtClean="0"/>
+              <a:t>Variants </a:t>
+            </a:r>
+            <a:r>
+              <a:rPr lang="en-US" dirty="0" smtClean="0"/>
+              <a:t>of  RE: Sync (local) </a:t>
+            </a:r>
+            <a:r>
+              <a:rPr lang="en-US" dirty="0" err="1" smtClean="0"/>
+              <a:t>vs</a:t>
+            </a:r>
+            <a:r>
+              <a:rPr lang="en-US" dirty="0" smtClean="0"/>
+              <a:t> </a:t>
+            </a:r>
+            <a:r>
+              <a:rPr lang="en-US" dirty="0" err="1" smtClean="0"/>
+              <a:t>async</a:t>
+            </a:r>
+            <a:r>
+              <a:rPr lang="en-US" dirty="0" smtClean="0"/>
+              <a:t> (distr.)</a:t>
+            </a:r>
+          </a:p>
+        </p:txBody>
+      </p:sp>
+      <p:pic>
+        <p:nvPicPr>
+          <p:cNvPr id="37894" name="Picture 7" descr="perf_distributed_number_replica-1.pdf"/>
+          <p:cNvPicPr>
+            <a:picLocks noChangeAspect="1"/>
+          </p:cNvPicPr>
+          <p:nvPr/>
+        </p:nvPicPr>
+        <p:blipFill>
+          <a:blip r:embed="rId2"/>
+          <a:srcRect/>
+          <a:stretch>
+            <a:fillRect/>
+          </a:stretch>
+        </p:blipFill>
+        <p:spPr bwMode="auto">
+          <a:xfrm>
+            <a:off x="626011" y="3746500"/>
+            <a:ext cx="3657600" cy="2552700"/>
+          </a:xfrm>
+          <a:prstGeom prst="rect">
+            <a:avLst/>
+          </a:prstGeom>
+          <a:noFill/>
+          <a:ln w="9525">
+            <a:noFill/>
+            <a:miter lim="800000"/>
+            <a:headEnd/>
+            <a:tailEnd/>
+          </a:ln>
+        </p:spPr>
+      </p:pic>
       <p:graphicFrame>
         <p:nvGraphicFramePr>
-          <p:cNvPr id="4" name="Chart 3"/>
+          <p:cNvPr id="7" name="Chart 6"/>
           <p:cNvGraphicFramePr/>
           <p:nvPr/>
         </p:nvGraphicFramePr>
         <p:xfrm>
-          <a:off x="1022350" y="2071851"/>
-          <a:ext cx="7184478" cy="3717597"/>
+          <a:off x="4888046" y="3644900"/>
+          <a:ext cx="3935959" cy="3073400"/>
         </p:xfrm>
         <a:graphic>
           <a:graphicData uri="http://schemas.openxmlformats.org/drawingml/2006/chart">
-            <c:chart xmlns:c="http://schemas.openxmlformats.org/drawingml/2006/chart" xmlns:r="http://schemas.openxmlformats.org/officeDocument/2006/relationships" r:id="rId2"/>
+            <c:chart xmlns:c="http://schemas.openxmlformats.org/drawingml/2006/chart" xmlns:r="http://schemas.openxmlformats.org/officeDocument/2006/relationships" r:id="rId3"/>
           </a:graphicData>
         </a:graphic>
       </p:graphicFrame>
@@ -13962,6 +16052,13 @@
   <p:clrMapOvr>
     <a:masterClrMapping/>
   </p:clrMapOvr>
+  <p:timing>
+    <p:tnLst>
+      <p:par>
+        <p:cTn id="1" dur="indefinite" restart="never" nodeType="tmRoot"/>
+      </p:par>
+    </p:tnLst>
+  </p:timing>
 </p:sld>
 </file>
 
@@ -14949,6 +17046,573 @@
 </file>
 
 <file path=ppt/theme/theme4.xml><?xml version="1.0" encoding="utf-8"?>
+<a:theme xmlns:a="http://schemas.openxmlformats.org/drawingml/2006/main" name="2_Perspective">
+  <a:themeElements>
+    <a:clrScheme name="Perspective">
+      <a:dk1>
+        <a:sysClr val="windowText" lastClr="000000"/>
+      </a:dk1>
+      <a:lt1>
+        <a:sysClr val="window" lastClr="FFFFFF"/>
+      </a:lt1>
+      <a:dk2>
+        <a:srgbClr val="333333"/>
+      </a:dk2>
+      <a:lt2>
+        <a:srgbClr val="BBC0AC"/>
+      </a:lt2>
+      <a:accent1>
+        <a:srgbClr val="A2C816"/>
+      </a:accent1>
+      <a:accent2>
+        <a:srgbClr val="E07602"/>
+      </a:accent2>
+      <a:accent3>
+        <a:srgbClr val="E4C402"/>
+      </a:accent3>
+      <a:accent4>
+        <a:srgbClr val="7DC1EF"/>
+      </a:accent4>
+      <a:accent5>
+        <a:srgbClr val="21449B"/>
+      </a:accent5>
+      <a:accent6>
+        <a:srgbClr val="A2B170"/>
+      </a:accent6>
+      <a:hlink>
+        <a:srgbClr val="8DA440"/>
+      </a:hlink>
+      <a:folHlink>
+        <a:srgbClr val="4C4F3F"/>
+      </a:folHlink>
+    </a:clrScheme>
+    <a:fontScheme name="Perspective">
+      <a:majorFont>
+        <a:latin typeface="Century Gothic"/>
+        <a:ea typeface=""/>
+        <a:cs typeface=""/>
+        <a:font script="Jpan" typeface="メイリオ"/>
+      </a:majorFont>
+      <a:minorFont>
+        <a:latin typeface="Century Gothic"/>
+        <a:ea typeface=""/>
+        <a:cs typeface=""/>
+        <a:font script="Jpan" typeface="メイリオ"/>
+      </a:minorFont>
+    </a:fontScheme>
+    <a:fmtScheme name="Perspective">
+      <a:fillStyleLst>
+        <a:solidFill>
+          <a:schemeClr val="phClr"/>
+        </a:solidFill>
+        <a:solidFill>
+          <a:schemeClr val="phClr">
+            <a:shade val="90000"/>
+          </a:schemeClr>
+        </a:solidFill>
+        <a:solidFill>
+          <a:schemeClr val="phClr">
+            <a:shade val="80000"/>
+          </a:schemeClr>
+        </a:solidFill>
+      </a:fillStyleLst>
+      <a:lnStyleLst>
+        <a:ln w="12700" cap="flat" cmpd="sng" algn="ctr">
+          <a:solidFill>
+            <a:schemeClr val="phClr">
+              <a:satMod val="105000"/>
+            </a:schemeClr>
+          </a:solidFill>
+          <a:prstDash val="solid"/>
+        </a:ln>
+        <a:ln w="25400" cap="flat" cmpd="sng" algn="ctr">
+          <a:solidFill>
+            <a:schemeClr val="phClr"/>
+          </a:solidFill>
+          <a:prstDash val="solid"/>
+        </a:ln>
+        <a:ln w="25400" cap="flat" cmpd="sng" algn="ctr">
+          <a:solidFill>
+            <a:schemeClr val="phClr">
+              <a:alpha val="80000"/>
+            </a:schemeClr>
+          </a:solidFill>
+          <a:prstDash val="solid"/>
+        </a:ln>
+      </a:lnStyleLst>
+      <a:effectStyleLst>
+        <a:effectStyle>
+          <a:effectLst/>
+        </a:effectStyle>
+        <a:effectStyle>
+          <a:effectLst/>
+          <a:scene3d>
+            <a:camera prst="obliqueTopRight"/>
+            <a:lightRig rig="threePt" dir="tl"/>
+          </a:scene3d>
+          <a:sp3d>
+            <a:bevelT w="25400" h="25400"/>
+          </a:sp3d>
+        </a:effectStyle>
+        <a:effectStyle>
+          <a:effectLst/>
+          <a:scene3d>
+            <a:camera prst="perspectiveFront" fov="4200000"/>
+            <a:lightRig rig="balanced" dir="tl">
+              <a:rot lat="0" lon="0" rev="18600000"/>
+            </a:lightRig>
+          </a:scene3d>
+          <a:sp3d prstMaterial="metal">
+            <a:bevelT w="63500" h="50800" prst="angle"/>
+          </a:sp3d>
+        </a:effectStyle>
+      </a:effectStyleLst>
+      <a:bgFillStyleLst>
+        <a:solidFill>
+          <a:schemeClr val="phClr">
+            <a:tint val="90000"/>
+          </a:schemeClr>
+        </a:solidFill>
+        <a:solidFill>
+          <a:schemeClr val="phClr">
+            <a:tint val="50000"/>
+          </a:schemeClr>
+        </a:solidFill>
+        <a:solidFill>
+          <a:schemeClr val="phClr">
+            <a:shade val="60000"/>
+          </a:schemeClr>
+        </a:solidFill>
+      </a:bgFillStyleLst>
+    </a:fmtScheme>
+  </a:themeElements>
+  <a:objectDefaults>
+    <a:spDef>
+      <a:spPr/>
+      <a:bodyPr rtlCol="0" anchor="ctr"/>
+      <a:lstStyle>
+        <a:defPPr algn="ctr">
+          <a:defRPr/>
+        </a:defPPr>
+      </a:lstStyle>
+      <a:style>
+        <a:lnRef idx="1">
+          <a:schemeClr val="accent1"/>
+        </a:lnRef>
+        <a:fillRef idx="3">
+          <a:schemeClr val="accent1"/>
+        </a:fillRef>
+        <a:effectRef idx="2">
+          <a:schemeClr val="accent1"/>
+        </a:effectRef>
+        <a:fontRef idx="minor">
+          <a:schemeClr val="lt1"/>
+        </a:fontRef>
+      </a:style>
+    </a:spDef>
+    <a:lnDef>
+      <a:spPr/>
+      <a:bodyPr/>
+      <a:lstStyle/>
+      <a:style>
+        <a:lnRef idx="2">
+          <a:schemeClr val="accent1"/>
+        </a:lnRef>
+        <a:fillRef idx="0">
+          <a:schemeClr val="accent1"/>
+        </a:fillRef>
+        <a:effectRef idx="1">
+          <a:schemeClr val="accent1"/>
+        </a:effectRef>
+        <a:fontRef idx="minor">
+          <a:schemeClr val="tx1"/>
+        </a:fontRef>
+      </a:style>
+    </a:lnDef>
+  </a:objectDefaults>
+  <a:extraClrSchemeLst/>
+</a:theme>
+</file>
+
+<file path=ppt/theme/theme5.xml><?xml version="1.0" encoding="utf-8"?>
+<a:theme xmlns:a="http://schemas.openxmlformats.org/drawingml/2006/main" name="3_Perspective">
+  <a:themeElements>
+    <a:clrScheme name="Perspective">
+      <a:dk1>
+        <a:sysClr val="windowText" lastClr="000000"/>
+      </a:dk1>
+      <a:lt1>
+        <a:sysClr val="window" lastClr="FFFFFF"/>
+      </a:lt1>
+      <a:dk2>
+        <a:srgbClr val="333333"/>
+      </a:dk2>
+      <a:lt2>
+        <a:srgbClr val="BBC0AC"/>
+      </a:lt2>
+      <a:accent1>
+        <a:srgbClr val="A2C816"/>
+      </a:accent1>
+      <a:accent2>
+        <a:srgbClr val="E07602"/>
+      </a:accent2>
+      <a:accent3>
+        <a:srgbClr val="E4C402"/>
+      </a:accent3>
+      <a:accent4>
+        <a:srgbClr val="7DC1EF"/>
+      </a:accent4>
+      <a:accent5>
+        <a:srgbClr val="21449B"/>
+      </a:accent5>
+      <a:accent6>
+        <a:srgbClr val="A2B170"/>
+      </a:accent6>
+      <a:hlink>
+        <a:srgbClr val="8DA440"/>
+      </a:hlink>
+      <a:folHlink>
+        <a:srgbClr val="4C4F3F"/>
+      </a:folHlink>
+    </a:clrScheme>
+    <a:fontScheme name="Perspective">
+      <a:majorFont>
+        <a:latin typeface="Century Gothic"/>
+        <a:ea typeface=""/>
+        <a:cs typeface=""/>
+        <a:font script="Jpan" typeface="メイリオ"/>
+      </a:majorFont>
+      <a:minorFont>
+        <a:latin typeface="Century Gothic"/>
+        <a:ea typeface=""/>
+        <a:cs typeface=""/>
+        <a:font script="Jpan" typeface="メイリオ"/>
+      </a:minorFont>
+    </a:fontScheme>
+    <a:fmtScheme name="Perspective">
+      <a:fillStyleLst>
+        <a:solidFill>
+          <a:schemeClr val="phClr"/>
+        </a:solidFill>
+        <a:solidFill>
+          <a:schemeClr val="phClr">
+            <a:shade val="90000"/>
+          </a:schemeClr>
+        </a:solidFill>
+        <a:solidFill>
+          <a:schemeClr val="phClr">
+            <a:shade val="80000"/>
+          </a:schemeClr>
+        </a:solidFill>
+      </a:fillStyleLst>
+      <a:lnStyleLst>
+        <a:ln w="12700" cap="flat" cmpd="sng" algn="ctr">
+          <a:solidFill>
+            <a:schemeClr val="phClr">
+              <a:satMod val="105000"/>
+            </a:schemeClr>
+          </a:solidFill>
+          <a:prstDash val="solid"/>
+        </a:ln>
+        <a:ln w="25400" cap="flat" cmpd="sng" algn="ctr">
+          <a:solidFill>
+            <a:schemeClr val="phClr"/>
+          </a:solidFill>
+          <a:prstDash val="solid"/>
+        </a:ln>
+        <a:ln w="25400" cap="flat" cmpd="sng" algn="ctr">
+          <a:solidFill>
+            <a:schemeClr val="phClr">
+              <a:alpha val="80000"/>
+            </a:schemeClr>
+          </a:solidFill>
+          <a:prstDash val="solid"/>
+        </a:ln>
+      </a:lnStyleLst>
+      <a:effectStyleLst>
+        <a:effectStyle>
+          <a:effectLst/>
+        </a:effectStyle>
+        <a:effectStyle>
+          <a:effectLst/>
+          <a:scene3d>
+            <a:camera prst="obliqueTopRight"/>
+            <a:lightRig rig="threePt" dir="tl"/>
+          </a:scene3d>
+          <a:sp3d>
+            <a:bevelT w="25400" h="25400"/>
+          </a:sp3d>
+        </a:effectStyle>
+        <a:effectStyle>
+          <a:effectLst/>
+          <a:scene3d>
+            <a:camera prst="perspectiveFront" fov="4200000"/>
+            <a:lightRig rig="balanced" dir="tl">
+              <a:rot lat="0" lon="0" rev="18600000"/>
+            </a:lightRig>
+          </a:scene3d>
+          <a:sp3d prstMaterial="metal">
+            <a:bevelT w="63500" h="50800" prst="angle"/>
+          </a:sp3d>
+        </a:effectStyle>
+      </a:effectStyleLst>
+      <a:bgFillStyleLst>
+        <a:solidFill>
+          <a:schemeClr val="phClr">
+            <a:tint val="90000"/>
+          </a:schemeClr>
+        </a:solidFill>
+        <a:solidFill>
+          <a:schemeClr val="phClr">
+            <a:tint val="50000"/>
+          </a:schemeClr>
+        </a:solidFill>
+        <a:solidFill>
+          <a:schemeClr val="phClr">
+            <a:shade val="60000"/>
+          </a:schemeClr>
+        </a:solidFill>
+      </a:bgFillStyleLst>
+    </a:fmtScheme>
+  </a:themeElements>
+  <a:objectDefaults>
+    <a:spDef>
+      <a:spPr/>
+      <a:bodyPr rtlCol="0" anchor="ctr"/>
+      <a:lstStyle>
+        <a:defPPr algn="ctr">
+          <a:defRPr/>
+        </a:defPPr>
+      </a:lstStyle>
+      <a:style>
+        <a:lnRef idx="1">
+          <a:schemeClr val="accent1"/>
+        </a:lnRef>
+        <a:fillRef idx="3">
+          <a:schemeClr val="accent1"/>
+        </a:fillRef>
+        <a:effectRef idx="2">
+          <a:schemeClr val="accent1"/>
+        </a:effectRef>
+        <a:fontRef idx="minor">
+          <a:schemeClr val="lt1"/>
+        </a:fontRef>
+      </a:style>
+    </a:spDef>
+    <a:lnDef>
+      <a:spPr/>
+      <a:bodyPr/>
+      <a:lstStyle/>
+      <a:style>
+        <a:lnRef idx="2">
+          <a:schemeClr val="accent1"/>
+        </a:lnRef>
+        <a:fillRef idx="0">
+          <a:schemeClr val="accent1"/>
+        </a:fillRef>
+        <a:effectRef idx="1">
+          <a:schemeClr val="accent1"/>
+        </a:effectRef>
+        <a:fontRef idx="minor">
+          <a:schemeClr val="tx1"/>
+        </a:fontRef>
+      </a:style>
+    </a:lnDef>
+  </a:objectDefaults>
+  <a:extraClrSchemeLst/>
+</a:theme>
+</file>
+
+<file path=ppt/theme/theme6.xml><?xml version="1.0" encoding="utf-8"?>
+<a:theme xmlns:a="http://schemas.openxmlformats.org/drawingml/2006/main" name="4_Perspective">
+  <a:themeElements>
+    <a:clrScheme name="Perspective">
+      <a:dk1>
+        <a:sysClr val="windowText" lastClr="000000"/>
+      </a:dk1>
+      <a:lt1>
+        <a:sysClr val="window" lastClr="FFFFFF"/>
+      </a:lt1>
+      <a:dk2>
+        <a:srgbClr val="333333"/>
+      </a:dk2>
+      <a:lt2>
+        <a:srgbClr val="BBC0AC"/>
+      </a:lt2>
+      <a:accent1>
+        <a:srgbClr val="A2C816"/>
+      </a:accent1>
+      <a:accent2>
+        <a:srgbClr val="E07602"/>
+      </a:accent2>
+      <a:accent3>
+        <a:srgbClr val="E4C402"/>
+      </a:accent3>
+      <a:accent4>
+        <a:srgbClr val="7DC1EF"/>
+      </a:accent4>
+      <a:accent5>
+        <a:srgbClr val="21449B"/>
+      </a:accent5>
+      <a:accent6>
+        <a:srgbClr val="A2B170"/>
+      </a:accent6>
+      <a:hlink>
+        <a:srgbClr val="8DA440"/>
+      </a:hlink>
+      <a:folHlink>
+        <a:srgbClr val="4C4F3F"/>
+      </a:folHlink>
+    </a:clrScheme>
+    <a:fontScheme name="Perspective">
+      <a:majorFont>
+        <a:latin typeface="Century Gothic"/>
+        <a:ea typeface=""/>
+        <a:cs typeface=""/>
+        <a:font script="Jpan" typeface="メイリオ"/>
+      </a:majorFont>
+      <a:minorFont>
+        <a:latin typeface="Century Gothic"/>
+        <a:ea typeface=""/>
+        <a:cs typeface=""/>
+        <a:font script="Jpan" typeface="メイリオ"/>
+      </a:minorFont>
+    </a:fontScheme>
+    <a:fmtScheme name="Perspective">
+      <a:fillStyleLst>
+        <a:solidFill>
+          <a:schemeClr val="phClr"/>
+        </a:solidFill>
+        <a:solidFill>
+          <a:schemeClr val="phClr">
+            <a:shade val="90000"/>
+          </a:schemeClr>
+        </a:solidFill>
+        <a:solidFill>
+          <a:schemeClr val="phClr">
+            <a:shade val="80000"/>
+          </a:schemeClr>
+        </a:solidFill>
+      </a:fillStyleLst>
+      <a:lnStyleLst>
+        <a:ln w="12700" cap="flat" cmpd="sng" algn="ctr">
+          <a:solidFill>
+            <a:schemeClr val="phClr">
+              <a:satMod val="105000"/>
+            </a:schemeClr>
+          </a:solidFill>
+          <a:prstDash val="solid"/>
+        </a:ln>
+        <a:ln w="25400" cap="flat" cmpd="sng" algn="ctr">
+          <a:solidFill>
+            <a:schemeClr val="phClr"/>
+          </a:solidFill>
+          <a:prstDash val="solid"/>
+        </a:ln>
+        <a:ln w="25400" cap="flat" cmpd="sng" algn="ctr">
+          <a:solidFill>
+            <a:schemeClr val="phClr">
+              <a:alpha val="80000"/>
+            </a:schemeClr>
+          </a:solidFill>
+          <a:prstDash val="solid"/>
+        </a:ln>
+      </a:lnStyleLst>
+      <a:effectStyleLst>
+        <a:effectStyle>
+          <a:effectLst/>
+        </a:effectStyle>
+        <a:effectStyle>
+          <a:effectLst/>
+          <a:scene3d>
+            <a:camera prst="obliqueTopRight"/>
+            <a:lightRig rig="threePt" dir="tl"/>
+          </a:scene3d>
+          <a:sp3d>
+            <a:bevelT w="25400" h="25400"/>
+          </a:sp3d>
+        </a:effectStyle>
+        <a:effectStyle>
+          <a:effectLst/>
+          <a:scene3d>
+            <a:camera prst="perspectiveFront" fov="4200000"/>
+            <a:lightRig rig="balanced" dir="tl">
+              <a:rot lat="0" lon="0" rev="18600000"/>
+            </a:lightRig>
+          </a:scene3d>
+          <a:sp3d prstMaterial="metal">
+            <a:bevelT w="63500" h="50800" prst="angle"/>
+          </a:sp3d>
+        </a:effectStyle>
+      </a:effectStyleLst>
+      <a:bgFillStyleLst>
+        <a:solidFill>
+          <a:schemeClr val="phClr">
+            <a:tint val="90000"/>
+          </a:schemeClr>
+        </a:solidFill>
+        <a:solidFill>
+          <a:schemeClr val="phClr">
+            <a:tint val="50000"/>
+          </a:schemeClr>
+        </a:solidFill>
+        <a:solidFill>
+          <a:schemeClr val="phClr">
+            <a:shade val="60000"/>
+          </a:schemeClr>
+        </a:solidFill>
+      </a:bgFillStyleLst>
+    </a:fmtScheme>
+  </a:themeElements>
+  <a:objectDefaults>
+    <a:spDef>
+      <a:spPr/>
+      <a:bodyPr rtlCol="0" anchor="ctr"/>
+      <a:lstStyle>
+        <a:defPPr algn="ctr">
+          <a:defRPr/>
+        </a:defPPr>
+      </a:lstStyle>
+      <a:style>
+        <a:lnRef idx="1">
+          <a:schemeClr val="accent1"/>
+        </a:lnRef>
+        <a:fillRef idx="3">
+          <a:schemeClr val="accent1"/>
+        </a:fillRef>
+        <a:effectRef idx="2">
+          <a:schemeClr val="accent1"/>
+        </a:effectRef>
+        <a:fontRef idx="minor">
+          <a:schemeClr val="lt1"/>
+        </a:fontRef>
+      </a:style>
+    </a:spDef>
+    <a:lnDef>
+      <a:spPr/>
+      <a:bodyPr/>
+      <a:lstStyle/>
+      <a:style>
+        <a:lnRef idx="2">
+          <a:schemeClr val="accent1"/>
+        </a:lnRef>
+        <a:fillRef idx="0">
+          <a:schemeClr val="accent1"/>
+        </a:fillRef>
+        <a:effectRef idx="1">
+          <a:schemeClr val="accent1"/>
+        </a:effectRef>
+        <a:fontRef idx="minor">
+          <a:schemeClr val="tx1"/>
+        </a:fontRef>
+      </a:style>
+    </a:lnDef>
+  </a:objectDefaults>
+  <a:extraClrSchemeLst/>
+</a:theme>
+</file>
+
+<file path=ppt/theme/theme7.xml><?xml version="1.0" encoding="utf-8"?>
 <a:theme xmlns:a="http://schemas.openxmlformats.org/drawingml/2006/main" name="Office Theme">
   <a:themeElements>
     <a:clrScheme name="Office">
@@ -15266,7 +17930,7 @@
 </a:theme>
 </file>
 
-<file path=ppt/theme/theme5.xml><?xml version="1.0" encoding="utf-8"?>
+<file path=ppt/theme/theme8.xml><?xml version="1.0" encoding="utf-8"?>
 <a:theme xmlns:a="http://schemas.openxmlformats.org/drawingml/2006/main" name="Office Theme">
   <a:themeElements>
     <a:clrScheme name="Office">

--- a/tutorial/general_tutorial/SAGA-Intro-Conclusion.pptx
+++ b/tutorial/general_tutorial/SAGA-Intro-Conclusion.pptx
@@ -10,27 +10,28 @@
     <p:sldMasterId id="2147483684" r:id="rId6"/>
   </p:sldMasterIdLst>
   <p:notesMasterIdLst>
-    <p:notesMasterId r:id="rId22"/>
+    <p:notesMasterId r:id="rId23"/>
   </p:notesMasterIdLst>
   <p:handoutMasterIdLst>
-    <p:handoutMasterId r:id="rId23"/>
+    <p:handoutMasterId r:id="rId24"/>
   </p:handoutMasterIdLst>
   <p:sldIdLst>
     <p:sldId id="256" r:id="rId7"/>
-    <p:sldId id="261" r:id="rId8"/>
-    <p:sldId id="262" r:id="rId9"/>
-    <p:sldId id="263" r:id="rId10"/>
-    <p:sldId id="264" r:id="rId11"/>
-    <p:sldId id="277" r:id="rId12"/>
-    <p:sldId id="279" r:id="rId13"/>
-    <p:sldId id="272" r:id="rId14"/>
-    <p:sldId id="266" r:id="rId15"/>
-    <p:sldId id="265" r:id="rId16"/>
-    <p:sldId id="267" r:id="rId17"/>
-    <p:sldId id="278" r:id="rId18"/>
-    <p:sldId id="269" r:id="rId19"/>
-    <p:sldId id="268" r:id="rId20"/>
-    <p:sldId id="280" r:id="rId21"/>
+    <p:sldId id="281" r:id="rId8"/>
+    <p:sldId id="261" r:id="rId9"/>
+    <p:sldId id="262" r:id="rId10"/>
+    <p:sldId id="263" r:id="rId11"/>
+    <p:sldId id="264" r:id="rId12"/>
+    <p:sldId id="277" r:id="rId13"/>
+    <p:sldId id="279" r:id="rId14"/>
+    <p:sldId id="272" r:id="rId15"/>
+    <p:sldId id="266" r:id="rId16"/>
+    <p:sldId id="265" r:id="rId17"/>
+    <p:sldId id="267" r:id="rId18"/>
+    <p:sldId id="278" r:id="rId19"/>
+    <p:sldId id="269" r:id="rId20"/>
+    <p:sldId id="268" r:id="rId21"/>
+    <p:sldId id="280" r:id="rId22"/>
   </p:sldIdLst>
   <p:sldSz cx="9144000" cy="6858000" type="screen4x3"/>
   <p:notesSz cx="6858000" cy="9144000"/>
@@ -353,24 +354,24 @@
             </c:numRef>
           </c:val>
         </c:ser>
-        <c:axId val="522861096"/>
-        <c:axId val="522812888"/>
+        <c:axId val="631959640"/>
+        <c:axId val="632163016"/>
       </c:barChart>
       <c:catAx>
-        <c:axId val="522861096"/>
+        <c:axId val="631959640"/>
         <c:scaling>
           <c:orientation val="minMax"/>
         </c:scaling>
         <c:axPos val="b"/>
         <c:tickLblPos val="nextTo"/>
-        <c:crossAx val="522812888"/>
+        <c:crossAx val="632163016"/>
         <c:crosses val="autoZero"/>
         <c:auto val="1"/>
         <c:lblAlgn val="ctr"/>
         <c:lblOffset val="100"/>
       </c:catAx>
       <c:valAx>
-        <c:axId val="522812888"/>
+        <c:axId val="632163016"/>
         <c:scaling>
           <c:orientation val="minMax"/>
         </c:scaling>
@@ -378,14 +379,13 @@
         <c:majorGridlines/>
         <c:numFmt formatCode="General" sourceLinked="1"/>
         <c:tickLblPos val="nextTo"/>
-        <c:crossAx val="522861096"/>
+        <c:crossAx val="631959640"/>
         <c:crosses val="autoZero"/>
         <c:crossBetween val="between"/>
       </c:valAx>
     </c:plotArea>
     <c:legend>
       <c:legendPos val="r"/>
-      <c:layout/>
     </c:legend>
     <c:plotVisOnly val="1"/>
   </c:chart>
@@ -10271,6 +10271,208 @@
         </p:nvSpPr>
         <p:spPr/>
         <p:txBody>
+          <a:bodyPr rtlCol="0">
+            <a:normAutofit/>
+          </a:bodyPr>
+          <a:lstStyle/>
+          <a:p>
+            <a:pPr eaLnBrk="1" fontAlgn="auto" hangingPunct="1">
+              <a:spcAft>
+                <a:spcPts val="0"/>
+              </a:spcAft>
+              <a:defRPr/>
+            </a:pPr>
+            <a:r>
+              <a:rPr lang="en-US" sz="2222" dirty="0" smtClean="0"/>
+              <a:t>Distributed Adaptive Replica Exchange (DARE)</a:t>
+            </a:r>
+            <a:r>
+              <a:rPr lang="en-US" sz="2800" dirty="0" smtClean="0"/>
+              <a:t/>
+            </a:r>
+            <a:br>
+              <a:rPr lang="en-US" sz="2800" dirty="0" smtClean="0"/>
+            </a:br>
+            <a:r>
+              <a:rPr lang="en-US" sz="2222" dirty="0" smtClean="0">
+                <a:solidFill>
+                  <a:schemeClr val="bg1">
+                    <a:lumMod val="75000"/>
+                  </a:schemeClr>
+                </a:solidFill>
+              </a:rPr>
+              <a:t>Multiple Pilot-Jobs on the “Distributed” </a:t>
+            </a:r>
+            <a:r>
+              <a:rPr lang="en-US" sz="2222" dirty="0" err="1" smtClean="0">
+                <a:solidFill>
+                  <a:schemeClr val="bg1">
+                    <a:lumMod val="75000"/>
+                  </a:schemeClr>
+                </a:solidFill>
+              </a:rPr>
+              <a:t>TeraGrid</a:t>
+            </a:r>
+            <a:endParaRPr lang="en-US" sz="2222" dirty="0" smtClean="0">
+              <a:solidFill>
+                <a:srgbClr val="800000"/>
+              </a:solidFill>
+              <a:latin typeface="Cooper Black"/>
+              <a:cs typeface="Cooper Black"/>
+            </a:endParaRPr>
+          </a:p>
+        </p:txBody>
+      </p:sp>
+      <p:sp>
+        <p:nvSpPr>
+          <p:cNvPr id="8" name="Content Placeholder 7"/>
+          <p:cNvSpPr>
+            <a:spLocks noGrp="1"/>
+          </p:cNvSpPr>
+          <p:nvPr>
+            <p:ph idx="1"/>
+          </p:nvPr>
+        </p:nvSpPr>
+        <p:spPr>
+          <a:xfrm>
+            <a:off x="892710" y="2011973"/>
+            <a:ext cx="7489289" cy="1366228"/>
+          </a:xfrm>
+        </p:spPr>
+        <p:txBody>
+          <a:bodyPr>
+            <a:normAutofit/>
+          </a:bodyPr>
+          <a:lstStyle/>
+          <a:p>
+            <a:r>
+              <a:rPr lang="en-US" dirty="0" smtClean="0"/>
+              <a:t>Ability to dynamically add HPC resources. On TG:</a:t>
+            </a:r>
+          </a:p>
+          <a:p>
+            <a:r>
+              <a:rPr lang="en-US" dirty="0" smtClean="0"/>
+              <a:t>Innovations in Distributed Algorithms:</a:t>
+            </a:r>
+          </a:p>
+          <a:p>
+            <a:pPr lvl="1"/>
+            <a:r>
+              <a:rPr lang="en-US" dirty="0" smtClean="0"/>
+              <a:t>Variants of  RE: Sync (local) </a:t>
+            </a:r>
+            <a:r>
+              <a:rPr lang="en-US" dirty="0" err="1" smtClean="0"/>
+              <a:t>vs</a:t>
+            </a:r>
+            <a:r>
+              <a:rPr lang="en-US" dirty="0" smtClean="0"/>
+              <a:t> </a:t>
+            </a:r>
+            <a:r>
+              <a:rPr lang="en-US" dirty="0" err="1" smtClean="0"/>
+              <a:t>async</a:t>
+            </a:r>
+            <a:r>
+              <a:rPr lang="en-US" dirty="0" smtClean="0"/>
+              <a:t> (distr.)</a:t>
+            </a:r>
+          </a:p>
+        </p:txBody>
+      </p:sp>
+      <p:pic>
+        <p:nvPicPr>
+          <p:cNvPr id="37894" name="Picture 7" descr="perf_distributed_number_replica-1.pdf"/>
+          <p:cNvPicPr>
+            <a:picLocks noChangeAspect="1"/>
+          </p:cNvPicPr>
+          <p:nvPr/>
+        </p:nvPicPr>
+        <p:blipFill>
+          <a:blip r:embed="rId2"/>
+          <a:srcRect/>
+          <a:stretch>
+            <a:fillRect/>
+          </a:stretch>
+        </p:blipFill>
+        <p:spPr bwMode="auto">
+          <a:xfrm>
+            <a:off x="626011" y="3746500"/>
+            <a:ext cx="3657600" cy="2552700"/>
+          </a:xfrm>
+          <a:prstGeom prst="rect">
+            <a:avLst/>
+          </a:prstGeom>
+          <a:noFill/>
+          <a:ln w="9525">
+            <a:noFill/>
+            <a:miter lim="800000"/>
+            <a:headEnd/>
+            <a:tailEnd/>
+          </a:ln>
+        </p:spPr>
+      </p:pic>
+      <p:graphicFrame>
+        <p:nvGraphicFramePr>
+          <p:cNvPr id="7" name="Chart 6"/>
+          <p:cNvGraphicFramePr/>
+          <p:nvPr/>
+        </p:nvGraphicFramePr>
+        <p:xfrm>
+          <a:off x="4888046" y="3644900"/>
+          <a:ext cx="3935959" cy="3073400"/>
+        </p:xfrm>
+        <a:graphic>
+          <a:graphicData uri="http://schemas.openxmlformats.org/drawingml/2006/chart">
+            <c:chart xmlns:c="http://schemas.openxmlformats.org/drawingml/2006/chart" xmlns:r="http://schemas.openxmlformats.org/officeDocument/2006/relationships" r:id="rId3"/>
+          </a:graphicData>
+        </a:graphic>
+      </p:graphicFrame>
+    </p:spTree>
+  </p:cSld>
+  <p:clrMapOvr>
+    <a:masterClrMapping/>
+  </p:clrMapOvr>
+  <p:timing>
+    <p:tnLst>
+      <p:par>
+        <p:cTn id="1" dur="indefinite" restart="never" nodeType="tmRoot"/>
+      </p:par>
+    </p:tnLst>
+  </p:timing>
+</p:sld>
+</file>
+
+<file path=ppt/slides/slide11.xml><?xml version="1.0" encoding="utf-8"?>
+<p:sld xmlns:a="http://schemas.openxmlformats.org/drawingml/2006/main" xmlns:r="http://schemas.openxmlformats.org/officeDocument/2006/relationships" xmlns:mc="http://schemas.openxmlformats.org/markup-compatibility/2006" xmlns:mv="urn:schemas-microsoft-com:mac:vml" xmlns:p="http://schemas.openxmlformats.org/presentationml/2006/main" mc:Ignorable="mv" mc:PreserveAttributes="mv:*">
+  <p:cSld>
+    <p:spTree>
+      <p:nvGrpSpPr>
+        <p:cNvPr id="1" name=""/>
+        <p:cNvGrpSpPr/>
+        <p:nvPr/>
+      </p:nvGrpSpPr>
+      <p:grpSpPr>
+        <a:xfrm>
+          <a:off x="0" y="0"/>
+          <a:ext cx="0" cy="0"/>
+          <a:chOff x="0" y="0"/>
+          <a:chExt cx="0" cy="0"/>
+        </a:xfrm>
+      </p:grpSpPr>
+      <p:sp>
+        <p:nvSpPr>
+          <p:cNvPr id="2" name="Title 1"/>
+          <p:cNvSpPr>
+            <a:spLocks noGrp="1"/>
+          </p:cNvSpPr>
+          <p:nvPr>
+            <p:ph type="title"/>
+          </p:nvPr>
+        </p:nvSpPr>
+        <p:spPr/>
+        <p:txBody>
           <a:bodyPr>
             <a:noAutofit/>
           </a:bodyPr>
@@ -10318,7 +10520,7 @@
 </p:sld>
 </file>
 
-<file path=ppt/slides/slide11.xml><?xml version="1.0" encoding="utf-8"?>
+<file path=ppt/slides/slide12.xml><?xml version="1.0" encoding="utf-8"?>
 <p:sld xmlns:a="http://schemas.openxmlformats.org/drawingml/2006/main" xmlns:r="http://schemas.openxmlformats.org/officeDocument/2006/relationships" xmlns:mc="http://schemas.openxmlformats.org/markup-compatibility/2006" xmlns:mv="urn:schemas-microsoft-com:mac:vml" xmlns:p="http://schemas.openxmlformats.org/presentationml/2006/main" mc:Ignorable="mv" mc:PreserveAttributes="mv:*">
   <p:cSld>
     <p:spTree>
@@ -10391,15 +10593,7 @@
           <a:p>
             <a:r>
               <a:rPr lang="en-US" dirty="0" smtClean="0"/>
-              <a:t>SAGA</a:t>
-            </a:r>
-            <a:r>
-              <a:rPr lang="en-US" dirty="0" smtClean="0"/>
-              <a:t>: Provides </a:t>
-            </a:r>
-            <a:r>
-              <a:rPr lang="en-US" dirty="0" smtClean="0"/>
-              <a:t>uniform access layers to </a:t>
+              <a:t>SAGA: Provides uniform access layers to </a:t>
             </a:r>
             <a:r>
               <a:rPr lang="en-US" dirty="0" err="1" smtClean="0"/>
@@ -10407,11 +10601,7 @@
             </a:r>
             <a:r>
               <a:rPr lang="en-US" dirty="0" smtClean="0"/>
-              <a:t> </a:t>
-            </a:r>
-            <a:r>
-              <a:rPr lang="en-US" dirty="0" smtClean="0"/>
-              <a:t>CI</a:t>
+              <a:t> CI</a:t>
             </a:r>
             <a:endParaRPr lang="en-US" dirty="0"/>
           </a:p>
@@ -10433,7 +10623,7 @@
 </p:sld>
 </file>
 
-<file path=ppt/slides/slide12.xml><?xml version="1.0" encoding="utf-8"?>
+<file path=ppt/slides/slide13.xml><?xml version="1.0" encoding="utf-8"?>
 <p:sld xmlns:a="http://schemas.openxmlformats.org/drawingml/2006/main" xmlns:r="http://schemas.openxmlformats.org/officeDocument/2006/relationships" xmlns:mc="http://schemas.openxmlformats.org/markup-compatibility/2006" xmlns:mv="urn:schemas-microsoft-com:mac:vml" xmlns:p="http://schemas.openxmlformats.org/presentationml/2006/main" mc:Ignorable="mv" mc:PreserveAttributes="mv:*">
   <p:cSld>
     <p:spTree>
@@ -10493,15 +10683,7 @@
           <a:p>
             <a:r>
               <a:rPr lang="en-US" sz="2400" dirty="0" smtClean="0"/>
-              <a:t>SAGA: To </a:t>
-            </a:r>
-            <a:r>
-              <a:rPr lang="en-US" sz="2400" dirty="0" smtClean="0"/>
-              <a:t>provide uniform access layers to</a:t>
-            </a:r>
-            <a:r>
-              <a:rPr lang="en-US" sz="2400" dirty="0" smtClean="0"/>
-              <a:t> heterogeneous CI</a:t>
+              <a:t>SAGA: To provide uniform access layers to heterogeneous CI</a:t>
             </a:r>
             <a:endParaRPr lang="en-US" sz="2400" dirty="0"/>
           </a:p>
@@ -10522,7 +10704,7 @@
 </p:sld>
 </file>
 
-<file path=ppt/slides/slide13.xml><?xml version="1.0" encoding="utf-8"?>
+<file path=ppt/slides/slide14.xml><?xml version="1.0" encoding="utf-8"?>
 <p:sld xmlns:a="http://schemas.openxmlformats.org/drawingml/2006/main" xmlns:r="http://schemas.openxmlformats.org/officeDocument/2006/relationships" xmlns:mc="http://schemas.openxmlformats.org/markup-compatibility/2006" xmlns:mv="urn:schemas-microsoft-com:mac:vml" xmlns:p="http://schemas.openxmlformats.org/presentationml/2006/main" mc:Ignorable="mv" mc:PreserveAttributes="mv:*">
   <p:cSld>
     <p:spTree>
@@ -10636,7 +10818,7 @@
 </p:sld>
 </file>
 
-<file path=ppt/slides/slide14.xml><?xml version="1.0" encoding="utf-8"?>
+<file path=ppt/slides/slide15.xml><?xml version="1.0" encoding="utf-8"?>
 <p:sld xmlns:a="http://schemas.openxmlformats.org/drawingml/2006/main" xmlns:r="http://schemas.openxmlformats.org/officeDocument/2006/relationships" xmlns:mc="http://schemas.openxmlformats.org/markup-compatibility/2006" xmlns:mv="urn:schemas-microsoft-com:mac:vml" xmlns:p="http://schemas.openxmlformats.org/presentationml/2006/main" mc:Ignorable="mv" mc:PreserveAttributes="mv:*">
   <p:cSld>
     <p:spTree>
@@ -10693,7 +10875,7 @@
             <a:fld id="{D7EEED34-8CD6-0C49-8D66-19FEDD51CB4E}" type="slidenum">
               <a:rPr lang="en-US"/>
               <a:pPr/>
-              <a:t>14</a:t>
+              <a:t>15</a:t>
             </a:fld>
             <a:endParaRPr lang="en-US"/>
           </a:p>
@@ -14081,7 +14263,7 @@
 </p:sld>
 </file>
 
-<file path=ppt/slides/slide15.xml><?xml version="1.0" encoding="utf-8"?>
+<file path=ppt/slides/slide16.xml><?xml version="1.0" encoding="utf-8"?>
 <p:sld xmlns:a="http://schemas.openxmlformats.org/drawingml/2006/main" xmlns:r="http://schemas.openxmlformats.org/officeDocument/2006/relationships" xmlns:mc="http://schemas.openxmlformats.org/markup-compatibility/2006" xmlns:mv="urn:schemas-microsoft-com:mac:vml" xmlns:p="http://schemas.openxmlformats.org/presentationml/2006/main" mc:Ignorable="mv" mc:PreserveAttributes="mv:*">
   <p:cSld>
     <p:spTree>
@@ -14256,10 +14438,90 @@
   <p:clrMapOvr>
     <a:masterClrMapping/>
   </p:clrMapOvr>
+  <p:timing>
+    <p:tnLst>
+      <p:par>
+        <p:cTn id="1" dur="indefinite" restart="never" nodeType="tmRoot"/>
+      </p:par>
+    </p:tnLst>
+  </p:timing>
 </p:sld>
 </file>
 
 <file path=ppt/slides/slide2.xml><?xml version="1.0" encoding="utf-8"?>
+<p:sld xmlns:a="http://schemas.openxmlformats.org/drawingml/2006/main" xmlns:r="http://schemas.openxmlformats.org/officeDocument/2006/relationships" xmlns:mc="http://schemas.openxmlformats.org/markup-compatibility/2006" xmlns:mv="urn:schemas-microsoft-com:mac:vml" xmlns:p="http://schemas.openxmlformats.org/presentationml/2006/main" mc:Ignorable="mv" mc:PreserveAttributes="mv:*">
+  <p:cSld>
+    <p:spTree>
+      <p:nvGrpSpPr>
+        <p:cNvPr id="1" name=""/>
+        <p:cNvGrpSpPr/>
+        <p:nvPr/>
+      </p:nvGrpSpPr>
+      <p:grpSpPr>
+        <a:xfrm>
+          <a:off x="0" y="0"/>
+          <a:ext cx="0" cy="0"/>
+          <a:chOff x="0" y="0"/>
+          <a:chExt cx="0" cy="0"/>
+        </a:xfrm>
+      </p:grpSpPr>
+      <p:sp>
+        <p:nvSpPr>
+          <p:cNvPr id="4" name="Title 3"/>
+          <p:cNvSpPr>
+            <a:spLocks noGrp="1"/>
+          </p:cNvSpPr>
+          <p:nvPr>
+            <p:ph type="title"/>
+          </p:nvPr>
+        </p:nvSpPr>
+        <p:spPr/>
+        <p:txBody>
+          <a:bodyPr/>
+          <a:lstStyle/>
+          <a:p>
+            <a:r>
+              <a:rPr lang="en-US" dirty="0" smtClean="0"/>
+              <a:t>All material from this tutorial can be found at:</a:t>
+            </a:r>
+            <a:br>
+              <a:rPr lang="en-US" dirty="0" smtClean="0"/>
+            </a:br>
+            <a:r>
+              <a:rPr lang="en-US" dirty="0" smtClean="0"/>
+              <a:t/>
+            </a:r>
+            <a:br>
+              <a:rPr lang="en-US" dirty="0" smtClean="0"/>
+            </a:br>
+            <a:r>
+              <a:rPr lang="en-US" sz="1400" b="1" dirty="0" smtClean="0"/>
+              <a:t>http</a:t>
+            </a:r>
+            <a:r>
+              <a:rPr lang="en-US" sz="1400" b="1" dirty="0" smtClean="0"/>
+              <a:t>://saga.cct.lsu.edu/software/cpp/documentation/tutorials/loni-training-2010</a:t>
+            </a:r>
+            <a:endParaRPr lang="en-US" sz="1400" b="1" dirty="0"/>
+          </a:p>
+        </p:txBody>
+      </p:sp>
+    </p:spTree>
+  </p:cSld>
+  <p:clrMapOvr>
+    <a:masterClrMapping/>
+  </p:clrMapOvr>
+  <p:timing>
+    <p:tnLst>
+      <p:par>
+        <p:cTn id="1" dur="indefinite" restart="never" nodeType="tmRoot"/>
+      </p:par>
+    </p:tnLst>
+  </p:timing>
+</p:sld>
+</file>
+
+<file path=ppt/slides/slide3.xml><?xml version="1.0" encoding="utf-8"?>
 <p:sld xmlns:a="http://schemas.openxmlformats.org/drawingml/2006/main" xmlns:r="http://schemas.openxmlformats.org/officeDocument/2006/relationships" xmlns:mc="http://schemas.openxmlformats.org/markup-compatibility/2006" xmlns:mv="urn:schemas-microsoft-com:mac:vml" xmlns:p="http://schemas.openxmlformats.org/presentationml/2006/main" mc:Ignorable="mv" mc:PreserveAttributes="mv:*">
   <p:cSld>
     <p:spTree>
@@ -14447,45 +14709,21 @@
             <a:pPr lvl="2"/>
             <a:r>
               <a:rPr lang="en-US" dirty="0" smtClean="0"/>
-              <a:t>Control</a:t>
-            </a:r>
+              <a:t>Control/Coordination &amp; execution over Heterogeneous sites</a:t>
+            </a:r>
+          </a:p>
+          <a:p>
+            <a:pPr lvl="2"/>
             <a:r>
               <a:rPr lang="en-US" dirty="0" smtClean="0"/>
-              <a:t>/</a:t>
-            </a:r>
+              <a:t>Complex Design point/Models of Distributed Applications, </a:t>
+            </a:r>
+          </a:p>
+          <a:p>
+            <a:pPr lvl="3"/>
             <a:r>
               <a:rPr lang="en-US" dirty="0" smtClean="0"/>
-              <a:t>Coordination &amp; execution over</a:t>
-            </a:r>
-            <a:r>
-              <a:rPr lang="en-US" dirty="0" smtClean="0"/>
-              <a:t> Heterogeneous </a:t>
-            </a:r>
-            <a:r>
-              <a:rPr lang="en-US" dirty="0" smtClean="0"/>
-              <a:t>sites</a:t>
-            </a:r>
-          </a:p>
-          <a:p>
-            <a:pPr lvl="2"/>
-            <a:r>
-              <a:rPr lang="en-US" dirty="0" smtClean="0"/>
-              <a:t>Complex </a:t>
-            </a:r>
-            <a:r>
-              <a:rPr lang="en-US" dirty="0" smtClean="0"/>
-              <a:t>Design point/Models of Distributed Applications, </a:t>
-            </a:r>
-          </a:p>
-          <a:p>
-            <a:pPr lvl="3"/>
-            <a:r>
-              <a:rPr lang="en-US" dirty="0" smtClean="0"/>
-              <a:t>Reasons for using distributed CI -- more than (peak) performance </a:t>
-            </a:r>
-            <a:r>
-              <a:rPr lang="en-US" dirty="0" smtClean="0"/>
-              <a:t>result</a:t>
+              <a:t>Reasons for using distributed CI -- more than (peak) performance result</a:t>
             </a:r>
           </a:p>
           <a:p>
@@ -14535,19 +14773,7 @@
               <a:rPr lang="en-US" dirty="0" smtClean="0">
                 <a:sym typeface="Arial" pitchFamily="-110" charset="0"/>
               </a:rPr>
-              <a:t>See: DPA Survey </a:t>
-            </a:r>
-            <a:r>
-              <a:rPr lang="en-US" dirty="0" smtClean="0">
-                <a:sym typeface="Arial" pitchFamily="-110" charset="0"/>
-              </a:rPr>
-              <a:t>Paper</a:t>
-            </a:r>
-            <a:r>
-              <a:rPr lang="en-US" dirty="0" smtClean="0">
-                <a:sym typeface="Arial" pitchFamily="-110" charset="0"/>
-              </a:rPr>
-              <a:t>:</a:t>
+              <a:t>See: DPA Survey Paper:</a:t>
             </a:r>
           </a:p>
           <a:p>
@@ -14583,7 +14809,7 @@
 </p:sld>
 </file>
 
-<file path=ppt/slides/slide3.xml><?xml version="1.0" encoding="utf-8"?>
+<file path=ppt/slides/slide4.xml><?xml version="1.0" encoding="utf-8"?>
 <p:sld xmlns:a="http://schemas.openxmlformats.org/drawingml/2006/main" xmlns:r="http://schemas.openxmlformats.org/officeDocument/2006/relationships" xmlns:mc="http://schemas.openxmlformats.org/markup-compatibility/2006" xmlns:mv="urn:schemas-microsoft-com:mac:vml" xmlns:p="http://schemas.openxmlformats.org/presentationml/2006/main" mc:Ignorable="mv" mc:PreserveAttributes="mv:*">
   <p:cSld>
     <p:spTree>
@@ -15189,7 +15415,7 @@
 </p:sld>
 </file>
 
-<file path=ppt/slides/slide4.xml><?xml version="1.0" encoding="utf-8"?>
+<file path=ppt/slides/slide5.xml><?xml version="1.0" encoding="utf-8"?>
 <p:sld xmlns:a="http://schemas.openxmlformats.org/drawingml/2006/main" xmlns:r="http://schemas.openxmlformats.org/officeDocument/2006/relationships" xmlns:mc="http://schemas.openxmlformats.org/markup-compatibility/2006" xmlns:mv="urn:schemas-microsoft-com:mac:vml" xmlns:p="http://schemas.openxmlformats.org/presentationml/2006/main" mc:Ignorable="mv" mc:PreserveAttributes="mv:*">
   <p:cSld>
     <p:spTree>
@@ -15282,7 +15508,7 @@
 </p:sld>
 </file>
 
-<file path=ppt/slides/slide5.xml><?xml version="1.0" encoding="utf-8"?>
+<file path=ppt/slides/slide6.xml><?xml version="1.0" encoding="utf-8"?>
 <p:sld xmlns:a="http://schemas.openxmlformats.org/drawingml/2006/main" xmlns:r="http://schemas.openxmlformats.org/officeDocument/2006/relationships" xmlns:mc="http://schemas.openxmlformats.org/markup-compatibility/2006" xmlns:mv="urn:schemas-microsoft-com:mac:vml" xmlns:p="http://schemas.openxmlformats.org/presentationml/2006/main" mc:Ignorable="mv" mc:PreserveAttributes="mv:*">
   <p:cSld>
     <p:spTree>
@@ -15357,200 +15583,6 @@
 </p:sld>
 </file>
 
-<file path=ppt/slides/slide6.xml><?xml version="1.0" encoding="utf-8"?>
-<p:sld xmlns:a="http://schemas.openxmlformats.org/drawingml/2006/main" xmlns:r="http://schemas.openxmlformats.org/officeDocument/2006/relationships" xmlns:mc="http://schemas.openxmlformats.org/markup-compatibility/2006" xmlns:mv="urn:schemas-microsoft-com:mac:vml" xmlns:p="http://schemas.openxmlformats.org/presentationml/2006/main" mc:Ignorable="mv" mc:PreserveAttributes="mv:*">
-  <p:cSld>
-    <p:spTree>
-      <p:nvGrpSpPr>
-        <p:cNvPr id="1" name=""/>
-        <p:cNvGrpSpPr/>
-        <p:nvPr/>
-      </p:nvGrpSpPr>
-      <p:grpSpPr>
-        <a:xfrm>
-          <a:off x="0" y="0"/>
-          <a:ext cx="0" cy="0"/>
-          <a:chOff x="0" y="0"/>
-          <a:chExt cx="0" cy="0"/>
-        </a:xfrm>
-      </p:grpSpPr>
-      <p:sp>
-        <p:nvSpPr>
-          <p:cNvPr id="2" name="Title 1"/>
-          <p:cNvSpPr>
-            <a:spLocks noGrp="1"/>
-          </p:cNvSpPr>
-          <p:nvPr>
-            <p:ph type="title"/>
-          </p:nvPr>
-        </p:nvSpPr>
-        <p:spPr/>
-        <p:txBody>
-          <a:bodyPr/>
-          <a:lstStyle/>
-          <a:p>
-            <a:r>
-              <a:rPr lang="en-US" dirty="0" smtClean="0"/>
-              <a:t>How is SAGA Used?</a:t>
-            </a:r>
-            <a:endParaRPr lang="en-US" dirty="0"/>
-          </a:p>
-        </p:txBody>
-      </p:sp>
-      <p:sp>
-        <p:nvSpPr>
-          <p:cNvPr id="3" name="Content Placeholder 2"/>
-          <p:cNvSpPr>
-            <a:spLocks noGrp="1"/>
-          </p:cNvSpPr>
-          <p:nvPr>
-            <p:ph idx="1"/>
-          </p:nvPr>
-        </p:nvSpPr>
-        <p:spPr>
-          <a:xfrm>
-            <a:off x="740895" y="2068618"/>
-            <a:ext cx="7984005" cy="4553160"/>
-          </a:xfrm>
-        </p:spPr>
-        <p:txBody>
-          <a:bodyPr>
-            <a:normAutofit/>
-          </a:bodyPr>
-          <a:lstStyle/>
-          <a:p>
-            <a:r>
-              <a:rPr lang="en-US" dirty="0" smtClean="0"/>
-              <a:t>SAGA is used to develop applications that are distributed by definition:</a:t>
-            </a:r>
-          </a:p>
-          <a:p>
-            <a:pPr lvl="1"/>
-            <a:r>
-              <a:rPr lang="en-US" dirty="0" smtClean="0"/>
-              <a:t>Simple extensions of “localized applications” (</a:t>
-            </a:r>
-            <a:r>
-              <a:rPr lang="en-US" dirty="0" err="1" smtClean="0"/>
-              <a:t>eg</a:t>
-            </a:r>
-            <a:r>
-              <a:rPr lang="en-US" dirty="0" smtClean="0"/>
-              <a:t> scripting)</a:t>
-            </a:r>
-          </a:p>
-          <a:p>
-            <a:pPr lvl="1"/>
-            <a:r>
-              <a:rPr lang="en-US" dirty="0" smtClean="0"/>
-              <a:t>Novel Distributed Programming Models (</a:t>
-            </a:r>
-            <a:r>
-              <a:rPr lang="en-US" dirty="0" err="1" smtClean="0"/>
-              <a:t>eg</a:t>
-            </a:r>
-            <a:r>
-              <a:rPr lang="en-US" dirty="0" smtClean="0"/>
-              <a:t> Rep-</a:t>
-            </a:r>
-            <a:r>
-              <a:rPr lang="en-US" dirty="0" err="1" smtClean="0"/>
-              <a:t>Exch</a:t>
-            </a:r>
-            <a:r>
-              <a:rPr lang="en-US" dirty="0" smtClean="0"/>
-              <a:t>)</a:t>
-            </a:r>
-          </a:p>
-          <a:p>
-            <a:r>
-              <a:rPr lang="en-US" dirty="0" smtClean="0"/>
-              <a:t>SAGA: Build tools and abstractions that enable the execution of applications over distributed resources, without modifying the applications</a:t>
-            </a:r>
-          </a:p>
-          <a:p>
-            <a:pPr lvl="1"/>
-            <a:r>
-              <a:rPr lang="en-US" dirty="0" err="1" smtClean="0"/>
-              <a:t>Eg</a:t>
-            </a:r>
-            <a:r>
-              <a:rPr lang="en-US" dirty="0" smtClean="0"/>
-              <a:t>. Infrastructure Independent Pilot-Jobs</a:t>
-            </a:r>
-          </a:p>
-          <a:p>
-            <a:r>
-              <a:rPr lang="en-US" dirty="0" smtClean="0"/>
-              <a:t>SAGA: To provide uniform access layers to </a:t>
-            </a:r>
-            <a:r>
-              <a:rPr lang="en-US" dirty="0" err="1" smtClean="0"/>
-              <a:t>heter</a:t>
-            </a:r>
-            <a:r>
-              <a:rPr lang="en-US" dirty="0" smtClean="0"/>
-              <a:t>. CI</a:t>
-            </a:r>
-          </a:p>
-          <a:p>
-            <a:pPr lvl="1"/>
-            <a:r>
-              <a:rPr lang="en-US" dirty="0" smtClean="0"/>
-              <a:t>Uniform access to EGI (ARC, </a:t>
-            </a:r>
-            <a:r>
-              <a:rPr lang="en-US" dirty="0" err="1" smtClean="0"/>
-              <a:t>gLite</a:t>
-            </a:r>
-            <a:r>
-              <a:rPr lang="en-US" dirty="0" smtClean="0"/>
-              <a:t>, </a:t>
-            </a:r>
-            <a:r>
-              <a:rPr lang="en-US" dirty="0" err="1" smtClean="0"/>
-              <a:t>Globus</a:t>
-            </a:r>
-            <a:r>
-              <a:rPr lang="en-US" dirty="0" smtClean="0"/>
-              <a:t> and </a:t>
-            </a:r>
-            <a:r>
-              <a:rPr lang="en-US" dirty="0" err="1" smtClean="0"/>
-              <a:t>Unicore</a:t>
-            </a:r>
-            <a:r>
-              <a:rPr lang="en-US" dirty="0" smtClean="0"/>
-              <a:t>/</a:t>
-            </a:r>
-            <a:r>
-              <a:rPr lang="en-US" dirty="0" smtClean="0"/>
-              <a:t>BES</a:t>
-            </a:r>
-            <a:r>
-              <a:rPr lang="en-US" dirty="0" smtClean="0"/>
-              <a:t>)</a:t>
-            </a:r>
-            <a:endParaRPr lang="en-US" dirty="0" smtClean="0"/>
-          </a:p>
-          <a:p>
-            <a:pPr lvl="1"/>
-            <a:r>
-              <a:rPr lang="en-US" dirty="0" smtClean="0"/>
-              <a:t>Simplify the building of tools and Gateways or MW applications, workers submitted to &gt;8 back-ends </a:t>
-            </a:r>
-            <a:endParaRPr lang="en-US" dirty="0"/>
-          </a:p>
-        </p:txBody>
-      </p:sp>
-    </p:spTree>
-  </p:cSld>
-  <p:clrMapOvr>
-    <a:masterClrMapping/>
-  </p:clrMapOvr>
-</p:sld>
-</file>
-
 <file path=ppt/slides/slide7.xml><?xml version="1.0" encoding="utf-8"?>
 <p:sld xmlns:a="http://schemas.openxmlformats.org/drawingml/2006/main" xmlns:r="http://schemas.openxmlformats.org/officeDocument/2006/relationships" xmlns:mc="http://schemas.openxmlformats.org/markup-compatibility/2006" xmlns:mv="urn:schemas-microsoft-com:mac:vml" xmlns:p="http://schemas.openxmlformats.org/presentationml/2006/main" mc:Ignorable="mv" mc:PreserveAttributes="mv:*">
   <p:cSld>
@@ -15570,7 +15602,7 @@
       </p:grpSpPr>
       <p:sp>
         <p:nvSpPr>
-          <p:cNvPr id="5" name="Title 4"/>
+          <p:cNvPr id="2" name="Title 1"/>
           <p:cNvSpPr>
             <a:spLocks noGrp="1"/>
           </p:cNvSpPr>
@@ -15580,41 +15612,31 @@
         </p:nvSpPr>
         <p:spPr/>
         <p:txBody>
-          <a:bodyPr>
-            <a:noAutofit/>
-          </a:bodyPr>
+          <a:bodyPr/>
           <a:lstStyle/>
           <a:p>
             <a:r>
-              <a:rPr lang="en-US" sz="2400" dirty="0" smtClean="0"/>
-              <a:t>SAGA: Develop </a:t>
-            </a:r>
-            <a:r>
-              <a:rPr lang="en-US" sz="2400" dirty="0" smtClean="0"/>
-              <a:t>applications that are distributed by </a:t>
-            </a:r>
-            <a:r>
-              <a:rPr lang="en-US" sz="2400" dirty="0" smtClean="0"/>
-              <a:t>definition</a:t>
-            </a:r>
-            <a:endParaRPr lang="en-US" sz="2400" dirty="0"/>
-          </a:p>
-        </p:txBody>
-      </p:sp>
-      <p:sp>
-        <p:nvSpPr>
-          <p:cNvPr id="6" name="Content Placeholder 5"/>
+              <a:rPr lang="en-US" dirty="0" smtClean="0"/>
+              <a:t>How is SAGA Used?</a:t>
+            </a:r>
+            <a:endParaRPr lang="en-US" dirty="0"/>
+          </a:p>
+        </p:txBody>
+      </p:sp>
+      <p:sp>
+        <p:nvSpPr>
+          <p:cNvPr id="3" name="Content Placeholder 2"/>
           <p:cNvSpPr>
             <a:spLocks noGrp="1"/>
           </p:cNvSpPr>
           <p:nvPr>
-            <p:ph sz="half" idx="2"/>
+            <p:ph idx="1"/>
           </p:nvPr>
         </p:nvSpPr>
         <p:spPr>
           <a:xfrm>
-            <a:off x="406400" y="1397001"/>
-            <a:ext cx="4495800" cy="4978399"/>
+            <a:off x="740895" y="2068618"/>
+            <a:ext cx="7984005" cy="4553160"/>
           </a:xfrm>
         </p:spPr>
         <p:txBody>
@@ -15624,100 +15646,124 @@
           <a:lstStyle/>
           <a:p>
             <a:r>
-              <a:rPr lang="en-US" sz="1700" dirty="0" smtClean="0"/>
-              <a:t>How to develop a simple MR that is interoperable across infrastructure concurrently?</a:t>
-            </a:r>
-            <a:endParaRPr lang="en-US" sz="1700" dirty="0" smtClean="0"/>
-          </a:p>
-          <a:p>
-            <a:r>
-              <a:rPr lang="en-US" sz="1700" dirty="0" smtClean="0"/>
-              <a:t>Same </a:t>
-            </a:r>
-            <a:r>
-              <a:rPr lang="en-US" sz="1700" dirty="0" smtClean="0"/>
-              <a:t>application,</a:t>
-            </a:r>
-            <a:r>
-              <a:rPr lang="en-US" sz="1700" dirty="0" smtClean="0"/>
-              <a:t> same programming model:</a:t>
+              <a:rPr lang="en-US" dirty="0" smtClean="0"/>
+              <a:t>SAGA is used to develop applications that are distributed by definition:</a:t>
             </a:r>
           </a:p>
           <a:p>
             <a:pPr lvl="1"/>
             <a:r>
-              <a:rPr lang="en-US" sz="1700" dirty="0" smtClean="0"/>
-              <a:t>Very different performance </a:t>
-            </a:r>
-            <a:r>
-              <a:rPr lang="en-US" sz="1700" dirty="0" smtClean="0"/>
-              <a:t>dependence</a:t>
-            </a:r>
-            <a:endParaRPr lang="en-US" sz="1700" dirty="0" smtClean="0"/>
-          </a:p>
-          <a:p>
-            <a:r>
-              <a:rPr lang="en-US" sz="1700" dirty="0" smtClean="0"/>
-              <a:t>Same application, different </a:t>
-            </a:r>
-            <a:r>
-              <a:rPr lang="en-US" sz="1700" dirty="0" smtClean="0"/>
-              <a:t>programming </a:t>
-            </a:r>
-            <a:r>
-              <a:rPr lang="en-US" sz="1700" dirty="0" smtClean="0"/>
-              <a:t>models</a:t>
-            </a:r>
-            <a:endParaRPr lang="en-US" sz="1700" dirty="0" smtClean="0"/>
+              <a:rPr lang="en-US" dirty="0" smtClean="0"/>
+              <a:t>Simple extensions of “localized applications” (</a:t>
+            </a:r>
+            <a:r>
+              <a:rPr lang="en-US" dirty="0" err="1" smtClean="0"/>
+              <a:t>eg</a:t>
+            </a:r>
+            <a:r>
+              <a:rPr lang="en-US" dirty="0" smtClean="0"/>
+              <a:t> scripting)</a:t>
+            </a:r>
           </a:p>
           <a:p>
             <a:pPr lvl="1"/>
             <a:r>
-              <a:rPr lang="en-US" sz="1700" dirty="0" smtClean="0"/>
-              <a:t>Very </a:t>
-            </a:r>
-            <a:r>
-              <a:rPr lang="en-US" sz="1700" dirty="0" smtClean="0"/>
-              <a:t>different performance </a:t>
-            </a:r>
-            <a:r>
-              <a:rPr lang="en-US" sz="1700" dirty="0" smtClean="0"/>
-              <a:t>dependence</a:t>
-            </a:r>
-          </a:p>
-          <a:p>
-            <a:pPr lvl="1">
-              <a:buNone/>
-            </a:pPr>
-            <a:endParaRPr lang="en-US" sz="1700" dirty="0" smtClean="0"/>
-          </a:p>
-        </p:txBody>
-      </p:sp>
-      <p:pic>
-        <p:nvPicPr>
-          <p:cNvPr id="7" name="Content Placeholder 3" descr="saga_mapreduce_schema.png"/>
-          <p:cNvPicPr>
-            <a:picLocks noChangeAspect="1"/>
-          </p:cNvPicPr>
-          <p:nvPr/>
-        </p:nvPicPr>
-        <p:blipFill>
-          <a:blip r:embed="rId2"/>
-          <a:srcRect l="-10578" r="-10578"/>
-          <a:stretch>
-            <a:fillRect/>
-          </a:stretch>
-        </p:blipFill>
-        <p:spPr>
-          <a:xfrm>
-            <a:off x="4368800" y="1592712"/>
-            <a:ext cx="4632959" cy="4782688"/>
-          </a:xfrm>
-          <a:prstGeom prst="rect">
-            <a:avLst/>
-          </a:prstGeom>
-        </p:spPr>
-      </p:pic>
+              <a:rPr lang="en-US" dirty="0" smtClean="0"/>
+              <a:t>Novel Distributed Programming Models (</a:t>
+            </a:r>
+            <a:r>
+              <a:rPr lang="en-US" dirty="0" err="1" smtClean="0"/>
+              <a:t>eg</a:t>
+            </a:r>
+            <a:r>
+              <a:rPr lang="en-US" dirty="0" smtClean="0"/>
+              <a:t> Rep-</a:t>
+            </a:r>
+            <a:r>
+              <a:rPr lang="en-US" dirty="0" err="1" smtClean="0"/>
+              <a:t>Exch</a:t>
+            </a:r>
+            <a:r>
+              <a:rPr lang="en-US" dirty="0" smtClean="0"/>
+              <a:t>)</a:t>
+            </a:r>
+          </a:p>
+          <a:p>
+            <a:r>
+              <a:rPr lang="en-US" dirty="0" smtClean="0"/>
+              <a:t>SAGA: Build tools and implement abstractions that enable the execution of applications over distributed resources, </a:t>
+            </a:r>
+            <a:r>
+              <a:rPr lang="en-US" i="1" dirty="0" smtClean="0"/>
+              <a:t>without modifying the applications</a:t>
+            </a:r>
+          </a:p>
+          <a:p>
+            <a:pPr lvl="1"/>
+            <a:r>
+              <a:rPr lang="en-US" dirty="0" err="1" smtClean="0"/>
+              <a:t>Eg</a:t>
+            </a:r>
+            <a:r>
+              <a:rPr lang="en-US" dirty="0" smtClean="0"/>
+              <a:t>. Infrastructure Independent Pilot-Jobs</a:t>
+            </a:r>
+          </a:p>
+          <a:p>
+            <a:r>
+              <a:rPr lang="en-US" dirty="0" smtClean="0"/>
+              <a:t>SAGA: To provide uniform access layers to </a:t>
+            </a:r>
+            <a:r>
+              <a:rPr lang="en-US" dirty="0" err="1" smtClean="0"/>
+              <a:t>heter</a:t>
+            </a:r>
+            <a:r>
+              <a:rPr lang="en-US" dirty="0" smtClean="0"/>
+              <a:t>. CI</a:t>
+            </a:r>
+          </a:p>
+          <a:p>
+            <a:pPr lvl="1"/>
+            <a:r>
+              <a:rPr lang="en-US" dirty="0" smtClean="0"/>
+              <a:t>Uniform access to EGI (ARC, </a:t>
+            </a:r>
+            <a:r>
+              <a:rPr lang="en-US" dirty="0" err="1" smtClean="0"/>
+              <a:t>gLite</a:t>
+            </a:r>
+            <a:r>
+              <a:rPr lang="en-US" dirty="0" smtClean="0"/>
+              <a:t>, </a:t>
+            </a:r>
+            <a:r>
+              <a:rPr lang="en-US" dirty="0" err="1" smtClean="0"/>
+              <a:t>Globus</a:t>
+            </a:r>
+            <a:r>
+              <a:rPr lang="en-US" dirty="0" smtClean="0"/>
+              <a:t> and </a:t>
+            </a:r>
+            <a:r>
+              <a:rPr lang="en-US" dirty="0" err="1" smtClean="0"/>
+              <a:t>Unicore</a:t>
+            </a:r>
+            <a:r>
+              <a:rPr lang="en-US" dirty="0" smtClean="0"/>
+              <a:t>/BES)</a:t>
+            </a:r>
+          </a:p>
+          <a:p>
+            <a:pPr lvl="1"/>
+            <a:r>
+              <a:rPr lang="en-US" dirty="0" smtClean="0"/>
+              <a:t>Simplify the building of tools and Gateways or MW applications, workers submitted to &gt;8 back-ends </a:t>
+            </a:r>
+            <a:endParaRPr lang="en-US" dirty="0"/>
+          </a:p>
+        </p:txBody>
+      </p:sp>
     </p:spTree>
   </p:cSld>
   <p:clrMapOvr>
@@ -15752,6 +15798,149 @@
       </p:grpSpPr>
       <p:sp>
         <p:nvSpPr>
+          <p:cNvPr id="5" name="Title 4"/>
+          <p:cNvSpPr>
+            <a:spLocks noGrp="1"/>
+          </p:cNvSpPr>
+          <p:nvPr>
+            <p:ph type="title"/>
+          </p:nvPr>
+        </p:nvSpPr>
+        <p:spPr/>
+        <p:txBody>
+          <a:bodyPr>
+            <a:noAutofit/>
+          </a:bodyPr>
+          <a:lstStyle/>
+          <a:p>
+            <a:r>
+              <a:rPr lang="en-US" sz="2400" dirty="0" smtClean="0"/>
+              <a:t>SAGA: Develop applications that are distributed by definition</a:t>
+            </a:r>
+            <a:endParaRPr lang="en-US" sz="2400" dirty="0"/>
+          </a:p>
+        </p:txBody>
+      </p:sp>
+      <p:sp>
+        <p:nvSpPr>
+          <p:cNvPr id="6" name="Content Placeholder 5"/>
+          <p:cNvSpPr>
+            <a:spLocks noGrp="1"/>
+          </p:cNvSpPr>
+          <p:nvPr>
+            <p:ph sz="half" idx="2"/>
+          </p:nvPr>
+        </p:nvSpPr>
+        <p:spPr>
+          <a:xfrm>
+            <a:off x="406400" y="1397001"/>
+            <a:ext cx="4495800" cy="4978399"/>
+          </a:xfrm>
+        </p:spPr>
+        <p:txBody>
+          <a:bodyPr>
+            <a:normAutofit/>
+          </a:bodyPr>
+          <a:lstStyle/>
+          <a:p>
+            <a:r>
+              <a:rPr lang="en-US" sz="1700" dirty="0" smtClean="0"/>
+              <a:t>How to develop a simple MR that is interoperable across infrastructure concurrently?</a:t>
+            </a:r>
+          </a:p>
+          <a:p>
+            <a:r>
+              <a:rPr lang="en-US" sz="1700" dirty="0" smtClean="0"/>
+              <a:t>Same application, same programming model:</a:t>
+            </a:r>
+          </a:p>
+          <a:p>
+            <a:pPr lvl="1"/>
+            <a:r>
+              <a:rPr lang="en-US" sz="1700" dirty="0" smtClean="0"/>
+              <a:t>Very different performance dependence</a:t>
+            </a:r>
+          </a:p>
+          <a:p>
+            <a:r>
+              <a:rPr lang="en-US" sz="1700" dirty="0" smtClean="0"/>
+              <a:t>Same application, different programming models</a:t>
+            </a:r>
+          </a:p>
+          <a:p>
+            <a:pPr lvl="1"/>
+            <a:r>
+              <a:rPr lang="en-US" sz="1700" dirty="0" smtClean="0"/>
+              <a:t>Very different performance dependence</a:t>
+            </a:r>
+          </a:p>
+          <a:p>
+            <a:pPr lvl="1">
+              <a:buNone/>
+            </a:pPr>
+            <a:endParaRPr lang="en-US" sz="1700" dirty="0" smtClean="0"/>
+          </a:p>
+        </p:txBody>
+      </p:sp>
+      <p:pic>
+        <p:nvPicPr>
+          <p:cNvPr id="7" name="Content Placeholder 3" descr="saga_mapreduce_schema.png"/>
+          <p:cNvPicPr>
+            <a:picLocks noChangeAspect="1"/>
+          </p:cNvPicPr>
+          <p:nvPr/>
+        </p:nvPicPr>
+        <p:blipFill>
+          <a:blip r:embed="rId2"/>
+          <a:srcRect l="-10578" r="-10578"/>
+          <a:stretch>
+            <a:fillRect/>
+          </a:stretch>
+        </p:blipFill>
+        <p:spPr>
+          <a:xfrm>
+            <a:off x="4368800" y="1592712"/>
+            <a:ext cx="4632959" cy="4782688"/>
+          </a:xfrm>
+          <a:prstGeom prst="rect">
+            <a:avLst/>
+          </a:prstGeom>
+        </p:spPr>
+      </p:pic>
+    </p:spTree>
+  </p:cSld>
+  <p:clrMapOvr>
+    <a:masterClrMapping/>
+  </p:clrMapOvr>
+  <p:timing>
+    <p:tnLst>
+      <p:par>
+        <p:cTn id="1" dur="indefinite" restart="never" nodeType="tmRoot"/>
+      </p:par>
+    </p:tnLst>
+  </p:timing>
+</p:sld>
+</file>
+
+<file path=ppt/slides/slide9.xml><?xml version="1.0" encoding="utf-8"?>
+<p:sld xmlns:a="http://schemas.openxmlformats.org/drawingml/2006/main" xmlns:r="http://schemas.openxmlformats.org/officeDocument/2006/relationships" xmlns:mc="http://schemas.openxmlformats.org/markup-compatibility/2006" xmlns:mv="urn:schemas-microsoft-com:mac:vml" xmlns:p="http://schemas.openxmlformats.org/presentationml/2006/main" mc:Ignorable="mv" mc:PreserveAttributes="mv:*">
+  <p:cSld>
+    <p:spTree>
+      <p:nvGrpSpPr>
+        <p:cNvPr id="1" name=""/>
+        <p:cNvGrpSpPr/>
+        <p:nvPr/>
+      </p:nvGrpSpPr>
+      <p:grpSpPr>
+        <a:xfrm>
+          <a:off x="0" y="0"/>
+          <a:ext cx="0" cy="0"/>
+          <a:chOff x="0" y="0"/>
+          <a:chExt cx="0" cy="0"/>
+        </a:xfrm>
+      </p:grpSpPr>
+      <p:sp>
+        <p:nvSpPr>
           <p:cNvPr id="2" name="Title 1"/>
           <p:cNvSpPr>
             <a:spLocks noGrp="1"/>
@@ -15847,206 +16036,6 @@
           </a:prstGeom>
         </p:spPr>
       </p:pic>
-    </p:spTree>
-  </p:cSld>
-  <p:clrMapOvr>
-    <a:masterClrMapping/>
-  </p:clrMapOvr>
-</p:sld>
-</file>
-
-<file path=ppt/slides/slide9.xml><?xml version="1.0" encoding="utf-8"?>
-<p:sld xmlns:a="http://schemas.openxmlformats.org/drawingml/2006/main" xmlns:r="http://schemas.openxmlformats.org/officeDocument/2006/relationships" xmlns:mc="http://schemas.openxmlformats.org/markup-compatibility/2006" xmlns:mv="urn:schemas-microsoft-com:mac:vml" xmlns:p="http://schemas.openxmlformats.org/presentationml/2006/main" mc:Ignorable="mv" mc:PreserveAttributes="mv:*">
-  <p:cSld>
-    <p:spTree>
-      <p:nvGrpSpPr>
-        <p:cNvPr id="1" name=""/>
-        <p:cNvGrpSpPr/>
-        <p:nvPr/>
-      </p:nvGrpSpPr>
-      <p:grpSpPr>
-        <a:xfrm>
-          <a:off x="0" y="0"/>
-          <a:ext cx="0" cy="0"/>
-          <a:chOff x="0" y="0"/>
-          <a:chExt cx="0" cy="0"/>
-        </a:xfrm>
-      </p:grpSpPr>
-      <p:sp>
-        <p:nvSpPr>
-          <p:cNvPr id="2" name="Title 1"/>
-          <p:cNvSpPr>
-            <a:spLocks noGrp="1"/>
-          </p:cNvSpPr>
-          <p:nvPr>
-            <p:ph type="title"/>
-          </p:nvPr>
-        </p:nvSpPr>
-        <p:spPr/>
-        <p:txBody>
-          <a:bodyPr rtlCol="0">
-            <a:normAutofit/>
-          </a:bodyPr>
-          <a:lstStyle/>
-          <a:p>
-            <a:pPr eaLnBrk="1" fontAlgn="auto" hangingPunct="1">
-              <a:spcAft>
-                <a:spcPts val="0"/>
-              </a:spcAft>
-              <a:defRPr/>
-            </a:pPr>
-            <a:r>
-              <a:rPr lang="en-US" sz="2222" dirty="0" smtClean="0"/>
-              <a:t>Distributed Adaptive Replica Exchange (DARE)</a:t>
-            </a:r>
-            <a:r>
-              <a:rPr lang="en-US" sz="2800" dirty="0" smtClean="0"/>
-              <a:t/>
-            </a:r>
-            <a:br>
-              <a:rPr lang="en-US" sz="2800" dirty="0" smtClean="0"/>
-            </a:br>
-            <a:r>
-              <a:rPr lang="en-US" sz="2222" dirty="0" smtClean="0">
-                <a:solidFill>
-                  <a:schemeClr val="bg1">
-                    <a:lumMod val="75000"/>
-                  </a:schemeClr>
-                </a:solidFill>
-              </a:rPr>
-              <a:t>Multiple Pilot-Jobs on the “Distributed” </a:t>
-            </a:r>
-            <a:r>
-              <a:rPr lang="en-US" sz="2222" dirty="0" err="1" smtClean="0">
-                <a:solidFill>
-                  <a:schemeClr val="bg1">
-                    <a:lumMod val="75000"/>
-                  </a:schemeClr>
-                </a:solidFill>
-              </a:rPr>
-              <a:t>TeraGrid</a:t>
-            </a:r>
-            <a:endParaRPr lang="en-US" sz="2222" dirty="0" smtClean="0">
-              <a:solidFill>
-                <a:srgbClr val="800000"/>
-              </a:solidFill>
-              <a:latin typeface="Cooper Black"/>
-              <a:cs typeface="Cooper Black"/>
-            </a:endParaRPr>
-          </a:p>
-        </p:txBody>
-      </p:sp>
-      <p:sp>
-        <p:nvSpPr>
-          <p:cNvPr id="8" name="Content Placeholder 7"/>
-          <p:cNvSpPr>
-            <a:spLocks noGrp="1"/>
-          </p:cNvSpPr>
-          <p:nvPr>
-            <p:ph idx="1"/>
-          </p:nvPr>
-        </p:nvSpPr>
-        <p:spPr>
-          <a:xfrm>
-            <a:off x="892710" y="2011973"/>
-            <a:ext cx="7489289" cy="1366228"/>
-          </a:xfrm>
-        </p:spPr>
-        <p:txBody>
-          <a:bodyPr>
-            <a:normAutofit/>
-          </a:bodyPr>
-          <a:lstStyle/>
-          <a:p>
-            <a:r>
-              <a:rPr lang="en-US" dirty="0" smtClean="0"/>
-              <a:t>Ability to dynamically add HPC resources. On TG:</a:t>
-            </a:r>
-            <a:endParaRPr lang="en-US" dirty="0" smtClean="0"/>
-          </a:p>
-          <a:p>
-            <a:r>
-              <a:rPr lang="en-US" dirty="0" smtClean="0"/>
-              <a:t>Innovations in Distributed Algorithms:</a:t>
-            </a:r>
-          </a:p>
-          <a:p>
-            <a:pPr lvl="1"/>
-            <a:r>
-              <a:rPr lang="en-US" dirty="0" smtClean="0"/>
-              <a:t>Variants </a:t>
-            </a:r>
-            <a:r>
-              <a:rPr lang="en-US" dirty="0" smtClean="0"/>
-              <a:t>of  RE: Sync (local) </a:t>
-            </a:r>
-            <a:r>
-              <a:rPr lang="en-US" dirty="0" err="1" smtClean="0"/>
-              <a:t>vs</a:t>
-            </a:r>
-            <a:r>
-              <a:rPr lang="en-US" dirty="0" smtClean="0"/>
-              <a:t> </a:t>
-            </a:r>
-            <a:r>
-              <a:rPr lang="en-US" dirty="0" err="1" smtClean="0"/>
-              <a:t>async</a:t>
-            </a:r>
-            <a:r>
-              <a:rPr lang="en-US" dirty="0" smtClean="0"/>
-              <a:t> (distr.)</a:t>
-            </a:r>
-          </a:p>
-        </p:txBody>
-      </p:sp>
-      <p:pic>
-        <p:nvPicPr>
-          <p:cNvPr id="37894" name="Picture 7" descr="perf_distributed_number_replica-1.pdf"/>
-          <p:cNvPicPr>
-            <a:picLocks noChangeAspect="1"/>
-          </p:cNvPicPr>
-          <p:nvPr/>
-        </p:nvPicPr>
-        <p:blipFill>
-          <a:blip r:embed="rId2"/>
-          <a:srcRect/>
-          <a:stretch>
-            <a:fillRect/>
-          </a:stretch>
-        </p:blipFill>
-        <p:spPr bwMode="auto">
-          <a:xfrm>
-            <a:off x="626011" y="3746500"/>
-            <a:ext cx="3657600" cy="2552700"/>
-          </a:xfrm>
-          <a:prstGeom prst="rect">
-            <a:avLst/>
-          </a:prstGeom>
-          <a:noFill/>
-          <a:ln w="9525">
-            <a:noFill/>
-            <a:miter lim="800000"/>
-            <a:headEnd/>
-            <a:tailEnd/>
-          </a:ln>
-        </p:spPr>
-      </p:pic>
-      <p:graphicFrame>
-        <p:nvGraphicFramePr>
-          <p:cNvPr id="7" name="Chart 6"/>
-          <p:cNvGraphicFramePr/>
-          <p:nvPr/>
-        </p:nvGraphicFramePr>
-        <p:xfrm>
-          <a:off x="4888046" y="3644900"/>
-          <a:ext cx="3935959" cy="3073400"/>
-        </p:xfrm>
-        <a:graphic>
-          <a:graphicData uri="http://schemas.openxmlformats.org/drawingml/2006/chart">
-            <c:chart xmlns:c="http://schemas.openxmlformats.org/drawingml/2006/chart" xmlns:r="http://schemas.openxmlformats.org/officeDocument/2006/relationships" r:id="rId3"/>
-          </a:graphicData>
-        </a:graphic>
-      </p:graphicFrame>
     </p:spTree>
   </p:cSld>
   <p:clrMapOvr>

--- a/tutorial/general_tutorial/SAGA-Intro-Conclusion.pptx
+++ b/tutorial/general_tutorial/SAGA-Intro-Conclusion.pptx
@@ -354,24 +354,24 @@
             </c:numRef>
           </c:val>
         </c:ser>
-        <c:axId val="631959640"/>
-        <c:axId val="632163016"/>
+        <c:axId val="522457144"/>
+        <c:axId val="524682536"/>
       </c:barChart>
       <c:catAx>
-        <c:axId val="631959640"/>
+        <c:axId val="522457144"/>
         <c:scaling>
           <c:orientation val="minMax"/>
         </c:scaling>
         <c:axPos val="b"/>
         <c:tickLblPos val="nextTo"/>
-        <c:crossAx val="632163016"/>
+        <c:crossAx val="524682536"/>
         <c:crosses val="autoZero"/>
         <c:auto val="1"/>
         <c:lblAlgn val="ctr"/>
         <c:lblOffset val="100"/>
       </c:catAx>
       <c:valAx>
-        <c:axId val="632163016"/>
+        <c:axId val="524682536"/>
         <c:scaling>
           <c:orientation val="minMax"/>
         </c:scaling>
@@ -379,13 +379,14 @@
         <c:majorGridlines/>
         <c:numFmt formatCode="General" sourceLinked="1"/>
         <c:tickLblPos val="nextTo"/>
-        <c:crossAx val="631959640"/>
+        <c:crossAx val="522457144"/>
         <c:crosses val="autoZero"/>
         <c:crossBetween val="between"/>
       </c:valAx>
     </c:plotArea>
     <c:legend>
       <c:legendPos val="r"/>
+      <c:layout/>
     </c:legend>
     <c:plotVisOnly val="1"/>
   </c:chart>
@@ -14496,11 +14497,43 @@
             </a:br>
             <a:r>
               <a:rPr lang="en-US" sz="1400" b="1" dirty="0" smtClean="0"/>
-              <a:t>http</a:t>
+              <a:t>http://saga.cct.lsu.edu/software/cpp/documentation/tutorials/loni-training-</a:t>
             </a:r>
             <a:r>
               <a:rPr lang="en-US" sz="1400" b="1" dirty="0" smtClean="0"/>
-              <a:t>://saga.cct.lsu.edu/software/cpp/documentation/tutorials/loni-training-2010</a:t>
+              <a:t>2010</a:t>
+            </a:r>
+            <a:br>
+              <a:rPr lang="en-US" sz="1400" b="1" dirty="0" smtClean="0"/>
+            </a:br>
+            <a:r>
+              <a:rPr lang="en-US" sz="1400" b="1" dirty="0" smtClean="0"/>
+              <a:t/>
+            </a:r>
+            <a:br>
+              <a:rPr lang="en-US" sz="1400" b="1" dirty="0" smtClean="0"/>
+            </a:br>
+            <a:r>
+              <a:rPr lang="en-US" dirty="0" smtClean="0"/>
+              <a:t>And at:</a:t>
+            </a:r>
+            <a:r>
+              <a:rPr lang="en-US" sz="1400" b="1" dirty="0" smtClean="0"/>
+              <a:t/>
+            </a:r>
+            <a:br>
+              <a:rPr lang="en-US" sz="1400" b="1" dirty="0" smtClean="0"/>
+            </a:br>
+            <a:r>
+              <a:rPr lang="en-US" sz="1400" b="1" dirty="0" smtClean="0"/>
+              <a:t/>
+            </a:r>
+            <a:br>
+              <a:rPr lang="en-US" sz="1400" b="1" dirty="0" smtClean="0"/>
+            </a:br>
+            <a:r>
+              <a:rPr lang="en-US" sz="1400" b="1" dirty="0" err="1" smtClean="0"/>
+              <a:t>https://svn.cct.lsu.edu/repos/saga-projects/tutorial/general_tutorial</a:t>
             </a:r>
             <a:endParaRPr lang="en-US" sz="1400" b="1" dirty="0"/>
           </a:p>

--- a/tutorial/general_tutorial/SAGA-Intro-Conclusion.pptx
+++ b/tutorial/general_tutorial/SAGA-Intro-Conclusion.pptx
@@ -10,28 +10,29 @@
     <p:sldMasterId id="2147483684" r:id="rId6"/>
   </p:sldMasterIdLst>
   <p:notesMasterIdLst>
-    <p:notesMasterId r:id="rId23"/>
+    <p:notesMasterId r:id="rId24"/>
   </p:notesMasterIdLst>
   <p:handoutMasterIdLst>
-    <p:handoutMasterId r:id="rId24"/>
+    <p:handoutMasterId r:id="rId25"/>
   </p:handoutMasterIdLst>
   <p:sldIdLst>
     <p:sldId id="256" r:id="rId7"/>
     <p:sldId id="281" r:id="rId8"/>
-    <p:sldId id="261" r:id="rId9"/>
-    <p:sldId id="262" r:id="rId10"/>
-    <p:sldId id="263" r:id="rId11"/>
-    <p:sldId id="264" r:id="rId12"/>
-    <p:sldId id="277" r:id="rId13"/>
-    <p:sldId id="279" r:id="rId14"/>
-    <p:sldId id="272" r:id="rId15"/>
-    <p:sldId id="266" r:id="rId16"/>
-    <p:sldId id="265" r:id="rId17"/>
-    <p:sldId id="267" r:id="rId18"/>
-    <p:sldId id="278" r:id="rId19"/>
-    <p:sldId id="269" r:id="rId20"/>
-    <p:sldId id="268" r:id="rId21"/>
-    <p:sldId id="280" r:id="rId22"/>
+    <p:sldId id="282" r:id="rId9"/>
+    <p:sldId id="261" r:id="rId10"/>
+    <p:sldId id="262" r:id="rId11"/>
+    <p:sldId id="263" r:id="rId12"/>
+    <p:sldId id="264" r:id="rId13"/>
+    <p:sldId id="277" r:id="rId14"/>
+    <p:sldId id="279" r:id="rId15"/>
+    <p:sldId id="272" r:id="rId16"/>
+    <p:sldId id="266" r:id="rId17"/>
+    <p:sldId id="265" r:id="rId18"/>
+    <p:sldId id="267" r:id="rId19"/>
+    <p:sldId id="278" r:id="rId20"/>
+    <p:sldId id="269" r:id="rId21"/>
+    <p:sldId id="268" r:id="rId22"/>
+    <p:sldId id="280" r:id="rId23"/>
   </p:sldIdLst>
   <p:sldSz cx="9144000" cy="6858000" type="screen4x3"/>
   <p:notesSz cx="6858000" cy="9144000"/>
@@ -39,7 +40,7 @@
     <a:defPPr>
       <a:defRPr lang="en-US"/>
     </a:defPPr>
-    <a:lvl1pPr marL="0" algn="l" defTabSz="457200" rtl="0" eaLnBrk="1" latinLnBrk="0" hangingPunct="1">
+    <a:lvl1pPr marL="0" algn="l" defTabSz="457177" rtl="0" eaLnBrk="1" latinLnBrk="0" hangingPunct="1">
       <a:defRPr sz="1800" kern="1200">
         <a:solidFill>
           <a:schemeClr val="tx1"/>
@@ -49,7 +50,7 @@
         <a:cs typeface="+mn-cs"/>
       </a:defRPr>
     </a:lvl1pPr>
-    <a:lvl2pPr marL="457200" algn="l" defTabSz="457200" rtl="0" eaLnBrk="1" latinLnBrk="0" hangingPunct="1">
+    <a:lvl2pPr marL="457177" algn="l" defTabSz="457177" rtl="0" eaLnBrk="1" latinLnBrk="0" hangingPunct="1">
       <a:defRPr sz="1800" kern="1200">
         <a:solidFill>
           <a:schemeClr val="tx1"/>
@@ -59,7 +60,7 @@
         <a:cs typeface="+mn-cs"/>
       </a:defRPr>
     </a:lvl2pPr>
-    <a:lvl3pPr marL="914400" algn="l" defTabSz="457200" rtl="0" eaLnBrk="1" latinLnBrk="0" hangingPunct="1">
+    <a:lvl3pPr marL="914353" algn="l" defTabSz="457177" rtl="0" eaLnBrk="1" latinLnBrk="0" hangingPunct="1">
       <a:defRPr sz="1800" kern="1200">
         <a:solidFill>
           <a:schemeClr val="tx1"/>
@@ -69,7 +70,7 @@
         <a:cs typeface="+mn-cs"/>
       </a:defRPr>
     </a:lvl3pPr>
-    <a:lvl4pPr marL="1371600" algn="l" defTabSz="457200" rtl="0" eaLnBrk="1" latinLnBrk="0" hangingPunct="1">
+    <a:lvl4pPr marL="1371530" algn="l" defTabSz="457177" rtl="0" eaLnBrk="1" latinLnBrk="0" hangingPunct="1">
       <a:defRPr sz="1800" kern="1200">
         <a:solidFill>
           <a:schemeClr val="tx1"/>
@@ -79,7 +80,7 @@
         <a:cs typeface="+mn-cs"/>
       </a:defRPr>
     </a:lvl4pPr>
-    <a:lvl5pPr marL="1828800" algn="l" defTabSz="457200" rtl="0" eaLnBrk="1" latinLnBrk="0" hangingPunct="1">
+    <a:lvl5pPr marL="1828706" algn="l" defTabSz="457177" rtl="0" eaLnBrk="1" latinLnBrk="0" hangingPunct="1">
       <a:defRPr sz="1800" kern="1200">
         <a:solidFill>
           <a:schemeClr val="tx1"/>
@@ -89,7 +90,7 @@
         <a:cs typeface="+mn-cs"/>
       </a:defRPr>
     </a:lvl5pPr>
-    <a:lvl6pPr marL="2286000" algn="l" defTabSz="457200" rtl="0" eaLnBrk="1" latinLnBrk="0" hangingPunct="1">
+    <a:lvl6pPr marL="2285883" algn="l" defTabSz="457177" rtl="0" eaLnBrk="1" latinLnBrk="0" hangingPunct="1">
       <a:defRPr sz="1800" kern="1200">
         <a:solidFill>
           <a:schemeClr val="tx1"/>
@@ -99,7 +100,7 @@
         <a:cs typeface="+mn-cs"/>
       </a:defRPr>
     </a:lvl6pPr>
-    <a:lvl7pPr marL="2743200" algn="l" defTabSz="457200" rtl="0" eaLnBrk="1" latinLnBrk="0" hangingPunct="1">
+    <a:lvl7pPr marL="2743060" algn="l" defTabSz="457177" rtl="0" eaLnBrk="1" latinLnBrk="0" hangingPunct="1">
       <a:defRPr sz="1800" kern="1200">
         <a:solidFill>
           <a:schemeClr val="tx1"/>
@@ -109,7 +110,7 @@
         <a:cs typeface="+mn-cs"/>
       </a:defRPr>
     </a:lvl7pPr>
-    <a:lvl8pPr marL="3200400" algn="l" defTabSz="457200" rtl="0" eaLnBrk="1" latinLnBrk="0" hangingPunct="1">
+    <a:lvl8pPr marL="3200236" algn="l" defTabSz="457177" rtl="0" eaLnBrk="1" latinLnBrk="0" hangingPunct="1">
       <a:defRPr sz="1800" kern="1200">
         <a:solidFill>
           <a:schemeClr val="tx1"/>
@@ -119,7 +120,7 @@
         <a:cs typeface="+mn-cs"/>
       </a:defRPr>
     </a:lvl8pPr>
-    <a:lvl9pPr marL="3657600" algn="l" defTabSz="457200" rtl="0" eaLnBrk="1" latinLnBrk="0" hangingPunct="1">
+    <a:lvl9pPr marL="3657413" algn="l" defTabSz="457177" rtl="0" eaLnBrk="1" latinLnBrk="0" hangingPunct="1">
       <a:defRPr sz="1800" kern="1200">
         <a:solidFill>
           <a:schemeClr val="tx1"/>
@@ -354,24 +355,24 @@
             </c:numRef>
           </c:val>
         </c:ser>
-        <c:axId val="522457144"/>
-        <c:axId val="524682536"/>
+        <c:axId val="627642504"/>
+        <c:axId val="524568760"/>
       </c:barChart>
       <c:catAx>
-        <c:axId val="522457144"/>
+        <c:axId val="627642504"/>
         <c:scaling>
           <c:orientation val="minMax"/>
         </c:scaling>
         <c:axPos val="b"/>
         <c:tickLblPos val="nextTo"/>
-        <c:crossAx val="524682536"/>
+        <c:crossAx val="524568760"/>
         <c:crosses val="autoZero"/>
         <c:auto val="1"/>
         <c:lblAlgn val="ctr"/>
         <c:lblOffset val="100"/>
       </c:catAx>
       <c:valAx>
-        <c:axId val="524682536"/>
+        <c:axId val="524568760"/>
         <c:scaling>
           <c:orientation val="minMax"/>
         </c:scaling>
@@ -379,7 +380,7 @@
         <c:majorGridlines/>
         <c:numFmt formatCode="General" sourceLinked="1"/>
         <c:tickLblPos val="nextTo"/>
-        <c:crossAx val="522457144"/>
+        <c:crossAx val="627642504"/>
         <c:crosses val="autoZero"/>
         <c:crossBetween val="between"/>
       </c:valAx>
@@ -813,7 +814,7 @@
   <p:clrMap bg1="lt1" tx1="dk1" bg2="lt2" tx2="dk2" accent1="accent1" accent2="accent2" accent3="accent3" accent4="accent4" accent5="accent5" accent6="accent6" hlink="hlink" folHlink="folHlink"/>
   <p:hf hdr="0" ftr="0" dt="0"/>
   <p:notesStyle>
-    <a:lvl1pPr marL="0" algn="l" defTabSz="457200" rtl="0" eaLnBrk="1" latinLnBrk="0" hangingPunct="1">
+    <a:lvl1pPr marL="0" algn="l" defTabSz="457177" rtl="0" eaLnBrk="1" latinLnBrk="0" hangingPunct="1">
       <a:defRPr sz="1200" kern="1200">
         <a:solidFill>
           <a:schemeClr val="tx1"/>
@@ -823,7 +824,7 @@
         <a:cs typeface="+mn-cs"/>
       </a:defRPr>
     </a:lvl1pPr>
-    <a:lvl2pPr marL="457200" algn="l" defTabSz="457200" rtl="0" eaLnBrk="1" latinLnBrk="0" hangingPunct="1">
+    <a:lvl2pPr marL="457177" algn="l" defTabSz="457177" rtl="0" eaLnBrk="1" latinLnBrk="0" hangingPunct="1">
       <a:defRPr sz="1200" kern="1200">
         <a:solidFill>
           <a:schemeClr val="tx1"/>
@@ -833,7 +834,7 @@
         <a:cs typeface="+mn-cs"/>
       </a:defRPr>
     </a:lvl2pPr>
-    <a:lvl3pPr marL="914400" algn="l" defTabSz="457200" rtl="0" eaLnBrk="1" latinLnBrk="0" hangingPunct="1">
+    <a:lvl3pPr marL="914353" algn="l" defTabSz="457177" rtl="0" eaLnBrk="1" latinLnBrk="0" hangingPunct="1">
       <a:defRPr sz="1200" kern="1200">
         <a:solidFill>
           <a:schemeClr val="tx1"/>
@@ -843,7 +844,7 @@
         <a:cs typeface="+mn-cs"/>
       </a:defRPr>
     </a:lvl3pPr>
-    <a:lvl4pPr marL="1371600" algn="l" defTabSz="457200" rtl="0" eaLnBrk="1" latinLnBrk="0" hangingPunct="1">
+    <a:lvl4pPr marL="1371530" algn="l" defTabSz="457177" rtl="0" eaLnBrk="1" latinLnBrk="0" hangingPunct="1">
       <a:defRPr sz="1200" kern="1200">
         <a:solidFill>
           <a:schemeClr val="tx1"/>
@@ -853,7 +854,7 @@
         <a:cs typeface="+mn-cs"/>
       </a:defRPr>
     </a:lvl4pPr>
-    <a:lvl5pPr marL="1828800" algn="l" defTabSz="457200" rtl="0" eaLnBrk="1" latinLnBrk="0" hangingPunct="1">
+    <a:lvl5pPr marL="1828706" algn="l" defTabSz="457177" rtl="0" eaLnBrk="1" latinLnBrk="0" hangingPunct="1">
       <a:defRPr sz="1200" kern="1200">
         <a:solidFill>
           <a:schemeClr val="tx1"/>
@@ -863,7 +864,7 @@
         <a:cs typeface="+mn-cs"/>
       </a:defRPr>
     </a:lvl5pPr>
-    <a:lvl6pPr marL="2286000" algn="l" defTabSz="457200" rtl="0" eaLnBrk="1" latinLnBrk="0" hangingPunct="1">
+    <a:lvl6pPr marL="2285883" algn="l" defTabSz="457177" rtl="0" eaLnBrk="1" latinLnBrk="0" hangingPunct="1">
       <a:defRPr sz="1200" kern="1200">
         <a:solidFill>
           <a:schemeClr val="tx1"/>
@@ -873,7 +874,7 @@
         <a:cs typeface="+mn-cs"/>
       </a:defRPr>
     </a:lvl6pPr>
-    <a:lvl7pPr marL="2743200" algn="l" defTabSz="457200" rtl="0" eaLnBrk="1" latinLnBrk="0" hangingPunct="1">
+    <a:lvl7pPr marL="2743060" algn="l" defTabSz="457177" rtl="0" eaLnBrk="1" latinLnBrk="0" hangingPunct="1">
       <a:defRPr sz="1200" kern="1200">
         <a:solidFill>
           <a:schemeClr val="tx1"/>
@@ -883,7 +884,7 @@
         <a:cs typeface="+mn-cs"/>
       </a:defRPr>
     </a:lvl7pPr>
-    <a:lvl8pPr marL="3200400" algn="l" defTabSz="457200" rtl="0" eaLnBrk="1" latinLnBrk="0" hangingPunct="1">
+    <a:lvl8pPr marL="3200236" algn="l" defTabSz="457177" rtl="0" eaLnBrk="1" latinLnBrk="0" hangingPunct="1">
       <a:defRPr sz="1200" kern="1200">
         <a:solidFill>
           <a:schemeClr val="tx1"/>
@@ -893,7 +894,7 @@
         <a:cs typeface="+mn-cs"/>
       </a:defRPr>
     </a:lvl8pPr>
-    <a:lvl9pPr marL="3657600" algn="l" defTabSz="457200" rtl="0" eaLnBrk="1" latinLnBrk="0" hangingPunct="1">
+    <a:lvl9pPr marL="3657413" algn="l" defTabSz="457177" rtl="0" eaLnBrk="1" latinLnBrk="0" hangingPunct="1">
       <a:defRPr sz="1200" kern="1200">
         <a:solidFill>
           <a:schemeClr val="tx1"/>
@@ -989,6 +990,88 @@
 </p:notes>
 </file>
 
+<file path=ppt/notesSlides/notesSlide2.xml><?xml version="1.0" encoding="utf-8"?>
+<p:notes xmlns:a="http://schemas.openxmlformats.org/drawingml/2006/main" xmlns:r="http://schemas.openxmlformats.org/officeDocument/2006/relationships" xmlns:mc="http://schemas.openxmlformats.org/markup-compatibility/2006" xmlns:mv="urn:schemas-microsoft-com:mac:vml" xmlns:p="http://schemas.openxmlformats.org/presentationml/2006/main" mc:Ignorable="mv" mc:PreserveAttributes="mv:*">
+  <p:cSld>
+    <p:spTree>
+      <p:nvGrpSpPr>
+        <p:cNvPr id="1" name=""/>
+        <p:cNvGrpSpPr/>
+        <p:nvPr/>
+      </p:nvGrpSpPr>
+      <p:grpSpPr>
+        <a:xfrm>
+          <a:off x="0" y="0"/>
+          <a:ext cx="0" cy="0"/>
+          <a:chOff x="0" y="0"/>
+          <a:chExt cx="0" cy="0"/>
+        </a:xfrm>
+      </p:grpSpPr>
+      <p:sp>
+        <p:nvSpPr>
+          <p:cNvPr id="2" name="Slide Image Placeholder 1"/>
+          <p:cNvSpPr>
+            <a:spLocks noGrp="1" noRot="1" noChangeAspect="1"/>
+          </p:cNvSpPr>
+          <p:nvPr>
+            <p:ph type="sldImg"/>
+          </p:nvPr>
+        </p:nvSpPr>
+        <p:spPr/>
+      </p:sp>
+      <p:sp>
+        <p:nvSpPr>
+          <p:cNvPr id="3" name="Notes Placeholder 2"/>
+          <p:cNvSpPr>
+            <a:spLocks noGrp="1"/>
+          </p:cNvSpPr>
+          <p:nvPr>
+            <p:ph type="body" idx="1"/>
+          </p:nvPr>
+        </p:nvSpPr>
+        <p:spPr/>
+        <p:txBody>
+          <a:bodyPr>
+            <a:normAutofit/>
+          </a:bodyPr>
+          <a:lstStyle/>
+          <a:p>
+            <a:endParaRPr lang="en-US" dirty="0"/>
+          </a:p>
+        </p:txBody>
+      </p:sp>
+      <p:sp>
+        <p:nvSpPr>
+          <p:cNvPr id="4" name="Slide Number Placeholder 3"/>
+          <p:cNvSpPr>
+            <a:spLocks noGrp="1"/>
+          </p:cNvSpPr>
+          <p:nvPr>
+            <p:ph type="sldNum" sz="quarter" idx="10"/>
+          </p:nvPr>
+        </p:nvSpPr>
+        <p:spPr/>
+        <p:txBody>
+          <a:bodyPr/>
+          <a:lstStyle/>
+          <a:p>
+            <a:fld id="{2415D97C-649C-43F9-ADD9-F4FB9523026C}" type="slidenum">
+              <a:rPr lang="en-US" smtClean="0"/>
+              <a:pPr/>
+              <a:t>3</a:t>
+            </a:fld>
+            <a:endParaRPr lang="en-US"/>
+          </a:p>
+        </p:txBody>
+      </p:sp>
+    </p:spTree>
+  </p:cSld>
+  <p:clrMapOvr>
+    <a:masterClrMapping/>
+  </p:clrMapOvr>
+</p:notes>
+</file>
+
 <file path=ppt/slideLayouts/slideLayout1.xml><?xml version="1.0" encoding="utf-8"?>
 <p:sldLayout xmlns:a="http://schemas.openxmlformats.org/drawingml/2006/main" xmlns:r="http://schemas.openxmlformats.org/officeDocument/2006/relationships" xmlns:mc="http://schemas.openxmlformats.org/markup-compatibility/2006" xmlns:mv="urn:schemas-microsoft-com:mac:vml" xmlns:p="http://schemas.openxmlformats.org/presentationml/2006/main" mc:Ignorable="mv" mc:PreserveAttributes="mv:*" preserve="1" userDrawn="1">
   <p:cSld name="Title Slide">
@@ -1014,7 +1097,7 @@
         </p:nvSpPr>
         <p:spPr>
           <a:xfrm>
-            <a:off x="0" y="2157319"/>
+            <a:off x="1" y="2157319"/>
             <a:ext cx="8923005" cy="877234"/>
           </a:xfrm>
           <a:prstGeom prst="rect">
@@ -1048,7 +1131,7 @@
           </a:fontRef>
         </p:style>
         <p:txBody>
-          <a:bodyPr rtlCol="0" anchor="ctr"/>
+          <a:bodyPr lIns="91435" tIns="45718" rIns="91435" bIns="45718" rtlCol="0" anchor="ctr"/>
           <a:lstStyle/>
           <a:p>
             <a:pPr algn="ctr"/>
@@ -1100,7 +1183,7 @@
           </a:solidFill>
         </p:spPr>
         <p:txBody>
-          <a:bodyPr lIns="274320" tIns="91440" bIns="91440" anchor="t" anchorCtr="0">
+          <a:bodyPr lIns="274306" tIns="91435" bIns="91435" anchor="t" anchorCtr="0">
             <a:noAutofit/>
           </a:bodyPr>
           <a:lstStyle>
@@ -1133,7 +1216,7 @@
         </p:nvSpPr>
         <p:spPr>
           <a:xfrm>
-            <a:off x="6580094" y="6492875"/>
+            <a:off x="6580094" y="6492876"/>
             <a:ext cx="2133600" cy="365125"/>
           </a:xfrm>
         </p:spPr>
@@ -1162,7 +1245,7 @@
         </p:nvSpPr>
         <p:spPr>
           <a:xfrm>
-            <a:off x="1120588" y="6492875"/>
+            <a:off x="1120588" y="6492876"/>
             <a:ext cx="2895600" cy="365125"/>
           </a:xfrm>
         </p:spPr>
@@ -1219,11 +1302,11 @@
           </a:solidFill>
         </p:spPr>
         <p:txBody>
-          <a:bodyPr vert="horz" lIns="1188720" tIns="45720" rIns="274320" bIns="45720" rtlCol="0" anchor="ctr">
+          <a:bodyPr vert="horz" lIns="1188659" tIns="45718" rIns="274306" bIns="45718" rtlCol="0" anchor="ctr">
             <a:normAutofit/>
           </a:bodyPr>
           <a:lstStyle>
-            <a:lvl1pPr marL="0" indent="0" algn="l" defTabSz="914400" rtl="0" eaLnBrk="1" latinLnBrk="0" hangingPunct="1">
+            <a:lvl1pPr marL="0" indent="0" algn="l" defTabSz="914353" rtl="0" eaLnBrk="1" latinLnBrk="0" hangingPunct="1">
               <a:spcBef>
                 <a:spcPct val="0"/>
               </a:spcBef>
@@ -1259,7 +1342,7 @@
         </p:nvSpPr>
         <p:spPr>
           <a:xfrm>
-            <a:off x="5487987" y="2048256"/>
+            <a:off x="5487988" y="2048256"/>
             <a:ext cx="3427413" cy="4206240"/>
           </a:xfrm>
         </p:spPr>
@@ -1272,35 +1355,35 @@
               <a:buNone/>
               <a:defRPr sz="2400"/>
             </a:lvl1pPr>
-            <a:lvl2pPr marL="457200" indent="0">
+            <a:lvl2pPr marL="457177" indent="0">
               <a:buNone/>
               <a:defRPr sz="2800"/>
             </a:lvl2pPr>
-            <a:lvl3pPr marL="914400" indent="0">
+            <a:lvl3pPr marL="914353" indent="0">
               <a:buNone/>
               <a:defRPr sz="2400"/>
             </a:lvl3pPr>
-            <a:lvl4pPr marL="1371600" indent="0">
+            <a:lvl4pPr marL="1371530" indent="0">
               <a:buNone/>
               <a:defRPr sz="2000"/>
             </a:lvl4pPr>
-            <a:lvl5pPr marL="1828800" indent="0">
+            <a:lvl5pPr marL="1828706" indent="0">
               <a:buNone/>
               <a:defRPr sz="2000"/>
             </a:lvl5pPr>
-            <a:lvl6pPr marL="2286000" indent="0">
+            <a:lvl6pPr marL="2285883" indent="0">
               <a:buNone/>
               <a:defRPr sz="2000"/>
             </a:lvl6pPr>
-            <a:lvl7pPr marL="2743200" indent="0">
+            <a:lvl7pPr marL="2743060" indent="0">
               <a:buNone/>
               <a:defRPr sz="2000"/>
             </a:lvl7pPr>
-            <a:lvl8pPr marL="3200400" indent="0">
+            <a:lvl8pPr marL="3200236" indent="0">
               <a:buNone/>
               <a:defRPr sz="2000"/>
             </a:lvl8pPr>
-            <a:lvl9pPr marL="3657600" indent="0">
+            <a:lvl9pPr marL="3657413" indent="0">
               <a:buNone/>
               <a:defRPr sz="2000"/>
             </a:lvl9pPr>
@@ -1356,7 +1439,7 @@
           </a:fontRef>
         </p:style>
         <p:txBody>
-          <a:bodyPr vert="horz" lIns="292608" tIns="274320" rIns="274320" bIns="274320" rtlCol="0" anchor="t" anchorCtr="0">
+          <a:bodyPr vert="horz" lIns="292593" tIns="274306" rIns="274306" bIns="274306" rtlCol="0" anchor="t" anchorCtr="0">
             <a:normAutofit/>
           </a:bodyPr>
           <a:lstStyle>
@@ -1374,41 +1457,41 @@
                 <a:cs typeface="+mn-cs"/>
               </a:defRPr>
             </a:lvl1pPr>
-            <a:lvl2pPr marL="457200" indent="0">
+            <a:lvl2pPr marL="457177" indent="0">
               <a:buNone/>
               <a:defRPr sz="1200"/>
             </a:lvl2pPr>
-            <a:lvl3pPr marL="914400" indent="0">
+            <a:lvl3pPr marL="914353" indent="0">
               <a:buNone/>
               <a:defRPr sz="1000"/>
             </a:lvl3pPr>
-            <a:lvl4pPr marL="1371600" indent="0">
+            <a:lvl4pPr marL="1371530" indent="0">
               <a:buNone/>
               <a:defRPr sz="900"/>
             </a:lvl4pPr>
-            <a:lvl5pPr marL="1828800" indent="0">
+            <a:lvl5pPr marL="1828706" indent="0">
               <a:buNone/>
               <a:defRPr sz="900"/>
             </a:lvl5pPr>
-            <a:lvl6pPr marL="2286000" indent="0">
+            <a:lvl6pPr marL="2285883" indent="0">
               <a:buNone/>
               <a:defRPr sz="900"/>
             </a:lvl6pPr>
-            <a:lvl7pPr marL="2743200" indent="0">
+            <a:lvl7pPr marL="2743060" indent="0">
               <a:buNone/>
               <a:defRPr sz="900"/>
             </a:lvl7pPr>
-            <a:lvl8pPr marL="3200400" indent="0">
+            <a:lvl8pPr marL="3200236" indent="0">
               <a:buNone/>
               <a:defRPr sz="900"/>
             </a:lvl8pPr>
-            <a:lvl9pPr marL="3657600" indent="0">
+            <a:lvl9pPr marL="3657413" indent="0">
               <a:buNone/>
               <a:defRPr sz="900"/>
             </a:lvl9pPr>
           </a:lstStyle>
           <a:p>
-            <a:pPr marL="0" lvl="0" indent="0" algn="l" defTabSz="914400" rtl="0" eaLnBrk="1" latinLnBrk="0" hangingPunct="1">
+            <a:pPr marL="0" lvl="0" indent="0" algn="l" defTabSz="914353" rtl="0" eaLnBrk="1" latinLnBrk="0" hangingPunct="1">
               <a:spcBef>
                 <a:spcPts val="2000"/>
               </a:spcBef>
@@ -1419,7 +1502,7 @@
               <a:buNone/>
             </a:pPr>
             <a:r>
-              <a:rPr lang="en-US" smtClean="0"/>
+              <a:rPr lang="en-US" dirty="0" smtClean="0"/>
               <a:t>Click to edit Master text styles</a:t>
             </a:r>
           </a:p>
@@ -1437,7 +1520,7 @@
         </p:nvSpPr>
         <p:spPr>
           <a:xfrm>
-            <a:off x="6580094" y="188259"/>
+            <a:off x="6580094" y="188260"/>
             <a:ext cx="2133600" cy="365125"/>
           </a:xfrm>
         </p:spPr>
@@ -1539,7 +1622,7 @@
           </a:xfrm>
         </p:spPr>
         <p:txBody>
-          <a:bodyPr tIns="137160" bIns="137160" anchor="b" anchorCtr="0">
+          <a:bodyPr tIns="137153" bIns="137153" anchor="b" anchorCtr="0">
             <a:normAutofit/>
           </a:bodyPr>
           <a:lstStyle>
@@ -1568,7 +1651,7 @@
         </p:nvSpPr>
         <p:spPr>
           <a:xfrm>
-            <a:off x="914400" y="5002305"/>
+            <a:off x="914400" y="5002306"/>
             <a:ext cx="8001000" cy="1855695"/>
           </a:xfrm>
           <a:solidFill>
@@ -1598,11 +1681,11 @@
           </a:fontRef>
         </p:style>
         <p:txBody>
-          <a:bodyPr lIns="292608" tIns="137160" rIns="274320" bIns="137160" rtlCol="0" anchor="t" anchorCtr="0">
+          <a:bodyPr lIns="292593" tIns="137153" rIns="274306" bIns="137153" rtlCol="0" anchor="t" anchorCtr="0">
             <a:normAutofit/>
           </a:bodyPr>
           <a:lstStyle>
-            <a:lvl1pPr marL="0" indent="0" algn="l" defTabSz="914400" rtl="0" eaLnBrk="1" latinLnBrk="0" hangingPunct="1">
+            <a:lvl1pPr marL="0" indent="0" algn="l" defTabSz="914353" rtl="0" eaLnBrk="1" latinLnBrk="0" hangingPunct="1">
               <a:buNone/>
               <a:defRPr sz="1600" kern="1200">
                 <a:solidFill>
@@ -1616,7 +1699,7 @@
                 <a:cs typeface="+mn-cs"/>
               </a:defRPr>
             </a:lvl1pPr>
-            <a:lvl2pPr marL="457200" indent="0" algn="ctr">
+            <a:lvl2pPr marL="457177" indent="0" algn="ctr">
               <a:buNone/>
               <a:defRPr>
                 <a:solidFill>
@@ -1626,7 +1709,7 @@
                 </a:solidFill>
               </a:defRPr>
             </a:lvl2pPr>
-            <a:lvl3pPr marL="914400" indent="0" algn="ctr">
+            <a:lvl3pPr marL="914353" indent="0" algn="ctr">
               <a:buNone/>
               <a:defRPr>
                 <a:solidFill>
@@ -1636,7 +1719,7 @@
                 </a:solidFill>
               </a:defRPr>
             </a:lvl3pPr>
-            <a:lvl4pPr marL="1371600" indent="0" algn="ctr">
+            <a:lvl4pPr marL="1371530" indent="0" algn="ctr">
               <a:buNone/>
               <a:defRPr>
                 <a:solidFill>
@@ -1646,7 +1729,7 @@
                 </a:solidFill>
               </a:defRPr>
             </a:lvl4pPr>
-            <a:lvl5pPr marL="1828800" indent="0" algn="ctr">
+            <a:lvl5pPr marL="1828706" indent="0" algn="ctr">
               <a:buNone/>
               <a:defRPr>
                 <a:solidFill>
@@ -1656,7 +1739,7 @@
                 </a:solidFill>
               </a:defRPr>
             </a:lvl5pPr>
-            <a:lvl6pPr marL="2286000" indent="0" algn="ctr">
+            <a:lvl6pPr marL="2285883" indent="0" algn="ctr">
               <a:buNone/>
               <a:defRPr>
                 <a:solidFill>
@@ -1666,7 +1749,7 @@
                 </a:solidFill>
               </a:defRPr>
             </a:lvl6pPr>
-            <a:lvl7pPr marL="2743200" indent="0" algn="ctr">
+            <a:lvl7pPr marL="2743060" indent="0" algn="ctr">
               <a:buNone/>
               <a:defRPr>
                 <a:solidFill>
@@ -1676,7 +1759,7 @@
                 </a:solidFill>
               </a:defRPr>
             </a:lvl7pPr>
-            <a:lvl8pPr marL="3200400" indent="0" algn="ctr">
+            <a:lvl8pPr marL="3200236" indent="0" algn="ctr">
               <a:buNone/>
               <a:defRPr>
                 <a:solidFill>
@@ -1686,7 +1769,7 @@
                 </a:solidFill>
               </a:defRPr>
             </a:lvl8pPr>
-            <a:lvl9pPr marL="3657600" indent="0" algn="ctr">
+            <a:lvl9pPr marL="3657413" indent="0" algn="ctr">
               <a:buNone/>
               <a:defRPr>
                 <a:solidFill>
@@ -1826,7 +1909,7 @@
           </a:xfrm>
         </p:spPr>
         <p:txBody>
-          <a:bodyPr tIns="137160" bIns="137160" anchor="b" anchorCtr="0">
+          <a:bodyPr tIns="137153" bIns="137153" anchor="b" anchorCtr="0">
             <a:normAutofit/>
           </a:bodyPr>
           <a:lstStyle>
@@ -1855,7 +1938,7 @@
         </p:nvSpPr>
         <p:spPr>
           <a:xfrm>
-            <a:off x="914400" y="5002305"/>
+            <a:off x="914400" y="5002306"/>
             <a:ext cx="8001000" cy="1855695"/>
           </a:xfrm>
           <a:solidFill>
@@ -1885,11 +1968,11 @@
           </a:fontRef>
         </p:style>
         <p:txBody>
-          <a:bodyPr lIns="292608" tIns="137160" rIns="274320" bIns="137160" rtlCol="0" anchor="t" anchorCtr="0">
+          <a:bodyPr lIns="292593" tIns="137153" rIns="274306" bIns="137153" rtlCol="0" anchor="t" anchorCtr="0">
             <a:normAutofit/>
           </a:bodyPr>
           <a:lstStyle>
-            <a:lvl1pPr marL="0" indent="0" algn="l" defTabSz="914400" rtl="0" eaLnBrk="1" latinLnBrk="0" hangingPunct="1">
+            <a:lvl1pPr marL="0" indent="0" algn="l" defTabSz="914353" rtl="0" eaLnBrk="1" latinLnBrk="0" hangingPunct="1">
               <a:buNone/>
               <a:defRPr sz="1600" kern="1200">
                 <a:solidFill>
@@ -1903,7 +1986,7 @@
                 <a:cs typeface="+mn-cs"/>
               </a:defRPr>
             </a:lvl1pPr>
-            <a:lvl2pPr marL="457200" indent="0" algn="ctr">
+            <a:lvl2pPr marL="457177" indent="0" algn="ctr">
               <a:buNone/>
               <a:defRPr>
                 <a:solidFill>
@@ -1913,7 +1996,7 @@
                 </a:solidFill>
               </a:defRPr>
             </a:lvl2pPr>
-            <a:lvl3pPr marL="914400" indent="0" algn="ctr">
+            <a:lvl3pPr marL="914353" indent="0" algn="ctr">
               <a:buNone/>
               <a:defRPr>
                 <a:solidFill>
@@ -1923,7 +2006,7 @@
                 </a:solidFill>
               </a:defRPr>
             </a:lvl3pPr>
-            <a:lvl4pPr marL="1371600" indent="0" algn="ctr">
+            <a:lvl4pPr marL="1371530" indent="0" algn="ctr">
               <a:buNone/>
               <a:defRPr>
                 <a:solidFill>
@@ -1933,7 +2016,7 @@
                 </a:solidFill>
               </a:defRPr>
             </a:lvl4pPr>
-            <a:lvl5pPr marL="1828800" indent="0" algn="ctr">
+            <a:lvl5pPr marL="1828706" indent="0" algn="ctr">
               <a:buNone/>
               <a:defRPr>
                 <a:solidFill>
@@ -1943,7 +2026,7 @@
                 </a:solidFill>
               </a:defRPr>
             </a:lvl5pPr>
-            <a:lvl6pPr marL="2286000" indent="0" algn="ctr">
+            <a:lvl6pPr marL="2285883" indent="0" algn="ctr">
               <a:buNone/>
               <a:defRPr>
                 <a:solidFill>
@@ -1953,7 +2036,7 @@
                 </a:solidFill>
               </a:defRPr>
             </a:lvl6pPr>
-            <a:lvl7pPr marL="2743200" indent="0" algn="ctr">
+            <a:lvl7pPr marL="2743060" indent="0" algn="ctr">
               <a:buNone/>
               <a:defRPr>
                 <a:solidFill>
@@ -1963,7 +2046,7 @@
                 </a:solidFill>
               </a:defRPr>
             </a:lvl7pPr>
-            <a:lvl8pPr marL="3200400" indent="0" algn="ctr">
+            <a:lvl8pPr marL="3200236" indent="0" algn="ctr">
               <a:buNone/>
               <a:defRPr>
                 <a:solidFill>
@@ -1973,7 +2056,7 @@
                 </a:solidFill>
               </a:defRPr>
             </a:lvl8pPr>
-            <a:lvl9pPr marL="3657600" indent="0" algn="ctr">
+            <a:lvl9pPr marL="3657413" indent="0" algn="ctr">
               <a:buNone/>
               <a:defRPr>
                 <a:solidFill>
@@ -2005,7 +2088,7 @@
         </p:nvSpPr>
         <p:spPr>
           <a:xfrm>
-            <a:off x="6580094" y="188259"/>
+            <a:off x="6580094" y="188260"/>
             <a:ext cx="2133600" cy="365125"/>
           </a:xfrm>
         </p:spPr>
@@ -2153,7 +2236,7 @@
           </a:xfrm>
         </p:spPr>
         <p:txBody>
-          <a:bodyPr tIns="137160" bIns="137160" anchor="b" anchorCtr="0">
+          <a:bodyPr tIns="137153" bIns="137153" anchor="b" anchorCtr="0">
             <a:normAutofit/>
           </a:bodyPr>
           <a:lstStyle>
@@ -2182,7 +2265,7 @@
         </p:nvSpPr>
         <p:spPr>
           <a:xfrm>
-            <a:off x="914400" y="5002305"/>
+            <a:off x="914400" y="5002306"/>
             <a:ext cx="8001000" cy="1855695"/>
           </a:xfrm>
           <a:solidFill>
@@ -2212,11 +2295,11 @@
           </a:fontRef>
         </p:style>
         <p:txBody>
-          <a:bodyPr lIns="292608" tIns="137160" rIns="274320" bIns="137160" rtlCol="0" anchor="t" anchorCtr="0">
+          <a:bodyPr lIns="292593" tIns="137153" rIns="274306" bIns="137153" rtlCol="0" anchor="t" anchorCtr="0">
             <a:normAutofit/>
           </a:bodyPr>
           <a:lstStyle>
-            <a:lvl1pPr marL="0" indent="0" algn="l" defTabSz="914400" rtl="0" eaLnBrk="1" latinLnBrk="0" hangingPunct="1">
+            <a:lvl1pPr marL="0" indent="0" algn="l" defTabSz="914353" rtl="0" eaLnBrk="1" latinLnBrk="0" hangingPunct="1">
               <a:buNone/>
               <a:defRPr sz="1600" kern="1200">
                 <a:solidFill>
@@ -2230,7 +2313,7 @@
                 <a:cs typeface="+mn-cs"/>
               </a:defRPr>
             </a:lvl1pPr>
-            <a:lvl2pPr marL="457200" indent="0" algn="ctr">
+            <a:lvl2pPr marL="457177" indent="0" algn="ctr">
               <a:buNone/>
               <a:defRPr>
                 <a:solidFill>
@@ -2240,7 +2323,7 @@
                 </a:solidFill>
               </a:defRPr>
             </a:lvl2pPr>
-            <a:lvl3pPr marL="914400" indent="0" algn="ctr">
+            <a:lvl3pPr marL="914353" indent="0" algn="ctr">
               <a:buNone/>
               <a:defRPr>
                 <a:solidFill>
@@ -2250,7 +2333,7 @@
                 </a:solidFill>
               </a:defRPr>
             </a:lvl3pPr>
-            <a:lvl4pPr marL="1371600" indent="0" algn="ctr">
+            <a:lvl4pPr marL="1371530" indent="0" algn="ctr">
               <a:buNone/>
               <a:defRPr>
                 <a:solidFill>
@@ -2260,7 +2343,7 @@
                 </a:solidFill>
               </a:defRPr>
             </a:lvl4pPr>
-            <a:lvl5pPr marL="1828800" indent="0" algn="ctr">
+            <a:lvl5pPr marL="1828706" indent="0" algn="ctr">
               <a:buNone/>
               <a:defRPr>
                 <a:solidFill>
@@ -2270,7 +2353,7 @@
                 </a:solidFill>
               </a:defRPr>
             </a:lvl5pPr>
-            <a:lvl6pPr marL="2286000" indent="0" algn="ctr">
+            <a:lvl6pPr marL="2285883" indent="0" algn="ctr">
               <a:buNone/>
               <a:defRPr>
                 <a:solidFill>
@@ -2280,7 +2363,7 @@
                 </a:solidFill>
               </a:defRPr>
             </a:lvl6pPr>
-            <a:lvl7pPr marL="2743200" indent="0" algn="ctr">
+            <a:lvl7pPr marL="2743060" indent="0" algn="ctr">
               <a:buNone/>
               <a:defRPr>
                 <a:solidFill>
@@ -2290,7 +2373,7 @@
                 </a:solidFill>
               </a:defRPr>
             </a:lvl7pPr>
-            <a:lvl8pPr marL="3200400" indent="0" algn="ctr">
+            <a:lvl8pPr marL="3200236" indent="0" algn="ctr">
               <a:buNone/>
               <a:defRPr>
                 <a:solidFill>
@@ -2300,7 +2383,7 @@
                 </a:solidFill>
               </a:defRPr>
             </a:lvl8pPr>
-            <a:lvl9pPr marL="3657600" indent="0" algn="ctr">
+            <a:lvl9pPr marL="3657413" indent="0" algn="ctr">
               <a:buNone/>
               <a:defRPr>
                 <a:solidFill>
@@ -2332,7 +2415,7 @@
         </p:nvSpPr>
         <p:spPr>
           <a:xfrm>
-            <a:off x="6580094" y="188259"/>
+            <a:off x="6580094" y="188260"/>
             <a:ext cx="2133600" cy="365125"/>
           </a:xfrm>
         </p:spPr>
@@ -2677,12 +2760,12 @@
         </p:nvSpPr>
         <p:spPr>
           <a:xfrm>
-            <a:off x="7987553" y="1129554"/>
+            <a:off x="7987553" y="1129555"/>
             <a:ext cx="914400" cy="5533278"/>
           </a:xfrm>
         </p:spPr>
         <p:txBody>
-          <a:bodyPr vert="eaVert" lIns="274320" tIns="685800" bIns="685800"/>
+          <a:bodyPr vert="eaVert" lIns="274306" tIns="685765" bIns="685765"/>
           <a:lstStyle/>
           <a:p>
             <a:r>
@@ -3174,7 +3257,7 @@
         </p:blipFill>
         <p:spPr bwMode="auto">
           <a:xfrm>
-            <a:off x="94958" y="263714"/>
+            <a:off x="94959" y="263714"/>
             <a:ext cx="786525" cy="709637"/>
           </a:xfrm>
           <a:prstGeom prst="rect">
@@ -3515,7 +3598,7 @@
         </p:nvSpPr>
         <p:spPr>
           <a:xfrm>
-            <a:off x="6580094" y="188259"/>
+            <a:off x="6580094" y="188260"/>
             <a:ext cx="2133600" cy="365125"/>
           </a:xfrm>
         </p:spPr>
@@ -3612,7 +3695,7 @@
         </p:nvSpPr>
         <p:spPr>
           <a:xfrm>
-            <a:off x="0" y="1024990"/>
+            <a:off x="1" y="1024990"/>
             <a:ext cx="8913813" cy="792651"/>
           </a:xfrm>
           <a:solidFill>
@@ -3620,7 +3703,7 @@
           </a:solidFill>
         </p:spPr>
         <p:txBody>
-          <a:bodyPr lIns="1097280" anchor="ctr" anchorCtr="0">
+          <a:bodyPr lIns="1097224" anchor="ctr" anchorCtr="0">
             <a:normAutofit/>
           </a:bodyPr>
           <a:lstStyle>
@@ -3655,7 +3738,7 @@
         </p:nvSpPr>
         <p:spPr>
           <a:xfrm>
-            <a:off x="1017533" y="2068618"/>
+            <a:off x="1017534" y="2068618"/>
             <a:ext cx="7707367" cy="4197711"/>
           </a:xfrm>
         </p:spPr>
@@ -3747,7 +3830,7 @@
         </p:blipFill>
         <p:spPr>
           <a:xfrm>
-            <a:off x="904298" y="334440"/>
+            <a:off x="904298" y="334441"/>
             <a:ext cx="2282176" cy="558141"/>
           </a:xfrm>
           <a:prstGeom prst="rect">
@@ -3767,7 +3850,7 @@
         </p:nvSpPr>
         <p:spPr>
           <a:xfrm>
-            <a:off x="6580094" y="6492875"/>
+            <a:off x="6580094" y="6492876"/>
             <a:ext cx="2133600" cy="365125"/>
           </a:xfrm>
         </p:spPr>
@@ -3820,7 +3903,7 @@
         </p:nvSpPr>
         <p:spPr>
           <a:xfrm>
-            <a:off x="1120588" y="6492875"/>
+            <a:off x="1120588" y="6492876"/>
             <a:ext cx="2895600" cy="365125"/>
           </a:xfrm>
         </p:spPr>
@@ -4019,9 +4102,9 @@
           </a:fontRef>
         </p:style>
         <p:txBody>
-          <a:bodyPr lIns="292608" tIns="91440" rIns="274320" bIns="91440" rtlCol="0" anchor="t" anchorCtr="0"/>
+          <a:bodyPr lIns="292593" tIns="91435" rIns="274306" bIns="91435" rtlCol="0" anchor="t" anchorCtr="0"/>
           <a:lstStyle>
-            <a:lvl1pPr marL="0" indent="0" algn="l" defTabSz="914400" rtl="0" eaLnBrk="1" latinLnBrk="0" hangingPunct="1">
+            <a:lvl1pPr marL="0" indent="0" algn="l" defTabSz="914353" rtl="0" eaLnBrk="1" latinLnBrk="0" hangingPunct="1">
               <a:spcBef>
                 <a:spcPts val="300"/>
               </a:spcBef>
@@ -4038,7 +4121,7 @@
                 <a:cs typeface="+mn-cs"/>
               </a:defRPr>
             </a:lvl1pPr>
-            <a:lvl2pPr marL="457200" indent="0" algn="ctr">
+            <a:lvl2pPr marL="457177" indent="0" algn="ctr">
               <a:buNone/>
               <a:defRPr>
                 <a:solidFill>
@@ -4048,7 +4131,7 @@
                 </a:solidFill>
               </a:defRPr>
             </a:lvl2pPr>
-            <a:lvl3pPr marL="914400" indent="0" algn="ctr">
+            <a:lvl3pPr marL="914353" indent="0" algn="ctr">
               <a:buNone/>
               <a:defRPr>
                 <a:solidFill>
@@ -4058,7 +4141,7 @@
                 </a:solidFill>
               </a:defRPr>
             </a:lvl3pPr>
-            <a:lvl4pPr marL="1371600" indent="0" algn="ctr">
+            <a:lvl4pPr marL="1371530" indent="0" algn="ctr">
               <a:buNone/>
               <a:defRPr>
                 <a:solidFill>
@@ -4068,7 +4151,7 @@
                 </a:solidFill>
               </a:defRPr>
             </a:lvl4pPr>
-            <a:lvl5pPr marL="1828800" indent="0" algn="ctr">
+            <a:lvl5pPr marL="1828706" indent="0" algn="ctr">
               <a:buNone/>
               <a:defRPr>
                 <a:solidFill>
@@ -4078,7 +4161,7 @@
                 </a:solidFill>
               </a:defRPr>
             </a:lvl5pPr>
-            <a:lvl6pPr marL="2286000" indent="0" algn="ctr">
+            <a:lvl6pPr marL="2285883" indent="0" algn="ctr">
               <a:buNone/>
               <a:defRPr>
                 <a:solidFill>
@@ -4088,7 +4171,7 @@
                 </a:solidFill>
               </a:defRPr>
             </a:lvl6pPr>
-            <a:lvl7pPr marL="2743200" indent="0" algn="ctr">
+            <a:lvl7pPr marL="2743060" indent="0" algn="ctr">
               <a:buNone/>
               <a:defRPr>
                 <a:solidFill>
@@ -4098,7 +4181,7 @@
                 </a:solidFill>
               </a:defRPr>
             </a:lvl7pPr>
-            <a:lvl8pPr marL="3200400" indent="0" algn="ctr">
+            <a:lvl8pPr marL="3200236" indent="0" algn="ctr">
               <a:buNone/>
               <a:defRPr>
                 <a:solidFill>
@@ -4108,7 +4191,7 @@
                 </a:solidFill>
               </a:defRPr>
             </a:lvl8pPr>
-            <a:lvl9pPr marL="3657600" indent="0" algn="ctr">
+            <a:lvl9pPr marL="3657413" indent="0" algn="ctr">
               <a:buNone/>
               <a:defRPr>
                 <a:solidFill>
@@ -4251,11 +4334,11 @@
           </a:solidFill>
         </p:spPr>
         <p:txBody>
-          <a:bodyPr vert="horz" lIns="1188720" tIns="45720" rIns="274320" bIns="45720" rtlCol="0" anchor="b" anchorCtr="0">
+          <a:bodyPr vert="horz" lIns="1188659" tIns="45718" rIns="274306" bIns="45718" rtlCol="0" anchor="b" anchorCtr="0">
             <a:normAutofit/>
           </a:bodyPr>
           <a:lstStyle>
-            <a:lvl1pPr marL="0" indent="0" algn="l" defTabSz="914400" rtl="0" eaLnBrk="1" latinLnBrk="0" hangingPunct="1">
+            <a:lvl1pPr marL="0" indent="0" algn="l" defTabSz="914353" rtl="0" eaLnBrk="1" latinLnBrk="0" hangingPunct="1">
               <a:spcBef>
                 <a:spcPct val="0"/>
               </a:spcBef>
@@ -4321,11 +4404,11 @@
           </a:fontRef>
         </p:style>
         <p:txBody>
-          <a:bodyPr vert="horz" lIns="292608" tIns="91440" rIns="274320" bIns="91440" rtlCol="0" anchor="ctr" anchorCtr="0">
+          <a:bodyPr vert="horz" lIns="292593" tIns="91435" rIns="274306" bIns="91435" rtlCol="0" anchor="ctr" anchorCtr="0">
             <a:normAutofit/>
           </a:bodyPr>
           <a:lstStyle>
-            <a:lvl1pPr marL="0" indent="0" algn="l" defTabSz="914400" rtl="0" eaLnBrk="1" latinLnBrk="0" hangingPunct="1">
+            <a:lvl1pPr marL="0" indent="0" algn="l" defTabSz="914353" rtl="0" eaLnBrk="1" latinLnBrk="0" hangingPunct="1">
               <a:spcBef>
                 <a:spcPts val="300"/>
               </a:spcBef>
@@ -4346,7 +4429,7 @@
                 <a:cs typeface="+mn-cs"/>
               </a:defRPr>
             </a:lvl1pPr>
-            <a:lvl2pPr marL="457200" indent="0">
+            <a:lvl2pPr marL="457177" indent="0">
               <a:buNone/>
               <a:defRPr sz="1800">
                 <a:solidFill>
@@ -4356,7 +4439,7 @@
                 </a:solidFill>
               </a:defRPr>
             </a:lvl2pPr>
-            <a:lvl3pPr marL="914400" indent="0">
+            <a:lvl3pPr marL="914353" indent="0">
               <a:buNone/>
               <a:defRPr sz="1600">
                 <a:solidFill>
@@ -4366,7 +4449,7 @@
                 </a:solidFill>
               </a:defRPr>
             </a:lvl3pPr>
-            <a:lvl4pPr marL="1371600" indent="0">
+            <a:lvl4pPr marL="1371530" indent="0">
               <a:buNone/>
               <a:defRPr sz="1400">
                 <a:solidFill>
@@ -4376,7 +4459,7 @@
                 </a:solidFill>
               </a:defRPr>
             </a:lvl4pPr>
-            <a:lvl5pPr marL="1828800" indent="0">
+            <a:lvl5pPr marL="1828706" indent="0">
               <a:buNone/>
               <a:defRPr sz="1400">
                 <a:solidFill>
@@ -4386,7 +4469,7 @@
                 </a:solidFill>
               </a:defRPr>
             </a:lvl5pPr>
-            <a:lvl6pPr marL="2286000" indent="0">
+            <a:lvl6pPr marL="2285883" indent="0">
               <a:buNone/>
               <a:defRPr sz="1400">
                 <a:solidFill>
@@ -4396,7 +4479,7 @@
                 </a:solidFill>
               </a:defRPr>
             </a:lvl6pPr>
-            <a:lvl7pPr marL="2743200" indent="0">
+            <a:lvl7pPr marL="2743060" indent="0">
               <a:buNone/>
               <a:defRPr sz="1400">
                 <a:solidFill>
@@ -4406,7 +4489,7 @@
                 </a:solidFill>
               </a:defRPr>
             </a:lvl7pPr>
-            <a:lvl8pPr marL="3200400" indent="0">
+            <a:lvl8pPr marL="3200236" indent="0">
               <a:buNone/>
               <a:defRPr sz="1400">
                 <a:solidFill>
@@ -4416,7 +4499,7 @@
                 </a:solidFill>
               </a:defRPr>
             </a:lvl8pPr>
-            <a:lvl9pPr marL="3657600" indent="0">
+            <a:lvl9pPr marL="3657413" indent="0">
               <a:buNone/>
               <a:defRPr sz="1400">
                 <a:solidFill>
@@ -4737,7 +4820,7 @@
         </p:nvSpPr>
         <p:spPr>
           <a:xfrm>
-            <a:off x="6580094" y="188259"/>
+            <a:off x="6580094" y="188260"/>
             <a:ext cx="2133600" cy="365125"/>
           </a:xfrm>
         </p:spPr>
@@ -4874,35 +4957,35 @@
               <a:buNone/>
               <a:defRPr sz="2400" b="0"/>
             </a:lvl1pPr>
-            <a:lvl2pPr marL="457200" indent="0">
+            <a:lvl2pPr marL="457177" indent="0">
               <a:buNone/>
               <a:defRPr sz="2000" b="1"/>
             </a:lvl2pPr>
-            <a:lvl3pPr marL="914400" indent="0">
+            <a:lvl3pPr marL="914353" indent="0">
               <a:buNone/>
               <a:defRPr sz="1800" b="1"/>
             </a:lvl3pPr>
-            <a:lvl4pPr marL="1371600" indent="0">
+            <a:lvl4pPr marL="1371530" indent="0">
               <a:buNone/>
               <a:defRPr sz="1600" b="1"/>
             </a:lvl4pPr>
-            <a:lvl5pPr marL="1828800" indent="0">
+            <a:lvl5pPr marL="1828706" indent="0">
               <a:buNone/>
               <a:defRPr sz="1600" b="1"/>
             </a:lvl5pPr>
-            <a:lvl6pPr marL="2286000" indent="0">
+            <a:lvl6pPr marL="2285883" indent="0">
               <a:buNone/>
               <a:defRPr sz="1600" b="1"/>
             </a:lvl6pPr>
-            <a:lvl7pPr marL="2743200" indent="0">
+            <a:lvl7pPr marL="2743060" indent="0">
               <a:buNone/>
               <a:defRPr sz="1600" b="1"/>
             </a:lvl7pPr>
-            <a:lvl8pPr marL="3200400" indent="0">
+            <a:lvl8pPr marL="3200236" indent="0">
               <a:buNone/>
               <a:defRPr sz="1600" b="1"/>
             </a:lvl8pPr>
-            <a:lvl9pPr marL="3657600" indent="0">
+            <a:lvl9pPr marL="3657413" indent="0">
               <a:buNone/>
               <a:defRPr sz="1600" b="1"/>
             </a:lvl9pPr>
@@ -5028,35 +5111,35 @@
               <a:buNone/>
               <a:defRPr sz="2400" b="0"/>
             </a:lvl1pPr>
-            <a:lvl2pPr marL="457200" indent="0">
+            <a:lvl2pPr marL="457177" indent="0">
               <a:buNone/>
               <a:defRPr sz="2000" b="1"/>
             </a:lvl2pPr>
-            <a:lvl3pPr marL="914400" indent="0">
+            <a:lvl3pPr marL="914353" indent="0">
               <a:buNone/>
               <a:defRPr sz="1800" b="1"/>
             </a:lvl3pPr>
-            <a:lvl4pPr marL="1371600" indent="0">
+            <a:lvl4pPr marL="1371530" indent="0">
               <a:buNone/>
               <a:defRPr sz="1600" b="1"/>
             </a:lvl4pPr>
-            <a:lvl5pPr marL="1828800" indent="0">
+            <a:lvl5pPr marL="1828706" indent="0">
               <a:buNone/>
               <a:defRPr sz="1600" b="1"/>
             </a:lvl5pPr>
-            <a:lvl6pPr marL="2286000" indent="0">
+            <a:lvl6pPr marL="2285883" indent="0">
               <a:buNone/>
               <a:defRPr sz="1600" b="1"/>
             </a:lvl6pPr>
-            <a:lvl7pPr marL="2743200" indent="0">
+            <a:lvl7pPr marL="2743060" indent="0">
               <a:buNone/>
               <a:defRPr sz="1600" b="1"/>
             </a:lvl7pPr>
-            <a:lvl8pPr marL="3200400" indent="0">
+            <a:lvl8pPr marL="3200236" indent="0">
               <a:buNone/>
               <a:defRPr sz="1600" b="1"/>
             </a:lvl8pPr>
-            <a:lvl9pPr marL="3657600" indent="0">
+            <a:lvl9pPr marL="3657413" indent="0">
               <a:buNone/>
               <a:defRPr sz="1600" b="1"/>
             </a:lvl9pPr>
@@ -5169,7 +5252,7 @@
         </p:nvSpPr>
         <p:spPr>
           <a:xfrm>
-            <a:off x="6580094" y="188259"/>
+            <a:off x="6580094" y="188260"/>
             <a:ext cx="2133600" cy="365125"/>
           </a:xfrm>
         </p:spPr>
@@ -5198,7 +5281,7 @@
         </p:nvSpPr>
         <p:spPr>
           <a:xfrm>
-            <a:off x="1120588" y="188259"/>
+            <a:off x="1120588" y="188260"/>
             <a:ext cx="2895600" cy="365125"/>
           </a:xfrm>
         </p:spPr>
@@ -5714,11 +5797,11 @@
           </a:solidFill>
         </p:spPr>
         <p:txBody>
-          <a:bodyPr vert="horz" lIns="1188720" tIns="45720" rIns="274320" bIns="45720" rtlCol="0" anchor="ctr">
+          <a:bodyPr vert="horz" lIns="1188659" tIns="45718" rIns="274306" bIns="45718" rtlCol="0" anchor="ctr">
             <a:normAutofit/>
           </a:bodyPr>
           <a:lstStyle>
-            <a:lvl1pPr marL="0" indent="0" algn="l" defTabSz="914400" rtl="0" eaLnBrk="1" latinLnBrk="0" hangingPunct="1">
+            <a:lvl1pPr marL="0" indent="0" algn="l" defTabSz="914353" rtl="0" eaLnBrk="1" latinLnBrk="0" hangingPunct="1">
               <a:spcBef>
                 <a:spcPct val="0"/>
               </a:spcBef>
@@ -5869,11 +5952,11 @@
           </a:fontRef>
         </p:style>
         <p:txBody>
-          <a:bodyPr vert="horz" lIns="292608" tIns="274320" rIns="274320" bIns="274320" rtlCol="0" anchor="t" anchorCtr="0">
+          <a:bodyPr vert="horz" lIns="292593" tIns="274306" rIns="274306" bIns="274306" rtlCol="0" anchor="t" anchorCtr="0">
             <a:normAutofit/>
           </a:bodyPr>
           <a:lstStyle>
-            <a:lvl1pPr marL="0" indent="0" algn="l" defTabSz="914400" rtl="0" eaLnBrk="1" latinLnBrk="0" hangingPunct="1">
+            <a:lvl1pPr marL="0" indent="0" algn="l" defTabSz="914353" rtl="0" eaLnBrk="1" latinLnBrk="0" hangingPunct="1">
               <a:spcBef>
                 <a:spcPts val="2000"/>
               </a:spcBef>
@@ -5894,35 +5977,35 @@
                 <a:cs typeface="+mn-cs"/>
               </a:defRPr>
             </a:lvl1pPr>
-            <a:lvl2pPr marL="457200" indent="0">
+            <a:lvl2pPr marL="457177" indent="0">
               <a:buNone/>
               <a:defRPr sz="1200"/>
             </a:lvl2pPr>
-            <a:lvl3pPr marL="914400" indent="0">
+            <a:lvl3pPr marL="914353" indent="0">
               <a:buNone/>
               <a:defRPr sz="1000"/>
             </a:lvl3pPr>
-            <a:lvl4pPr marL="1371600" indent="0">
+            <a:lvl4pPr marL="1371530" indent="0">
               <a:buNone/>
               <a:defRPr sz="900"/>
             </a:lvl4pPr>
-            <a:lvl5pPr marL="1828800" indent="0">
+            <a:lvl5pPr marL="1828706" indent="0">
               <a:buNone/>
               <a:defRPr sz="900"/>
             </a:lvl5pPr>
-            <a:lvl6pPr marL="2286000" indent="0">
+            <a:lvl6pPr marL="2285883" indent="0">
               <a:buNone/>
               <a:defRPr sz="900"/>
             </a:lvl6pPr>
-            <a:lvl7pPr marL="2743200" indent="0">
+            <a:lvl7pPr marL="2743060" indent="0">
               <a:buNone/>
               <a:defRPr sz="900"/>
             </a:lvl7pPr>
-            <a:lvl8pPr marL="3200400" indent="0">
+            <a:lvl8pPr marL="3200236" indent="0">
               <a:buNone/>
               <a:defRPr sz="900"/>
             </a:lvl8pPr>
-            <a:lvl9pPr marL="3657600" indent="0">
+            <a:lvl9pPr marL="3657413" indent="0">
               <a:buNone/>
               <a:defRPr sz="900"/>
             </a:lvl9pPr>
@@ -5948,7 +6031,7 @@
         </p:nvSpPr>
         <p:spPr>
           <a:xfrm>
-            <a:off x="6580094" y="188259"/>
+            <a:off x="6580094" y="188260"/>
             <a:ext cx="2133600" cy="365125"/>
           </a:xfrm>
         </p:spPr>
@@ -6050,7 +6133,7 @@
         </p:nvSpPr>
         <p:spPr>
           <a:xfrm>
-            <a:off x="0" y="1123856"/>
+            <a:off x="1" y="1123856"/>
             <a:ext cx="8913813" cy="914400"/>
           </a:xfrm>
           <a:prstGeom prst="rect">
@@ -6061,7 +6144,7 @@
           </a:solidFill>
         </p:spPr>
         <p:txBody>
-          <a:bodyPr vert="horz" lIns="1188720" tIns="45720" rIns="274320" bIns="45720" rtlCol="0" anchor="ctr">
+          <a:bodyPr vert="horz" lIns="1188659" tIns="45718" rIns="274306" bIns="45718" rtlCol="0" anchor="ctr">
             <a:normAutofit/>
           </a:bodyPr>
           <a:lstStyle/>
@@ -6086,7 +6169,7 @@
         </p:nvSpPr>
         <p:spPr>
           <a:xfrm>
-            <a:off x="1114424" y="2595562"/>
+            <a:off x="1114424" y="2595563"/>
             <a:ext cx="7610476" cy="3670767"/>
           </a:xfrm>
           <a:prstGeom prst="rect">
@@ -6094,7 +6177,7 @@
           </a:prstGeom>
         </p:spPr>
         <p:txBody>
-          <a:bodyPr vert="horz" lIns="91440" tIns="45720" rIns="91440" bIns="45720" rtlCol="0">
+          <a:bodyPr vert="horz" lIns="91435" tIns="45718" rIns="91435" bIns="45718" rtlCol="0">
             <a:normAutofit/>
           </a:bodyPr>
           <a:lstStyle/>
@@ -6148,7 +6231,7 @@
         </p:nvSpPr>
         <p:spPr>
           <a:xfrm>
-            <a:off x="6580094" y="188259"/>
+            <a:off x="6580094" y="188260"/>
             <a:ext cx="2133600" cy="365125"/>
           </a:xfrm>
           <a:prstGeom prst="rect">
@@ -6156,7 +6239,7 @@
           </a:prstGeom>
         </p:spPr>
         <p:txBody>
-          <a:bodyPr vert="horz" lIns="91440" tIns="45720" rIns="91440" bIns="45720" rtlCol="0" anchor="ctr"/>
+          <a:bodyPr vert="horz" lIns="91435" tIns="45718" rIns="91435" bIns="45718" rtlCol="0" anchor="ctr"/>
           <a:lstStyle>
             <a:lvl1pPr algn="r">
               <a:defRPr sz="1000">
@@ -6191,7 +6274,7 @@
         </p:nvSpPr>
         <p:spPr>
           <a:xfrm>
-            <a:off x="1120588" y="188259"/>
+            <a:off x="1120588" y="188260"/>
             <a:ext cx="2895600" cy="365125"/>
           </a:xfrm>
           <a:prstGeom prst="rect">
@@ -6199,7 +6282,7 @@
           </a:prstGeom>
         </p:spPr>
         <p:txBody>
-          <a:bodyPr vert="horz" lIns="91440" tIns="45720" rIns="91440" bIns="45720" rtlCol="0" anchor="ctr"/>
+          <a:bodyPr vert="horz" lIns="91435" tIns="45718" rIns="91435" bIns="45718" rtlCol="0" anchor="ctr"/>
           <a:lstStyle>
             <a:lvl1pPr algn="l">
               <a:defRPr sz="1000">
@@ -6229,7 +6312,7 @@
         </p:nvSpPr>
         <p:spPr>
           <a:xfrm>
-            <a:off x="8789894" y="6569075"/>
+            <a:off x="8789894" y="6569076"/>
             <a:ext cx="457200" cy="365125"/>
           </a:xfrm>
           <a:prstGeom prst="rect">
@@ -6237,7 +6320,7 @@
           </a:prstGeom>
         </p:spPr>
         <p:txBody>
-          <a:bodyPr vert="horz" lIns="91440" tIns="45720" rIns="91440" bIns="45720" rtlCol="0" anchor="ctr"/>
+          <a:bodyPr vert="horz" lIns="91435" tIns="45718" rIns="91435" bIns="45718" rtlCol="0" anchor="ctr"/>
           <a:lstStyle>
             <a:lvl1pPr algn="ctr">
               <a:defRPr sz="800">
@@ -6268,7 +6351,7 @@
         </p:nvSpPr>
         <p:spPr>
           <a:xfrm>
-            <a:off x="914400" y="0"/>
+            <a:off x="914401" y="0"/>
             <a:ext cx="7999413" cy="182880"/>
           </a:xfrm>
           <a:prstGeom prst="rect">
@@ -6301,7 +6384,7 @@
           </a:fontRef>
         </p:style>
         <p:txBody>
-          <a:bodyPr rtlCol="0" anchor="ctr"/>
+          <a:bodyPr lIns="91435" tIns="45718" rIns="91435" bIns="45718" rtlCol="0" anchor="ctr"/>
           <a:lstStyle/>
           <a:p>
             <a:pPr algn="ctr"/>
@@ -6317,7 +6400,7 @@
         </p:nvSpPr>
         <p:spPr>
           <a:xfrm>
-            <a:off x="914400" y="6675120"/>
+            <a:off x="914401" y="6675120"/>
             <a:ext cx="7999413" cy="182880"/>
           </a:xfrm>
           <a:prstGeom prst="rect">
@@ -6350,7 +6433,7 @@
           </a:fontRef>
         </p:style>
         <p:txBody>
-          <a:bodyPr rtlCol="0" anchor="ctr"/>
+          <a:bodyPr lIns="91435" tIns="45718" rIns="91435" bIns="45718" rtlCol="0" anchor="ctr"/>
           <a:lstStyle/>
           <a:p>
             <a:pPr algn="ctr"/>
@@ -6381,7 +6464,7 @@
   <p:hf sldNum="0" hdr="0" ftr="0" dt="0"/>
   <p:txStyles>
     <p:titleStyle>
-      <a:lvl1pPr marL="0" indent="0" algn="l" defTabSz="914400" rtl="0" eaLnBrk="1" latinLnBrk="0" hangingPunct="1">
+      <a:lvl1pPr marL="0" indent="0" algn="l" defTabSz="914353" rtl="0" eaLnBrk="1" latinLnBrk="0" hangingPunct="1">
         <a:spcBef>
           <a:spcPct val="0"/>
         </a:spcBef>
@@ -6397,7 +6480,7 @@
       </a:lvl1pPr>
     </p:titleStyle>
     <p:bodyStyle>
-      <a:lvl1pPr marL="342900" indent="-342900" algn="l" defTabSz="914400" rtl="0" eaLnBrk="1" latinLnBrk="0" hangingPunct="1">
+      <a:lvl1pPr marL="342882" indent="-342882" algn="l" defTabSz="914353" rtl="0" eaLnBrk="1" latinLnBrk="0" hangingPunct="1">
         <a:spcBef>
           <a:spcPts val="2000"/>
         </a:spcBef>
@@ -6418,7 +6501,7 @@
           <a:cs typeface="+mn-cs"/>
         </a:defRPr>
       </a:lvl1pPr>
-      <a:lvl2pPr marL="685800" indent="-336550" algn="l" defTabSz="914400" rtl="0" eaLnBrk="1" latinLnBrk="0" hangingPunct="1">
+      <a:lvl2pPr marL="685765" indent="-336532" algn="l" defTabSz="914353" rtl="0" eaLnBrk="1" latinLnBrk="0" hangingPunct="1">
         <a:spcBef>
           <a:spcPts val="600"/>
         </a:spcBef>
@@ -6441,7 +6524,7 @@
           <a:cs typeface="+mn-cs"/>
         </a:defRPr>
       </a:lvl2pPr>
-      <a:lvl3pPr marL="1035050" indent="-349250" algn="l" defTabSz="914400" rtl="0" eaLnBrk="1" latinLnBrk="0" hangingPunct="1">
+      <a:lvl3pPr marL="1034997" indent="-349232" algn="l" defTabSz="914353" rtl="0" eaLnBrk="1" latinLnBrk="0" hangingPunct="1">
         <a:spcBef>
           <a:spcPts val="600"/>
         </a:spcBef>
@@ -6462,7 +6545,7 @@
           <a:cs typeface="+mn-cs"/>
         </a:defRPr>
       </a:lvl3pPr>
-      <a:lvl4pPr marL="1371600" indent="-336550" algn="l" defTabSz="914400" rtl="0" eaLnBrk="1" latinLnBrk="0" hangingPunct="1">
+      <a:lvl4pPr marL="1371530" indent="-336532" algn="l" defTabSz="914353" rtl="0" eaLnBrk="1" latinLnBrk="0" hangingPunct="1">
         <a:spcBef>
           <a:spcPts val="600"/>
         </a:spcBef>
@@ -6485,7 +6568,7 @@
           <a:cs typeface="+mn-cs"/>
         </a:defRPr>
       </a:lvl4pPr>
-      <a:lvl5pPr marL="1720850" indent="-349250" algn="l" defTabSz="914400" rtl="0" eaLnBrk="1" latinLnBrk="0" hangingPunct="1">
+      <a:lvl5pPr marL="1720762" indent="-349232" algn="l" defTabSz="914353" rtl="0" eaLnBrk="1" latinLnBrk="0" hangingPunct="1">
         <a:spcBef>
           <a:spcPts val="600"/>
         </a:spcBef>
@@ -6506,7 +6589,7 @@
           <a:cs typeface="+mn-cs"/>
         </a:defRPr>
       </a:lvl5pPr>
-      <a:lvl6pPr marL="2514600" indent="-228600" algn="l" defTabSz="914400" rtl="0" eaLnBrk="1" latinLnBrk="0" hangingPunct="1">
+      <a:lvl6pPr marL="2514471" indent="-228588" algn="l" defTabSz="914353" rtl="0" eaLnBrk="1" latinLnBrk="0" hangingPunct="1">
         <a:spcBef>
           <a:spcPct val="20000"/>
         </a:spcBef>
@@ -6521,7 +6604,7 @@
           <a:cs typeface="+mn-cs"/>
         </a:defRPr>
       </a:lvl6pPr>
-      <a:lvl7pPr marL="2971800" indent="-228600" algn="l" defTabSz="914400" rtl="0" eaLnBrk="1" latinLnBrk="0" hangingPunct="1">
+      <a:lvl7pPr marL="2971648" indent="-228588" algn="l" defTabSz="914353" rtl="0" eaLnBrk="1" latinLnBrk="0" hangingPunct="1">
         <a:spcBef>
           <a:spcPct val="20000"/>
         </a:spcBef>
@@ -6536,7 +6619,7 @@
           <a:cs typeface="+mn-cs"/>
         </a:defRPr>
       </a:lvl7pPr>
-      <a:lvl8pPr marL="3429000" indent="-228600" algn="l" defTabSz="914400" rtl="0" eaLnBrk="1" latinLnBrk="0" hangingPunct="1">
+      <a:lvl8pPr marL="3428825" indent="-228588" algn="l" defTabSz="914353" rtl="0" eaLnBrk="1" latinLnBrk="0" hangingPunct="1">
         <a:spcBef>
           <a:spcPct val="20000"/>
         </a:spcBef>
@@ -6551,7 +6634,7 @@
           <a:cs typeface="+mn-cs"/>
         </a:defRPr>
       </a:lvl8pPr>
-      <a:lvl9pPr marL="3886200" indent="-228600" algn="l" defTabSz="914400" rtl="0" eaLnBrk="1" latinLnBrk="0" hangingPunct="1">
+      <a:lvl9pPr marL="3886001" indent="-228588" algn="l" defTabSz="914353" rtl="0" eaLnBrk="1" latinLnBrk="0" hangingPunct="1">
         <a:spcBef>
           <a:spcPct val="20000"/>
         </a:spcBef>
@@ -6571,7 +6654,7 @@
       <a:defPPr>
         <a:defRPr/>
       </a:defPPr>
-      <a:lvl1pPr marL="0" algn="l" defTabSz="914400" rtl="0" eaLnBrk="1" latinLnBrk="0" hangingPunct="1">
+      <a:lvl1pPr marL="0" algn="l" defTabSz="914353" rtl="0" eaLnBrk="1" latinLnBrk="0" hangingPunct="1">
         <a:defRPr sz="1800" kern="1200">
           <a:solidFill>
             <a:schemeClr val="tx1"/>
@@ -6581,7 +6664,7 @@
           <a:cs typeface="+mn-cs"/>
         </a:defRPr>
       </a:lvl1pPr>
-      <a:lvl2pPr marL="457200" algn="l" defTabSz="914400" rtl="0" eaLnBrk="1" latinLnBrk="0" hangingPunct="1">
+      <a:lvl2pPr marL="457177" algn="l" defTabSz="914353" rtl="0" eaLnBrk="1" latinLnBrk="0" hangingPunct="1">
         <a:defRPr sz="1800" kern="1200">
           <a:solidFill>
             <a:schemeClr val="tx1"/>
@@ -6591,7 +6674,7 @@
           <a:cs typeface="+mn-cs"/>
         </a:defRPr>
       </a:lvl2pPr>
-      <a:lvl3pPr marL="914400" algn="l" defTabSz="914400" rtl="0" eaLnBrk="1" latinLnBrk="0" hangingPunct="1">
+      <a:lvl3pPr marL="914353" algn="l" defTabSz="914353" rtl="0" eaLnBrk="1" latinLnBrk="0" hangingPunct="1">
         <a:defRPr sz="1800" kern="1200">
           <a:solidFill>
             <a:schemeClr val="tx1"/>
@@ -6601,7 +6684,7 @@
           <a:cs typeface="+mn-cs"/>
         </a:defRPr>
       </a:lvl3pPr>
-      <a:lvl4pPr marL="1371600" algn="l" defTabSz="914400" rtl="0" eaLnBrk="1" latinLnBrk="0" hangingPunct="1">
+      <a:lvl4pPr marL="1371530" algn="l" defTabSz="914353" rtl="0" eaLnBrk="1" latinLnBrk="0" hangingPunct="1">
         <a:defRPr sz="1800" kern="1200">
           <a:solidFill>
             <a:schemeClr val="tx1"/>
@@ -6611,7 +6694,7 @@
           <a:cs typeface="+mn-cs"/>
         </a:defRPr>
       </a:lvl4pPr>
-      <a:lvl5pPr marL="1828800" algn="l" defTabSz="914400" rtl="0" eaLnBrk="1" latinLnBrk="0" hangingPunct="1">
+      <a:lvl5pPr marL="1828706" algn="l" defTabSz="914353" rtl="0" eaLnBrk="1" latinLnBrk="0" hangingPunct="1">
         <a:defRPr sz="1800" kern="1200">
           <a:solidFill>
             <a:schemeClr val="tx1"/>
@@ -6621,7 +6704,7 @@
           <a:cs typeface="+mn-cs"/>
         </a:defRPr>
       </a:lvl5pPr>
-      <a:lvl6pPr marL="2286000" algn="l" defTabSz="914400" rtl="0" eaLnBrk="1" latinLnBrk="0" hangingPunct="1">
+      <a:lvl6pPr marL="2285883" algn="l" defTabSz="914353" rtl="0" eaLnBrk="1" latinLnBrk="0" hangingPunct="1">
         <a:defRPr sz="1800" kern="1200">
           <a:solidFill>
             <a:schemeClr val="tx1"/>
@@ -6631,7 +6714,7 @@
           <a:cs typeface="+mn-cs"/>
         </a:defRPr>
       </a:lvl6pPr>
-      <a:lvl7pPr marL="2743200" algn="l" defTabSz="914400" rtl="0" eaLnBrk="1" latinLnBrk="0" hangingPunct="1">
+      <a:lvl7pPr marL="2743060" algn="l" defTabSz="914353" rtl="0" eaLnBrk="1" latinLnBrk="0" hangingPunct="1">
         <a:defRPr sz="1800" kern="1200">
           <a:solidFill>
             <a:schemeClr val="tx1"/>
@@ -6641,7 +6724,7 @@
           <a:cs typeface="+mn-cs"/>
         </a:defRPr>
       </a:lvl7pPr>
-      <a:lvl8pPr marL="3200400" algn="l" defTabSz="914400" rtl="0" eaLnBrk="1" latinLnBrk="0" hangingPunct="1">
+      <a:lvl8pPr marL="3200236" algn="l" defTabSz="914353" rtl="0" eaLnBrk="1" latinLnBrk="0" hangingPunct="1">
         <a:defRPr sz="1800" kern="1200">
           <a:solidFill>
             <a:schemeClr val="tx1"/>
@@ -6651,7 +6734,7 @@
           <a:cs typeface="+mn-cs"/>
         </a:defRPr>
       </a:lvl8pPr>
-      <a:lvl9pPr marL="3657600" algn="l" defTabSz="914400" rtl="0" eaLnBrk="1" latinLnBrk="0" hangingPunct="1">
+      <a:lvl9pPr marL="3657413" algn="l" defTabSz="914353" rtl="0" eaLnBrk="1" latinLnBrk="0" hangingPunct="1">
         <a:defRPr sz="1800" kern="1200">
           <a:solidFill>
             <a:schemeClr val="tx1"/>
@@ -6750,7 +6833,7 @@
           </a:ln>
         </p:spPr>
         <p:txBody>
-          <a:bodyPr vert="horz" wrap="square" lIns="91440" tIns="45720" rIns="91440" bIns="45720" numCol="1" anchor="t" anchorCtr="0" compatLnSpc="1">
+          <a:bodyPr vert="horz" wrap="square" lIns="91435" tIns="45718" rIns="91435" bIns="45718" numCol="1" anchor="t" anchorCtr="0" compatLnSpc="1">
             <a:prstTxWarp prst="textNoShape">
               <a:avLst/>
             </a:prstTxWarp>
@@ -6792,7 +6875,7 @@
           </a:ln>
         </p:spPr>
         <p:txBody>
-          <a:bodyPr vert="horz" wrap="square" lIns="91440" tIns="45720" rIns="91440" bIns="45720" numCol="1" anchor="t" anchorCtr="0" compatLnSpc="1">
+          <a:bodyPr vert="horz" wrap="square" lIns="91435" tIns="45718" rIns="91435" bIns="45718" numCol="1" anchor="t" anchorCtr="0" compatLnSpc="1">
             <a:prstTxWarp prst="textNoShape">
               <a:avLst/>
             </a:prstTxWarp>
@@ -6847,7 +6930,7 @@
         </p:nvSpPr>
         <p:spPr bwMode="auto">
           <a:xfrm>
-            <a:off x="6324600" y="6553200"/>
+            <a:off x="6324601" y="6553200"/>
             <a:ext cx="1752600" cy="457200"/>
           </a:xfrm>
           <a:prstGeom prst="rect">
@@ -6862,7 +6945,7 @@
           </a:ln>
         </p:spPr>
         <p:txBody>
-          <a:bodyPr vert="horz" wrap="square" lIns="91440" tIns="45720" rIns="91440" bIns="45720" numCol="1" anchor="t" anchorCtr="0" compatLnSpc="1">
+          <a:bodyPr vert="horz" wrap="square" lIns="91435" tIns="45718" rIns="91435" bIns="45718" numCol="1" anchor="t" anchorCtr="0" compatLnSpc="1">
             <a:prstTxWarp prst="textNoShape">
               <a:avLst/>
             </a:prstTxWarp>
@@ -6898,7 +6981,7 @@
         </p:nvSpPr>
         <p:spPr bwMode="auto">
           <a:xfrm>
-            <a:off x="304800" y="6553200"/>
+            <a:off x="304800" y="6553201"/>
             <a:ext cx="5486400" cy="609600"/>
           </a:xfrm>
           <a:prstGeom prst="rect">
@@ -6913,7 +6996,7 @@
           </a:ln>
         </p:spPr>
         <p:txBody>
-          <a:bodyPr vert="horz" wrap="square" lIns="91440" tIns="45720" rIns="91440" bIns="45720" numCol="1" anchor="t" anchorCtr="0" compatLnSpc="1">
+          <a:bodyPr vert="horz" wrap="square" lIns="91435" tIns="45718" rIns="91435" bIns="45718" numCol="1" anchor="t" anchorCtr="0" compatLnSpc="1">
             <a:prstTxWarp prst="textNoShape">
               <a:avLst/>
             </a:prstTxWarp>
@@ -6967,7 +7050,7 @@
           </a:ln>
         </p:spPr>
         <p:txBody>
-          <a:bodyPr vert="horz" wrap="square" lIns="91440" tIns="45720" rIns="91440" bIns="45720" numCol="1" anchor="t" anchorCtr="0" compatLnSpc="1">
+          <a:bodyPr vert="horz" wrap="square" lIns="91435" tIns="45718" rIns="91435" bIns="45718" numCol="1" anchor="t" anchorCtr="0" compatLnSpc="1">
             <a:prstTxWarp prst="textNoShape">
               <a:avLst/>
             </a:prstTxWarp>
@@ -7102,7 +7185,7 @@
           <a:latin typeface="Arial" charset="0"/>
         </a:defRPr>
       </a:lvl5pPr>
-      <a:lvl6pPr marL="457200" algn="l" rtl="0" fontAlgn="base">
+      <a:lvl6pPr marL="457177" algn="l" rtl="0" fontAlgn="base">
         <a:spcBef>
           <a:spcPct val="0"/>
         </a:spcBef>
@@ -7121,7 +7204,7 @@
           <a:latin typeface="Arial" charset="0"/>
         </a:defRPr>
       </a:lvl6pPr>
-      <a:lvl7pPr marL="914400" algn="l" rtl="0" fontAlgn="base">
+      <a:lvl7pPr marL="914353" algn="l" rtl="0" fontAlgn="base">
         <a:spcBef>
           <a:spcPct val="0"/>
         </a:spcBef>
@@ -7140,7 +7223,7 @@
           <a:latin typeface="Arial" charset="0"/>
         </a:defRPr>
       </a:lvl7pPr>
-      <a:lvl8pPr marL="1371600" algn="l" rtl="0" fontAlgn="base">
+      <a:lvl8pPr marL="1371530" algn="l" rtl="0" fontAlgn="base">
         <a:spcBef>
           <a:spcPct val="0"/>
         </a:spcBef>
@@ -7159,7 +7242,7 @@
           <a:latin typeface="Arial" charset="0"/>
         </a:defRPr>
       </a:lvl8pPr>
-      <a:lvl9pPr marL="1828800" algn="l" rtl="0" fontAlgn="base">
+      <a:lvl9pPr marL="1828706" algn="l" rtl="0" fontAlgn="base">
         <a:spcBef>
           <a:spcPct val="0"/>
         </a:spcBef>
@@ -7180,7 +7263,7 @@
       </a:lvl9pPr>
     </p:titleStyle>
     <p:bodyStyle>
-      <a:lvl1pPr marL="342900" indent="-342900" algn="l" rtl="0" fontAlgn="base">
+      <a:lvl1pPr marL="342882" indent="-342882" algn="l" rtl="0" fontAlgn="base">
         <a:spcBef>
           <a:spcPct val="20000"/>
         </a:spcBef>
@@ -7202,7 +7285,7 @@
           <a:cs typeface="+mn-cs"/>
         </a:defRPr>
       </a:lvl1pPr>
-      <a:lvl2pPr marL="742950" indent="-285750" algn="l" rtl="0" fontAlgn="base">
+      <a:lvl2pPr marL="742912" indent="-285736" algn="l" rtl="0" fontAlgn="base">
         <a:spcBef>
           <a:spcPct val="20000"/>
         </a:spcBef>
@@ -7218,7 +7301,7 @@
           <a:ea typeface="ＭＳ Ｐゴシック" charset="-128"/>
         </a:defRPr>
       </a:lvl2pPr>
-      <a:lvl3pPr marL="1143000" indent="-228600" algn="l" rtl="0" fontAlgn="base">
+      <a:lvl3pPr marL="1142942" indent="-228588" algn="l" rtl="0" fontAlgn="base">
         <a:spcBef>
           <a:spcPct val="20000"/>
         </a:spcBef>
@@ -7234,7 +7317,7 @@
           <a:ea typeface="ＭＳ Ｐゴシック" charset="-128"/>
         </a:defRPr>
       </a:lvl3pPr>
-      <a:lvl4pPr marL="1600200" indent="-228600" algn="l" rtl="0" fontAlgn="base">
+      <a:lvl4pPr marL="1600118" indent="-228588" algn="l" rtl="0" fontAlgn="base">
         <a:spcBef>
           <a:spcPct val="20000"/>
         </a:spcBef>
@@ -7250,7 +7333,7 @@
           <a:ea typeface="ＭＳ Ｐゴシック" charset="-128"/>
         </a:defRPr>
       </a:lvl4pPr>
-      <a:lvl5pPr marL="2057400" indent="-228600" algn="l" rtl="0" fontAlgn="base">
+      <a:lvl5pPr marL="2057295" indent="-228588" algn="l" rtl="0" fontAlgn="base">
         <a:spcBef>
           <a:spcPct val="20000"/>
         </a:spcBef>
@@ -7266,7 +7349,7 @@
           <a:ea typeface="ＭＳ Ｐゴシック" charset="-128"/>
         </a:defRPr>
       </a:lvl5pPr>
-      <a:lvl6pPr marL="2514600" indent="-228600" algn="l" rtl="0" fontAlgn="base">
+      <a:lvl6pPr marL="2514471" indent="-228588" algn="l" rtl="0" fontAlgn="base">
         <a:spcBef>
           <a:spcPct val="20000"/>
         </a:spcBef>
@@ -7282,7 +7365,7 @@
           <a:ea typeface="ＭＳ Ｐゴシック" charset="-128"/>
         </a:defRPr>
       </a:lvl6pPr>
-      <a:lvl7pPr marL="2971800" indent="-228600" algn="l" rtl="0" fontAlgn="base">
+      <a:lvl7pPr marL="2971648" indent="-228588" algn="l" rtl="0" fontAlgn="base">
         <a:spcBef>
           <a:spcPct val="20000"/>
         </a:spcBef>
@@ -7298,7 +7381,7 @@
           <a:ea typeface="ＭＳ Ｐゴシック" charset="-128"/>
         </a:defRPr>
       </a:lvl7pPr>
-      <a:lvl8pPr marL="3429000" indent="-228600" algn="l" rtl="0" fontAlgn="base">
+      <a:lvl8pPr marL="3428825" indent="-228588" algn="l" rtl="0" fontAlgn="base">
         <a:spcBef>
           <a:spcPct val="20000"/>
         </a:spcBef>
@@ -7314,7 +7397,7 @@
           <a:ea typeface="ＭＳ Ｐゴシック" charset="-128"/>
         </a:defRPr>
       </a:lvl8pPr>
-      <a:lvl9pPr marL="3886200" indent="-228600" algn="l" rtl="0" fontAlgn="base">
+      <a:lvl9pPr marL="3886001" indent="-228588" algn="l" rtl="0" fontAlgn="base">
         <a:spcBef>
           <a:spcPct val="20000"/>
         </a:spcBef>
@@ -7335,7 +7418,7 @@
       <a:defPPr>
         <a:defRPr lang="en-US"/>
       </a:defPPr>
-      <a:lvl1pPr marL="0" algn="l" defTabSz="457200" rtl="0" eaLnBrk="1" latinLnBrk="0" hangingPunct="1">
+      <a:lvl1pPr marL="0" algn="l" defTabSz="457177" rtl="0" eaLnBrk="1" latinLnBrk="0" hangingPunct="1">
         <a:defRPr sz="1800" kern="1200">
           <a:solidFill>
             <a:schemeClr val="tx1"/>
@@ -7345,7 +7428,7 @@
           <a:cs typeface="+mn-cs"/>
         </a:defRPr>
       </a:lvl1pPr>
-      <a:lvl2pPr marL="457200" algn="l" defTabSz="457200" rtl="0" eaLnBrk="1" latinLnBrk="0" hangingPunct="1">
+      <a:lvl2pPr marL="457177" algn="l" defTabSz="457177" rtl="0" eaLnBrk="1" latinLnBrk="0" hangingPunct="1">
         <a:defRPr sz="1800" kern="1200">
           <a:solidFill>
             <a:schemeClr val="tx1"/>
@@ -7355,7 +7438,7 @@
           <a:cs typeface="+mn-cs"/>
         </a:defRPr>
       </a:lvl2pPr>
-      <a:lvl3pPr marL="914400" algn="l" defTabSz="457200" rtl="0" eaLnBrk="1" latinLnBrk="0" hangingPunct="1">
+      <a:lvl3pPr marL="914353" algn="l" defTabSz="457177" rtl="0" eaLnBrk="1" latinLnBrk="0" hangingPunct="1">
         <a:defRPr sz="1800" kern="1200">
           <a:solidFill>
             <a:schemeClr val="tx1"/>
@@ -7365,7 +7448,7 @@
           <a:cs typeface="+mn-cs"/>
         </a:defRPr>
       </a:lvl3pPr>
-      <a:lvl4pPr marL="1371600" algn="l" defTabSz="457200" rtl="0" eaLnBrk="1" latinLnBrk="0" hangingPunct="1">
+      <a:lvl4pPr marL="1371530" algn="l" defTabSz="457177" rtl="0" eaLnBrk="1" latinLnBrk="0" hangingPunct="1">
         <a:defRPr sz="1800" kern="1200">
           <a:solidFill>
             <a:schemeClr val="tx1"/>
@@ -7375,7 +7458,7 @@
           <a:cs typeface="+mn-cs"/>
         </a:defRPr>
       </a:lvl4pPr>
-      <a:lvl5pPr marL="1828800" algn="l" defTabSz="457200" rtl="0" eaLnBrk="1" latinLnBrk="0" hangingPunct="1">
+      <a:lvl5pPr marL="1828706" algn="l" defTabSz="457177" rtl="0" eaLnBrk="1" latinLnBrk="0" hangingPunct="1">
         <a:defRPr sz="1800" kern="1200">
           <a:solidFill>
             <a:schemeClr val="tx1"/>
@@ -7385,7 +7468,7 @@
           <a:cs typeface="+mn-cs"/>
         </a:defRPr>
       </a:lvl5pPr>
-      <a:lvl6pPr marL="2286000" algn="l" defTabSz="457200" rtl="0" eaLnBrk="1" latinLnBrk="0" hangingPunct="1">
+      <a:lvl6pPr marL="2285883" algn="l" defTabSz="457177" rtl="0" eaLnBrk="1" latinLnBrk="0" hangingPunct="1">
         <a:defRPr sz="1800" kern="1200">
           <a:solidFill>
             <a:schemeClr val="tx1"/>
@@ -7395,7 +7478,7 @@
           <a:cs typeface="+mn-cs"/>
         </a:defRPr>
       </a:lvl6pPr>
-      <a:lvl7pPr marL="2743200" algn="l" defTabSz="457200" rtl="0" eaLnBrk="1" latinLnBrk="0" hangingPunct="1">
+      <a:lvl7pPr marL="2743060" algn="l" defTabSz="457177" rtl="0" eaLnBrk="1" latinLnBrk="0" hangingPunct="1">
         <a:defRPr sz="1800" kern="1200">
           <a:solidFill>
             <a:schemeClr val="tx1"/>
@@ -7405,7 +7488,7 @@
           <a:cs typeface="+mn-cs"/>
         </a:defRPr>
       </a:lvl7pPr>
-      <a:lvl8pPr marL="3200400" algn="l" defTabSz="457200" rtl="0" eaLnBrk="1" latinLnBrk="0" hangingPunct="1">
+      <a:lvl8pPr marL="3200236" algn="l" defTabSz="457177" rtl="0" eaLnBrk="1" latinLnBrk="0" hangingPunct="1">
         <a:defRPr sz="1800" kern="1200">
           <a:solidFill>
             <a:schemeClr val="tx1"/>
@@ -7415,7 +7498,7 @@
           <a:cs typeface="+mn-cs"/>
         </a:defRPr>
       </a:lvl8pPr>
-      <a:lvl9pPr marL="3657600" algn="l" defTabSz="457200" rtl="0" eaLnBrk="1" latinLnBrk="0" hangingPunct="1">
+      <a:lvl9pPr marL="3657413" algn="l" defTabSz="457177" rtl="0" eaLnBrk="1" latinLnBrk="0" hangingPunct="1">
         <a:defRPr sz="1800" kern="1200">
           <a:solidFill>
             <a:schemeClr val="tx1"/>
@@ -7464,7 +7547,7 @@
         </p:nvSpPr>
         <p:spPr>
           <a:xfrm>
-            <a:off x="1114424" y="263714"/>
+            <a:off x="1114425" y="263714"/>
             <a:ext cx="8029576" cy="914400"/>
           </a:xfrm>
           <a:prstGeom prst="rect">
@@ -7475,7 +7558,7 @@
           </a:solidFill>
         </p:spPr>
         <p:txBody>
-          <a:bodyPr vert="horz" lIns="1188720" tIns="45720" rIns="274320" bIns="45720" rtlCol="0" anchor="ctr">
+          <a:bodyPr vert="horz" lIns="1188659" tIns="45718" rIns="274306" bIns="45718" rtlCol="0" anchor="ctr">
             <a:normAutofit/>
           </a:bodyPr>
           <a:lstStyle/>
@@ -7508,7 +7591,7 @@
           </a:prstGeom>
         </p:spPr>
         <p:txBody>
-          <a:bodyPr vert="horz" lIns="91440" tIns="45720" rIns="91440" bIns="45720" rtlCol="0">
+          <a:bodyPr vert="horz" lIns="91435" tIns="45718" rIns="91435" bIns="45718" rtlCol="0">
             <a:normAutofit/>
           </a:bodyPr>
           <a:lstStyle/>
@@ -7562,7 +7645,7 @@
         </p:nvSpPr>
         <p:spPr>
           <a:xfrm>
-            <a:off x="6580094" y="188259"/>
+            <a:off x="6580094" y="188260"/>
             <a:ext cx="2133600" cy="365125"/>
           </a:xfrm>
           <a:prstGeom prst="rect">
@@ -7570,7 +7653,7 @@
           </a:prstGeom>
         </p:spPr>
         <p:txBody>
-          <a:bodyPr vert="horz" lIns="91440" tIns="45720" rIns="91440" bIns="45720" rtlCol="0" anchor="ctr"/>
+          <a:bodyPr vert="horz" lIns="91435" tIns="45718" rIns="91435" bIns="45718" rtlCol="0" anchor="ctr"/>
           <a:lstStyle>
             <a:lvl1pPr algn="r">
               <a:defRPr sz="1000">
@@ -7605,7 +7688,7 @@
         </p:nvSpPr>
         <p:spPr>
           <a:xfrm>
-            <a:off x="1120588" y="188259"/>
+            <a:off x="1120588" y="188260"/>
             <a:ext cx="2895600" cy="365125"/>
           </a:xfrm>
           <a:prstGeom prst="rect">
@@ -7613,7 +7696,7 @@
           </a:prstGeom>
         </p:spPr>
         <p:txBody>
-          <a:bodyPr vert="horz" lIns="91440" tIns="45720" rIns="91440" bIns="45720" rtlCol="0" anchor="ctr"/>
+          <a:bodyPr vert="horz" lIns="91435" tIns="45718" rIns="91435" bIns="45718" rtlCol="0" anchor="ctr"/>
           <a:lstStyle>
             <a:lvl1pPr algn="l">
               <a:defRPr sz="1000">
@@ -7643,7 +7726,7 @@
         </p:nvSpPr>
         <p:spPr>
           <a:xfrm>
-            <a:off x="8789894" y="6569075"/>
+            <a:off x="8789894" y="6569076"/>
             <a:ext cx="457200" cy="365125"/>
           </a:xfrm>
           <a:prstGeom prst="rect">
@@ -7651,7 +7734,7 @@
           </a:prstGeom>
         </p:spPr>
         <p:txBody>
-          <a:bodyPr vert="horz" lIns="91440" tIns="45720" rIns="91440" bIns="45720" rtlCol="0" anchor="ctr"/>
+          <a:bodyPr vert="horz" lIns="91435" tIns="45718" rIns="91435" bIns="45718" rtlCol="0" anchor="ctr"/>
           <a:lstStyle>
             <a:lvl1pPr algn="ctr">
               <a:defRPr sz="800">
@@ -7682,7 +7765,7 @@
         </p:nvSpPr>
         <p:spPr>
           <a:xfrm>
-            <a:off x="914400" y="0"/>
+            <a:off x="914401" y="0"/>
             <a:ext cx="7999413" cy="182880"/>
           </a:xfrm>
           <a:prstGeom prst="rect">
@@ -7715,7 +7798,7 @@
           </a:fontRef>
         </p:style>
         <p:txBody>
-          <a:bodyPr rtlCol="0" anchor="ctr"/>
+          <a:bodyPr lIns="91435" tIns="45718" rIns="91435" bIns="45718" rtlCol="0" anchor="ctr"/>
           <a:lstStyle/>
           <a:p>
             <a:pPr algn="ctr"/>
@@ -7731,7 +7814,7 @@
         </p:nvSpPr>
         <p:spPr>
           <a:xfrm>
-            <a:off x="914400" y="6675120"/>
+            <a:off x="914401" y="6675120"/>
             <a:ext cx="7999413" cy="182880"/>
           </a:xfrm>
           <a:prstGeom prst="rect">
@@ -7764,7 +7847,7 @@
           </a:fontRef>
         </p:style>
         <p:txBody>
-          <a:bodyPr rtlCol="0" anchor="ctr"/>
+          <a:bodyPr lIns="91435" tIns="45718" rIns="91435" bIns="45718" rtlCol="0" anchor="ctr"/>
           <a:lstStyle/>
           <a:p>
             <a:pPr algn="ctr"/>
@@ -7789,7 +7872,7 @@
         </p:blipFill>
         <p:spPr bwMode="auto">
           <a:xfrm>
-            <a:off x="94958" y="263714"/>
+            <a:off x="94959" y="263714"/>
             <a:ext cx="786525" cy="709637"/>
           </a:xfrm>
           <a:prstGeom prst="rect">
@@ -7812,7 +7895,7 @@
   </p:sldLayoutIdLst>
   <p:txStyles>
     <p:titleStyle>
-      <a:lvl1pPr marL="0" indent="0" algn="l" defTabSz="914400" rtl="0" eaLnBrk="1" latinLnBrk="0" hangingPunct="1">
+      <a:lvl1pPr marL="0" indent="0" algn="l" defTabSz="914353" rtl="0" eaLnBrk="1" latinLnBrk="0" hangingPunct="1">
         <a:spcBef>
           <a:spcPct val="0"/>
         </a:spcBef>
@@ -7828,7 +7911,7 @@
       </a:lvl1pPr>
     </p:titleStyle>
     <p:bodyStyle>
-      <a:lvl1pPr marL="342900" indent="-342900" algn="l" defTabSz="914400" rtl="0" eaLnBrk="1" latinLnBrk="0" hangingPunct="1">
+      <a:lvl1pPr marL="342882" indent="-342882" algn="l" defTabSz="914353" rtl="0" eaLnBrk="1" latinLnBrk="0" hangingPunct="1">
         <a:spcBef>
           <a:spcPts val="2000"/>
         </a:spcBef>
@@ -7852,7 +7935,7 @@
           <a:cs typeface="+mn-cs"/>
         </a:defRPr>
       </a:lvl1pPr>
-      <a:lvl2pPr marL="685800" indent="-336550" algn="l" defTabSz="914400" rtl="0" eaLnBrk="1" latinLnBrk="0" hangingPunct="1">
+      <a:lvl2pPr marL="685765" indent="-336532" algn="l" defTabSz="914353" rtl="0" eaLnBrk="1" latinLnBrk="0" hangingPunct="1">
         <a:spcBef>
           <a:spcPts val="600"/>
         </a:spcBef>
@@ -7873,7 +7956,7 @@
           <a:cs typeface="+mn-cs"/>
         </a:defRPr>
       </a:lvl2pPr>
-      <a:lvl3pPr marL="1035050" indent="-349250" algn="l" defTabSz="914400" rtl="0" eaLnBrk="1" latinLnBrk="0" hangingPunct="1">
+      <a:lvl3pPr marL="1034997" indent="-349232" algn="l" defTabSz="914353" rtl="0" eaLnBrk="1" latinLnBrk="0" hangingPunct="1">
         <a:spcBef>
           <a:spcPts val="600"/>
         </a:spcBef>
@@ -7897,7 +7980,7 @@
           <a:cs typeface="+mn-cs"/>
         </a:defRPr>
       </a:lvl3pPr>
-      <a:lvl4pPr marL="1371600" indent="-336550" algn="l" defTabSz="914400" rtl="0" eaLnBrk="1" latinLnBrk="0" hangingPunct="1">
+      <a:lvl4pPr marL="1371530" indent="-336532" algn="l" defTabSz="914353" rtl="0" eaLnBrk="1" latinLnBrk="0" hangingPunct="1">
         <a:spcBef>
           <a:spcPts val="600"/>
         </a:spcBef>
@@ -7921,7 +8004,7 @@
           <a:cs typeface="+mn-cs"/>
         </a:defRPr>
       </a:lvl4pPr>
-      <a:lvl5pPr marL="1720850" indent="-349250" algn="l" defTabSz="914400" rtl="0" eaLnBrk="1" latinLnBrk="0" hangingPunct="1">
+      <a:lvl5pPr marL="1720762" indent="-349232" algn="l" defTabSz="914353" rtl="0" eaLnBrk="1" latinLnBrk="0" hangingPunct="1">
         <a:spcBef>
           <a:spcPts val="600"/>
         </a:spcBef>
@@ -7945,7 +8028,7 @@
           <a:cs typeface="+mn-cs"/>
         </a:defRPr>
       </a:lvl5pPr>
-      <a:lvl6pPr marL="2514600" indent="-228600" algn="l" defTabSz="914400" rtl="0" eaLnBrk="1" latinLnBrk="0" hangingPunct="1">
+      <a:lvl6pPr marL="2514471" indent="-228588" algn="l" defTabSz="914353" rtl="0" eaLnBrk="1" latinLnBrk="0" hangingPunct="1">
         <a:spcBef>
           <a:spcPct val="20000"/>
         </a:spcBef>
@@ -7960,7 +8043,7 @@
           <a:cs typeface="+mn-cs"/>
         </a:defRPr>
       </a:lvl6pPr>
-      <a:lvl7pPr marL="2971800" indent="-228600" algn="l" defTabSz="914400" rtl="0" eaLnBrk="1" latinLnBrk="0" hangingPunct="1">
+      <a:lvl7pPr marL="2971648" indent="-228588" algn="l" defTabSz="914353" rtl="0" eaLnBrk="1" latinLnBrk="0" hangingPunct="1">
         <a:spcBef>
           <a:spcPct val="20000"/>
         </a:spcBef>
@@ -7975,7 +8058,7 @@
           <a:cs typeface="+mn-cs"/>
         </a:defRPr>
       </a:lvl7pPr>
-      <a:lvl8pPr marL="3429000" indent="-228600" algn="l" defTabSz="914400" rtl="0" eaLnBrk="1" latinLnBrk="0" hangingPunct="1">
+      <a:lvl8pPr marL="3428825" indent="-228588" algn="l" defTabSz="914353" rtl="0" eaLnBrk="1" latinLnBrk="0" hangingPunct="1">
         <a:spcBef>
           <a:spcPct val="20000"/>
         </a:spcBef>
@@ -7990,7 +8073,7 @@
           <a:cs typeface="+mn-cs"/>
         </a:defRPr>
       </a:lvl8pPr>
-      <a:lvl9pPr marL="3886200" indent="-228600" algn="l" defTabSz="914400" rtl="0" eaLnBrk="1" latinLnBrk="0" hangingPunct="1">
+      <a:lvl9pPr marL="3886001" indent="-228588" algn="l" defTabSz="914353" rtl="0" eaLnBrk="1" latinLnBrk="0" hangingPunct="1">
         <a:spcBef>
           <a:spcPct val="20000"/>
         </a:spcBef>
@@ -8010,7 +8093,7 @@
       <a:defPPr>
         <a:defRPr/>
       </a:defPPr>
-      <a:lvl1pPr marL="0" algn="l" defTabSz="914400" rtl="0" eaLnBrk="1" latinLnBrk="0" hangingPunct="1">
+      <a:lvl1pPr marL="0" algn="l" defTabSz="914353" rtl="0" eaLnBrk="1" latinLnBrk="0" hangingPunct="1">
         <a:defRPr sz="1800" kern="1200">
           <a:solidFill>
             <a:schemeClr val="tx1"/>
@@ -8020,7 +8103,7 @@
           <a:cs typeface="+mn-cs"/>
         </a:defRPr>
       </a:lvl1pPr>
-      <a:lvl2pPr marL="457200" algn="l" defTabSz="914400" rtl="0" eaLnBrk="1" latinLnBrk="0" hangingPunct="1">
+      <a:lvl2pPr marL="457177" algn="l" defTabSz="914353" rtl="0" eaLnBrk="1" latinLnBrk="0" hangingPunct="1">
         <a:defRPr sz="1800" kern="1200">
           <a:solidFill>
             <a:schemeClr val="tx1"/>
@@ -8030,7 +8113,7 @@
           <a:cs typeface="+mn-cs"/>
         </a:defRPr>
       </a:lvl2pPr>
-      <a:lvl3pPr marL="914400" algn="l" defTabSz="914400" rtl="0" eaLnBrk="1" latinLnBrk="0" hangingPunct="1">
+      <a:lvl3pPr marL="914353" algn="l" defTabSz="914353" rtl="0" eaLnBrk="1" latinLnBrk="0" hangingPunct="1">
         <a:defRPr sz="1800" kern="1200">
           <a:solidFill>
             <a:schemeClr val="tx1"/>
@@ -8040,7 +8123,7 @@
           <a:cs typeface="+mn-cs"/>
         </a:defRPr>
       </a:lvl3pPr>
-      <a:lvl4pPr marL="1371600" algn="l" defTabSz="914400" rtl="0" eaLnBrk="1" latinLnBrk="0" hangingPunct="1">
+      <a:lvl4pPr marL="1371530" algn="l" defTabSz="914353" rtl="0" eaLnBrk="1" latinLnBrk="0" hangingPunct="1">
         <a:defRPr sz="1800" kern="1200">
           <a:solidFill>
             <a:schemeClr val="tx1"/>
@@ -8050,7 +8133,7 @@
           <a:cs typeface="+mn-cs"/>
         </a:defRPr>
       </a:lvl4pPr>
-      <a:lvl5pPr marL="1828800" algn="l" defTabSz="914400" rtl="0" eaLnBrk="1" latinLnBrk="0" hangingPunct="1">
+      <a:lvl5pPr marL="1828706" algn="l" defTabSz="914353" rtl="0" eaLnBrk="1" latinLnBrk="0" hangingPunct="1">
         <a:defRPr sz="1800" kern="1200">
           <a:solidFill>
             <a:schemeClr val="tx1"/>
@@ -8060,7 +8143,7 @@
           <a:cs typeface="+mn-cs"/>
         </a:defRPr>
       </a:lvl5pPr>
-      <a:lvl6pPr marL="2286000" algn="l" defTabSz="914400" rtl="0" eaLnBrk="1" latinLnBrk="0" hangingPunct="1">
+      <a:lvl6pPr marL="2285883" algn="l" defTabSz="914353" rtl="0" eaLnBrk="1" latinLnBrk="0" hangingPunct="1">
         <a:defRPr sz="1800" kern="1200">
           <a:solidFill>
             <a:schemeClr val="tx1"/>
@@ -8070,7 +8153,7 @@
           <a:cs typeface="+mn-cs"/>
         </a:defRPr>
       </a:lvl6pPr>
-      <a:lvl7pPr marL="2743200" algn="l" defTabSz="914400" rtl="0" eaLnBrk="1" latinLnBrk="0" hangingPunct="1">
+      <a:lvl7pPr marL="2743060" algn="l" defTabSz="914353" rtl="0" eaLnBrk="1" latinLnBrk="0" hangingPunct="1">
         <a:defRPr sz="1800" kern="1200">
           <a:solidFill>
             <a:schemeClr val="tx1"/>
@@ -8080,7 +8163,7 @@
           <a:cs typeface="+mn-cs"/>
         </a:defRPr>
       </a:lvl7pPr>
-      <a:lvl8pPr marL="3200400" algn="l" defTabSz="914400" rtl="0" eaLnBrk="1" latinLnBrk="0" hangingPunct="1">
+      <a:lvl8pPr marL="3200236" algn="l" defTabSz="914353" rtl="0" eaLnBrk="1" latinLnBrk="0" hangingPunct="1">
         <a:defRPr sz="1800" kern="1200">
           <a:solidFill>
             <a:schemeClr val="tx1"/>
@@ -8090,7 +8173,7 @@
           <a:cs typeface="+mn-cs"/>
         </a:defRPr>
       </a:lvl8pPr>
-      <a:lvl9pPr marL="3657600" algn="l" defTabSz="914400" rtl="0" eaLnBrk="1" latinLnBrk="0" hangingPunct="1">
+      <a:lvl9pPr marL="3657413" algn="l" defTabSz="914353" rtl="0" eaLnBrk="1" latinLnBrk="0" hangingPunct="1">
         <a:defRPr sz="1800" kern="1200">
           <a:solidFill>
             <a:schemeClr val="tx1"/>
@@ -8139,7 +8222,7 @@
         </p:nvSpPr>
         <p:spPr>
           <a:xfrm>
-            <a:off x="1114424" y="263714"/>
+            <a:off x="1114425" y="263714"/>
             <a:ext cx="8029576" cy="914400"/>
           </a:xfrm>
           <a:prstGeom prst="rect">
@@ -8150,7 +8233,7 @@
           </a:solidFill>
         </p:spPr>
         <p:txBody>
-          <a:bodyPr vert="horz" lIns="1188720" tIns="45720" rIns="274320" bIns="45720" rtlCol="0" anchor="ctr">
+          <a:bodyPr vert="horz" lIns="1188659" tIns="45718" rIns="274306" bIns="45718" rtlCol="0" anchor="ctr">
             <a:normAutofit/>
           </a:bodyPr>
           <a:lstStyle/>
@@ -8183,7 +8266,7 @@
           </a:prstGeom>
         </p:spPr>
         <p:txBody>
-          <a:bodyPr vert="horz" lIns="91440" tIns="45720" rIns="91440" bIns="45720" rtlCol="0">
+          <a:bodyPr vert="horz" lIns="91435" tIns="45718" rIns="91435" bIns="45718" rtlCol="0">
             <a:normAutofit/>
           </a:bodyPr>
           <a:lstStyle/>
@@ -8237,7 +8320,7 @@
         </p:nvSpPr>
         <p:spPr>
           <a:xfrm>
-            <a:off x="6580094" y="188259"/>
+            <a:off x="6580094" y="188260"/>
             <a:ext cx="2133600" cy="365125"/>
           </a:xfrm>
           <a:prstGeom prst="rect">
@@ -8245,7 +8328,7 @@
           </a:prstGeom>
         </p:spPr>
         <p:txBody>
-          <a:bodyPr vert="horz" lIns="91440" tIns="45720" rIns="91440" bIns="45720" rtlCol="0" anchor="ctr"/>
+          <a:bodyPr vert="horz" lIns="91435" tIns="45718" rIns="91435" bIns="45718" rtlCol="0" anchor="ctr"/>
           <a:lstStyle>
             <a:lvl1pPr algn="r">
               <a:defRPr sz="1000">
@@ -8280,7 +8363,7 @@
         </p:nvSpPr>
         <p:spPr>
           <a:xfrm>
-            <a:off x="1120588" y="188259"/>
+            <a:off x="1120588" y="188260"/>
             <a:ext cx="2895600" cy="365125"/>
           </a:xfrm>
           <a:prstGeom prst="rect">
@@ -8288,7 +8371,7 @@
           </a:prstGeom>
         </p:spPr>
         <p:txBody>
-          <a:bodyPr vert="horz" lIns="91440" tIns="45720" rIns="91440" bIns="45720" rtlCol="0" anchor="ctr"/>
+          <a:bodyPr vert="horz" lIns="91435" tIns="45718" rIns="91435" bIns="45718" rtlCol="0" anchor="ctr"/>
           <a:lstStyle>
             <a:lvl1pPr algn="l">
               <a:defRPr sz="1000">
@@ -8318,7 +8401,7 @@
         </p:nvSpPr>
         <p:spPr>
           <a:xfrm>
-            <a:off x="8789894" y="6569075"/>
+            <a:off x="8789894" y="6569076"/>
             <a:ext cx="457200" cy="365125"/>
           </a:xfrm>
           <a:prstGeom prst="rect">
@@ -8326,7 +8409,7 @@
           </a:prstGeom>
         </p:spPr>
         <p:txBody>
-          <a:bodyPr vert="horz" lIns="91440" tIns="45720" rIns="91440" bIns="45720" rtlCol="0" anchor="ctr"/>
+          <a:bodyPr vert="horz" lIns="91435" tIns="45718" rIns="91435" bIns="45718" rtlCol="0" anchor="ctr"/>
           <a:lstStyle>
             <a:lvl1pPr algn="ctr">
               <a:defRPr sz="800">
@@ -8357,7 +8440,7 @@
         </p:nvSpPr>
         <p:spPr>
           <a:xfrm>
-            <a:off x="914400" y="0"/>
+            <a:off x="914401" y="0"/>
             <a:ext cx="7999413" cy="182880"/>
           </a:xfrm>
           <a:prstGeom prst="rect">
@@ -8390,7 +8473,7 @@
           </a:fontRef>
         </p:style>
         <p:txBody>
-          <a:bodyPr rtlCol="0" anchor="ctr"/>
+          <a:bodyPr lIns="91435" tIns="45718" rIns="91435" bIns="45718" rtlCol="0" anchor="ctr"/>
           <a:lstStyle/>
           <a:p>
             <a:pPr algn="ctr"/>
@@ -8406,7 +8489,7 @@
         </p:nvSpPr>
         <p:spPr>
           <a:xfrm>
-            <a:off x="914400" y="6675120"/>
+            <a:off x="914401" y="6675120"/>
             <a:ext cx="7999413" cy="182880"/>
           </a:xfrm>
           <a:prstGeom prst="rect">
@@ -8439,7 +8522,7 @@
           </a:fontRef>
         </p:style>
         <p:txBody>
-          <a:bodyPr rtlCol="0" anchor="ctr"/>
+          <a:bodyPr lIns="91435" tIns="45718" rIns="91435" bIns="45718" rtlCol="0" anchor="ctr"/>
           <a:lstStyle/>
           <a:p>
             <a:pPr algn="ctr"/>
@@ -8455,7 +8538,7 @@
   </p:sldLayoutIdLst>
   <p:txStyles>
     <p:titleStyle>
-      <a:lvl1pPr marL="0" indent="0" algn="l" defTabSz="914400" rtl="0" eaLnBrk="1" latinLnBrk="0" hangingPunct="1">
+      <a:lvl1pPr marL="0" indent="0" algn="l" defTabSz="914353" rtl="0" eaLnBrk="1" latinLnBrk="0" hangingPunct="1">
         <a:spcBef>
           <a:spcPct val="0"/>
         </a:spcBef>
@@ -8471,7 +8554,7 @@
       </a:lvl1pPr>
     </p:titleStyle>
     <p:bodyStyle>
-      <a:lvl1pPr marL="342900" indent="-342900" algn="l" defTabSz="914400" rtl="0" eaLnBrk="1" latinLnBrk="0" hangingPunct="1">
+      <a:lvl1pPr marL="342882" indent="-342882" algn="l" defTabSz="914353" rtl="0" eaLnBrk="1" latinLnBrk="0" hangingPunct="1">
         <a:spcBef>
           <a:spcPts val="2000"/>
         </a:spcBef>
@@ -8495,7 +8578,7 @@
           <a:cs typeface="+mn-cs"/>
         </a:defRPr>
       </a:lvl1pPr>
-      <a:lvl2pPr marL="685800" indent="-336550" algn="l" defTabSz="914400" rtl="0" eaLnBrk="1" latinLnBrk="0" hangingPunct="1">
+      <a:lvl2pPr marL="685765" indent="-336532" algn="l" defTabSz="914353" rtl="0" eaLnBrk="1" latinLnBrk="0" hangingPunct="1">
         <a:spcBef>
           <a:spcPts val="600"/>
         </a:spcBef>
@@ -8516,7 +8599,7 @@
           <a:cs typeface="+mn-cs"/>
         </a:defRPr>
       </a:lvl2pPr>
-      <a:lvl3pPr marL="1035050" indent="-349250" algn="l" defTabSz="914400" rtl="0" eaLnBrk="1" latinLnBrk="0" hangingPunct="1">
+      <a:lvl3pPr marL="1034997" indent="-349232" algn="l" defTabSz="914353" rtl="0" eaLnBrk="1" latinLnBrk="0" hangingPunct="1">
         <a:spcBef>
           <a:spcPts val="600"/>
         </a:spcBef>
@@ -8540,7 +8623,7 @@
           <a:cs typeface="+mn-cs"/>
         </a:defRPr>
       </a:lvl3pPr>
-      <a:lvl4pPr marL="1371600" indent="-336550" algn="l" defTabSz="914400" rtl="0" eaLnBrk="1" latinLnBrk="0" hangingPunct="1">
+      <a:lvl4pPr marL="1371530" indent="-336532" algn="l" defTabSz="914353" rtl="0" eaLnBrk="1" latinLnBrk="0" hangingPunct="1">
         <a:spcBef>
           <a:spcPts val="600"/>
         </a:spcBef>
@@ -8564,7 +8647,7 @@
           <a:cs typeface="+mn-cs"/>
         </a:defRPr>
       </a:lvl4pPr>
-      <a:lvl5pPr marL="1720850" indent="-349250" algn="l" defTabSz="914400" rtl="0" eaLnBrk="1" latinLnBrk="0" hangingPunct="1">
+      <a:lvl5pPr marL="1720762" indent="-349232" algn="l" defTabSz="914353" rtl="0" eaLnBrk="1" latinLnBrk="0" hangingPunct="1">
         <a:spcBef>
           <a:spcPts val="600"/>
         </a:spcBef>
@@ -8588,7 +8671,7 @@
           <a:cs typeface="+mn-cs"/>
         </a:defRPr>
       </a:lvl5pPr>
-      <a:lvl6pPr marL="2514600" indent="-228600" algn="l" defTabSz="914400" rtl="0" eaLnBrk="1" latinLnBrk="0" hangingPunct="1">
+      <a:lvl6pPr marL="2514471" indent="-228588" algn="l" defTabSz="914353" rtl="0" eaLnBrk="1" latinLnBrk="0" hangingPunct="1">
         <a:spcBef>
           <a:spcPct val="20000"/>
         </a:spcBef>
@@ -8603,7 +8686,7 @@
           <a:cs typeface="+mn-cs"/>
         </a:defRPr>
       </a:lvl6pPr>
-      <a:lvl7pPr marL="2971800" indent="-228600" algn="l" defTabSz="914400" rtl="0" eaLnBrk="1" latinLnBrk="0" hangingPunct="1">
+      <a:lvl7pPr marL="2971648" indent="-228588" algn="l" defTabSz="914353" rtl="0" eaLnBrk="1" latinLnBrk="0" hangingPunct="1">
         <a:spcBef>
           <a:spcPct val="20000"/>
         </a:spcBef>
@@ -8618,7 +8701,7 @@
           <a:cs typeface="+mn-cs"/>
         </a:defRPr>
       </a:lvl7pPr>
-      <a:lvl8pPr marL="3429000" indent="-228600" algn="l" defTabSz="914400" rtl="0" eaLnBrk="1" latinLnBrk="0" hangingPunct="1">
+      <a:lvl8pPr marL="3428825" indent="-228588" algn="l" defTabSz="914353" rtl="0" eaLnBrk="1" latinLnBrk="0" hangingPunct="1">
         <a:spcBef>
           <a:spcPct val="20000"/>
         </a:spcBef>
@@ -8633,7 +8716,7 @@
           <a:cs typeface="+mn-cs"/>
         </a:defRPr>
       </a:lvl8pPr>
-      <a:lvl9pPr marL="3886200" indent="-228600" algn="l" defTabSz="914400" rtl="0" eaLnBrk="1" latinLnBrk="0" hangingPunct="1">
+      <a:lvl9pPr marL="3886001" indent="-228588" algn="l" defTabSz="914353" rtl="0" eaLnBrk="1" latinLnBrk="0" hangingPunct="1">
         <a:spcBef>
           <a:spcPct val="20000"/>
         </a:spcBef>
@@ -8653,7 +8736,7 @@
       <a:defPPr>
         <a:defRPr/>
       </a:defPPr>
-      <a:lvl1pPr marL="0" algn="l" defTabSz="914400" rtl="0" eaLnBrk="1" latinLnBrk="0" hangingPunct="1">
+      <a:lvl1pPr marL="0" algn="l" defTabSz="914353" rtl="0" eaLnBrk="1" latinLnBrk="0" hangingPunct="1">
         <a:defRPr sz="1800" kern="1200">
           <a:solidFill>
             <a:schemeClr val="tx1"/>
@@ -8663,7 +8746,7 @@
           <a:cs typeface="+mn-cs"/>
         </a:defRPr>
       </a:lvl1pPr>
-      <a:lvl2pPr marL="457200" algn="l" defTabSz="914400" rtl="0" eaLnBrk="1" latinLnBrk="0" hangingPunct="1">
+      <a:lvl2pPr marL="457177" algn="l" defTabSz="914353" rtl="0" eaLnBrk="1" latinLnBrk="0" hangingPunct="1">
         <a:defRPr sz="1800" kern="1200">
           <a:solidFill>
             <a:schemeClr val="tx1"/>
@@ -8673,7 +8756,7 @@
           <a:cs typeface="+mn-cs"/>
         </a:defRPr>
       </a:lvl2pPr>
-      <a:lvl3pPr marL="914400" algn="l" defTabSz="914400" rtl="0" eaLnBrk="1" latinLnBrk="0" hangingPunct="1">
+      <a:lvl3pPr marL="914353" algn="l" defTabSz="914353" rtl="0" eaLnBrk="1" latinLnBrk="0" hangingPunct="1">
         <a:defRPr sz="1800" kern="1200">
           <a:solidFill>
             <a:schemeClr val="tx1"/>
@@ -8683,7 +8766,7 @@
           <a:cs typeface="+mn-cs"/>
         </a:defRPr>
       </a:lvl3pPr>
-      <a:lvl4pPr marL="1371600" algn="l" defTabSz="914400" rtl="0" eaLnBrk="1" latinLnBrk="0" hangingPunct="1">
+      <a:lvl4pPr marL="1371530" algn="l" defTabSz="914353" rtl="0" eaLnBrk="1" latinLnBrk="0" hangingPunct="1">
         <a:defRPr sz="1800" kern="1200">
           <a:solidFill>
             <a:schemeClr val="tx1"/>
@@ -8693,7 +8776,7 @@
           <a:cs typeface="+mn-cs"/>
         </a:defRPr>
       </a:lvl4pPr>
-      <a:lvl5pPr marL="1828800" algn="l" defTabSz="914400" rtl="0" eaLnBrk="1" latinLnBrk="0" hangingPunct="1">
+      <a:lvl5pPr marL="1828706" algn="l" defTabSz="914353" rtl="0" eaLnBrk="1" latinLnBrk="0" hangingPunct="1">
         <a:defRPr sz="1800" kern="1200">
           <a:solidFill>
             <a:schemeClr val="tx1"/>
@@ -8703,7 +8786,7 @@
           <a:cs typeface="+mn-cs"/>
         </a:defRPr>
       </a:lvl5pPr>
-      <a:lvl6pPr marL="2286000" algn="l" defTabSz="914400" rtl="0" eaLnBrk="1" latinLnBrk="0" hangingPunct="1">
+      <a:lvl6pPr marL="2285883" algn="l" defTabSz="914353" rtl="0" eaLnBrk="1" latinLnBrk="0" hangingPunct="1">
         <a:defRPr sz="1800" kern="1200">
           <a:solidFill>
             <a:schemeClr val="tx1"/>
@@ -8713,7 +8796,7 @@
           <a:cs typeface="+mn-cs"/>
         </a:defRPr>
       </a:lvl6pPr>
-      <a:lvl7pPr marL="2743200" algn="l" defTabSz="914400" rtl="0" eaLnBrk="1" latinLnBrk="0" hangingPunct="1">
+      <a:lvl7pPr marL="2743060" algn="l" defTabSz="914353" rtl="0" eaLnBrk="1" latinLnBrk="0" hangingPunct="1">
         <a:defRPr sz="1800" kern="1200">
           <a:solidFill>
             <a:schemeClr val="tx1"/>
@@ -8723,7 +8806,7 @@
           <a:cs typeface="+mn-cs"/>
         </a:defRPr>
       </a:lvl7pPr>
-      <a:lvl8pPr marL="3200400" algn="l" defTabSz="914400" rtl="0" eaLnBrk="1" latinLnBrk="0" hangingPunct="1">
+      <a:lvl8pPr marL="3200236" algn="l" defTabSz="914353" rtl="0" eaLnBrk="1" latinLnBrk="0" hangingPunct="1">
         <a:defRPr sz="1800" kern="1200">
           <a:solidFill>
             <a:schemeClr val="tx1"/>
@@ -8733,7 +8816,7 @@
           <a:cs typeface="+mn-cs"/>
         </a:defRPr>
       </a:lvl8pPr>
-      <a:lvl9pPr marL="3657600" algn="l" defTabSz="914400" rtl="0" eaLnBrk="1" latinLnBrk="0" hangingPunct="1">
+      <a:lvl9pPr marL="3657413" algn="l" defTabSz="914353" rtl="0" eaLnBrk="1" latinLnBrk="0" hangingPunct="1">
         <a:defRPr sz="1800" kern="1200">
           <a:solidFill>
             <a:schemeClr val="tx1"/>
@@ -8782,7 +8865,7 @@
         </p:nvSpPr>
         <p:spPr>
           <a:xfrm>
-            <a:off x="1114424" y="263714"/>
+            <a:off x="1114425" y="263714"/>
             <a:ext cx="8029576" cy="914400"/>
           </a:xfrm>
           <a:prstGeom prst="rect">
@@ -8793,7 +8876,7 @@
           </a:solidFill>
         </p:spPr>
         <p:txBody>
-          <a:bodyPr vert="horz" lIns="1188720" tIns="45720" rIns="274320" bIns="45720" rtlCol="0" anchor="ctr">
+          <a:bodyPr vert="horz" lIns="1188659" tIns="45718" rIns="274306" bIns="45718" rtlCol="0" anchor="ctr">
             <a:normAutofit/>
           </a:bodyPr>
           <a:lstStyle/>
@@ -8826,7 +8909,7 @@
           </a:prstGeom>
         </p:spPr>
         <p:txBody>
-          <a:bodyPr vert="horz" lIns="91440" tIns="45720" rIns="91440" bIns="45720" rtlCol="0">
+          <a:bodyPr vert="horz" lIns="91435" tIns="45718" rIns="91435" bIns="45718" rtlCol="0">
             <a:normAutofit/>
           </a:bodyPr>
           <a:lstStyle/>
@@ -8880,7 +8963,7 @@
         </p:nvSpPr>
         <p:spPr>
           <a:xfrm>
-            <a:off x="6580094" y="188259"/>
+            <a:off x="6580094" y="188260"/>
             <a:ext cx="2133600" cy="365125"/>
           </a:xfrm>
           <a:prstGeom prst="rect">
@@ -8888,7 +8971,7 @@
           </a:prstGeom>
         </p:spPr>
         <p:txBody>
-          <a:bodyPr vert="horz" lIns="91440" tIns="45720" rIns="91440" bIns="45720" rtlCol="0" anchor="ctr"/>
+          <a:bodyPr vert="horz" lIns="91435" tIns="45718" rIns="91435" bIns="45718" rtlCol="0" anchor="ctr"/>
           <a:lstStyle>
             <a:lvl1pPr algn="r">
               <a:defRPr sz="1000">
@@ -8923,7 +9006,7 @@
         </p:nvSpPr>
         <p:spPr>
           <a:xfrm>
-            <a:off x="1120588" y="188259"/>
+            <a:off x="1120588" y="188260"/>
             <a:ext cx="2895600" cy="365125"/>
           </a:xfrm>
           <a:prstGeom prst="rect">
@@ -8931,7 +9014,7 @@
           </a:prstGeom>
         </p:spPr>
         <p:txBody>
-          <a:bodyPr vert="horz" lIns="91440" tIns="45720" rIns="91440" bIns="45720" rtlCol="0" anchor="ctr"/>
+          <a:bodyPr vert="horz" lIns="91435" tIns="45718" rIns="91435" bIns="45718" rtlCol="0" anchor="ctr"/>
           <a:lstStyle>
             <a:lvl1pPr algn="l">
               <a:defRPr sz="1000">
@@ -8961,7 +9044,7 @@
         </p:nvSpPr>
         <p:spPr>
           <a:xfrm>
-            <a:off x="8789894" y="6569075"/>
+            <a:off x="8789894" y="6569076"/>
             <a:ext cx="457200" cy="365125"/>
           </a:xfrm>
           <a:prstGeom prst="rect">
@@ -8969,7 +9052,7 @@
           </a:prstGeom>
         </p:spPr>
         <p:txBody>
-          <a:bodyPr vert="horz" lIns="91440" tIns="45720" rIns="91440" bIns="45720" rtlCol="0" anchor="ctr"/>
+          <a:bodyPr vert="horz" lIns="91435" tIns="45718" rIns="91435" bIns="45718" rtlCol="0" anchor="ctr"/>
           <a:lstStyle>
             <a:lvl1pPr algn="ctr">
               <a:defRPr sz="800">
@@ -9000,7 +9083,7 @@
         </p:nvSpPr>
         <p:spPr>
           <a:xfrm>
-            <a:off x="914400" y="0"/>
+            <a:off x="914401" y="0"/>
             <a:ext cx="7999413" cy="182880"/>
           </a:xfrm>
           <a:prstGeom prst="rect">
@@ -9033,7 +9116,7 @@
           </a:fontRef>
         </p:style>
         <p:txBody>
-          <a:bodyPr rtlCol="0" anchor="ctr"/>
+          <a:bodyPr lIns="91435" tIns="45718" rIns="91435" bIns="45718" rtlCol="0" anchor="ctr"/>
           <a:lstStyle/>
           <a:p>
             <a:pPr algn="ctr"/>
@@ -9049,7 +9132,7 @@
         </p:nvSpPr>
         <p:spPr>
           <a:xfrm>
-            <a:off x="914400" y="6675120"/>
+            <a:off x="914401" y="6675120"/>
             <a:ext cx="7999413" cy="182880"/>
           </a:xfrm>
           <a:prstGeom prst="rect">
@@ -9082,7 +9165,7 @@
           </a:fontRef>
         </p:style>
         <p:txBody>
-          <a:bodyPr rtlCol="0" anchor="ctr"/>
+          <a:bodyPr lIns="91435" tIns="45718" rIns="91435" bIns="45718" rtlCol="0" anchor="ctr"/>
           <a:lstStyle/>
           <a:p>
             <a:pPr algn="ctr"/>
@@ -9098,7 +9181,7 @@
   </p:sldLayoutIdLst>
   <p:txStyles>
     <p:titleStyle>
-      <a:lvl1pPr marL="0" indent="0" algn="l" defTabSz="914400" rtl="0" eaLnBrk="1" latinLnBrk="0" hangingPunct="1">
+      <a:lvl1pPr marL="0" indent="0" algn="l" defTabSz="914353" rtl="0" eaLnBrk="1" latinLnBrk="0" hangingPunct="1">
         <a:spcBef>
           <a:spcPct val="0"/>
         </a:spcBef>
@@ -9114,7 +9197,7 @@
       </a:lvl1pPr>
     </p:titleStyle>
     <p:bodyStyle>
-      <a:lvl1pPr marL="342900" indent="-342900" algn="l" defTabSz="914400" rtl="0" eaLnBrk="1" latinLnBrk="0" hangingPunct="1">
+      <a:lvl1pPr marL="342882" indent="-342882" algn="l" defTabSz="914353" rtl="0" eaLnBrk="1" latinLnBrk="0" hangingPunct="1">
         <a:spcBef>
           <a:spcPts val="2000"/>
         </a:spcBef>
@@ -9138,7 +9221,7 @@
           <a:cs typeface="+mn-cs"/>
         </a:defRPr>
       </a:lvl1pPr>
-      <a:lvl2pPr marL="685800" indent="-336550" algn="l" defTabSz="914400" rtl="0" eaLnBrk="1" latinLnBrk="0" hangingPunct="1">
+      <a:lvl2pPr marL="685765" indent="-336532" algn="l" defTabSz="914353" rtl="0" eaLnBrk="1" latinLnBrk="0" hangingPunct="1">
         <a:spcBef>
           <a:spcPts val="600"/>
         </a:spcBef>
@@ -9159,7 +9242,7 @@
           <a:cs typeface="+mn-cs"/>
         </a:defRPr>
       </a:lvl2pPr>
-      <a:lvl3pPr marL="1035050" indent="-349250" algn="l" defTabSz="914400" rtl="0" eaLnBrk="1" latinLnBrk="0" hangingPunct="1">
+      <a:lvl3pPr marL="1034997" indent="-349232" algn="l" defTabSz="914353" rtl="0" eaLnBrk="1" latinLnBrk="0" hangingPunct="1">
         <a:spcBef>
           <a:spcPts val="600"/>
         </a:spcBef>
@@ -9183,7 +9266,7 @@
           <a:cs typeface="+mn-cs"/>
         </a:defRPr>
       </a:lvl3pPr>
-      <a:lvl4pPr marL="1371600" indent="-336550" algn="l" defTabSz="914400" rtl="0" eaLnBrk="1" latinLnBrk="0" hangingPunct="1">
+      <a:lvl4pPr marL="1371530" indent="-336532" algn="l" defTabSz="914353" rtl="0" eaLnBrk="1" latinLnBrk="0" hangingPunct="1">
         <a:spcBef>
           <a:spcPts val="600"/>
         </a:spcBef>
@@ -9207,7 +9290,7 @@
           <a:cs typeface="+mn-cs"/>
         </a:defRPr>
       </a:lvl4pPr>
-      <a:lvl5pPr marL="1720850" indent="-349250" algn="l" defTabSz="914400" rtl="0" eaLnBrk="1" latinLnBrk="0" hangingPunct="1">
+      <a:lvl5pPr marL="1720762" indent="-349232" algn="l" defTabSz="914353" rtl="0" eaLnBrk="1" latinLnBrk="0" hangingPunct="1">
         <a:spcBef>
           <a:spcPts val="600"/>
         </a:spcBef>
@@ -9231,7 +9314,7 @@
           <a:cs typeface="+mn-cs"/>
         </a:defRPr>
       </a:lvl5pPr>
-      <a:lvl6pPr marL="2514600" indent="-228600" algn="l" defTabSz="914400" rtl="0" eaLnBrk="1" latinLnBrk="0" hangingPunct="1">
+      <a:lvl6pPr marL="2514471" indent="-228588" algn="l" defTabSz="914353" rtl="0" eaLnBrk="1" latinLnBrk="0" hangingPunct="1">
         <a:spcBef>
           <a:spcPct val="20000"/>
         </a:spcBef>
@@ -9246,7 +9329,7 @@
           <a:cs typeface="+mn-cs"/>
         </a:defRPr>
       </a:lvl6pPr>
-      <a:lvl7pPr marL="2971800" indent="-228600" algn="l" defTabSz="914400" rtl="0" eaLnBrk="1" latinLnBrk="0" hangingPunct="1">
+      <a:lvl7pPr marL="2971648" indent="-228588" algn="l" defTabSz="914353" rtl="0" eaLnBrk="1" latinLnBrk="0" hangingPunct="1">
         <a:spcBef>
           <a:spcPct val="20000"/>
         </a:spcBef>
@@ -9261,7 +9344,7 @@
           <a:cs typeface="+mn-cs"/>
         </a:defRPr>
       </a:lvl7pPr>
-      <a:lvl8pPr marL="3429000" indent="-228600" algn="l" defTabSz="914400" rtl="0" eaLnBrk="1" latinLnBrk="0" hangingPunct="1">
+      <a:lvl8pPr marL="3428825" indent="-228588" algn="l" defTabSz="914353" rtl="0" eaLnBrk="1" latinLnBrk="0" hangingPunct="1">
         <a:spcBef>
           <a:spcPct val="20000"/>
         </a:spcBef>
@@ -9276,7 +9359,7 @@
           <a:cs typeface="+mn-cs"/>
         </a:defRPr>
       </a:lvl8pPr>
-      <a:lvl9pPr marL="3886200" indent="-228600" algn="l" defTabSz="914400" rtl="0" eaLnBrk="1" latinLnBrk="0" hangingPunct="1">
+      <a:lvl9pPr marL="3886001" indent="-228588" algn="l" defTabSz="914353" rtl="0" eaLnBrk="1" latinLnBrk="0" hangingPunct="1">
         <a:spcBef>
           <a:spcPct val="20000"/>
         </a:spcBef>
@@ -9296,7 +9379,7 @@
       <a:defPPr>
         <a:defRPr/>
       </a:defPPr>
-      <a:lvl1pPr marL="0" algn="l" defTabSz="914400" rtl="0" eaLnBrk="1" latinLnBrk="0" hangingPunct="1">
+      <a:lvl1pPr marL="0" algn="l" defTabSz="914353" rtl="0" eaLnBrk="1" latinLnBrk="0" hangingPunct="1">
         <a:defRPr sz="1800" kern="1200">
           <a:solidFill>
             <a:schemeClr val="tx1"/>
@@ -9306,7 +9389,7 @@
           <a:cs typeface="+mn-cs"/>
         </a:defRPr>
       </a:lvl1pPr>
-      <a:lvl2pPr marL="457200" algn="l" defTabSz="914400" rtl="0" eaLnBrk="1" latinLnBrk="0" hangingPunct="1">
+      <a:lvl2pPr marL="457177" algn="l" defTabSz="914353" rtl="0" eaLnBrk="1" latinLnBrk="0" hangingPunct="1">
         <a:defRPr sz="1800" kern="1200">
           <a:solidFill>
             <a:schemeClr val="tx1"/>
@@ -9316,7 +9399,7 @@
           <a:cs typeface="+mn-cs"/>
         </a:defRPr>
       </a:lvl2pPr>
-      <a:lvl3pPr marL="914400" algn="l" defTabSz="914400" rtl="0" eaLnBrk="1" latinLnBrk="0" hangingPunct="1">
+      <a:lvl3pPr marL="914353" algn="l" defTabSz="914353" rtl="0" eaLnBrk="1" latinLnBrk="0" hangingPunct="1">
         <a:defRPr sz="1800" kern="1200">
           <a:solidFill>
             <a:schemeClr val="tx1"/>
@@ -9326,7 +9409,7 @@
           <a:cs typeface="+mn-cs"/>
         </a:defRPr>
       </a:lvl3pPr>
-      <a:lvl4pPr marL="1371600" algn="l" defTabSz="914400" rtl="0" eaLnBrk="1" latinLnBrk="0" hangingPunct="1">
+      <a:lvl4pPr marL="1371530" algn="l" defTabSz="914353" rtl="0" eaLnBrk="1" latinLnBrk="0" hangingPunct="1">
         <a:defRPr sz="1800" kern="1200">
           <a:solidFill>
             <a:schemeClr val="tx1"/>
@@ -9336,7 +9419,7 @@
           <a:cs typeface="+mn-cs"/>
         </a:defRPr>
       </a:lvl4pPr>
-      <a:lvl5pPr marL="1828800" algn="l" defTabSz="914400" rtl="0" eaLnBrk="1" latinLnBrk="0" hangingPunct="1">
+      <a:lvl5pPr marL="1828706" algn="l" defTabSz="914353" rtl="0" eaLnBrk="1" latinLnBrk="0" hangingPunct="1">
         <a:defRPr sz="1800" kern="1200">
           <a:solidFill>
             <a:schemeClr val="tx1"/>
@@ -9346,7 +9429,7 @@
           <a:cs typeface="+mn-cs"/>
         </a:defRPr>
       </a:lvl5pPr>
-      <a:lvl6pPr marL="2286000" algn="l" defTabSz="914400" rtl="0" eaLnBrk="1" latinLnBrk="0" hangingPunct="1">
+      <a:lvl6pPr marL="2285883" algn="l" defTabSz="914353" rtl="0" eaLnBrk="1" latinLnBrk="0" hangingPunct="1">
         <a:defRPr sz="1800" kern="1200">
           <a:solidFill>
             <a:schemeClr val="tx1"/>
@@ -9356,7 +9439,7 @@
           <a:cs typeface="+mn-cs"/>
         </a:defRPr>
       </a:lvl6pPr>
-      <a:lvl7pPr marL="2743200" algn="l" defTabSz="914400" rtl="0" eaLnBrk="1" latinLnBrk="0" hangingPunct="1">
+      <a:lvl7pPr marL="2743060" algn="l" defTabSz="914353" rtl="0" eaLnBrk="1" latinLnBrk="0" hangingPunct="1">
         <a:defRPr sz="1800" kern="1200">
           <a:solidFill>
             <a:schemeClr val="tx1"/>
@@ -9366,7 +9449,7 @@
           <a:cs typeface="+mn-cs"/>
         </a:defRPr>
       </a:lvl7pPr>
-      <a:lvl8pPr marL="3200400" algn="l" defTabSz="914400" rtl="0" eaLnBrk="1" latinLnBrk="0" hangingPunct="1">
+      <a:lvl8pPr marL="3200236" algn="l" defTabSz="914353" rtl="0" eaLnBrk="1" latinLnBrk="0" hangingPunct="1">
         <a:defRPr sz="1800" kern="1200">
           <a:solidFill>
             <a:schemeClr val="tx1"/>
@@ -9376,7 +9459,7 @@
           <a:cs typeface="+mn-cs"/>
         </a:defRPr>
       </a:lvl8pPr>
-      <a:lvl9pPr marL="3657600" algn="l" defTabSz="914400" rtl="0" eaLnBrk="1" latinLnBrk="0" hangingPunct="1">
+      <a:lvl9pPr marL="3657413" algn="l" defTabSz="914353" rtl="0" eaLnBrk="1" latinLnBrk="0" hangingPunct="1">
         <a:defRPr sz="1800" kern="1200">
           <a:solidFill>
             <a:schemeClr val="tx1"/>
@@ -9425,7 +9508,7 @@
         </p:nvSpPr>
         <p:spPr>
           <a:xfrm>
-            <a:off x="1114424" y="263714"/>
+            <a:off x="1114425" y="263714"/>
             <a:ext cx="8029576" cy="914400"/>
           </a:xfrm>
           <a:prstGeom prst="rect">
@@ -9436,7 +9519,7 @@
           </a:solidFill>
         </p:spPr>
         <p:txBody>
-          <a:bodyPr vert="horz" lIns="1188720" tIns="45720" rIns="274320" bIns="45720" rtlCol="0" anchor="ctr">
+          <a:bodyPr vert="horz" lIns="1188659" tIns="45718" rIns="274306" bIns="45718" rtlCol="0" anchor="ctr">
             <a:normAutofit/>
           </a:bodyPr>
           <a:lstStyle/>
@@ -9469,7 +9552,7 @@
           </a:prstGeom>
         </p:spPr>
         <p:txBody>
-          <a:bodyPr vert="horz" lIns="91440" tIns="45720" rIns="91440" bIns="45720" rtlCol="0">
+          <a:bodyPr vert="horz" lIns="91435" tIns="45718" rIns="91435" bIns="45718" rtlCol="0">
             <a:normAutofit/>
           </a:bodyPr>
           <a:lstStyle/>
@@ -9523,7 +9606,7 @@
         </p:nvSpPr>
         <p:spPr>
           <a:xfrm>
-            <a:off x="6580094" y="188259"/>
+            <a:off x="6580094" y="188260"/>
             <a:ext cx="2133600" cy="365125"/>
           </a:xfrm>
           <a:prstGeom prst="rect">
@@ -9531,7 +9614,7 @@
           </a:prstGeom>
         </p:spPr>
         <p:txBody>
-          <a:bodyPr vert="horz" lIns="91440" tIns="45720" rIns="91440" bIns="45720" rtlCol="0" anchor="ctr"/>
+          <a:bodyPr vert="horz" lIns="91435" tIns="45718" rIns="91435" bIns="45718" rtlCol="0" anchor="ctr"/>
           <a:lstStyle>
             <a:lvl1pPr algn="r">
               <a:defRPr sz="1000">
@@ -9566,7 +9649,7 @@
         </p:nvSpPr>
         <p:spPr>
           <a:xfrm>
-            <a:off x="1120588" y="188259"/>
+            <a:off x="1120588" y="188260"/>
             <a:ext cx="2895600" cy="365125"/>
           </a:xfrm>
           <a:prstGeom prst="rect">
@@ -9574,7 +9657,7 @@
           </a:prstGeom>
         </p:spPr>
         <p:txBody>
-          <a:bodyPr vert="horz" lIns="91440" tIns="45720" rIns="91440" bIns="45720" rtlCol="0" anchor="ctr"/>
+          <a:bodyPr vert="horz" lIns="91435" tIns="45718" rIns="91435" bIns="45718" rtlCol="0" anchor="ctr"/>
           <a:lstStyle>
             <a:lvl1pPr algn="l">
               <a:defRPr sz="1000">
@@ -9604,7 +9687,7 @@
         </p:nvSpPr>
         <p:spPr>
           <a:xfrm>
-            <a:off x="8789894" y="6569075"/>
+            <a:off x="8789894" y="6569076"/>
             <a:ext cx="457200" cy="365125"/>
           </a:xfrm>
           <a:prstGeom prst="rect">
@@ -9612,7 +9695,7 @@
           </a:prstGeom>
         </p:spPr>
         <p:txBody>
-          <a:bodyPr vert="horz" lIns="91440" tIns="45720" rIns="91440" bIns="45720" rtlCol="0" anchor="ctr"/>
+          <a:bodyPr vert="horz" lIns="91435" tIns="45718" rIns="91435" bIns="45718" rtlCol="0" anchor="ctr"/>
           <a:lstStyle>
             <a:lvl1pPr algn="ctr">
               <a:defRPr sz="800">
@@ -9643,7 +9726,7 @@
         </p:nvSpPr>
         <p:spPr>
           <a:xfrm>
-            <a:off x="914400" y="0"/>
+            <a:off x="914401" y="0"/>
             <a:ext cx="7999413" cy="182880"/>
           </a:xfrm>
           <a:prstGeom prst="rect">
@@ -9676,7 +9759,7 @@
           </a:fontRef>
         </p:style>
         <p:txBody>
-          <a:bodyPr rtlCol="0" anchor="ctr"/>
+          <a:bodyPr lIns="91435" tIns="45718" rIns="91435" bIns="45718" rtlCol="0" anchor="ctr"/>
           <a:lstStyle/>
           <a:p>
             <a:pPr algn="ctr"/>
@@ -9692,7 +9775,7 @@
         </p:nvSpPr>
         <p:spPr>
           <a:xfrm>
-            <a:off x="914400" y="6675120"/>
+            <a:off x="914401" y="6675120"/>
             <a:ext cx="7999413" cy="182880"/>
           </a:xfrm>
           <a:prstGeom prst="rect">
@@ -9725,7 +9808,7 @@
           </a:fontRef>
         </p:style>
         <p:txBody>
-          <a:bodyPr rtlCol="0" anchor="ctr"/>
+          <a:bodyPr lIns="91435" tIns="45718" rIns="91435" bIns="45718" rtlCol="0" anchor="ctr"/>
           <a:lstStyle/>
           <a:p>
             <a:pPr algn="ctr"/>
@@ -9750,7 +9833,7 @@
         </p:blipFill>
         <p:spPr bwMode="auto">
           <a:xfrm>
-            <a:off x="94958" y="263714"/>
+            <a:off x="94959" y="263714"/>
             <a:ext cx="786525" cy="709637"/>
           </a:xfrm>
           <a:prstGeom prst="rect">
@@ -9773,7 +9856,7 @@
   </p:sldLayoutIdLst>
   <p:txStyles>
     <p:titleStyle>
-      <a:lvl1pPr marL="0" indent="0" algn="l" defTabSz="914400" rtl="0" eaLnBrk="1" latinLnBrk="0" hangingPunct="1">
+      <a:lvl1pPr marL="0" indent="0" algn="l" defTabSz="914353" rtl="0" eaLnBrk="1" latinLnBrk="0" hangingPunct="1">
         <a:spcBef>
           <a:spcPct val="0"/>
         </a:spcBef>
@@ -9789,7 +9872,7 @@
       </a:lvl1pPr>
     </p:titleStyle>
     <p:bodyStyle>
-      <a:lvl1pPr marL="342900" indent="-342900" algn="l" defTabSz="914400" rtl="0" eaLnBrk="1" latinLnBrk="0" hangingPunct="1">
+      <a:lvl1pPr marL="342882" indent="-342882" algn="l" defTabSz="914353" rtl="0" eaLnBrk="1" latinLnBrk="0" hangingPunct="1">
         <a:spcBef>
           <a:spcPts val="2000"/>
         </a:spcBef>
@@ -9813,7 +9896,7 @@
           <a:cs typeface="+mn-cs"/>
         </a:defRPr>
       </a:lvl1pPr>
-      <a:lvl2pPr marL="685800" indent="-336550" algn="l" defTabSz="914400" rtl="0" eaLnBrk="1" latinLnBrk="0" hangingPunct="1">
+      <a:lvl2pPr marL="685765" indent="-336532" algn="l" defTabSz="914353" rtl="0" eaLnBrk="1" latinLnBrk="0" hangingPunct="1">
         <a:spcBef>
           <a:spcPts val="600"/>
         </a:spcBef>
@@ -9834,7 +9917,7 @@
           <a:cs typeface="+mn-cs"/>
         </a:defRPr>
       </a:lvl2pPr>
-      <a:lvl3pPr marL="1035050" indent="-349250" algn="l" defTabSz="914400" rtl="0" eaLnBrk="1" latinLnBrk="0" hangingPunct="1">
+      <a:lvl3pPr marL="1034997" indent="-349232" algn="l" defTabSz="914353" rtl="0" eaLnBrk="1" latinLnBrk="0" hangingPunct="1">
         <a:spcBef>
           <a:spcPts val="600"/>
         </a:spcBef>
@@ -9858,7 +9941,7 @@
           <a:cs typeface="+mn-cs"/>
         </a:defRPr>
       </a:lvl3pPr>
-      <a:lvl4pPr marL="1371600" indent="-336550" algn="l" defTabSz="914400" rtl="0" eaLnBrk="1" latinLnBrk="0" hangingPunct="1">
+      <a:lvl4pPr marL="1371530" indent="-336532" algn="l" defTabSz="914353" rtl="0" eaLnBrk="1" latinLnBrk="0" hangingPunct="1">
         <a:spcBef>
           <a:spcPts val="600"/>
         </a:spcBef>
@@ -9882,7 +9965,7 @@
           <a:cs typeface="+mn-cs"/>
         </a:defRPr>
       </a:lvl4pPr>
-      <a:lvl5pPr marL="1720850" indent="-349250" algn="l" defTabSz="914400" rtl="0" eaLnBrk="1" latinLnBrk="0" hangingPunct="1">
+      <a:lvl5pPr marL="1720762" indent="-349232" algn="l" defTabSz="914353" rtl="0" eaLnBrk="1" latinLnBrk="0" hangingPunct="1">
         <a:spcBef>
           <a:spcPts val="600"/>
         </a:spcBef>
@@ -9906,7 +9989,7 @@
           <a:cs typeface="+mn-cs"/>
         </a:defRPr>
       </a:lvl5pPr>
-      <a:lvl6pPr marL="2514600" indent="-228600" algn="l" defTabSz="914400" rtl="0" eaLnBrk="1" latinLnBrk="0" hangingPunct="1">
+      <a:lvl6pPr marL="2514471" indent="-228588" algn="l" defTabSz="914353" rtl="0" eaLnBrk="1" latinLnBrk="0" hangingPunct="1">
         <a:spcBef>
           <a:spcPct val="20000"/>
         </a:spcBef>
@@ -9921,7 +10004,7 @@
           <a:cs typeface="+mn-cs"/>
         </a:defRPr>
       </a:lvl6pPr>
-      <a:lvl7pPr marL="2971800" indent="-228600" algn="l" defTabSz="914400" rtl="0" eaLnBrk="1" latinLnBrk="0" hangingPunct="1">
+      <a:lvl7pPr marL="2971648" indent="-228588" algn="l" defTabSz="914353" rtl="0" eaLnBrk="1" latinLnBrk="0" hangingPunct="1">
         <a:spcBef>
           <a:spcPct val="20000"/>
         </a:spcBef>
@@ -9936,7 +10019,7 @@
           <a:cs typeface="+mn-cs"/>
         </a:defRPr>
       </a:lvl7pPr>
-      <a:lvl8pPr marL="3429000" indent="-228600" algn="l" defTabSz="914400" rtl="0" eaLnBrk="1" latinLnBrk="0" hangingPunct="1">
+      <a:lvl8pPr marL="3428825" indent="-228588" algn="l" defTabSz="914353" rtl="0" eaLnBrk="1" latinLnBrk="0" hangingPunct="1">
         <a:spcBef>
           <a:spcPct val="20000"/>
         </a:spcBef>
@@ -9951,7 +10034,7 @@
           <a:cs typeface="+mn-cs"/>
         </a:defRPr>
       </a:lvl8pPr>
-      <a:lvl9pPr marL="3886200" indent="-228600" algn="l" defTabSz="914400" rtl="0" eaLnBrk="1" latinLnBrk="0" hangingPunct="1">
+      <a:lvl9pPr marL="3886001" indent="-228588" algn="l" defTabSz="914353" rtl="0" eaLnBrk="1" latinLnBrk="0" hangingPunct="1">
         <a:spcBef>
           <a:spcPct val="20000"/>
         </a:spcBef>
@@ -9971,7 +10054,7 @@
       <a:defPPr>
         <a:defRPr/>
       </a:defPPr>
-      <a:lvl1pPr marL="0" algn="l" defTabSz="914400" rtl="0" eaLnBrk="1" latinLnBrk="0" hangingPunct="1">
+      <a:lvl1pPr marL="0" algn="l" defTabSz="914353" rtl="0" eaLnBrk="1" latinLnBrk="0" hangingPunct="1">
         <a:defRPr sz="1800" kern="1200">
           <a:solidFill>
             <a:schemeClr val="tx1"/>
@@ -9981,7 +10064,7 @@
           <a:cs typeface="+mn-cs"/>
         </a:defRPr>
       </a:lvl1pPr>
-      <a:lvl2pPr marL="457200" algn="l" defTabSz="914400" rtl="0" eaLnBrk="1" latinLnBrk="0" hangingPunct="1">
+      <a:lvl2pPr marL="457177" algn="l" defTabSz="914353" rtl="0" eaLnBrk="1" latinLnBrk="0" hangingPunct="1">
         <a:defRPr sz="1800" kern="1200">
           <a:solidFill>
             <a:schemeClr val="tx1"/>
@@ -9991,7 +10074,7 @@
           <a:cs typeface="+mn-cs"/>
         </a:defRPr>
       </a:lvl2pPr>
-      <a:lvl3pPr marL="914400" algn="l" defTabSz="914400" rtl="0" eaLnBrk="1" latinLnBrk="0" hangingPunct="1">
+      <a:lvl3pPr marL="914353" algn="l" defTabSz="914353" rtl="0" eaLnBrk="1" latinLnBrk="0" hangingPunct="1">
         <a:defRPr sz="1800" kern="1200">
           <a:solidFill>
             <a:schemeClr val="tx1"/>
@@ -10001,7 +10084,7 @@
           <a:cs typeface="+mn-cs"/>
         </a:defRPr>
       </a:lvl3pPr>
-      <a:lvl4pPr marL="1371600" algn="l" defTabSz="914400" rtl="0" eaLnBrk="1" latinLnBrk="0" hangingPunct="1">
+      <a:lvl4pPr marL="1371530" algn="l" defTabSz="914353" rtl="0" eaLnBrk="1" latinLnBrk="0" hangingPunct="1">
         <a:defRPr sz="1800" kern="1200">
           <a:solidFill>
             <a:schemeClr val="tx1"/>
@@ -10011,7 +10094,7 @@
           <a:cs typeface="+mn-cs"/>
         </a:defRPr>
       </a:lvl4pPr>
-      <a:lvl5pPr marL="1828800" algn="l" defTabSz="914400" rtl="0" eaLnBrk="1" latinLnBrk="0" hangingPunct="1">
+      <a:lvl5pPr marL="1828706" algn="l" defTabSz="914353" rtl="0" eaLnBrk="1" latinLnBrk="0" hangingPunct="1">
         <a:defRPr sz="1800" kern="1200">
           <a:solidFill>
             <a:schemeClr val="tx1"/>
@@ -10021,7 +10104,7 @@
           <a:cs typeface="+mn-cs"/>
         </a:defRPr>
       </a:lvl5pPr>
-      <a:lvl6pPr marL="2286000" algn="l" defTabSz="914400" rtl="0" eaLnBrk="1" latinLnBrk="0" hangingPunct="1">
+      <a:lvl6pPr marL="2285883" algn="l" defTabSz="914353" rtl="0" eaLnBrk="1" latinLnBrk="0" hangingPunct="1">
         <a:defRPr sz="1800" kern="1200">
           <a:solidFill>
             <a:schemeClr val="tx1"/>
@@ -10031,7 +10114,7 @@
           <a:cs typeface="+mn-cs"/>
         </a:defRPr>
       </a:lvl6pPr>
-      <a:lvl7pPr marL="2743200" algn="l" defTabSz="914400" rtl="0" eaLnBrk="1" latinLnBrk="0" hangingPunct="1">
+      <a:lvl7pPr marL="2743060" algn="l" defTabSz="914353" rtl="0" eaLnBrk="1" latinLnBrk="0" hangingPunct="1">
         <a:defRPr sz="1800" kern="1200">
           <a:solidFill>
             <a:schemeClr val="tx1"/>
@@ -10041,7 +10124,7 @@
           <a:cs typeface="+mn-cs"/>
         </a:defRPr>
       </a:lvl7pPr>
-      <a:lvl8pPr marL="3200400" algn="l" defTabSz="914400" rtl="0" eaLnBrk="1" latinLnBrk="0" hangingPunct="1">
+      <a:lvl8pPr marL="3200236" algn="l" defTabSz="914353" rtl="0" eaLnBrk="1" latinLnBrk="0" hangingPunct="1">
         <a:defRPr sz="1800" kern="1200">
           <a:solidFill>
             <a:schemeClr val="tx1"/>
@@ -10051,7 +10134,7 @@
           <a:cs typeface="+mn-cs"/>
         </a:defRPr>
       </a:lvl8pPr>
-      <a:lvl9pPr marL="3657600" algn="l" defTabSz="914400" rtl="0" eaLnBrk="1" latinLnBrk="0" hangingPunct="1">
+      <a:lvl9pPr marL="3657413" algn="l" defTabSz="914353" rtl="0" eaLnBrk="1" latinLnBrk="0" hangingPunct="1">
         <a:defRPr sz="1800" kern="1200">
           <a:solidFill>
             <a:schemeClr val="tx1"/>
@@ -10123,7 +10206,7 @@
         </p:nvSpPr>
         <p:spPr/>
         <p:txBody>
-          <a:bodyPr tIns="274320"/>
+          <a:bodyPr tIns="274306"/>
           <a:lstStyle/>
           <a:p>
             <a:r>
@@ -10161,7 +10244,7 @@
         </p:blipFill>
         <p:spPr>
           <a:xfrm>
-            <a:off x="8205509" y="6282902"/>
+            <a:off x="8205510" y="6282902"/>
             <a:ext cx="472733" cy="463656"/>
           </a:xfrm>
           <a:prstGeom prst="rect">
@@ -10220,7 +10303,7 @@
         </p:blipFill>
         <p:spPr>
           <a:xfrm>
-            <a:off x="6488770" y="6306664"/>
+            <a:off x="6488771" y="6306665"/>
             <a:ext cx="1079685" cy="421752"/>
           </a:xfrm>
           <a:prstGeom prst="rect">
@@ -10272,49 +10355,163 @@
         </p:nvSpPr>
         <p:spPr/>
         <p:txBody>
+          <a:bodyPr>
+            <a:normAutofit fontScale="90000"/>
+          </a:bodyPr>
+          <a:lstStyle/>
+          <a:p>
+            <a:r>
+              <a:rPr lang="en-US" dirty="0" smtClean="0"/>
+              <a:t>Understanding Distributed Programming Models </a:t>
+            </a:r>
+            <a:endParaRPr lang="en-US" dirty="0"/>
+          </a:p>
+        </p:txBody>
+      </p:sp>
+      <p:pic>
+        <p:nvPicPr>
+          <p:cNvPr id="4" name="Content Placeholder 3" descr="sphere_varying_workers.png"/>
+          <p:cNvPicPr>
+            <a:picLocks noGrp="1" noChangeAspect="1"/>
+          </p:cNvPicPr>
+          <p:nvPr>
+            <p:ph idx="1"/>
+          </p:nvPr>
+        </p:nvPicPr>
+        <p:blipFill>
+          <a:blip r:embed="rId2"/>
+          <a:srcRect l="-14268" r="-14268"/>
+          <a:stretch>
+            <a:fillRect/>
+          </a:stretch>
+        </p:blipFill>
+        <p:spPr>
+          <a:xfrm>
+            <a:off x="4129450" y="1817641"/>
+            <a:ext cx="5014551" cy="2731106"/>
+          </a:xfrm>
+        </p:spPr>
+      </p:pic>
+      <p:pic>
+        <p:nvPicPr>
+          <p:cNvPr id="5" name="Picture 4" descr="sagamr_varying_workers.png"/>
+          <p:cNvPicPr>
+            <a:picLocks noChangeAspect="1"/>
+          </p:cNvPicPr>
+          <p:nvPr/>
+        </p:nvPicPr>
+        <p:blipFill>
+          <a:blip r:embed="rId3"/>
+          <a:stretch>
+            <a:fillRect/>
+          </a:stretch>
+        </p:blipFill>
+        <p:spPr>
+          <a:xfrm>
+            <a:off x="4746883" y="4310827"/>
+            <a:ext cx="3827804" cy="2547174"/>
+          </a:xfrm>
+          <a:prstGeom prst="rect">
+            <a:avLst/>
+          </a:prstGeom>
+        </p:spPr>
+      </p:pic>
+      <p:pic>
+        <p:nvPicPr>
+          <p:cNvPr id="6" name="Picture 5" descr="sphere_mr_varying_chunksize.png"/>
+          <p:cNvPicPr>
+            <a:picLocks noChangeAspect="1"/>
+          </p:cNvPicPr>
+          <p:nvPr/>
+        </p:nvPicPr>
+        <p:blipFill>
+          <a:blip r:embed="rId4"/>
+          <a:stretch>
+            <a:fillRect/>
+          </a:stretch>
+        </p:blipFill>
+        <p:spPr>
+          <a:xfrm>
+            <a:off x="1" y="2465574"/>
+            <a:ext cx="4571429" cy="3200000"/>
+          </a:xfrm>
+          <a:prstGeom prst="rect">
+            <a:avLst/>
+          </a:prstGeom>
+        </p:spPr>
+      </p:pic>
+    </p:spTree>
+  </p:cSld>
+  <p:clrMapOvr>
+    <a:masterClrMapping/>
+  </p:clrMapOvr>
+  <p:timing>
+    <p:tnLst>
+      <p:par>
+        <p:cTn id="1" dur="indefinite" restart="never" nodeType="tmRoot"/>
+      </p:par>
+    </p:tnLst>
+  </p:timing>
+</p:sld>
+</file>
+
+<file path=ppt/slides/slide11.xml><?xml version="1.0" encoding="utf-8"?>
+<p:sld xmlns:a="http://schemas.openxmlformats.org/drawingml/2006/main" xmlns:r="http://schemas.openxmlformats.org/officeDocument/2006/relationships" xmlns:mc="http://schemas.openxmlformats.org/markup-compatibility/2006" xmlns:mv="urn:schemas-microsoft-com:mac:vml" xmlns:p="http://schemas.openxmlformats.org/presentationml/2006/main" mc:Ignorable="mv" mc:PreserveAttributes="mv:*">
+  <p:cSld>
+    <p:spTree>
+      <p:nvGrpSpPr>
+        <p:cNvPr id="1" name=""/>
+        <p:cNvGrpSpPr/>
+        <p:nvPr/>
+      </p:nvGrpSpPr>
+      <p:grpSpPr>
+        <a:xfrm>
+          <a:off x="0" y="0"/>
+          <a:ext cx="0" cy="0"/>
+          <a:chOff x="0" y="0"/>
+          <a:chExt cx="0" cy="0"/>
+        </a:xfrm>
+      </p:grpSpPr>
+      <p:sp>
+        <p:nvSpPr>
+          <p:cNvPr id="2" name="Title 1"/>
+          <p:cNvSpPr>
+            <a:spLocks noGrp="1"/>
+          </p:cNvSpPr>
+          <p:nvPr>
+            <p:ph type="title"/>
+          </p:nvPr>
+        </p:nvSpPr>
+        <p:spPr/>
+        <p:txBody>
           <a:bodyPr rtlCol="0">
             <a:normAutofit/>
           </a:bodyPr>
           <a:lstStyle/>
           <a:p>
-            <a:pPr eaLnBrk="1" fontAlgn="auto" hangingPunct="1">
-              <a:spcAft>
-                <a:spcPts val="0"/>
-              </a:spcAft>
+            <a:pPr>
               <a:defRPr/>
             </a:pPr>
             <a:r>
-              <a:rPr lang="en-US" sz="2222" dirty="0" smtClean="0"/>
+              <a:rPr lang="en-US" sz="2200" dirty="0" smtClean="0"/>
               <a:t>Distributed Adaptive Replica Exchange (DARE)</a:t>
             </a:r>
             <a:r>
-              <a:rPr lang="en-US" sz="2800" dirty="0" smtClean="0"/>
+              <a:rPr lang="en-US" dirty="0" smtClean="0"/>
               <a:t/>
             </a:r>
             <a:br>
-              <a:rPr lang="en-US" sz="2800" dirty="0" smtClean="0"/>
+              <a:rPr lang="en-US" dirty="0" smtClean="0"/>
             </a:br>
             <a:r>
-              <a:rPr lang="en-US" sz="2222" dirty="0" smtClean="0">
-                <a:solidFill>
-                  <a:schemeClr val="bg1">
-                    <a:lumMod val="75000"/>
-                  </a:schemeClr>
-                </a:solidFill>
-              </a:rPr>
+              <a:rPr lang="en-US" sz="2200" dirty="0" smtClean="0"/>
               <a:t>Multiple Pilot-Jobs on the “Distributed” </a:t>
             </a:r>
             <a:r>
-              <a:rPr lang="en-US" sz="2222" dirty="0" err="1" smtClean="0">
-                <a:solidFill>
-                  <a:schemeClr val="bg1">
-                    <a:lumMod val="75000"/>
-                  </a:schemeClr>
-                </a:solidFill>
-              </a:rPr>
+              <a:rPr lang="en-US" sz="2200" dirty="0" err="1" smtClean="0"/>
               <a:t>TeraGrid</a:t>
             </a:r>
-            <a:endParaRPr lang="en-US" sz="2222" dirty="0" smtClean="0">
+            <a:endParaRPr lang="en-US" sz="2200" dirty="0" smtClean="0">
               <a:solidFill>
                 <a:srgbClr val="800000"/>
               </a:solidFill>
@@ -10336,7 +10533,7 @@
         </p:nvSpPr>
         <p:spPr>
           <a:xfrm>
-            <a:off x="892710" y="2011973"/>
+            <a:off x="892711" y="2011973"/>
             <a:ext cx="7489289" cy="1366228"/>
           </a:xfrm>
         </p:spPr>
@@ -10421,7 +10618,7 @@
           <p:nvPr/>
         </p:nvGraphicFramePr>
         <p:xfrm>
-          <a:off x="4888046" y="3644900"/>
+          <a:off x="4888047" y="3644900"/>
           <a:ext cx="3935959" cy="3073400"/>
         </p:xfrm>
         <a:graphic>
@@ -10445,7 +10642,7 @@
 </p:sld>
 </file>
 
-<file path=ppt/slides/slide11.xml><?xml version="1.0" encoding="utf-8"?>
+<file path=ppt/slides/slide12.xml><?xml version="1.0" encoding="utf-8"?>
 <p:sld xmlns:a="http://schemas.openxmlformats.org/drawingml/2006/main" xmlns:r="http://schemas.openxmlformats.org/officeDocument/2006/relationships" xmlns:mc="http://schemas.openxmlformats.org/markup-compatibility/2006" xmlns:mv="urn:schemas-microsoft-com:mac:vml" xmlns:p="http://schemas.openxmlformats.org/presentationml/2006/main" mc:Ignorable="mv" mc:PreserveAttributes="mv:*">
   <p:cSld>
     <p:spTree>
@@ -10521,7 +10718,7 @@
 </p:sld>
 </file>
 
-<file path=ppt/slides/slide12.xml><?xml version="1.0" encoding="utf-8"?>
+<file path=ppt/slides/slide13.xml><?xml version="1.0" encoding="utf-8"?>
 <p:sld xmlns:a="http://schemas.openxmlformats.org/drawingml/2006/main" xmlns:r="http://schemas.openxmlformats.org/officeDocument/2006/relationships" xmlns:mc="http://schemas.openxmlformats.org/markup-compatibility/2006" xmlns:mv="urn:schemas-microsoft-com:mac:vml" xmlns:p="http://schemas.openxmlformats.org/presentationml/2006/main" mc:Ignorable="mv" mc:PreserveAttributes="mv:*">
   <p:cSld>
     <p:spTree>
@@ -10582,7 +10779,7 @@
         </p:nvSpPr>
         <p:spPr>
           <a:xfrm>
-            <a:off x="25400" y="133256"/>
+            <a:off x="25401" y="133256"/>
             <a:ext cx="8913813" cy="914400"/>
           </a:xfrm>
         </p:spPr>
@@ -10624,7 +10821,7 @@
 </p:sld>
 </file>
 
-<file path=ppt/slides/slide13.xml><?xml version="1.0" encoding="utf-8"?>
+<file path=ppt/slides/slide14.xml><?xml version="1.0" encoding="utf-8"?>
 <p:sld xmlns:a="http://schemas.openxmlformats.org/drawingml/2006/main" xmlns:r="http://schemas.openxmlformats.org/officeDocument/2006/relationships" xmlns:mc="http://schemas.openxmlformats.org/markup-compatibility/2006" xmlns:mv="urn:schemas-microsoft-com:mac:vml" xmlns:p="http://schemas.openxmlformats.org/presentationml/2006/main" mc:Ignorable="mv" mc:PreserveAttributes="mv:*">
   <p:cSld>
     <p:spTree>
@@ -10657,7 +10854,7 @@
         </p:blipFill>
         <p:spPr>
           <a:xfrm>
-            <a:off x="1058415" y="1287403"/>
+            <a:off x="1058415" y="1287404"/>
             <a:ext cx="8089359" cy="5570597"/>
           </a:xfrm>
           <a:prstGeom prst="rect">
@@ -10705,7 +10902,7 @@
 </p:sld>
 </file>
 
-<file path=ppt/slides/slide14.xml><?xml version="1.0" encoding="utf-8"?>
+<file path=ppt/slides/slide15.xml><?xml version="1.0" encoding="utf-8"?>
 <p:sld xmlns:a="http://schemas.openxmlformats.org/drawingml/2006/main" xmlns:r="http://schemas.openxmlformats.org/officeDocument/2006/relationships" xmlns:mc="http://schemas.openxmlformats.org/markup-compatibility/2006" xmlns:mv="urn:schemas-microsoft-com:mac:vml" xmlns:p="http://schemas.openxmlformats.org/presentationml/2006/main" mc:Ignorable="mv" mc:PreserveAttributes="mv:*">
   <p:cSld>
     <p:spTree>
@@ -10764,7 +10961,7 @@
         </p:blipFill>
         <p:spPr bwMode="auto">
           <a:xfrm>
-            <a:off x="95774" y="2046287"/>
+            <a:off x="95774" y="2046288"/>
             <a:ext cx="4799972" cy="4100513"/>
           </a:xfrm>
           <a:prstGeom prst="rect">
@@ -10795,7 +10992,7 @@
         </p:blipFill>
         <p:spPr>
           <a:xfrm>
-            <a:off x="4895746" y="2617787"/>
+            <a:off x="4895746" y="2617788"/>
             <a:ext cx="4248253" cy="2589213"/>
           </a:xfrm>
           <a:prstGeom prst="rect">
@@ -10819,7 +11016,7 @@
 </p:sld>
 </file>
 
-<file path=ppt/slides/slide15.xml><?xml version="1.0" encoding="utf-8"?>
+<file path=ppt/slides/slide16.xml><?xml version="1.0" encoding="utf-8"?>
 <p:sld xmlns:a="http://schemas.openxmlformats.org/drawingml/2006/main" xmlns:r="http://schemas.openxmlformats.org/officeDocument/2006/relationships" xmlns:mc="http://schemas.openxmlformats.org/markup-compatibility/2006" xmlns:mv="urn:schemas-microsoft-com:mac:vml" xmlns:p="http://schemas.openxmlformats.org/presentationml/2006/main" mc:Ignorable="mv" mc:PreserveAttributes="mv:*">
   <p:cSld>
     <p:spTree>
@@ -10876,7 +11073,7 @@
             <a:fld id="{D7EEED34-8CD6-0C49-8D66-19FEDD51CB4E}" type="slidenum">
               <a:rPr lang="en-US"/>
               <a:pPr/>
-              <a:t>15</a:t>
+              <a:t>16</a:t>
             </a:fld>
             <a:endParaRPr lang="en-US"/>
           </a:p>
@@ -10892,7 +11089,7 @@
         </p:nvGrpSpPr>
         <p:grpSpPr bwMode="auto">
           <a:xfrm>
-            <a:off x="304800" y="1355725"/>
+            <a:off x="304800" y="1355726"/>
             <a:ext cx="8610600" cy="3216275"/>
             <a:chOff x="192" y="854"/>
             <a:chExt cx="5424" cy="2026"/>
@@ -10991,7 +11188,7 @@
           <p:spPr bwMode="auto">
             <a:xfrm>
               <a:off x="1536" y="854"/>
-              <a:ext cx="819" cy="250"/>
+              <a:ext cx="781" cy="252"/>
             </a:xfrm>
             <a:prstGeom prst="rect">
               <a:avLst/>
@@ -11015,10 +11212,7 @@
             <a:lstStyle/>
             <a:p>
               <a:r>
-                <a:rPr lang="fr-FR" sz="2000">
-                  <a:solidFill>
-                    <a:schemeClr val="tx1"/>
-                  </a:solidFill>
+                <a:rPr lang="fr-FR" sz="2000" dirty="0">
                   <a:effectLst>
                     <a:outerShdw blurRad="38100" dist="38100" dir="2700000" algn="tl">
                       <a:srgbClr val="DDDDDD"/>
@@ -11042,7 +11236,7 @@
           <p:spPr bwMode="auto">
             <a:xfrm>
               <a:off x="4560" y="854"/>
-              <a:ext cx="641" cy="250"/>
+              <a:ext cx="592" cy="252"/>
             </a:xfrm>
             <a:prstGeom prst="rect">
               <a:avLst/>
@@ -11066,10 +11260,7 @@
             <a:lstStyle/>
             <a:p>
               <a:r>
-                <a:rPr lang="fr-FR" sz="2000">
-                  <a:solidFill>
-                    <a:schemeClr val="tx1"/>
-                  </a:solidFill>
+                <a:rPr lang="fr-FR" sz="2000" dirty="0" err="1">
                   <a:effectLst>
                     <a:outerShdw blurRad="38100" dist="38100" dir="2700000" algn="tl">
                       <a:srgbClr val="DDDDDD"/>
@@ -11079,6 +11270,14 @@
                 </a:rPr>
                 <a:t>Jython</a:t>
               </a:r>
+              <a:endParaRPr lang="fr-FR" sz="2000" dirty="0">
+                <a:effectLst>
+                  <a:outerShdw blurRad="38100" dist="38100" dir="2700000" algn="tl">
+                    <a:srgbClr val="DDDDDD"/>
+                  </a:outerShdw>
+                </a:effectLst>
+                <a:latin typeface="Arial" charset="0"/>
+              </a:endParaRPr>
             </a:p>
           </p:txBody>
         </p:sp>
@@ -11110,7 +11309,7 @@
           <a:effectLst/>
         </p:spPr>
         <p:txBody>
-          <a:bodyPr wrap="none" anchor="ctr">
+          <a:bodyPr wrap="none" lIns="91435" tIns="45718" rIns="91435" bIns="45718" anchor="ctr">
             <a:prstTxWarp prst="textNoShape">
               <a:avLst/>
             </a:prstTxWarp>
@@ -11119,10 +11318,7 @@
           <a:p>
             <a:pPr algn="ctr"/>
             <a:r>
-              <a:rPr lang="en-US" sz="7200">
-                <a:solidFill>
-                  <a:schemeClr val="tx1"/>
-                </a:solidFill>
+              <a:rPr lang="en-US" sz="7200" dirty="0">
                 <a:effectLst>
                   <a:outerShdw blurRad="38100" dist="38100" dir="2700000" algn="tl">
                     <a:srgbClr val="DDDDDD"/>
@@ -11165,7 +11361,7 @@
           <a:effectLst/>
         </p:spPr>
         <p:txBody>
-          <a:bodyPr wrap="none" anchor="ctr">
+          <a:bodyPr wrap="none" lIns="91435" tIns="45718" rIns="91435" bIns="45718" anchor="ctr">
             <a:prstTxWarp prst="textNoShape">
               <a:avLst/>
             </a:prstTxWarp>
@@ -11174,15 +11370,14 @@
           <a:p>
             <a:pPr algn="ctr"/>
             <a:r>
-              <a:rPr lang="en-US" sz="1800" b="0">
-                <a:solidFill>
-                  <a:schemeClr val="tx1"/>
-                </a:solidFill>
-                <a:effectLst/>
+              <a:rPr lang="en-US" dirty="0" err="1">
                 <a:latin typeface="Arial" charset="0"/>
               </a:rPr>
               <a:t>JPySAGA</a:t>
             </a:r>
+            <a:endParaRPr lang="en-US" dirty="0">
+              <a:latin typeface="Arial" charset="0"/>
+            </a:endParaRPr>
           </a:p>
         </p:txBody>
       </p:sp>
@@ -11196,7 +11391,7 @@
         </p:nvSpPr>
         <p:spPr bwMode="auto">
           <a:xfrm>
-            <a:off x="685800" y="3048000"/>
+            <a:off x="685800" y="3048001"/>
             <a:ext cx="7772400" cy="304800"/>
           </a:xfrm>
           <a:prstGeom prst="rect">
@@ -11217,7 +11412,7 @@
           <a:effectLst/>
         </p:spPr>
         <p:txBody>
-          <a:bodyPr wrap="none" anchor="ctr">
+          <a:bodyPr wrap="none" lIns="91435" tIns="45718" rIns="91435" bIns="45718" anchor="ctr">
             <a:prstTxWarp prst="textNoShape">
               <a:avLst/>
             </a:prstTxWarp>
@@ -11226,11 +11421,7 @@
           <a:p>
             <a:pPr algn="ctr"/>
             <a:r>
-              <a:rPr lang="en-US" sz="1600" b="0">
-                <a:solidFill>
-                  <a:schemeClr val="tx1"/>
-                </a:solidFill>
-                <a:effectLst/>
+              <a:rPr lang="en-US" sz="1600" dirty="0">
                 <a:latin typeface="Arial" charset="0"/>
               </a:rPr>
               <a:t>Python Bindings for SAGA</a:t>
@@ -11248,7 +11439,7 @@
         </p:nvSpPr>
         <p:spPr bwMode="auto">
           <a:xfrm>
-            <a:off x="6705600" y="5105400"/>
+            <a:off x="6705600" y="5105401"/>
             <a:ext cx="1752600" cy="533400"/>
           </a:xfrm>
           <a:prstGeom prst="rect">
@@ -11268,7 +11459,7 @@
           <a:effectLst/>
         </p:spPr>
         <p:txBody>
-          <a:bodyPr wrap="none" anchor="ctr">
+          <a:bodyPr wrap="none" lIns="91435" tIns="45718" rIns="91435" bIns="45718" anchor="ctr">
             <a:prstTxWarp prst="textNoShape">
               <a:avLst/>
             </a:prstTxWarp>
@@ -11277,11 +11468,7 @@
           <a:p>
             <a:pPr algn="ctr"/>
             <a:r>
-              <a:rPr lang="fr-FR" sz="1800" b="0">
-                <a:solidFill>
-                  <a:schemeClr val="tx1"/>
-                </a:solidFill>
-                <a:effectLst/>
+              <a:rPr lang="fr-FR" dirty="0">
                 <a:latin typeface="Arial" charset="0"/>
               </a:rPr>
               <a:t>Java SAGA</a:t>
@@ -11299,7 +11486,7 @@
         </p:nvSpPr>
         <p:spPr bwMode="auto">
           <a:xfrm>
-            <a:off x="3810000" y="5105400"/>
+            <a:off x="3810000" y="5105401"/>
             <a:ext cx="1752600" cy="533400"/>
           </a:xfrm>
           <a:prstGeom prst="rect">
@@ -11319,7 +11506,7 @@
           <a:effectLst/>
         </p:spPr>
         <p:txBody>
-          <a:bodyPr wrap="none" anchor="ctr">
+          <a:bodyPr wrap="none" lIns="91435" tIns="45718" rIns="91435" bIns="45718" anchor="ctr">
             <a:prstTxWarp prst="textNoShape">
               <a:avLst/>
             </a:prstTxWarp>
@@ -11328,11 +11515,7 @@
           <a:p>
             <a:pPr algn="ctr"/>
             <a:r>
-              <a:rPr lang="fr-FR" sz="1800" b="0">
-                <a:solidFill>
-                  <a:schemeClr val="tx1"/>
-                </a:solidFill>
-                <a:effectLst/>
+              <a:rPr lang="fr-FR" dirty="0">
                 <a:latin typeface="Arial" charset="0"/>
               </a:rPr>
               <a:t>JSAGA</a:t>
@@ -11370,7 +11553,7 @@
           <a:effectLst/>
         </p:spPr>
         <p:txBody>
-          <a:bodyPr wrap="none" anchor="ctr">
+          <a:bodyPr wrap="none" lIns="91435" tIns="45718" rIns="91435" bIns="45718" anchor="ctr">
             <a:prstTxWarp prst="textNoShape">
               <a:avLst/>
             </a:prstTxWarp>
@@ -11379,11 +11562,7 @@
           <a:p>
             <a:pPr algn="ctr"/>
             <a:r>
-              <a:rPr lang="fr-FR" sz="1800" b="0">
-                <a:solidFill>
-                  <a:schemeClr val="tx1"/>
-                </a:solidFill>
-                <a:effectLst/>
+              <a:rPr lang="fr-FR" dirty="0">
                 <a:latin typeface="Arial" charset="0"/>
               </a:rPr>
               <a:t>Java GAT</a:t>
@@ -11421,7 +11600,7 @@
           <a:effectLst/>
         </p:spPr>
         <p:txBody>
-          <a:bodyPr wrap="none" anchor="ctr">
+          <a:bodyPr wrap="none" lIns="91435" tIns="45718" rIns="91435" bIns="45718" anchor="ctr">
             <a:prstTxWarp prst="textNoShape">
               <a:avLst/>
             </a:prstTxWarp>
@@ -11462,7 +11641,7 @@
           <a:effectLst/>
         </p:spPr>
         <p:txBody>
-          <a:bodyPr wrap="none" anchor="ctr">
+          <a:bodyPr wrap="none" lIns="91435" tIns="45718" rIns="91435" bIns="45718" anchor="ctr">
             <a:prstTxWarp prst="textNoShape">
               <a:avLst/>
             </a:prstTxWarp>
@@ -11503,7 +11682,7 @@
           <a:effectLst/>
         </p:spPr>
         <p:txBody>
-          <a:bodyPr wrap="none" anchor="ctr">
+          <a:bodyPr wrap="none" lIns="91435" tIns="45718" rIns="91435" bIns="45718" anchor="ctr">
             <a:prstTxWarp prst="textNoShape">
               <a:avLst/>
             </a:prstTxWarp>
@@ -11544,7 +11723,7 @@
           <a:effectLst/>
         </p:spPr>
         <p:txBody>
-          <a:bodyPr wrap="none" anchor="ctr">
+          <a:bodyPr wrap="none" lIns="91435" tIns="45718" rIns="91435" bIns="45718" anchor="ctr">
             <a:prstTxWarp prst="textNoShape">
               <a:avLst/>
             </a:prstTxWarp>
@@ -11585,7 +11764,7 @@
           <a:effectLst/>
         </p:spPr>
         <p:txBody>
-          <a:bodyPr wrap="none" anchor="ctr">
+          <a:bodyPr wrap="none" lIns="91435" tIns="45718" rIns="91435" bIns="45718" anchor="ctr">
             <a:prstTxWarp prst="textNoShape">
               <a:avLst/>
             </a:prstTxWarp>
@@ -11626,7 +11805,7 @@
           <a:effectLst/>
         </p:spPr>
         <p:txBody>
-          <a:bodyPr wrap="none" anchor="ctr">
+          <a:bodyPr wrap="none" lIns="91435" tIns="45718" rIns="91435" bIns="45718" anchor="ctr">
             <a:prstTxWarp prst="textNoShape">
               <a:avLst/>
             </a:prstTxWarp>
@@ -11667,7 +11846,7 @@
           <a:effectLst/>
         </p:spPr>
         <p:txBody>
-          <a:bodyPr wrap="none" anchor="ctr">
+          <a:bodyPr wrap="none" lIns="91435" tIns="45718" rIns="91435" bIns="45718" anchor="ctr">
             <a:prstTxWarp prst="textNoShape">
               <a:avLst/>
             </a:prstTxWarp>
@@ -11708,7 +11887,7 @@
           <a:effectLst/>
         </p:spPr>
         <p:txBody>
-          <a:bodyPr wrap="none" anchor="ctr">
+          <a:bodyPr wrap="none" lIns="91435" tIns="45718" rIns="91435" bIns="45718" anchor="ctr">
             <a:prstTxWarp prst="textNoShape">
               <a:avLst/>
             </a:prstTxWarp>
@@ -11729,7 +11908,7 @@
         </p:nvSpPr>
         <p:spPr bwMode="auto">
           <a:xfrm>
-            <a:off x="3810000" y="5715000"/>
+            <a:off x="3810001" y="5715000"/>
             <a:ext cx="152400" cy="304800"/>
           </a:xfrm>
           <a:prstGeom prst="rect">
@@ -11749,7 +11928,7 @@
           <a:effectLst/>
         </p:spPr>
         <p:txBody>
-          <a:bodyPr wrap="none" anchor="ctr">
+          <a:bodyPr wrap="none" lIns="91435" tIns="45718" rIns="91435" bIns="45718" anchor="ctr">
             <a:prstTxWarp prst="textNoShape">
               <a:avLst/>
             </a:prstTxWarp>
@@ -11770,7 +11949,7 @@
         </p:nvSpPr>
         <p:spPr bwMode="auto">
           <a:xfrm>
-            <a:off x="4038600" y="5715000"/>
+            <a:off x="4038601" y="5715000"/>
             <a:ext cx="152400" cy="304800"/>
           </a:xfrm>
           <a:prstGeom prst="rect">
@@ -11790,7 +11969,7 @@
           <a:effectLst/>
         </p:spPr>
         <p:txBody>
-          <a:bodyPr wrap="none" anchor="ctr">
+          <a:bodyPr wrap="none" lIns="91435" tIns="45718" rIns="91435" bIns="45718" anchor="ctr">
             <a:prstTxWarp prst="textNoShape">
               <a:avLst/>
             </a:prstTxWarp>
@@ -11811,7 +11990,7 @@
         </p:nvSpPr>
         <p:spPr bwMode="auto">
           <a:xfrm>
-            <a:off x="4267200" y="5715000"/>
+            <a:off x="4267201" y="5715000"/>
             <a:ext cx="152400" cy="304800"/>
           </a:xfrm>
           <a:prstGeom prst="rect">
@@ -11831,7 +12010,7 @@
           <a:effectLst/>
         </p:spPr>
         <p:txBody>
-          <a:bodyPr wrap="none" anchor="ctr">
+          <a:bodyPr wrap="none" lIns="91435" tIns="45718" rIns="91435" bIns="45718" anchor="ctr">
             <a:prstTxWarp prst="textNoShape">
               <a:avLst/>
             </a:prstTxWarp>
@@ -11852,7 +12031,7 @@
         </p:nvSpPr>
         <p:spPr bwMode="auto">
           <a:xfrm>
-            <a:off x="4495800" y="5715000"/>
+            <a:off x="4495801" y="5715000"/>
             <a:ext cx="152400" cy="304800"/>
           </a:xfrm>
           <a:prstGeom prst="rect">
@@ -11872,7 +12051,7 @@
           <a:effectLst/>
         </p:spPr>
         <p:txBody>
-          <a:bodyPr wrap="none" anchor="ctr">
+          <a:bodyPr wrap="none" lIns="91435" tIns="45718" rIns="91435" bIns="45718" anchor="ctr">
             <a:prstTxWarp prst="textNoShape">
               <a:avLst/>
             </a:prstTxWarp>
@@ -11893,7 +12072,7 @@
         </p:nvSpPr>
         <p:spPr bwMode="auto">
           <a:xfrm>
-            <a:off x="4724400" y="5715000"/>
+            <a:off x="4724401" y="5715000"/>
             <a:ext cx="152400" cy="304800"/>
           </a:xfrm>
           <a:prstGeom prst="rect">
@@ -11913,7 +12092,7 @@
           <a:effectLst/>
         </p:spPr>
         <p:txBody>
-          <a:bodyPr wrap="none" anchor="ctr">
+          <a:bodyPr wrap="none" lIns="91435" tIns="45718" rIns="91435" bIns="45718" anchor="ctr">
             <a:prstTxWarp prst="textNoShape">
               <a:avLst/>
             </a:prstTxWarp>
@@ -11934,7 +12113,7 @@
         </p:nvSpPr>
         <p:spPr bwMode="auto">
           <a:xfrm>
-            <a:off x="4953000" y="5715000"/>
+            <a:off x="4953001" y="5715000"/>
             <a:ext cx="152400" cy="304800"/>
           </a:xfrm>
           <a:prstGeom prst="rect">
@@ -11954,7 +12133,7 @@
           <a:effectLst/>
         </p:spPr>
         <p:txBody>
-          <a:bodyPr wrap="none" anchor="ctr">
+          <a:bodyPr wrap="none" lIns="91435" tIns="45718" rIns="91435" bIns="45718" anchor="ctr">
             <a:prstTxWarp prst="textNoShape">
               <a:avLst/>
             </a:prstTxWarp>
@@ -11995,7 +12174,7 @@
           <a:effectLst/>
         </p:spPr>
         <p:txBody>
-          <a:bodyPr wrap="none" anchor="ctr">
+          <a:bodyPr wrap="none" lIns="91435" tIns="45718" rIns="91435" bIns="45718" anchor="ctr">
             <a:prstTxWarp prst="textNoShape">
               <a:avLst/>
             </a:prstTxWarp>
@@ -12016,7 +12195,7 @@
         </p:nvSpPr>
         <p:spPr bwMode="auto">
           <a:xfrm>
-            <a:off x="5410200" y="5715000"/>
+            <a:off x="5410201" y="5715000"/>
             <a:ext cx="152400" cy="304800"/>
           </a:xfrm>
           <a:prstGeom prst="rect">
@@ -12036,7 +12215,7 @@
           <a:effectLst/>
         </p:spPr>
         <p:txBody>
-          <a:bodyPr wrap="none" anchor="ctr">
+          <a:bodyPr wrap="none" lIns="91435" tIns="45718" rIns="91435" bIns="45718" anchor="ctr">
             <a:prstTxWarp prst="textNoShape">
               <a:avLst/>
             </a:prstTxWarp>
@@ -12078,7 +12257,7 @@
           <a:effectLst/>
         </p:spPr>
         <p:txBody>
-          <a:bodyPr wrap="none" anchor="ctr">
+          <a:bodyPr wrap="none" lIns="91435" tIns="45718" rIns="91435" bIns="45718" anchor="ctr">
             <a:prstTxWarp prst="textNoShape">
               <a:avLst/>
             </a:prstTxWarp>
@@ -12087,11 +12266,7 @@
           <a:p>
             <a:pPr algn="ctr"/>
             <a:r>
-              <a:rPr lang="en-US" sz="1600" b="0">
-                <a:solidFill>
-                  <a:schemeClr val="tx1"/>
-                </a:solidFill>
-                <a:effectLst/>
+              <a:rPr lang="en-US" sz="1600" dirty="0">
                 <a:latin typeface="Arial" charset="0"/>
               </a:rPr>
               <a:t>Java Bindings for SAGA</a:t>
@@ -12128,7 +12303,7 @@
           <a:effectLst/>
         </p:spPr>
         <p:txBody>
-          <a:bodyPr>
+          <a:bodyPr lIns="91435" tIns="45718" rIns="91435" bIns="45718">
             <a:prstTxWarp prst="textNoShape">
               <a:avLst/>
             </a:prstTxWarp>
@@ -12149,7 +12324,7 @@
         </p:nvSpPr>
         <p:spPr bwMode="auto">
           <a:xfrm>
-            <a:off x="3810000" y="2514600"/>
+            <a:off x="3810001" y="2514600"/>
             <a:ext cx="3124200" cy="2819400"/>
           </a:xfrm>
           <a:prstGeom prst="line">
@@ -12168,7 +12343,7 @@
           <a:effectLst/>
         </p:spPr>
         <p:txBody>
-          <a:bodyPr>
+          <a:bodyPr lIns="91435" tIns="45718" rIns="91435" bIns="45718">
             <a:prstTxWarp prst="textNoShape">
               <a:avLst/>
             </a:prstTxWarp>
@@ -12237,7 +12412,7 @@
         </p:nvSpPr>
         <p:spPr bwMode="auto">
           <a:xfrm>
-            <a:off x="685800" y="5105400"/>
+            <a:off x="685800" y="5105401"/>
             <a:ext cx="1752600" cy="533400"/>
           </a:xfrm>
           <a:prstGeom prst="rect">
@@ -12257,7 +12432,7 @@
           <a:effectLst/>
         </p:spPr>
         <p:txBody>
-          <a:bodyPr wrap="none" anchor="ctr">
+          <a:bodyPr wrap="none" lIns="91435" tIns="45718" rIns="91435" bIns="45718" anchor="ctr">
             <a:prstTxWarp prst="textNoShape">
               <a:avLst/>
             </a:prstTxWarp>
@@ -12266,11 +12441,7 @@
           <a:p>
             <a:pPr algn="ctr"/>
             <a:r>
-              <a:rPr lang="fr-FR" sz="1800" b="0">
-                <a:solidFill>
-                  <a:schemeClr val="tx1"/>
-                </a:solidFill>
-                <a:effectLst/>
+              <a:rPr lang="fr-FR" dirty="0">
                 <a:latin typeface="Arial" charset="0"/>
               </a:rPr>
               <a:t>SAGA-C++</a:t>
@@ -12308,7 +12479,7 @@
           <a:effectLst/>
         </p:spPr>
         <p:txBody>
-          <a:bodyPr wrap="none" anchor="ctr">
+          <a:bodyPr wrap="none" lIns="91435" tIns="45718" rIns="91435" bIns="45718" anchor="ctr">
             <a:prstTxWarp prst="textNoShape">
               <a:avLst/>
             </a:prstTxWarp>
@@ -12349,7 +12520,7 @@
           <a:effectLst/>
         </p:spPr>
         <p:txBody>
-          <a:bodyPr wrap="none" anchor="ctr">
+          <a:bodyPr wrap="none" lIns="91435" tIns="45718" rIns="91435" bIns="45718" anchor="ctr">
             <a:prstTxWarp prst="textNoShape">
               <a:avLst/>
             </a:prstTxWarp>
@@ -12390,7 +12561,7 @@
           <a:effectLst/>
         </p:spPr>
         <p:txBody>
-          <a:bodyPr wrap="none" anchor="ctr">
+          <a:bodyPr wrap="none" lIns="91435" tIns="45718" rIns="91435" bIns="45718" anchor="ctr">
             <a:prstTxWarp prst="textNoShape">
               <a:avLst/>
             </a:prstTxWarp>
@@ -12431,7 +12602,7 @@
           <a:effectLst/>
         </p:spPr>
         <p:txBody>
-          <a:bodyPr wrap="none" anchor="ctr">
+          <a:bodyPr wrap="none" lIns="91435" tIns="45718" rIns="91435" bIns="45718" anchor="ctr">
             <a:prstTxWarp prst="textNoShape">
               <a:avLst/>
             </a:prstTxWarp>
@@ -12472,7 +12643,7 @@
           <a:effectLst/>
         </p:spPr>
         <p:txBody>
-          <a:bodyPr wrap="none" anchor="ctr">
+          <a:bodyPr wrap="none" lIns="91435" tIns="45718" rIns="91435" bIns="45718" anchor="ctr">
             <a:prstTxWarp prst="textNoShape">
               <a:avLst/>
             </a:prstTxWarp>
@@ -12513,7 +12684,7 @@
           <a:effectLst/>
         </p:spPr>
         <p:txBody>
-          <a:bodyPr wrap="none" anchor="ctr">
+          <a:bodyPr wrap="none" lIns="91435" tIns="45718" rIns="91435" bIns="45718" anchor="ctr">
             <a:prstTxWarp prst="textNoShape">
               <a:avLst/>
             </a:prstTxWarp>
@@ -12554,7 +12725,7 @@
           <a:effectLst/>
         </p:spPr>
         <p:txBody>
-          <a:bodyPr wrap="none" anchor="ctr">
+          <a:bodyPr wrap="none" lIns="91435" tIns="45718" rIns="91435" bIns="45718" anchor="ctr">
             <a:prstTxWarp prst="textNoShape">
               <a:avLst/>
             </a:prstTxWarp>
@@ -12595,7 +12766,7 @@
           <a:effectLst/>
         </p:spPr>
         <p:txBody>
-          <a:bodyPr wrap="none" anchor="ctr">
+          <a:bodyPr wrap="none" lIns="91435" tIns="45718" rIns="91435" bIns="45718" anchor="ctr">
             <a:prstTxWarp prst="textNoShape">
               <a:avLst/>
             </a:prstTxWarp>
@@ -12635,7 +12806,7 @@
           <a:effectLst/>
         </p:spPr>
         <p:txBody>
-          <a:bodyPr wrap="none" anchor="ctr">
+          <a:bodyPr wrap="none" lIns="91435" tIns="45718" rIns="91435" bIns="45718" anchor="ctr">
             <a:prstTxWarp prst="textNoShape">
               <a:avLst/>
             </a:prstTxWarp>
@@ -12644,11 +12815,7 @@
           <a:p>
             <a:pPr algn="ctr"/>
             <a:r>
-              <a:rPr lang="en-US" sz="1600" b="0">
-                <a:solidFill>
-                  <a:schemeClr val="tx1"/>
-                </a:solidFill>
-                <a:effectLst/>
+              <a:rPr lang="en-US" sz="1600" dirty="0">
                 <a:latin typeface="Arial" charset="0"/>
               </a:rPr>
               <a:t>C++ Bindings for SAGA</a:t>
@@ -12686,7 +12853,7 @@
           <a:effectLst/>
         </p:spPr>
         <p:txBody>
-          <a:bodyPr wrap="none" anchor="ctr">
+          <a:bodyPr wrap="none" lIns="91435" tIns="45718" rIns="91435" bIns="45718" anchor="ctr">
             <a:prstTxWarp prst="textNoShape">
               <a:avLst/>
             </a:prstTxWarp>
@@ -12695,15 +12862,14 @@
           <a:p>
             <a:pPr algn="ctr"/>
             <a:r>
-              <a:rPr lang="en-US" sz="1800" b="0">
-                <a:solidFill>
-                  <a:schemeClr val="tx1"/>
-                </a:solidFill>
-                <a:effectLst/>
+              <a:rPr lang="en-US" dirty="0" err="1">
                 <a:latin typeface="Arial" charset="0"/>
               </a:rPr>
               <a:t>JySAGA</a:t>
             </a:r>
+            <a:endParaRPr lang="en-US" dirty="0">
+              <a:latin typeface="Arial" charset="0"/>
+            </a:endParaRPr>
           </a:p>
         </p:txBody>
       </p:sp>
@@ -12735,7 +12901,7 @@
           <a:effectLst/>
         </p:spPr>
         <p:txBody>
-          <a:bodyPr>
+          <a:bodyPr lIns="91435" tIns="45718" rIns="91435" bIns="45718">
             <a:prstTxWarp prst="textNoShape">
               <a:avLst/>
             </a:prstTxWarp>
@@ -12756,7 +12922,7 @@
         </p:nvSpPr>
         <p:spPr bwMode="auto">
           <a:xfrm flipH="1">
-            <a:off x="7620000" y="2514600"/>
+            <a:off x="7620001" y="2514600"/>
             <a:ext cx="533400" cy="2819400"/>
           </a:xfrm>
           <a:prstGeom prst="line">
@@ -12774,7 +12940,7 @@
           <a:effectLst/>
         </p:spPr>
         <p:txBody>
-          <a:bodyPr>
+          <a:bodyPr lIns="91435" tIns="45718" rIns="91435" bIns="45718">
             <a:prstTxWarp prst="textNoShape">
               <a:avLst/>
             </a:prstTxWarp>
@@ -12795,10 +12961,10 @@
         </p:nvGrpSpPr>
         <p:grpSpPr bwMode="auto">
           <a:xfrm>
-            <a:off x="6934200" y="2209800"/>
-            <a:ext cx="2057400" cy="336550"/>
+            <a:off x="6934200" y="2209803"/>
+            <a:ext cx="2057400" cy="338138"/>
             <a:chOff x="4368" y="1392"/>
-            <a:chExt cx="1296" cy="212"/>
+            <a:chExt cx="1296" cy="213"/>
           </a:xfrm>
         </p:grpSpPr>
         <p:sp>
@@ -12853,7 +13019,7 @@
           <p:spPr bwMode="auto">
             <a:xfrm>
               <a:off x="4464" y="1392"/>
-              <a:ext cx="1118" cy="212"/>
+              <a:ext cx="1129" cy="213"/>
             </a:xfrm>
             <a:prstGeom prst="rect">
               <a:avLst/>
@@ -12877,11 +13043,7 @@
             <a:lstStyle/>
             <a:p>
               <a:r>
-                <a:rPr lang="en-US" sz="1600" b="0">
-                  <a:solidFill>
-                    <a:schemeClr val="tx1"/>
-                  </a:solidFill>
-                  <a:effectLst/>
+                <a:rPr lang="en-US" sz="1600" dirty="0">
                   <a:latin typeface="Arial" charset="0"/>
                 </a:rPr>
                 <a:t>a user application</a:t>
@@ -12946,11 +13108,7 @@
             <a:p>
               <a:pPr algn="ctr"/>
               <a:r>
-                <a:rPr lang="en-US" sz="1600" b="0">
-                  <a:solidFill>
-                    <a:schemeClr val="tx1"/>
-                  </a:solidFill>
-                  <a:effectLst/>
+                <a:rPr lang="en-US" sz="1600" dirty="0">
                   <a:latin typeface="Arial" charset="0"/>
                 </a:rPr>
                 <a:t>legacy python bind.</a:t>
@@ -12997,11 +13155,7 @@
             <a:p>
               <a:pPr algn="ctr"/>
               <a:r>
-                <a:rPr lang="en-US" sz="1800" b="0">
-                  <a:solidFill>
-                    <a:schemeClr val="tx1"/>
-                  </a:solidFill>
-                  <a:effectLst/>
+                <a:rPr lang="en-US" dirty="0">
                   <a:latin typeface="Arial" charset="0"/>
                 </a:rPr>
                 <a:t>Boost wrapper</a:t>
@@ -13048,15 +13202,20 @@
             <a:p>
               <a:pPr algn="ctr"/>
               <a:r>
-                <a:rPr lang="en-US" sz="1800" b="0">
-                  <a:solidFill>
-                    <a:schemeClr val="tx1"/>
-                  </a:solidFill>
-                  <a:effectLst/>
+                <a:rPr lang="en-US" dirty="0">
                   <a:latin typeface="Arial" charset="0"/>
                 </a:rPr>
-                <a:t>SAGA-C++Py</a:t>
+                <a:t>SAGA-</a:t>
               </a:r>
+              <a:r>
+                <a:rPr lang="en-US" dirty="0" err="1">
+                  <a:latin typeface="Arial" charset="0"/>
+                </a:rPr>
+                <a:t>C++Py</a:t>
+              </a:r>
+              <a:endParaRPr lang="en-US" dirty="0">
+                <a:latin typeface="Arial" charset="0"/>
+              </a:endParaRPr>
             </a:p>
           </p:txBody>
         </p:sp>
@@ -13089,7 +13248,7 @@
           <a:effectLst/>
         </p:spPr>
         <p:txBody>
-          <a:bodyPr>
+          <a:bodyPr lIns="91435" tIns="45718" rIns="91435" bIns="45718">
             <a:prstTxWarp prst="textNoShape">
               <a:avLst/>
             </a:prstTxWarp>
@@ -13128,7 +13287,7 @@
           <a:effectLst/>
         </p:spPr>
         <p:txBody>
-          <a:bodyPr>
+          <a:bodyPr lIns="91435" tIns="45718" rIns="91435" bIns="45718">
             <a:prstTxWarp prst="textNoShape">
               <a:avLst/>
             </a:prstTxWarp>
@@ -13149,7 +13308,7 @@
         </p:nvSpPr>
         <p:spPr bwMode="auto">
           <a:xfrm>
-            <a:off x="3810000" y="2514600"/>
+            <a:off x="3810001" y="2514600"/>
             <a:ext cx="3124200" cy="2819400"/>
           </a:xfrm>
           <a:prstGeom prst="line">
@@ -13167,7 +13326,7 @@
           <a:effectLst/>
         </p:spPr>
         <p:txBody>
-          <a:bodyPr>
+          <a:bodyPr lIns="91435" tIns="45718" rIns="91435" bIns="45718">
             <a:prstTxWarp prst="textNoShape">
               <a:avLst/>
             </a:prstTxWarp>
@@ -13188,8 +13347,8 @@
         </p:nvSpPr>
         <p:spPr bwMode="auto">
           <a:xfrm>
-            <a:off x="0" y="0"/>
-            <a:ext cx="184150" cy="519113"/>
+            <a:off x="0" y="1"/>
+            <a:ext cx="214725" cy="525142"/>
           </a:xfrm>
           <a:prstGeom prst="rect">
             <a:avLst/>
@@ -13204,7 +13363,7 @@
           <a:effectLst/>
         </p:spPr>
         <p:txBody>
-          <a:bodyPr wrap="none" anchor="ctr">
+          <a:bodyPr wrap="none" lIns="91435" tIns="45718" rIns="91435" bIns="45718" anchor="ctr">
             <a:prstTxWarp prst="textNoShape">
               <a:avLst/>
             </a:prstTxWarp>
@@ -13212,22 +13371,14 @@
           </a:bodyPr>
           <a:lstStyle/>
           <a:p>
-            <a:pPr marL="342900" indent="-342900"/>
-            <a:endParaRPr lang="en-US" sz="1000" b="0">
-              <a:solidFill>
-                <a:schemeClr val="tx1"/>
-              </a:solidFill>
-              <a:effectLst/>
+            <a:pPr marL="342882" indent="-342882"/>
+            <a:endParaRPr lang="en-US" sz="1000" dirty="0">
               <a:latin typeface="Arial" charset="0"/>
             </a:endParaRPr>
           </a:p>
           <a:p>
-            <a:pPr marL="342900" indent="-342900" eaLnBrk="0" hangingPunct="0"/>
-            <a:endParaRPr lang="en-US" sz="1800" b="0">
-              <a:solidFill>
-                <a:schemeClr val="tx1"/>
-              </a:solidFill>
-              <a:effectLst/>
+            <a:pPr marL="342882" indent="-342882" eaLnBrk="0" hangingPunct="0"/>
+            <a:endParaRPr lang="en-US" dirty="0">
               <a:latin typeface="Arial" charset="0"/>
             </a:endParaRPr>
           </a:p>
@@ -13243,10 +13394,10 @@
         </p:nvGrpSpPr>
         <p:grpSpPr bwMode="auto">
           <a:xfrm>
-            <a:off x="6934200" y="2209800"/>
-            <a:ext cx="2057400" cy="336550"/>
+            <a:off x="6934200" y="2209803"/>
+            <a:ext cx="2057400" cy="338138"/>
             <a:chOff x="1392" y="1392"/>
-            <a:chExt cx="1248" cy="212"/>
+            <a:chExt cx="1248" cy="213"/>
           </a:xfrm>
         </p:grpSpPr>
         <p:sp>
@@ -13301,7 +13452,7 @@
           <p:spPr bwMode="auto">
             <a:xfrm>
               <a:off x="1488" y="1392"/>
-              <a:ext cx="1077" cy="212"/>
+              <a:ext cx="1088" cy="213"/>
             </a:xfrm>
             <a:prstGeom prst="rect">
               <a:avLst/>
@@ -13325,11 +13476,7 @@
             <a:lstStyle/>
             <a:p>
               <a:r>
-                <a:rPr lang="fr-FR" sz="1600" b="0">
-                  <a:solidFill>
-                    <a:schemeClr val="tx1"/>
-                  </a:solidFill>
-                  <a:effectLst/>
+                <a:rPr lang="fr-FR" sz="1600" dirty="0">
                   <a:latin typeface="Arial" charset="0"/>
                 </a:rPr>
                 <a:t>a user application</a:t>
@@ -14264,7 +14411,7 @@
 </p:sld>
 </file>
 
-<file path=ppt/slides/slide16.xml><?xml version="1.0" encoding="utf-8"?>
+<file path=ppt/slides/slide17.xml><?xml version="1.0" encoding="utf-8"?>
 <p:sld xmlns:a="http://schemas.openxmlformats.org/drawingml/2006/main" xmlns:r="http://schemas.openxmlformats.org/officeDocument/2006/relationships" xmlns:mc="http://schemas.openxmlformats.org/markup-compatibility/2006" xmlns:mv="urn:schemas-microsoft-com:mac:vml" xmlns:p="http://schemas.openxmlformats.org/presentationml/2006/main" mc:Ignorable="mv" mc:PreserveAttributes="mv:*">
   <p:cSld>
     <p:spTree>
@@ -14293,7 +14440,7 @@
         </p:nvSpPr>
         <p:spPr>
           <a:xfrm>
-            <a:off x="1114425" y="263525"/>
+            <a:off x="1114426" y="263525"/>
             <a:ext cx="8029575" cy="914400"/>
           </a:xfrm>
         </p:spPr>
@@ -14311,26 +14458,26 @@
               <a:rPr lang="en-US" dirty="0" smtClean="0"/>
             </a:br>
             <a:r>
-              <a:rPr lang="en-US" sz="2667" dirty="0" smtClean="0"/>
+              <a:rPr lang="en-US" sz="2700" dirty="0" smtClean="0"/>
               <a:t>(</a:t>
             </a:r>
             <a:r>
-              <a:rPr lang="en-US" sz="2667" dirty="0" err="1" smtClean="0"/>
+              <a:rPr lang="en-US" sz="2700" dirty="0" err="1" smtClean="0"/>
               <a:t>Joohyun</a:t>
             </a:r>
             <a:r>
-              <a:rPr lang="en-US" sz="2667" dirty="0" smtClean="0"/>
+              <a:rPr lang="en-US" sz="2700" dirty="0" smtClean="0"/>
               <a:t> Kim, </a:t>
             </a:r>
             <a:r>
-              <a:rPr lang="en-US" sz="2667" dirty="0" err="1" smtClean="0"/>
+              <a:rPr lang="en-US" sz="2700" dirty="0" err="1" smtClean="0"/>
               <a:t>CyD</a:t>
             </a:r>
             <a:r>
-              <a:rPr lang="en-US" sz="2667" dirty="0" smtClean="0"/>
+              <a:rPr lang="en-US" sz="2700" dirty="0" smtClean="0"/>
               <a:t>)</a:t>
             </a:r>
-            <a:endParaRPr lang="en-US" sz="2667" dirty="0"/>
+            <a:endParaRPr lang="en-US" sz="2700" dirty="0"/>
           </a:p>
         </p:txBody>
       </p:sp>
@@ -14350,7 +14497,7 @@
         </p:blipFill>
         <p:spPr>
           <a:xfrm>
-            <a:off x="0" y="1292074"/>
+            <a:off x="0" y="1292075"/>
             <a:ext cx="9144000" cy="2193925"/>
           </a:xfrm>
           <a:prstGeom prst="rect">
@@ -14367,14 +14514,14 @@
         <p:spPr>
           <a:xfrm>
             <a:off x="1" y="3820210"/>
-            <a:ext cx="4168024" cy="1569660"/>
+            <a:ext cx="4168024" cy="1569656"/>
           </a:xfrm>
           <a:prstGeom prst="rect">
             <a:avLst/>
           </a:prstGeom>
         </p:spPr>
         <p:txBody>
-          <a:bodyPr wrap="square">
+          <a:bodyPr wrap="square" lIns="91435" tIns="45718" rIns="91435" bIns="45718">
             <a:spAutoFit/>
           </a:bodyPr>
           <a:lstStyle/>
@@ -14426,7 +14573,7 @@
         </p:blipFill>
         <p:spPr>
           <a:xfrm>
-            <a:off x="4461083" y="3327805"/>
+            <a:off x="4461084" y="3327805"/>
             <a:ext cx="4669939" cy="3337061"/>
           </a:xfrm>
           <a:prstGeom prst="rect">
@@ -14497,11 +14644,7 @@
             </a:br>
             <a:r>
               <a:rPr lang="en-US" sz="1400" b="1" dirty="0" smtClean="0"/>
-              <a:t>http://saga.cct.lsu.edu/software/cpp/documentation/tutorials/loni-training-</a:t>
-            </a:r>
-            <a:r>
-              <a:rPr lang="en-US" sz="1400" b="1" dirty="0" smtClean="0"/>
-              <a:t>2010</a:t>
+              <a:t>http://saga.cct.lsu.edu/software/cpp/documentation/tutorials/loni-training-2010</a:t>
             </a:r>
             <a:br>
               <a:rPr lang="en-US" sz="1400" b="1" dirty="0" smtClean="0"/>
@@ -14573,115 +14716,34 @@
       </p:grpSpPr>
       <p:sp>
         <p:nvSpPr>
-          <p:cNvPr id="20483" name="Rectangle 4"/>
-          <p:cNvSpPr>
-            <a:spLocks/>
-          </p:cNvSpPr>
-          <p:nvPr/>
-        </p:nvSpPr>
-        <p:spPr bwMode="auto">
-          <a:xfrm>
-            <a:off x="1447800" y="171450"/>
-            <a:ext cx="7162800" cy="647700"/>
-          </a:xfrm>
-          <a:prstGeom prst="rect">
-            <a:avLst/>
-          </a:prstGeom>
-          <a:noFill/>
-          <a:ln w="12700">
-            <a:noFill/>
-            <a:miter lim="800000"/>
-            <a:headEnd/>
-            <a:tailEnd/>
-          </a:ln>
-        </p:spPr>
-        <p:txBody>
-          <a:bodyPr lIns="0" tIns="0" rIns="0" bIns="0" anchor="ctr">
-            <a:prstTxWarp prst="textNoShape">
-              <a:avLst/>
-            </a:prstTxWarp>
-          </a:bodyPr>
-          <a:lstStyle/>
-          <a:p>
-            <a:pPr>
-              <a:lnSpc>
-                <a:spcPct val="100000"/>
-              </a:lnSpc>
-              <a:tabLst>
-                <a:tab pos="457200" algn="l"/>
-                <a:tab pos="914400" algn="l"/>
-                <a:tab pos="1371600" algn="l"/>
-                <a:tab pos="1828800" algn="l"/>
-                <a:tab pos="2286000" algn="l"/>
-                <a:tab pos="2743200" algn="l"/>
-                <a:tab pos="3200400" algn="l"/>
-                <a:tab pos="3657600" algn="l"/>
-                <a:tab pos="4114800" algn="l"/>
-                <a:tab pos="4572000" algn="l"/>
-                <a:tab pos="5029200" algn="l"/>
-                <a:tab pos="5486400" algn="l"/>
-                <a:tab pos="5943600" algn="l"/>
-                <a:tab pos="6400800" algn="l"/>
-                <a:tab pos="6858000" algn="l"/>
-                <a:tab pos="7315200" algn="l"/>
-                <a:tab pos="7772400" algn="l"/>
-                <a:tab pos="8229600" algn="l"/>
-                <a:tab pos="8686800" algn="l"/>
-                <a:tab pos="9144000" algn="l"/>
-              </a:tabLst>
-            </a:pPr>
-            <a:endParaRPr lang="en-US" sz="2800">
-              <a:solidFill>
-                <a:srgbClr val="000080"/>
-              </a:solidFill>
-              <a:ea typeface="Arial" charset="0"/>
-              <a:cs typeface="Arial" charset="0"/>
-            </a:endParaRPr>
-          </a:p>
-        </p:txBody>
-      </p:sp>
-      <p:sp>
-        <p:nvSpPr>
-          <p:cNvPr id="20485" name="Title 5"/>
-          <p:cNvSpPr>
-            <a:spLocks noGrp="1"/>
+          <p:cNvPr id="25601" name="Rectangle 1"/>
+          <p:cNvSpPr>
+            <a:spLocks noGrp="1" noChangeArrowheads="1"/>
           </p:cNvSpPr>
           <p:nvPr>
             <p:ph type="title"/>
           </p:nvPr>
         </p:nvSpPr>
-        <p:spPr/>
-        <p:txBody>
-          <a:bodyPr>
-            <a:noAutofit/>
-          </a:bodyPr>
+        <p:spPr>
+          <a:ln/>
+        </p:spPr>
+        <p:txBody>
+          <a:bodyPr/>
           <a:lstStyle/>
           <a:p>
             <a:r>
-              <a:rPr lang="en-US" sz="2400" dirty="0" smtClean="0"/>
-              <a:t>Distributed Applications </a:t>
-            </a:r>
-            <a:br>
-              <a:rPr lang="en-US" sz="2400" dirty="0" smtClean="0"/>
-            </a:br>
-            <a:r>
-              <a:rPr lang="en-US" sz="2400" dirty="0" smtClean="0">
-                <a:solidFill>
-                  <a:schemeClr val="bg1">
-                    <a:lumMod val="75000"/>
-                  </a:schemeClr>
-                </a:solidFill>
-              </a:rPr>
-              <a:t>Development Challenges</a:t>
-            </a:r>
-          </a:p>
-        </p:txBody>
-      </p:sp>
-      <p:sp>
-        <p:nvSpPr>
-          <p:cNvPr id="16" name="Content Placeholder 15"/>
-          <p:cNvSpPr>
-            <a:spLocks noGrp="1"/>
+              <a:rPr lang="en-US" dirty="0" smtClean="0"/>
+              <a:t>General Information and Documentation</a:t>
+            </a:r>
+            <a:endParaRPr lang="en-US" dirty="0"/>
+          </a:p>
+        </p:txBody>
+      </p:sp>
+      <p:sp>
+        <p:nvSpPr>
+          <p:cNvPr id="25602" name="Rectangle 2"/>
+          <p:cNvSpPr>
+            <a:spLocks noGrp="1" noChangeArrowheads="1"/>
           </p:cNvSpPr>
           <p:nvPr>
             <p:ph idx="1"/>
@@ -14689,139 +14751,233 @@
         </p:nvSpPr>
         <p:spPr>
           <a:xfrm>
-            <a:off x="482366" y="2087422"/>
-            <a:ext cx="7966954" cy="4940436"/>
-          </a:xfrm>
+            <a:off x="1017534" y="1875235"/>
+            <a:ext cx="7707367" cy="4391095"/>
+          </a:xfrm>
+          <a:ln/>
         </p:spPr>
         <p:txBody>
           <a:bodyPr>
-            <a:normAutofit fontScale="77500" lnSpcReduction="20000"/>
+            <a:normAutofit fontScale="92500" lnSpcReduction="10000"/>
           </a:bodyPr>
           <a:lstStyle/>
           <a:p>
             <a:r>
+              <a:rPr lang="en-US" dirty="0" smtClean="0"/>
+              <a:t>General information</a:t>
+            </a:r>
+          </a:p>
+          <a:p>
+            <a:pPr lvl="1"/>
+            <a:r>
               <a:rPr lang="en-US" dirty="0" smtClean="0">
-                <a:sym typeface="Arial" pitchFamily="-110" charset="0"/>
+                <a:hlinkClick r:id="rId3"/>
               </a:rPr>
-              <a:t>Ability to develop simple or effective distributed applications </a:t>
+              <a:t>http:/</a:t>
+            </a:r>
+            <a:r>
+              <a:rPr lang="en-US" dirty="0" smtClean="0">
+                <a:hlinkClick r:id="rId3"/>
+              </a:rPr>
+              <a:t>/saga. cct.lsu.edu/</a:t>
+            </a:r>
+            <a:endParaRPr lang="en-US" dirty="0" smtClean="0"/>
+          </a:p>
+          <a:p>
+            <a:r>
+              <a:rPr lang="en-US" dirty="0" smtClean="0"/>
+              <a:t>Documentation:</a:t>
             </a:r>
           </a:p>
           <a:p>
             <a:pPr lvl="1"/>
             <a:r>
               <a:rPr lang="en-US" dirty="0" smtClean="0"/>
-              <a:t>Distributed CI: Is the whole &gt;  than the sum of the parts?</a:t>
-            </a:r>
+              <a:t>http</a:t>
+            </a:r>
+            <a:r>
+              <a:rPr lang="en-US" dirty="0" smtClean="0"/>
+              <a:t>://</a:t>
+            </a:r>
+            <a:r>
+              <a:rPr lang="en-US" dirty="0" err="1" smtClean="0"/>
+              <a:t>saga.cct.lsu.edu/software/cpp/documentation</a:t>
+            </a:r>
+            <a:endParaRPr lang="en-US" dirty="0" smtClean="0"/>
+          </a:p>
+          <a:p>
+            <a:r>
+              <a:rPr lang="en-US" dirty="0" smtClean="0"/>
+              <a:t>API </a:t>
+            </a:r>
+            <a:r>
+              <a:rPr lang="en-US" dirty="0"/>
+              <a:t>documentation </a:t>
+            </a:r>
+            <a:endParaRPr lang="en-US" dirty="0" smtClean="0"/>
+          </a:p>
+          <a:p>
+            <a:pPr lvl="1"/>
+            <a:r>
+              <a:rPr lang="en-US" dirty="0" smtClean="0"/>
+              <a:t>Python</a:t>
+            </a:r>
+          </a:p>
+          <a:p>
+            <a:pPr lvl="2"/>
+            <a:r>
+              <a:rPr lang="en-US" dirty="0">
+                <a:hlinkClick r:id="rId4"/>
+              </a:rPr>
+              <a:t>http://static.saga.cct.lsu.edu/apidoc/python/latest</a:t>
+            </a:r>
+            <a:r>
+              <a:rPr lang="en-US" dirty="0" smtClean="0">
+                <a:hlinkClick r:id="rId4"/>
+              </a:rPr>
+              <a:t>/</a:t>
+            </a:r>
+            <a:endParaRPr lang="en-US" dirty="0"/>
+          </a:p>
+          <a:p>
+            <a:pPr lvl="1"/>
+            <a:r>
+              <a:rPr lang="en-US" dirty="0" smtClean="0"/>
+              <a:t>C++</a:t>
+            </a:r>
+          </a:p>
+          <a:p>
+            <a:pPr lvl="2"/>
+            <a:r>
+              <a:rPr lang="en-US" dirty="0">
+                <a:hlinkClick r:id="rId5"/>
+              </a:rPr>
+              <a:t>http://static.saga.cct.lsu.edu/apidoc/cpp/latest</a:t>
+            </a:r>
+            <a:r>
+              <a:rPr lang="en-US" dirty="0" smtClean="0">
+                <a:hlinkClick r:id="rId5"/>
+              </a:rPr>
+              <a:t>/</a:t>
+            </a:r>
+            <a:endParaRPr lang="en-US" dirty="0" smtClean="0"/>
+          </a:p>
+          <a:p>
+            <a:pPr marL="207880"/>
+            <a:r>
+              <a:rPr lang="en-US" dirty="0" smtClean="0"/>
+              <a:t>Programmers</a:t>
+            </a:r>
+            <a:r>
+              <a:rPr lang="en-US" dirty="0" smtClean="0"/>
+              <a:t> Guide:</a:t>
+            </a:r>
+          </a:p>
+          <a:p>
+            <a:pPr marL="550763" lvl="1"/>
+            <a:r>
+              <a:rPr lang="en-US" dirty="0" err="1" smtClean="0"/>
+              <a:t>https://svn.cct.lsu.edu/repos/saga/core/trunk/docs/manuals/programming_guide/tex/saga-programming-guide.pdf</a:t>
+            </a:r>
+            <a:endParaRPr lang="en-US" dirty="0" smtClean="0"/>
+          </a:p>
+          <a:p>
+            <a:pPr marL="550763" lvl="1"/>
+            <a:endParaRPr lang="en-US" dirty="0" smtClean="0"/>
+          </a:p>
+          <a:p>
+            <a:pPr marL="550763" lvl="1"/>
+            <a:endParaRPr lang="en-US" dirty="0" smtClean="0"/>
+          </a:p>
+          <a:p>
+            <a:pPr marL="482186" lvl="1"/>
             <a:endParaRPr lang="en-US" dirty="0" smtClean="0">
-              <a:sym typeface="Arial" pitchFamily="-110" charset="0"/>
+              <a:solidFill>
+                <a:srgbClr val="B70000"/>
+              </a:solidFill>
+              <a:hlinkClick r:id="rId6"/>
             </a:endParaRPr>
           </a:p>
           <a:p>
-            <a:pPr lvl="1"/>
-            <a:r>
-              <a:rPr lang="en-US" dirty="0" smtClean="0">
-                <a:sym typeface="Arial" pitchFamily="-110" charset="0"/>
-              </a:rPr>
-              <a:t>App. that utilize resources sequentially, concurrently or asynchronously is low </a:t>
-            </a:r>
-          </a:p>
-          <a:p>
+            <a:pPr marL="482186" lvl="1"/>
+            <a:endParaRPr lang="en-US" dirty="0">
+              <a:solidFill>
+                <a:srgbClr val="B70000"/>
+              </a:solidFill>
+            </a:endParaRPr>
+          </a:p>
+        </p:txBody>
+      </p:sp>
+      <p:sp>
+        <p:nvSpPr>
+          <p:cNvPr id="4" name="Date Placeholder 3"/>
+          <p:cNvSpPr>
+            <a:spLocks noGrp="1"/>
+          </p:cNvSpPr>
+          <p:nvPr>
+            <p:ph type="dt" sz="half" idx="10"/>
+          </p:nvPr>
+        </p:nvSpPr>
+        <p:spPr/>
+        <p:txBody>
+          <a:bodyPr/>
+          <a:lstStyle/>
+          <a:p>
+            <a:r>
+              <a:rPr lang="en-US" smtClean="0"/>
+              <a:t>November FIXME, 2010</a:t>
+            </a:r>
+            <a:endParaRPr lang="en-US" dirty="0"/>
+          </a:p>
+        </p:txBody>
+      </p:sp>
+      <p:sp>
+        <p:nvSpPr>
+          <p:cNvPr id="5" name="Slide Number Placeholder 4"/>
+          <p:cNvSpPr>
+            <a:spLocks noGrp="1"/>
+          </p:cNvSpPr>
+          <p:nvPr>
+            <p:ph type="sldNum" sz="quarter" idx="11"/>
+          </p:nvPr>
+        </p:nvSpPr>
+        <p:spPr/>
+        <p:txBody>
+          <a:bodyPr/>
+          <a:lstStyle/>
+          <a:p>
+            <a:fld id="{7A426C1A-D210-4B4B-86AA-6AEDDDCCF5FF}" type="slidenum">
+              <a:rPr lang="en-US" smtClean="0"/>
+              <a:pPr/>
+              <a:t>3</a:t>
+            </a:fld>
+            <a:endParaRPr lang="en-US"/>
+          </a:p>
+        </p:txBody>
+      </p:sp>
+      <p:sp>
+        <p:nvSpPr>
+          <p:cNvPr id="6" name="Footer Placeholder 5"/>
+          <p:cNvSpPr>
+            <a:spLocks noGrp="1"/>
+          </p:cNvSpPr>
+          <p:nvPr>
+            <p:ph type="ftr" sz="quarter" idx="12"/>
+          </p:nvPr>
+        </p:nvSpPr>
+        <p:spPr/>
+        <p:txBody>
+          <a:bodyPr/>
+          <a:lstStyle/>
+          <a:p>
+            <a:r>
+              <a:rPr lang="en-US" dirty="0" err="1" smtClean="0"/>
+              <a:t>TeraGrid</a:t>
+            </a:r>
             <a:r>
               <a:rPr lang="en-US" dirty="0" smtClean="0"/>
-              <a:t>Developing Distributed Applications is fundamentally hard:</a:t>
-            </a:r>
-          </a:p>
-          <a:p>
-            <a:pPr lvl="1"/>
-            <a:r>
-              <a:rPr lang="en-US" dirty="0" smtClean="0"/>
-              <a:t>Intrinsic: </a:t>
-            </a:r>
-          </a:p>
-          <a:p>
-            <a:pPr lvl="2"/>
-            <a:r>
-              <a:rPr lang="en-US" dirty="0" smtClean="0"/>
-              <a:t>Control/Coordination &amp; execution over Heterogeneous sites</a:t>
-            </a:r>
-          </a:p>
-          <a:p>
-            <a:pPr lvl="2"/>
-            <a:r>
-              <a:rPr lang="en-US" dirty="0" smtClean="0"/>
-              <a:t>Complex Design point/Models of Distributed Applications, </a:t>
-            </a:r>
-          </a:p>
-          <a:p>
-            <a:pPr lvl="3"/>
-            <a:r>
-              <a:rPr lang="en-US" dirty="0" smtClean="0"/>
-              <a:t>Reasons for using distributed CI -- more than (peak) performance result</a:t>
-            </a:r>
-          </a:p>
-          <a:p>
-            <a:pPr lvl="1"/>
-            <a:r>
-              <a:rPr lang="en-US" dirty="0" smtClean="0"/>
-              <a:t>Extrinsic:</a:t>
-            </a:r>
-          </a:p>
-          <a:p>
-            <a:pPr lvl="2"/>
-            <a:r>
-              <a:rPr lang="en-US" dirty="0" smtClean="0"/>
-              <a:t>(Complex) Underlying infrastructure &amp; its provisioning</a:t>
-            </a:r>
-          </a:p>
-          <a:p>
-            <a:pPr lvl="3"/>
-            <a:r>
-              <a:rPr lang="en-US" dirty="0" smtClean="0"/>
-              <a:t>Deployment and Exec. environment dependent on development tools</a:t>
-            </a:r>
-          </a:p>
-          <a:p>
-            <a:pPr lvl="2"/>
-            <a:r>
-              <a:rPr lang="en-US" dirty="0" smtClean="0"/>
-              <a:t>Large number Programming systems, tools and environments</a:t>
-            </a:r>
-          </a:p>
-          <a:p>
-            <a:pPr lvl="3"/>
-            <a:r>
-              <a:rPr lang="en-US" dirty="0" smtClean="0"/>
-              <a:t>Lack of  well-defined interfaces &amp; abstractions</a:t>
-            </a:r>
-          </a:p>
-          <a:p>
-            <a:pPr lvl="3"/>
-            <a:r>
-              <a:rPr lang="en-US" dirty="0" smtClean="0"/>
-              <a:t>Interoperability and extensibility become difficult</a:t>
-            </a:r>
-          </a:p>
-          <a:p>
-            <a:r>
-              <a:rPr lang="en-US" dirty="0" smtClean="0">
-                <a:sym typeface="Arial" pitchFamily="-110" charset="0"/>
-              </a:rPr>
-              <a:t>See: DPA Survey Paper:</a:t>
-            </a:r>
-          </a:p>
-          <a:p>
-            <a:pPr lvl="1"/>
-            <a:r>
-              <a:rPr lang="en-US" dirty="0" err="1" smtClean="0">
-                <a:sym typeface="Arial" pitchFamily="-110" charset="0"/>
-              </a:rPr>
-              <a:t>http://www.cct.lsu.edu/~sjha/dpa_publications/dpa_surveypaper.pdf</a:t>
-            </a:r>
-            <a:endParaRPr lang="en-US" dirty="0" smtClean="0">
-              <a:sym typeface="Arial" pitchFamily="-110" charset="0"/>
-            </a:endParaRPr>
-          </a:p>
-          <a:p>
+              <a:t> SAGA Tutorial</a:t>
+            </a:r>
             <a:endParaRPr lang="en-US" dirty="0"/>
           </a:p>
         </p:txBody>
@@ -14861,9 +15017,75 @@
       </p:grpSpPr>
       <p:sp>
         <p:nvSpPr>
-          <p:cNvPr id="26629" name="Rectangle 4"/>
-          <p:cNvSpPr>
-            <a:spLocks noGrp="1" noChangeArrowheads="1"/>
+          <p:cNvPr id="20483" name="Rectangle 4"/>
+          <p:cNvSpPr>
+            <a:spLocks/>
+          </p:cNvSpPr>
+          <p:nvPr/>
+        </p:nvSpPr>
+        <p:spPr bwMode="auto">
+          <a:xfrm>
+            <a:off x="1447801" y="171450"/>
+            <a:ext cx="7162800" cy="647700"/>
+          </a:xfrm>
+          <a:prstGeom prst="rect">
+            <a:avLst/>
+          </a:prstGeom>
+          <a:noFill/>
+          <a:ln w="12700">
+            <a:noFill/>
+            <a:miter lim="800000"/>
+            <a:headEnd/>
+            <a:tailEnd/>
+          </a:ln>
+        </p:spPr>
+        <p:txBody>
+          <a:bodyPr lIns="0" tIns="0" rIns="0" bIns="0" anchor="ctr">
+            <a:prstTxWarp prst="textNoShape">
+              <a:avLst/>
+            </a:prstTxWarp>
+          </a:bodyPr>
+          <a:lstStyle/>
+          <a:p>
+            <a:pPr>
+              <a:tabLst>
+                <a:tab pos="457177" algn="l"/>
+                <a:tab pos="914353" algn="l"/>
+                <a:tab pos="1371530" algn="l"/>
+                <a:tab pos="1828706" algn="l"/>
+                <a:tab pos="2285883" algn="l"/>
+                <a:tab pos="2743060" algn="l"/>
+                <a:tab pos="3200236" algn="l"/>
+                <a:tab pos="3657413" algn="l"/>
+                <a:tab pos="4114590" algn="l"/>
+                <a:tab pos="4571766" algn="l"/>
+                <a:tab pos="5028942" algn="l"/>
+                <a:tab pos="5486119" algn="l"/>
+                <a:tab pos="5943296" algn="l"/>
+                <a:tab pos="6400473" algn="l"/>
+                <a:tab pos="6857649" algn="l"/>
+                <a:tab pos="7314825" algn="l"/>
+                <a:tab pos="7772002" algn="l"/>
+                <a:tab pos="8229179" algn="l"/>
+                <a:tab pos="8686355" algn="l"/>
+                <a:tab pos="9143532" algn="l"/>
+              </a:tabLst>
+            </a:pPr>
+            <a:endParaRPr lang="en-US" sz="2800" dirty="0">
+              <a:solidFill>
+                <a:srgbClr val="000080"/>
+              </a:solidFill>
+              <a:ea typeface="Arial" charset="0"/>
+              <a:cs typeface="Arial" charset="0"/>
+            </a:endParaRPr>
+          </a:p>
+        </p:txBody>
+      </p:sp>
+      <p:sp>
+        <p:nvSpPr>
+          <p:cNvPr id="20485" name="Title 5"/>
+          <p:cNvSpPr>
+            <a:spLocks noGrp="1"/>
           </p:cNvSpPr>
           <p:nvPr>
             <p:ph type="title"/>
@@ -14871,564 +15093,171 @@
         </p:nvSpPr>
         <p:spPr/>
         <p:txBody>
-          <a:bodyPr/>
+          <a:bodyPr>
+            <a:noAutofit/>
+          </a:bodyPr>
           <a:lstStyle/>
           <a:p>
             <a:r>
-              <a:rPr lang="en-US" dirty="0" smtClean="0"/>
-              <a:t>SAGA: In a nutshell</a:t>
-            </a:r>
-            <a:endParaRPr lang="en-US" dirty="0"/>
-          </a:p>
-        </p:txBody>
-      </p:sp>
-      <p:sp>
-        <p:nvSpPr>
-          <p:cNvPr id="12" name="Rectangle 5"/>
-          <p:cNvSpPr txBox="1">
-            <a:spLocks noChangeArrowheads="1"/>
-          </p:cNvSpPr>
-          <p:nvPr/>
+              <a:rPr lang="en-US" sz="2400" dirty="0" smtClean="0"/>
+              <a:t>Distributed Applications </a:t>
+            </a:r>
+            <a:br>
+              <a:rPr lang="en-US" sz="2400" dirty="0" smtClean="0"/>
+            </a:br>
+            <a:r>
+              <a:rPr lang="en-US" sz="2400" dirty="0" smtClean="0"/>
+              <a:t>Development Challenges</a:t>
+            </a:r>
+          </a:p>
+        </p:txBody>
+      </p:sp>
+      <p:sp>
+        <p:nvSpPr>
+          <p:cNvPr id="16" name="Content Placeholder 15"/>
+          <p:cNvSpPr>
+            <a:spLocks noGrp="1"/>
+          </p:cNvSpPr>
+          <p:nvPr>
+            <p:ph idx="1"/>
+          </p:nvPr>
         </p:nvSpPr>
         <p:spPr>
           <a:xfrm>
-            <a:off x="757947" y="2038256"/>
-            <a:ext cx="7691373" cy="4524934"/>
-          </a:xfrm>
-          <a:prstGeom prst="rect">
-            <a:avLst/>
-          </a:prstGeom>
+            <a:off x="482367" y="2087422"/>
+            <a:ext cx="7966954" cy="4940436"/>
+          </a:xfrm>
         </p:spPr>
         <p:txBody>
-          <a:bodyPr vert="horz" lIns="91440" tIns="45720" rIns="91440" bIns="45720" rtlCol="0">
-            <a:normAutofit fontScale="85000" lnSpcReduction="10000"/>
+          <a:bodyPr>
+            <a:normAutofit fontScale="77500" lnSpcReduction="20000"/>
           </a:bodyPr>
           <a:lstStyle/>
           <a:p>
-            <a:pPr marL="342900" marR="0" lvl="0" indent="-342900" algn="l" defTabSz="914400" rtl="0" eaLnBrk="1" fontAlgn="auto" latinLnBrk="0" hangingPunct="1">
-              <a:lnSpc>
-                <a:spcPct val="100000"/>
-              </a:lnSpc>
-              <a:spcBef>
-                <a:spcPts val="2000"/>
-              </a:spcBef>
-              <a:spcAft>
-                <a:spcPts val="0"/>
-              </a:spcAft>
-              <a:buClr>
-                <a:schemeClr val="tx1">
-                  <a:lumMod val="75000"/>
-                  <a:lumOff val="25000"/>
-                </a:schemeClr>
-              </a:buClr>
-              <a:buSzTx/>
-              <a:buFont typeface="Wingdings 2" pitchFamily="18" charset="2"/>
-              <a:buChar char=""/>
-              <a:tabLst/>
-              <a:defRPr/>
-            </a:pPr>
-            <a:r>
-              <a:rPr kumimoji="0" lang="en-US" sz="2000" b="0" i="0" u="none" strike="noStrike" kern="1200" cap="none" spc="0" normalizeH="0" baseline="0" noProof="0" dirty="0" smtClean="0">
-                <a:ln>
-                  <a:noFill/>
-                </a:ln>
-                <a:solidFill>
-                  <a:schemeClr val="tx1">
-                    <a:lumMod val="65000"/>
-                    <a:lumOff val="35000"/>
-                  </a:schemeClr>
-                </a:solidFill>
-                <a:effectLst/>
-                <a:uLnTx/>
-                <a:uFillTx/>
-                <a:latin typeface="+mn-lt"/>
-                <a:ea typeface="+mn-ea"/>
-                <a:cs typeface="+mn-cs"/>
+            <a:r>
+              <a:rPr lang="en-US" dirty="0" smtClean="0">
+                <a:sym typeface="Arial" pitchFamily="-110" charset="0"/>
               </a:rPr>
-              <a:t>There exists a lack of Programmatic approaches that:</a:t>
-            </a:r>
-          </a:p>
-          <a:p>
-            <a:pPr marL="685800" marR="0" lvl="1" indent="-336550" algn="l" defTabSz="914400" rtl="0" eaLnBrk="1" fontAlgn="auto" latinLnBrk="0" hangingPunct="1">
-              <a:lnSpc>
-                <a:spcPct val="100000"/>
-              </a:lnSpc>
-              <a:spcBef>
-                <a:spcPts val="600"/>
-              </a:spcBef>
-              <a:spcAft>
-                <a:spcPts val="0"/>
-              </a:spcAft>
-              <a:buClr>
-                <a:schemeClr val="tx1">
-                  <a:lumMod val="95000"/>
-                  <a:lumOff val="5000"/>
-                </a:schemeClr>
-              </a:buClr>
-              <a:buSzTx/>
-              <a:buFont typeface="Arial"/>
-              <a:buChar char="•"/>
-              <a:tabLst/>
-              <a:defRPr/>
-            </a:pPr>
-            <a:r>
-              <a:rPr kumimoji="0" lang="en-US" sz="1800" b="0" i="0" u="none" strike="noStrike" kern="1200" cap="none" spc="0" normalizeH="0" baseline="0" noProof="0" dirty="0" smtClean="0">
-                <a:ln>
-                  <a:noFill/>
-                </a:ln>
-                <a:solidFill>
-                  <a:schemeClr val="accent5"/>
-                </a:solidFill>
-                <a:effectLst/>
-                <a:uLnTx/>
-                <a:uFillTx/>
-                <a:latin typeface="+mn-lt"/>
-                <a:ea typeface="+mn-ea"/>
-                <a:cs typeface="+mn-cs"/>
+              <a:t>Ability to develop simple or effective distributed applications </a:t>
+            </a:r>
+          </a:p>
+          <a:p>
+            <a:pPr lvl="1"/>
+            <a:r>
+              <a:rPr lang="en-US" dirty="0" smtClean="0"/>
+              <a:t>Distributed CI: Is the whole &gt;  than the sum of the parts?</a:t>
+            </a:r>
+            <a:endParaRPr lang="en-US" dirty="0" smtClean="0">
+              <a:sym typeface="Arial" pitchFamily="-110" charset="0"/>
+            </a:endParaRPr>
+          </a:p>
+          <a:p>
+            <a:pPr lvl="1"/>
+            <a:r>
+              <a:rPr lang="en-US" dirty="0" smtClean="0">
+                <a:sym typeface="Arial" pitchFamily="-110" charset="0"/>
               </a:rPr>
-              <a:t>Provide general-purpose,</a:t>
-            </a:r>
-            <a:r>
-              <a:rPr kumimoji="0" lang="en-US" sz="1800" b="0" i="0" u="none" strike="noStrike" kern="1200" cap="none" spc="0" normalizeH="0" noProof="0" dirty="0" smtClean="0">
-                <a:ln>
-                  <a:noFill/>
-                </a:ln>
-                <a:solidFill>
-                  <a:schemeClr val="accent5"/>
-                </a:solidFill>
-                <a:effectLst/>
-                <a:uLnTx/>
-                <a:uFillTx/>
-                <a:latin typeface="+mn-lt"/>
-                <a:ea typeface="+mn-ea"/>
-                <a:cs typeface="+mn-cs"/>
+              <a:t>App. that utilize resources sequentially, concurrently or asynchronously is low </a:t>
+            </a:r>
+          </a:p>
+          <a:p>
+            <a:r>
+              <a:rPr lang="en-US" dirty="0" smtClean="0"/>
+              <a:t>Developing Distributed Applications is fundamentally hard:</a:t>
+            </a:r>
+          </a:p>
+          <a:p>
+            <a:pPr lvl="1"/>
+            <a:r>
+              <a:rPr lang="en-US" dirty="0" smtClean="0"/>
+              <a:t>Intrinsic: </a:t>
+            </a:r>
+          </a:p>
+          <a:p>
+            <a:pPr lvl="2"/>
+            <a:r>
+              <a:rPr lang="en-US" dirty="0" smtClean="0"/>
+              <a:t>Control/Coordination &amp; execution over Heterogeneous sites</a:t>
+            </a:r>
+          </a:p>
+          <a:p>
+            <a:pPr lvl="2"/>
+            <a:r>
+              <a:rPr lang="en-US" dirty="0" smtClean="0"/>
+              <a:t>Complex Design point/Models of Distributed Applications, </a:t>
+            </a:r>
+          </a:p>
+          <a:p>
+            <a:pPr lvl="3"/>
+            <a:r>
+              <a:rPr lang="en-US" dirty="0" smtClean="0"/>
+              <a:t>Reasons for using distributed CI -- more than (peak) performance result</a:t>
+            </a:r>
+          </a:p>
+          <a:p>
+            <a:pPr lvl="1"/>
+            <a:r>
+              <a:rPr lang="en-US" dirty="0" smtClean="0"/>
+              <a:t>Extrinsic:</a:t>
+            </a:r>
+          </a:p>
+          <a:p>
+            <a:pPr lvl="2"/>
+            <a:r>
+              <a:rPr lang="en-US" dirty="0" smtClean="0"/>
+              <a:t>(Complex) Underlying infrastructure &amp; its provisioning</a:t>
+            </a:r>
+          </a:p>
+          <a:p>
+            <a:pPr lvl="3"/>
+            <a:r>
+              <a:rPr lang="en-US" dirty="0" smtClean="0"/>
+              <a:t>Deployment and Exec. environment dependent on development tools</a:t>
+            </a:r>
+          </a:p>
+          <a:p>
+            <a:pPr lvl="2"/>
+            <a:r>
+              <a:rPr lang="en-US" dirty="0" smtClean="0"/>
+              <a:t>Large number Programming systems, tools and environments</a:t>
+            </a:r>
+          </a:p>
+          <a:p>
+            <a:pPr lvl="3"/>
+            <a:r>
+              <a:rPr lang="en-US" dirty="0" smtClean="0"/>
+              <a:t>Lack of  well-defined interfaces &amp; abstractions</a:t>
+            </a:r>
+          </a:p>
+          <a:p>
+            <a:pPr lvl="3"/>
+            <a:r>
+              <a:rPr lang="en-US" dirty="0" smtClean="0"/>
+              <a:t>Interoperability and extensibility become difficult</a:t>
+            </a:r>
+          </a:p>
+          <a:p>
+            <a:r>
+              <a:rPr lang="en-US" dirty="0" smtClean="0">
+                <a:sym typeface="Arial" pitchFamily="-110" charset="0"/>
               </a:rPr>
-              <a:t> basic &amp;</a:t>
-            </a:r>
-            <a:r>
-              <a:rPr kumimoji="0" lang="en-US" sz="1800" b="0" i="0" u="none" strike="noStrike" kern="1200" cap="none" spc="0" normalizeH="0" baseline="0" noProof="0" dirty="0" smtClean="0">
-                <a:ln>
-                  <a:noFill/>
-                </a:ln>
-                <a:solidFill>
-                  <a:schemeClr val="accent5"/>
-                </a:solidFill>
-                <a:effectLst/>
-                <a:uLnTx/>
-                <a:uFillTx/>
-                <a:latin typeface="+mn-lt"/>
-                <a:ea typeface="+mn-ea"/>
-                <a:cs typeface="+mn-cs"/>
+              <a:t>See: DPA Survey Paper:</a:t>
+            </a:r>
+          </a:p>
+          <a:p>
+            <a:pPr lvl="1"/>
+            <a:r>
+              <a:rPr lang="en-US" dirty="0" err="1" smtClean="0">
+                <a:sym typeface="Arial" pitchFamily="-110" charset="0"/>
               </a:rPr>
-              <a:t>common grid functionality for applications and thus hide underlying complexity, varying semantics..</a:t>
-            </a:r>
-          </a:p>
-          <a:p>
-            <a:pPr marL="685800" marR="0" lvl="1" indent="-336550" algn="l" defTabSz="914400" rtl="0" eaLnBrk="1" fontAlgn="auto" latinLnBrk="0" hangingPunct="1">
-              <a:lnSpc>
-                <a:spcPct val="100000"/>
-              </a:lnSpc>
-              <a:spcBef>
-                <a:spcPts val="600"/>
-              </a:spcBef>
-              <a:spcAft>
-                <a:spcPts val="0"/>
-              </a:spcAft>
-              <a:buClr>
-                <a:schemeClr val="tx1">
-                  <a:lumMod val="95000"/>
-                  <a:lumOff val="5000"/>
-                </a:schemeClr>
-              </a:buClr>
-              <a:buSzTx/>
-              <a:buFont typeface="Arial"/>
-              <a:buChar char="•"/>
-              <a:tabLst/>
-              <a:defRPr/>
-            </a:pPr>
-            <a:r>
-              <a:rPr kumimoji="0" lang="en-US" sz="1800" b="0" i="0" u="none" strike="noStrike" kern="1200" cap="none" spc="0" normalizeH="0" baseline="0" noProof="0" dirty="0" smtClean="0">
-                <a:ln>
-                  <a:noFill/>
-                </a:ln>
-                <a:solidFill>
-                  <a:schemeClr val="accent5"/>
-                </a:solidFill>
-                <a:effectLst/>
-                <a:uLnTx/>
-                <a:uFillTx/>
-                <a:latin typeface="+mn-lt"/>
-                <a:ea typeface="+mn-ea"/>
-                <a:cs typeface="+mn-cs"/>
-              </a:rPr>
-              <a:t>The building blocks upon which to construct “consistent” higher-levels of functionality and abstractions</a:t>
-            </a:r>
-          </a:p>
-          <a:p>
-            <a:pPr marL="685800" marR="0" lvl="1" indent="-336550" algn="l" defTabSz="914400" rtl="0" eaLnBrk="1" fontAlgn="auto" latinLnBrk="0" hangingPunct="1">
-              <a:lnSpc>
-                <a:spcPct val="100000"/>
-              </a:lnSpc>
-              <a:spcBef>
-                <a:spcPts val="600"/>
-              </a:spcBef>
-              <a:spcAft>
-                <a:spcPts val="0"/>
-              </a:spcAft>
-              <a:buClr>
-                <a:schemeClr val="tx1">
-                  <a:lumMod val="95000"/>
-                  <a:lumOff val="5000"/>
-                </a:schemeClr>
-              </a:buClr>
-              <a:buSzTx/>
-              <a:buFont typeface="Arial"/>
-              <a:buChar char="•"/>
-              <a:tabLst/>
-              <a:defRPr/>
-            </a:pPr>
-            <a:r>
-              <a:rPr kumimoji="0" lang="en-US" sz="1800" b="0" i="0" u="none" strike="noStrike" kern="1200" cap="none" spc="0" normalizeH="0" baseline="0" noProof="0" dirty="0" smtClean="0">
-                <a:ln>
-                  <a:noFill/>
-                </a:ln>
-                <a:solidFill>
-                  <a:schemeClr val="accent5"/>
-                </a:solidFill>
-                <a:effectLst/>
-                <a:uLnTx/>
-                <a:uFillTx/>
-                <a:latin typeface="+mn-lt"/>
-                <a:ea typeface="+mn-ea"/>
-                <a:cs typeface="+mn-cs"/>
-              </a:rPr>
-              <a:t>Meets the need for a Broad Spectrum of Application: </a:t>
-            </a:r>
-          </a:p>
-          <a:p>
-            <a:pPr marL="1035050" marR="0" lvl="2" indent="-349250" algn="l" defTabSz="914400" rtl="0" eaLnBrk="1" fontAlgn="auto" latinLnBrk="0" hangingPunct="1">
-              <a:lnSpc>
-                <a:spcPct val="100000"/>
-              </a:lnSpc>
-              <a:spcBef>
-                <a:spcPts val="600"/>
-              </a:spcBef>
-              <a:spcAft>
-                <a:spcPts val="0"/>
-              </a:spcAft>
-              <a:buClr>
-                <a:schemeClr val="tx1">
-                  <a:lumMod val="75000"/>
-                  <a:lumOff val="25000"/>
-                </a:schemeClr>
-              </a:buClr>
-              <a:buSzTx/>
-              <a:buFont typeface="Arial"/>
-              <a:buChar char="•"/>
-              <a:tabLst/>
-              <a:defRPr/>
-            </a:pPr>
-            <a:r>
-              <a:rPr kumimoji="0" lang="en-US" sz="1800" b="0" i="0" u="none" strike="noStrike" kern="1200" cap="none" spc="0" normalizeH="0" baseline="0" noProof="0" dirty="0" smtClean="0">
-                <a:ln>
-                  <a:noFill/>
-                </a:ln>
-                <a:solidFill>
-                  <a:schemeClr val="tx1">
-                    <a:lumMod val="75000"/>
-                    <a:lumOff val="25000"/>
-                  </a:schemeClr>
-                </a:solidFill>
-                <a:effectLst/>
-                <a:uLnTx/>
-                <a:uFillTx/>
-                <a:latin typeface="+mn-lt"/>
-                <a:ea typeface="+mn-ea"/>
-                <a:cs typeface="+mn-cs"/>
-              </a:rPr>
-              <a:t>Simple scripts, Gateways, Smart Applications and Production Grade Tooling, Workflow…</a:t>
-            </a:r>
-          </a:p>
-          <a:p>
-            <a:pPr marL="342900" marR="0" lvl="0" indent="-342900" algn="l" defTabSz="914400" rtl="0" eaLnBrk="1" fontAlgn="auto" latinLnBrk="0" hangingPunct="1">
-              <a:lnSpc>
-                <a:spcPct val="100000"/>
-              </a:lnSpc>
-              <a:spcBef>
-                <a:spcPts val="2000"/>
-              </a:spcBef>
-              <a:spcAft>
-                <a:spcPts val="0"/>
-              </a:spcAft>
-              <a:buClr>
-                <a:schemeClr val="tx1">
-                  <a:lumMod val="75000"/>
-                  <a:lumOff val="25000"/>
-                </a:schemeClr>
-              </a:buClr>
-              <a:buSzTx/>
-              <a:buFont typeface="Wingdings 2" pitchFamily="18" charset="2"/>
-              <a:buChar char=""/>
-              <a:tabLst/>
-              <a:defRPr/>
-            </a:pPr>
-            <a:r>
-              <a:rPr kumimoji="0" lang="en-US" sz="2000" b="0" i="0" u="none" strike="noStrike" kern="1200" cap="none" spc="0" normalizeH="0" baseline="0" noProof="0" dirty="0" smtClean="0">
-                <a:ln>
-                  <a:noFill/>
-                </a:ln>
-                <a:solidFill>
-                  <a:schemeClr val="tx1">
-                    <a:lumMod val="65000"/>
-                    <a:lumOff val="35000"/>
-                  </a:schemeClr>
-                </a:solidFill>
-                <a:effectLst/>
-                <a:uLnTx/>
-                <a:uFillTx/>
-                <a:latin typeface="+mn-lt"/>
-                <a:ea typeface="+mn-ea"/>
-                <a:cs typeface="+mn-cs"/>
-              </a:rPr>
-              <a:t>Simple, integrated, stable, uniform and high-level interface</a:t>
-            </a:r>
-          </a:p>
-          <a:p>
-            <a:pPr marL="685800" marR="0" lvl="1" indent="-336550" algn="l" defTabSz="914400" rtl="0" eaLnBrk="1" fontAlgn="auto" latinLnBrk="0" hangingPunct="1">
-              <a:lnSpc>
-                <a:spcPct val="100000"/>
-              </a:lnSpc>
-              <a:spcBef>
-                <a:spcPts val="600"/>
-              </a:spcBef>
-              <a:spcAft>
-                <a:spcPts val="0"/>
-              </a:spcAft>
-              <a:buClr>
-                <a:schemeClr val="tx1">
-                  <a:lumMod val="95000"/>
-                  <a:lumOff val="5000"/>
-                </a:schemeClr>
-              </a:buClr>
-              <a:buSzTx/>
-              <a:buFont typeface="Arial"/>
-              <a:buChar char="•"/>
-              <a:tabLst/>
-              <a:defRPr/>
-            </a:pPr>
-            <a:r>
-              <a:rPr kumimoji="0" lang="en-US" sz="1800" b="0" i="0" u="none" strike="noStrike" kern="1200" cap="none" spc="0" normalizeH="0" baseline="0" noProof="0" dirty="0" smtClean="0">
-                <a:ln>
-                  <a:noFill/>
-                </a:ln>
-                <a:solidFill>
-                  <a:schemeClr val="accent5"/>
-                </a:solidFill>
-                <a:effectLst/>
-                <a:uLnTx/>
-                <a:uFillTx/>
-                <a:latin typeface="+mn-lt"/>
-                <a:ea typeface="+mn-ea"/>
-                <a:cs typeface="+mn-cs"/>
-              </a:rPr>
-              <a:t>Simple and Stable: 80:20 restricted scope and </a:t>
-            </a:r>
-            <a:r>
-              <a:rPr kumimoji="0" lang="en-US" sz="1800" b="1" i="0" u="none" strike="noStrike" kern="1200" cap="none" spc="0" normalizeH="0" baseline="0" noProof="0" dirty="0" smtClean="0">
-                <a:ln>
-                  <a:noFill/>
-                </a:ln>
-                <a:solidFill>
-                  <a:srgbClr val="800000"/>
-                </a:solidFill>
-                <a:effectLst/>
-                <a:uLnTx/>
-                <a:uFillTx/>
-                <a:latin typeface="+mn-lt"/>
-                <a:ea typeface="+mn-ea"/>
-                <a:cs typeface="+mn-cs"/>
-              </a:rPr>
-              <a:t>Standard</a:t>
-            </a:r>
-          </a:p>
-          <a:p>
-            <a:pPr marL="685800" marR="0" lvl="1" indent="-336550" algn="l" defTabSz="914400" rtl="0" eaLnBrk="1" fontAlgn="auto" latinLnBrk="0" hangingPunct="1">
-              <a:lnSpc>
-                <a:spcPct val="100000"/>
-              </a:lnSpc>
-              <a:spcBef>
-                <a:spcPts val="600"/>
-              </a:spcBef>
-              <a:spcAft>
-                <a:spcPts val="0"/>
-              </a:spcAft>
-              <a:buClr>
-                <a:schemeClr val="tx1">
-                  <a:lumMod val="95000"/>
-                  <a:lumOff val="5000"/>
-                </a:schemeClr>
-              </a:buClr>
-              <a:buSzTx/>
-              <a:buFont typeface="Arial"/>
-              <a:buChar char="•"/>
-              <a:tabLst/>
-              <a:defRPr/>
-            </a:pPr>
-            <a:r>
-              <a:rPr kumimoji="0" lang="en-US" sz="1800" b="0" i="0" u="none" strike="noStrike" kern="1200" cap="none" spc="0" normalizeH="0" baseline="0" noProof="0" dirty="0" smtClean="0">
-                <a:ln>
-                  <a:noFill/>
-                </a:ln>
-                <a:solidFill>
-                  <a:schemeClr val="accent5"/>
-                </a:solidFill>
-                <a:effectLst/>
-                <a:uLnTx/>
-                <a:uFillTx/>
-                <a:latin typeface="+mn-lt"/>
-                <a:ea typeface="+mn-ea"/>
-                <a:cs typeface="+mn-cs"/>
-              </a:rPr>
-              <a:t>Integrated: Similar semantics &amp; style across</a:t>
-            </a:r>
-          </a:p>
-          <a:p>
-            <a:pPr marL="685800" marR="0" lvl="1" indent="-336550" algn="l" defTabSz="914400" rtl="0" eaLnBrk="1" fontAlgn="auto" latinLnBrk="0" hangingPunct="1">
-              <a:lnSpc>
-                <a:spcPct val="100000"/>
-              </a:lnSpc>
-              <a:spcBef>
-                <a:spcPts val="600"/>
-              </a:spcBef>
-              <a:spcAft>
-                <a:spcPts val="0"/>
-              </a:spcAft>
-              <a:buClr>
-                <a:schemeClr val="tx1">
-                  <a:lumMod val="95000"/>
-                  <a:lumOff val="5000"/>
-                </a:schemeClr>
-              </a:buClr>
-              <a:buSzTx/>
-              <a:buFont typeface="Arial"/>
-              <a:buChar char="•"/>
-              <a:tabLst/>
-              <a:defRPr/>
-            </a:pPr>
-            <a:r>
-              <a:rPr kumimoji="0" lang="en-US" sz="1800" b="0" i="0" u="none" strike="noStrike" kern="1200" cap="none" spc="0" normalizeH="0" baseline="0" noProof="0" dirty="0" smtClean="0">
-                <a:ln>
-                  <a:noFill/>
-                </a:ln>
-                <a:solidFill>
-                  <a:schemeClr val="accent5"/>
-                </a:solidFill>
-                <a:effectLst/>
-                <a:uLnTx/>
-                <a:uFillTx/>
-                <a:latin typeface="+mn-lt"/>
-                <a:ea typeface="+mn-ea"/>
-                <a:cs typeface="+mn-cs"/>
-              </a:rPr>
-              <a:t>Uniform: Same interface for different distributed systems</a:t>
-            </a:r>
-          </a:p>
-          <a:p>
-            <a:pPr marL="342900" marR="0" lvl="0" indent="-342900" algn="l" defTabSz="914400" rtl="0" eaLnBrk="1" fontAlgn="auto" latinLnBrk="0" hangingPunct="1">
-              <a:lnSpc>
-                <a:spcPct val="100000"/>
-              </a:lnSpc>
-              <a:spcBef>
-                <a:spcPts val="2000"/>
-              </a:spcBef>
-              <a:spcAft>
-                <a:spcPts val="0"/>
-              </a:spcAft>
-              <a:buClr>
-                <a:schemeClr val="tx1">
-                  <a:lumMod val="75000"/>
-                  <a:lumOff val="25000"/>
-                </a:schemeClr>
-              </a:buClr>
-              <a:buSzTx/>
-              <a:buFont typeface="Wingdings 2" pitchFamily="18" charset="2"/>
-              <a:buChar char=""/>
-              <a:tabLst/>
-              <a:defRPr/>
-            </a:pPr>
-            <a:r>
-              <a:rPr kumimoji="0" lang="en-US" sz="2000" b="0" i="0" u="none" strike="noStrike" kern="1200" cap="none" spc="0" normalizeH="0" baseline="0" noProof="0" dirty="0" smtClean="0">
-                <a:ln>
-                  <a:noFill/>
-                </a:ln>
-                <a:solidFill>
-                  <a:schemeClr val="tx1">
-                    <a:lumMod val="65000"/>
-                    <a:lumOff val="35000"/>
-                  </a:schemeClr>
-                </a:solidFill>
-                <a:effectLst/>
-                <a:uLnTx/>
-                <a:uFillTx/>
-                <a:latin typeface="+mn-lt"/>
-                <a:ea typeface="+mn-ea"/>
-                <a:cs typeface="+mn-cs"/>
-              </a:rPr>
-              <a:t>SAGA: Provides Application* developers with units required to compose high-level functionality across (distinct) distributed systems</a:t>
-            </a:r>
-          </a:p>
-          <a:p>
-            <a:pPr marL="685800" marR="0" lvl="1" indent="-336550" algn="l" defTabSz="914400" rtl="0" eaLnBrk="1" fontAlgn="auto" latinLnBrk="0" hangingPunct="1">
-              <a:lnSpc>
-                <a:spcPct val="100000"/>
-              </a:lnSpc>
-              <a:spcBef>
-                <a:spcPts val="600"/>
-              </a:spcBef>
-              <a:spcAft>
-                <a:spcPts val="0"/>
-              </a:spcAft>
-              <a:buClr>
-                <a:schemeClr val="tx1">
-                  <a:lumMod val="95000"/>
-                  <a:lumOff val="5000"/>
-                </a:schemeClr>
-              </a:buClr>
-              <a:buSzTx/>
-              <a:tabLst/>
-              <a:defRPr/>
-            </a:pPr>
-            <a:r>
-              <a:rPr kumimoji="0" lang="en-US" sz="1800" b="0" i="0" u="none" strike="noStrike" kern="1200" cap="none" spc="0" normalizeH="0" baseline="0" noProof="0" dirty="0" smtClean="0">
-                <a:ln>
-                  <a:noFill/>
-                </a:ln>
-                <a:solidFill>
-                  <a:schemeClr val="accent5"/>
-                </a:solidFill>
-                <a:effectLst/>
-                <a:uLnTx/>
-                <a:uFillTx/>
-                <a:latin typeface="+mn-lt"/>
-                <a:ea typeface="+mn-ea"/>
-                <a:cs typeface="+mn-cs"/>
-              </a:rPr>
-              <a:t>    (*) One Person’s Application is another Person’s Tool</a:t>
-            </a:r>
-            <a:endParaRPr kumimoji="0" lang="en-US" sz="1800" b="0" i="0" u="none" strike="noStrike" kern="1200" cap="none" spc="0" normalizeH="0" baseline="0" noProof="0" dirty="0">
-              <a:ln>
-                <a:noFill/>
-              </a:ln>
-              <a:solidFill>
-                <a:schemeClr val="accent5"/>
-              </a:solidFill>
-              <a:effectLst/>
-              <a:uLnTx/>
-              <a:uFillTx/>
-              <a:latin typeface="+mn-lt"/>
-              <a:ea typeface="+mn-ea"/>
-              <a:cs typeface="+mn-cs"/>
+              <a:t>http://www.cct.lsu.edu/~sjha/dpa_publications/dpa_surveypaper.pdf</a:t>
+            </a:r>
+            <a:endParaRPr lang="en-US" dirty="0" smtClean="0">
+              <a:sym typeface="Arial" pitchFamily="-110" charset="0"/>
             </a:endParaRPr>
+          </a:p>
+          <a:p>
+            <a:endParaRPr lang="en-US" dirty="0"/>
           </a:p>
         </p:txBody>
       </p:sp>
@@ -15465,6 +15294,373 @@
           <a:chExt cx="0" cy="0"/>
         </a:xfrm>
       </p:grpSpPr>
+      <p:sp>
+        <p:nvSpPr>
+          <p:cNvPr id="26629" name="Rectangle 4"/>
+          <p:cNvSpPr>
+            <a:spLocks noGrp="1" noChangeArrowheads="1"/>
+          </p:cNvSpPr>
+          <p:nvPr>
+            <p:ph type="title"/>
+          </p:nvPr>
+        </p:nvSpPr>
+        <p:spPr/>
+        <p:txBody>
+          <a:bodyPr/>
+          <a:lstStyle/>
+          <a:p>
+            <a:r>
+              <a:rPr lang="en-US" dirty="0" smtClean="0"/>
+              <a:t>SAGA: In a nutshell</a:t>
+            </a:r>
+            <a:endParaRPr lang="en-US" dirty="0"/>
+          </a:p>
+        </p:txBody>
+      </p:sp>
+      <p:sp>
+        <p:nvSpPr>
+          <p:cNvPr id="12" name="Rectangle 5"/>
+          <p:cNvSpPr txBox="1">
+            <a:spLocks noChangeArrowheads="1"/>
+          </p:cNvSpPr>
+          <p:nvPr/>
+        </p:nvSpPr>
+        <p:spPr>
+          <a:xfrm>
+            <a:off x="757948" y="2038256"/>
+            <a:ext cx="7691373" cy="4524934"/>
+          </a:xfrm>
+          <a:prstGeom prst="rect">
+            <a:avLst/>
+          </a:prstGeom>
+        </p:spPr>
+        <p:txBody>
+          <a:bodyPr vert="horz" lIns="91435" tIns="45718" rIns="91435" bIns="45718" rtlCol="0">
+            <a:normAutofit fontScale="85000" lnSpcReduction="10000"/>
+          </a:bodyPr>
+          <a:lstStyle/>
+          <a:p>
+            <a:pPr marL="342882" indent="-342882" defTabSz="914353">
+              <a:spcBef>
+                <a:spcPts val="2000"/>
+              </a:spcBef>
+              <a:buClr>
+                <a:schemeClr val="tx1">
+                  <a:lumMod val="75000"/>
+                  <a:lumOff val="25000"/>
+                </a:schemeClr>
+              </a:buClr>
+              <a:buFont typeface="Wingdings 2" pitchFamily="18" charset="2"/>
+              <a:buChar char=""/>
+              <a:defRPr/>
+            </a:pPr>
+            <a:r>
+              <a:rPr lang="en-US" sz="2000" dirty="0" smtClean="0">
+                <a:solidFill>
+                  <a:schemeClr val="tx1">
+                    <a:lumMod val="65000"/>
+                    <a:lumOff val="35000"/>
+                  </a:schemeClr>
+                </a:solidFill>
+              </a:rPr>
+              <a:t>There exists a lack of Programmatic approaches that:</a:t>
+            </a:r>
+          </a:p>
+          <a:p>
+            <a:pPr marL="685765" lvl="1" indent="-336532" defTabSz="914353">
+              <a:spcBef>
+                <a:spcPts val="600"/>
+              </a:spcBef>
+              <a:buClr>
+                <a:schemeClr val="tx1">
+                  <a:lumMod val="95000"/>
+                  <a:lumOff val="5000"/>
+                </a:schemeClr>
+              </a:buClr>
+              <a:buFont typeface="Arial"/>
+              <a:buChar char="•"/>
+              <a:defRPr/>
+            </a:pPr>
+            <a:r>
+              <a:rPr lang="en-US" dirty="0" smtClean="0">
+                <a:solidFill>
+                  <a:schemeClr val="accent5"/>
+                </a:solidFill>
+              </a:rPr>
+              <a:t>Provide general-purpose, basic &amp;common grid functionality for applications and thus hide underlying complexity, varying semantics..</a:t>
+            </a:r>
+          </a:p>
+          <a:p>
+            <a:pPr marL="685765" lvl="1" indent="-336532" defTabSz="914353">
+              <a:spcBef>
+                <a:spcPts val="600"/>
+              </a:spcBef>
+              <a:buClr>
+                <a:schemeClr val="tx1">
+                  <a:lumMod val="95000"/>
+                  <a:lumOff val="5000"/>
+                </a:schemeClr>
+              </a:buClr>
+              <a:buFont typeface="Arial"/>
+              <a:buChar char="•"/>
+              <a:defRPr/>
+            </a:pPr>
+            <a:r>
+              <a:rPr lang="en-US" dirty="0" smtClean="0">
+                <a:solidFill>
+                  <a:schemeClr val="accent5"/>
+                </a:solidFill>
+              </a:rPr>
+              <a:t>The building blocks upon which to construct “consistent” higher-levels of functionality and abstractions</a:t>
+            </a:r>
+          </a:p>
+          <a:p>
+            <a:pPr marL="685765" lvl="1" indent="-336532" defTabSz="914353">
+              <a:spcBef>
+                <a:spcPts val="600"/>
+              </a:spcBef>
+              <a:buClr>
+                <a:schemeClr val="tx1">
+                  <a:lumMod val="95000"/>
+                  <a:lumOff val="5000"/>
+                </a:schemeClr>
+              </a:buClr>
+              <a:buFont typeface="Arial"/>
+              <a:buChar char="•"/>
+              <a:defRPr/>
+            </a:pPr>
+            <a:r>
+              <a:rPr lang="en-US" dirty="0" smtClean="0">
+                <a:solidFill>
+                  <a:schemeClr val="accent5"/>
+                </a:solidFill>
+              </a:rPr>
+              <a:t>Meets the need for a Broad Spectrum of Application: </a:t>
+            </a:r>
+          </a:p>
+          <a:p>
+            <a:pPr marL="1034997" lvl="2" indent="-349232" defTabSz="914353">
+              <a:spcBef>
+                <a:spcPts val="600"/>
+              </a:spcBef>
+              <a:buClr>
+                <a:schemeClr val="tx1">
+                  <a:lumMod val="75000"/>
+                  <a:lumOff val="25000"/>
+                </a:schemeClr>
+              </a:buClr>
+              <a:buFont typeface="Arial"/>
+              <a:buChar char="•"/>
+              <a:defRPr/>
+            </a:pPr>
+            <a:r>
+              <a:rPr lang="en-US" dirty="0" smtClean="0">
+                <a:solidFill>
+                  <a:schemeClr val="tx1">
+                    <a:lumMod val="75000"/>
+                    <a:lumOff val="25000"/>
+                  </a:schemeClr>
+                </a:solidFill>
+              </a:rPr>
+              <a:t>Simple scripts, Gateways, Smart Applications and Production Grade Tooling, Workflow…</a:t>
+            </a:r>
+          </a:p>
+          <a:p>
+            <a:pPr marL="342882" indent="-342882" defTabSz="914353">
+              <a:spcBef>
+                <a:spcPts val="2000"/>
+              </a:spcBef>
+              <a:buClr>
+                <a:schemeClr val="tx1">
+                  <a:lumMod val="75000"/>
+                  <a:lumOff val="25000"/>
+                </a:schemeClr>
+              </a:buClr>
+              <a:buFont typeface="Wingdings 2" pitchFamily="18" charset="2"/>
+              <a:buChar char=""/>
+              <a:defRPr/>
+            </a:pPr>
+            <a:r>
+              <a:rPr lang="en-US" sz="2000" dirty="0" smtClean="0">
+                <a:solidFill>
+                  <a:schemeClr val="tx1">
+                    <a:lumMod val="65000"/>
+                    <a:lumOff val="35000"/>
+                  </a:schemeClr>
+                </a:solidFill>
+              </a:rPr>
+              <a:t>Simple, integrated, stable, uniform and high-level interface</a:t>
+            </a:r>
+          </a:p>
+          <a:p>
+            <a:pPr marL="685765" lvl="1" indent="-336532" defTabSz="914353">
+              <a:spcBef>
+                <a:spcPts val="600"/>
+              </a:spcBef>
+              <a:buClr>
+                <a:schemeClr val="tx1">
+                  <a:lumMod val="95000"/>
+                  <a:lumOff val="5000"/>
+                </a:schemeClr>
+              </a:buClr>
+              <a:buFont typeface="Arial"/>
+              <a:buChar char="•"/>
+              <a:defRPr/>
+            </a:pPr>
+            <a:r>
+              <a:rPr lang="en-US" dirty="0" smtClean="0">
+                <a:solidFill>
+                  <a:schemeClr val="accent5"/>
+                </a:solidFill>
+              </a:rPr>
+              <a:t>Simple and Stable: 80:20 restricted scope and </a:t>
+            </a:r>
+            <a:r>
+              <a:rPr lang="en-US" b="1" dirty="0" smtClean="0">
+                <a:solidFill>
+                  <a:srgbClr val="800000"/>
+                </a:solidFill>
+              </a:rPr>
+              <a:t>Standard</a:t>
+            </a:r>
+          </a:p>
+          <a:p>
+            <a:pPr marL="685765" lvl="1" indent="-336532" defTabSz="914353">
+              <a:spcBef>
+                <a:spcPts val="600"/>
+              </a:spcBef>
+              <a:buClr>
+                <a:schemeClr val="tx1">
+                  <a:lumMod val="95000"/>
+                  <a:lumOff val="5000"/>
+                </a:schemeClr>
+              </a:buClr>
+              <a:buFont typeface="Arial"/>
+              <a:buChar char="•"/>
+              <a:defRPr/>
+            </a:pPr>
+            <a:r>
+              <a:rPr lang="en-US" dirty="0" smtClean="0">
+                <a:solidFill>
+                  <a:schemeClr val="accent5"/>
+                </a:solidFill>
+              </a:rPr>
+              <a:t>Integrated: Similar semantics &amp; style across</a:t>
+            </a:r>
+          </a:p>
+          <a:p>
+            <a:pPr marL="685765" lvl="1" indent="-336532" defTabSz="914353">
+              <a:spcBef>
+                <a:spcPts val="600"/>
+              </a:spcBef>
+              <a:buClr>
+                <a:schemeClr val="tx1">
+                  <a:lumMod val="95000"/>
+                  <a:lumOff val="5000"/>
+                </a:schemeClr>
+              </a:buClr>
+              <a:buFont typeface="Arial"/>
+              <a:buChar char="•"/>
+              <a:defRPr/>
+            </a:pPr>
+            <a:r>
+              <a:rPr lang="en-US" dirty="0" smtClean="0">
+                <a:solidFill>
+                  <a:schemeClr val="accent5"/>
+                </a:solidFill>
+              </a:rPr>
+              <a:t>Uniform: Same interface for different distributed systems</a:t>
+            </a:r>
+          </a:p>
+          <a:p>
+            <a:pPr marL="342882" indent="-342882" defTabSz="914353">
+              <a:spcBef>
+                <a:spcPts val="2000"/>
+              </a:spcBef>
+              <a:buClr>
+                <a:schemeClr val="tx1">
+                  <a:lumMod val="75000"/>
+                  <a:lumOff val="25000"/>
+                </a:schemeClr>
+              </a:buClr>
+              <a:buFont typeface="Wingdings 2" pitchFamily="18" charset="2"/>
+              <a:buChar char=""/>
+              <a:defRPr/>
+            </a:pPr>
+            <a:r>
+              <a:rPr lang="en-US" sz="2000" dirty="0" smtClean="0">
+                <a:solidFill>
+                  <a:schemeClr val="tx1">
+                    <a:lumMod val="65000"/>
+                    <a:lumOff val="35000"/>
+                  </a:schemeClr>
+                </a:solidFill>
+              </a:rPr>
+              <a:t>SAGA: Provides Application* developers with units required to compose high-level functionality across (distinct) distributed systems</a:t>
+            </a:r>
+          </a:p>
+          <a:p>
+            <a:pPr marL="685765" lvl="1" indent="-336532" defTabSz="914353">
+              <a:spcBef>
+                <a:spcPts val="600"/>
+              </a:spcBef>
+              <a:buClr>
+                <a:schemeClr val="tx1">
+                  <a:lumMod val="95000"/>
+                  <a:lumOff val="5000"/>
+                </a:schemeClr>
+              </a:buClr>
+              <a:defRPr/>
+            </a:pPr>
+            <a:r>
+              <a:rPr lang="en-US" dirty="0" smtClean="0">
+                <a:solidFill>
+                  <a:schemeClr val="accent5"/>
+                </a:solidFill>
+              </a:rPr>
+              <a:t>    (*) One Person’s Application is another Person’s Tool</a:t>
+            </a:r>
+            <a:endParaRPr lang="en-US" dirty="0">
+              <a:solidFill>
+                <a:schemeClr val="accent5"/>
+              </a:solidFill>
+            </a:endParaRPr>
+          </a:p>
+        </p:txBody>
+      </p:sp>
+    </p:spTree>
+  </p:cSld>
+  <p:clrMapOvr>
+    <a:masterClrMapping/>
+  </p:clrMapOvr>
+  <p:transition/>
+  <p:timing>
+    <p:tnLst>
+      <p:par>
+        <p:cTn id="1" dur="indefinite" restart="never" nodeType="tmRoot"/>
+      </p:par>
+    </p:tnLst>
+  </p:timing>
+</p:sld>
+</file>
+
+<file path=ppt/slides/slide6.xml><?xml version="1.0" encoding="utf-8"?>
+<p:sld xmlns:a="http://schemas.openxmlformats.org/drawingml/2006/main" xmlns:r="http://schemas.openxmlformats.org/officeDocument/2006/relationships" xmlns:mc="http://schemas.openxmlformats.org/markup-compatibility/2006" xmlns:mv="urn:schemas-microsoft-com:mac:vml" xmlns:p="http://schemas.openxmlformats.org/presentationml/2006/main" mc:Ignorable="mv" mc:PreserveAttributes="mv:*">
+  <p:cSld>
+    <p:spTree>
+      <p:nvGrpSpPr>
+        <p:cNvPr id="1" name=""/>
+        <p:cNvGrpSpPr/>
+        <p:nvPr/>
+      </p:nvGrpSpPr>
+      <p:grpSpPr>
+        <a:xfrm>
+          <a:off x="0" y="0"/>
+          <a:ext cx="0" cy="0"/>
+          <a:chOff x="0" y="0"/>
+          <a:chExt cx="0" cy="0"/>
+        </a:xfrm>
+      </p:grpSpPr>
       <p:pic>
         <p:nvPicPr>
           <p:cNvPr id="28674" name="Picture 1" descr="Picture 5.png"/>
@@ -15482,7 +15678,7 @@
         </p:blipFill>
         <p:spPr bwMode="auto">
           <a:xfrm>
-            <a:off x="1219200" y="1112838"/>
+            <a:off x="1219201" y="1112838"/>
             <a:ext cx="7375525" cy="5211762"/>
           </a:xfrm>
           <a:prstGeom prst="rect">
@@ -15509,7 +15705,7 @@
         </p:nvSpPr>
         <p:spPr>
           <a:xfrm>
-            <a:off x="0" y="171356"/>
+            <a:off x="1" y="171356"/>
             <a:ext cx="8913813" cy="914400"/>
           </a:xfrm>
         </p:spPr>
@@ -15541,7 +15737,7 @@
 </p:sld>
 </file>
 
-<file path=ppt/slides/slide6.xml><?xml version="1.0" encoding="utf-8"?>
+<file path=ppt/slides/slide7.xml><?xml version="1.0" encoding="utf-8"?>
 <p:sld xmlns:a="http://schemas.openxmlformats.org/drawingml/2006/main" xmlns:r="http://schemas.openxmlformats.org/officeDocument/2006/relationships" xmlns:mc="http://schemas.openxmlformats.org/markup-compatibility/2006" xmlns:mv="urn:schemas-microsoft-com:mac:vml" xmlns:p="http://schemas.openxmlformats.org/presentationml/2006/main" mc:Ignorable="mv" mc:PreserveAttributes="mv:*">
   <p:cSld>
     <p:spTree>
@@ -15616,202 +15812,6 @@
 </p:sld>
 </file>
 
-<file path=ppt/slides/slide7.xml><?xml version="1.0" encoding="utf-8"?>
-<p:sld xmlns:a="http://schemas.openxmlformats.org/drawingml/2006/main" xmlns:r="http://schemas.openxmlformats.org/officeDocument/2006/relationships" xmlns:mc="http://schemas.openxmlformats.org/markup-compatibility/2006" xmlns:mv="urn:schemas-microsoft-com:mac:vml" xmlns:p="http://schemas.openxmlformats.org/presentationml/2006/main" mc:Ignorable="mv" mc:PreserveAttributes="mv:*">
-  <p:cSld>
-    <p:spTree>
-      <p:nvGrpSpPr>
-        <p:cNvPr id="1" name=""/>
-        <p:cNvGrpSpPr/>
-        <p:nvPr/>
-      </p:nvGrpSpPr>
-      <p:grpSpPr>
-        <a:xfrm>
-          <a:off x="0" y="0"/>
-          <a:ext cx="0" cy="0"/>
-          <a:chOff x="0" y="0"/>
-          <a:chExt cx="0" cy="0"/>
-        </a:xfrm>
-      </p:grpSpPr>
-      <p:sp>
-        <p:nvSpPr>
-          <p:cNvPr id="2" name="Title 1"/>
-          <p:cNvSpPr>
-            <a:spLocks noGrp="1"/>
-          </p:cNvSpPr>
-          <p:nvPr>
-            <p:ph type="title"/>
-          </p:nvPr>
-        </p:nvSpPr>
-        <p:spPr/>
-        <p:txBody>
-          <a:bodyPr/>
-          <a:lstStyle/>
-          <a:p>
-            <a:r>
-              <a:rPr lang="en-US" dirty="0" smtClean="0"/>
-              <a:t>How is SAGA Used?</a:t>
-            </a:r>
-            <a:endParaRPr lang="en-US" dirty="0"/>
-          </a:p>
-        </p:txBody>
-      </p:sp>
-      <p:sp>
-        <p:nvSpPr>
-          <p:cNvPr id="3" name="Content Placeholder 2"/>
-          <p:cNvSpPr>
-            <a:spLocks noGrp="1"/>
-          </p:cNvSpPr>
-          <p:nvPr>
-            <p:ph idx="1"/>
-          </p:nvPr>
-        </p:nvSpPr>
-        <p:spPr>
-          <a:xfrm>
-            <a:off x="740895" y="2068618"/>
-            <a:ext cx="7984005" cy="4553160"/>
-          </a:xfrm>
-        </p:spPr>
-        <p:txBody>
-          <a:bodyPr>
-            <a:normAutofit/>
-          </a:bodyPr>
-          <a:lstStyle/>
-          <a:p>
-            <a:r>
-              <a:rPr lang="en-US" dirty="0" smtClean="0"/>
-              <a:t>SAGA is used to develop applications that are distributed by definition:</a:t>
-            </a:r>
-          </a:p>
-          <a:p>
-            <a:pPr lvl="1"/>
-            <a:r>
-              <a:rPr lang="en-US" dirty="0" smtClean="0"/>
-              <a:t>Simple extensions of “localized applications” (</a:t>
-            </a:r>
-            <a:r>
-              <a:rPr lang="en-US" dirty="0" err="1" smtClean="0"/>
-              <a:t>eg</a:t>
-            </a:r>
-            <a:r>
-              <a:rPr lang="en-US" dirty="0" smtClean="0"/>
-              <a:t> scripting)</a:t>
-            </a:r>
-          </a:p>
-          <a:p>
-            <a:pPr lvl="1"/>
-            <a:r>
-              <a:rPr lang="en-US" dirty="0" smtClean="0"/>
-              <a:t>Novel Distributed Programming Models (</a:t>
-            </a:r>
-            <a:r>
-              <a:rPr lang="en-US" dirty="0" err="1" smtClean="0"/>
-              <a:t>eg</a:t>
-            </a:r>
-            <a:r>
-              <a:rPr lang="en-US" dirty="0" smtClean="0"/>
-              <a:t> Rep-</a:t>
-            </a:r>
-            <a:r>
-              <a:rPr lang="en-US" dirty="0" err="1" smtClean="0"/>
-              <a:t>Exch</a:t>
-            </a:r>
-            <a:r>
-              <a:rPr lang="en-US" dirty="0" smtClean="0"/>
-              <a:t>)</a:t>
-            </a:r>
-          </a:p>
-          <a:p>
-            <a:r>
-              <a:rPr lang="en-US" dirty="0" smtClean="0"/>
-              <a:t>SAGA: Build tools and implement abstractions that enable the execution of applications over distributed resources, </a:t>
-            </a:r>
-            <a:r>
-              <a:rPr lang="en-US" i="1" dirty="0" smtClean="0"/>
-              <a:t>without modifying the applications</a:t>
-            </a:r>
-          </a:p>
-          <a:p>
-            <a:pPr lvl="1"/>
-            <a:r>
-              <a:rPr lang="en-US" dirty="0" err="1" smtClean="0"/>
-              <a:t>Eg</a:t>
-            </a:r>
-            <a:r>
-              <a:rPr lang="en-US" dirty="0" smtClean="0"/>
-              <a:t>. Infrastructure Independent Pilot-Jobs</a:t>
-            </a:r>
-          </a:p>
-          <a:p>
-            <a:r>
-              <a:rPr lang="en-US" dirty="0" smtClean="0"/>
-              <a:t>SAGA: To provide uniform access layers to </a:t>
-            </a:r>
-            <a:r>
-              <a:rPr lang="en-US" dirty="0" err="1" smtClean="0"/>
-              <a:t>heter</a:t>
-            </a:r>
-            <a:r>
-              <a:rPr lang="en-US" dirty="0" smtClean="0"/>
-              <a:t>. CI</a:t>
-            </a:r>
-          </a:p>
-          <a:p>
-            <a:pPr lvl="1"/>
-            <a:r>
-              <a:rPr lang="en-US" dirty="0" smtClean="0"/>
-              <a:t>Uniform access to EGI (ARC, </a:t>
-            </a:r>
-            <a:r>
-              <a:rPr lang="en-US" dirty="0" err="1" smtClean="0"/>
-              <a:t>gLite</a:t>
-            </a:r>
-            <a:r>
-              <a:rPr lang="en-US" dirty="0" smtClean="0"/>
-              <a:t>, </a:t>
-            </a:r>
-            <a:r>
-              <a:rPr lang="en-US" dirty="0" err="1" smtClean="0"/>
-              <a:t>Globus</a:t>
-            </a:r>
-            <a:r>
-              <a:rPr lang="en-US" dirty="0" smtClean="0"/>
-              <a:t> and </a:t>
-            </a:r>
-            <a:r>
-              <a:rPr lang="en-US" dirty="0" err="1" smtClean="0"/>
-              <a:t>Unicore</a:t>
-            </a:r>
-            <a:r>
-              <a:rPr lang="en-US" dirty="0" smtClean="0"/>
-              <a:t>/BES)</a:t>
-            </a:r>
-          </a:p>
-          <a:p>
-            <a:pPr lvl="1"/>
-            <a:r>
-              <a:rPr lang="en-US" dirty="0" smtClean="0"/>
-              <a:t>Simplify the building of tools and Gateways or MW applications, workers submitted to &gt;8 back-ends </a:t>
-            </a:r>
-            <a:endParaRPr lang="en-US" dirty="0"/>
-          </a:p>
-        </p:txBody>
-      </p:sp>
-    </p:spTree>
-  </p:cSld>
-  <p:clrMapOvr>
-    <a:masterClrMapping/>
-  </p:clrMapOvr>
-  <p:timing>
-    <p:tnLst>
-      <p:par>
-        <p:cTn id="1" dur="indefinite" restart="never" nodeType="tmRoot"/>
-      </p:par>
-    </p:tnLst>
-  </p:timing>
-</p:sld>
-</file>
-
 <file path=ppt/slides/slide8.xml><?xml version="1.0" encoding="utf-8"?>
 <p:sld xmlns:a="http://schemas.openxmlformats.org/drawingml/2006/main" xmlns:r="http://schemas.openxmlformats.org/officeDocument/2006/relationships" xmlns:mc="http://schemas.openxmlformats.org/markup-compatibility/2006" xmlns:mv="urn:schemas-microsoft-com:mac:vml" xmlns:p="http://schemas.openxmlformats.org/presentationml/2006/main" mc:Ignorable="mv" mc:PreserveAttributes="mv:*">
   <p:cSld>
@@ -15831,7 +15831,7 @@
       </p:grpSpPr>
       <p:sp>
         <p:nvSpPr>
-          <p:cNvPr id="5" name="Title 4"/>
+          <p:cNvPr id="2" name="Title 1"/>
           <p:cNvSpPr>
             <a:spLocks noGrp="1"/>
           </p:cNvSpPr>
@@ -15841,33 +15841,31 @@
         </p:nvSpPr>
         <p:spPr/>
         <p:txBody>
-          <a:bodyPr>
-            <a:noAutofit/>
-          </a:bodyPr>
+          <a:bodyPr/>
           <a:lstStyle/>
           <a:p>
             <a:r>
-              <a:rPr lang="en-US" sz="2400" dirty="0" smtClean="0"/>
-              <a:t>SAGA: Develop applications that are distributed by definition</a:t>
-            </a:r>
-            <a:endParaRPr lang="en-US" sz="2400" dirty="0"/>
-          </a:p>
-        </p:txBody>
-      </p:sp>
-      <p:sp>
-        <p:nvSpPr>
-          <p:cNvPr id="6" name="Content Placeholder 5"/>
+              <a:rPr lang="en-US" dirty="0" smtClean="0"/>
+              <a:t>How is SAGA Used?</a:t>
+            </a:r>
+            <a:endParaRPr lang="en-US" dirty="0"/>
+          </a:p>
+        </p:txBody>
+      </p:sp>
+      <p:sp>
+        <p:nvSpPr>
+          <p:cNvPr id="3" name="Content Placeholder 2"/>
           <p:cNvSpPr>
             <a:spLocks noGrp="1"/>
           </p:cNvSpPr>
           <p:nvPr>
-            <p:ph sz="half" idx="2"/>
+            <p:ph idx="1"/>
           </p:nvPr>
         </p:nvSpPr>
         <p:spPr>
           <a:xfrm>
-            <a:off x="406400" y="1397001"/>
-            <a:ext cx="4495800" cy="4978399"/>
+            <a:off x="740896" y="2068619"/>
+            <a:ext cx="7984005" cy="4553160"/>
           </a:xfrm>
         </p:spPr>
         <p:txBody>
@@ -15877,69 +15875,124 @@
           <a:lstStyle/>
           <a:p>
             <a:r>
-              <a:rPr lang="en-US" sz="1700" dirty="0" smtClean="0"/>
-              <a:t>How to develop a simple MR that is interoperable across infrastructure concurrently?</a:t>
-            </a:r>
-          </a:p>
-          <a:p>
-            <a:r>
-              <a:rPr lang="en-US" sz="1700" dirty="0" smtClean="0"/>
-              <a:t>Same application, same programming model:</a:t>
+              <a:rPr lang="en-US" dirty="0" smtClean="0"/>
+              <a:t>SAGA is used to develop applications that are distributed by definition:</a:t>
             </a:r>
           </a:p>
           <a:p>
             <a:pPr lvl="1"/>
             <a:r>
-              <a:rPr lang="en-US" sz="1700" dirty="0" smtClean="0"/>
-              <a:t>Very different performance dependence</a:t>
-            </a:r>
-          </a:p>
-          <a:p>
-            <a:r>
-              <a:rPr lang="en-US" sz="1700" dirty="0" smtClean="0"/>
-              <a:t>Same application, different programming models</a:t>
+              <a:rPr lang="en-US" dirty="0" smtClean="0"/>
+              <a:t>Simple extensions of “localized applications” (</a:t>
+            </a:r>
+            <a:r>
+              <a:rPr lang="en-US" dirty="0" err="1" smtClean="0"/>
+              <a:t>eg</a:t>
+            </a:r>
+            <a:r>
+              <a:rPr lang="en-US" dirty="0" smtClean="0"/>
+              <a:t> scripting)</a:t>
             </a:r>
           </a:p>
           <a:p>
             <a:pPr lvl="1"/>
             <a:r>
-              <a:rPr lang="en-US" sz="1700" dirty="0" smtClean="0"/>
-              <a:t>Very different performance dependence</a:t>
-            </a:r>
-          </a:p>
-          <a:p>
-            <a:pPr lvl="1">
-              <a:buNone/>
-            </a:pPr>
-            <a:endParaRPr lang="en-US" sz="1700" dirty="0" smtClean="0"/>
-          </a:p>
-        </p:txBody>
-      </p:sp>
-      <p:pic>
-        <p:nvPicPr>
-          <p:cNvPr id="7" name="Content Placeholder 3" descr="saga_mapreduce_schema.png"/>
-          <p:cNvPicPr>
-            <a:picLocks noChangeAspect="1"/>
-          </p:cNvPicPr>
-          <p:nvPr/>
-        </p:nvPicPr>
-        <p:blipFill>
-          <a:blip r:embed="rId2"/>
-          <a:srcRect l="-10578" r="-10578"/>
-          <a:stretch>
-            <a:fillRect/>
-          </a:stretch>
-        </p:blipFill>
-        <p:spPr>
-          <a:xfrm>
-            <a:off x="4368800" y="1592712"/>
-            <a:ext cx="4632959" cy="4782688"/>
-          </a:xfrm>
-          <a:prstGeom prst="rect">
-            <a:avLst/>
-          </a:prstGeom>
-        </p:spPr>
-      </p:pic>
+              <a:rPr lang="en-US" dirty="0" smtClean="0"/>
+              <a:t>Novel Distributed Programming Models (</a:t>
+            </a:r>
+            <a:r>
+              <a:rPr lang="en-US" dirty="0" err="1" smtClean="0"/>
+              <a:t>eg</a:t>
+            </a:r>
+            <a:r>
+              <a:rPr lang="en-US" dirty="0" smtClean="0"/>
+              <a:t> Rep-</a:t>
+            </a:r>
+            <a:r>
+              <a:rPr lang="en-US" dirty="0" err="1" smtClean="0"/>
+              <a:t>Exch</a:t>
+            </a:r>
+            <a:r>
+              <a:rPr lang="en-US" dirty="0" smtClean="0"/>
+              <a:t>)</a:t>
+            </a:r>
+          </a:p>
+          <a:p>
+            <a:r>
+              <a:rPr lang="en-US" dirty="0" smtClean="0"/>
+              <a:t>SAGA: Build tools and implement abstractions that enable the execution of applications over distributed resources, </a:t>
+            </a:r>
+            <a:r>
+              <a:rPr lang="en-US" i="1" dirty="0" smtClean="0"/>
+              <a:t>without modifying the applications</a:t>
+            </a:r>
+          </a:p>
+          <a:p>
+            <a:pPr lvl="1"/>
+            <a:r>
+              <a:rPr lang="en-US" dirty="0" err="1" smtClean="0"/>
+              <a:t>Eg</a:t>
+            </a:r>
+            <a:r>
+              <a:rPr lang="en-US" dirty="0" smtClean="0"/>
+              <a:t>. Infrastructure Independent Pilot-Jobs</a:t>
+            </a:r>
+          </a:p>
+          <a:p>
+            <a:r>
+              <a:rPr lang="en-US" dirty="0" smtClean="0"/>
+              <a:t>SAGA: To provide uniform access layers to </a:t>
+            </a:r>
+            <a:r>
+              <a:rPr lang="en-US" dirty="0" err="1" smtClean="0"/>
+              <a:t>heter</a:t>
+            </a:r>
+            <a:r>
+              <a:rPr lang="en-US" dirty="0" smtClean="0"/>
+              <a:t>. CI</a:t>
+            </a:r>
+          </a:p>
+          <a:p>
+            <a:pPr lvl="1"/>
+            <a:r>
+              <a:rPr lang="en-US" dirty="0" smtClean="0"/>
+              <a:t>Uniform access to EGI (ARC, </a:t>
+            </a:r>
+            <a:r>
+              <a:rPr lang="en-US" dirty="0" err="1" smtClean="0"/>
+              <a:t>gLite</a:t>
+            </a:r>
+            <a:r>
+              <a:rPr lang="en-US" dirty="0" smtClean="0"/>
+              <a:t>, </a:t>
+            </a:r>
+            <a:r>
+              <a:rPr lang="en-US" dirty="0" err="1" smtClean="0"/>
+              <a:t>Globus</a:t>
+            </a:r>
+            <a:r>
+              <a:rPr lang="en-US" dirty="0" smtClean="0"/>
+              <a:t> and </a:t>
+            </a:r>
+            <a:r>
+              <a:rPr lang="en-US" dirty="0" err="1" smtClean="0"/>
+              <a:t>Unicore</a:t>
+            </a:r>
+            <a:r>
+              <a:rPr lang="en-US" dirty="0" smtClean="0"/>
+              <a:t>/BES)</a:t>
+            </a:r>
+          </a:p>
+          <a:p>
+            <a:pPr lvl="1"/>
+            <a:r>
+              <a:rPr lang="en-US" dirty="0" smtClean="0"/>
+              <a:t>Simplify the building of tools and Gateways or MW applications, workers submitted to &gt;8 back-ends </a:t>
+            </a:r>
+            <a:endParaRPr lang="en-US" dirty="0"/>
+          </a:p>
+        </p:txBody>
+      </p:sp>
     </p:spTree>
   </p:cSld>
   <p:clrMapOvr>
@@ -15974,7 +16027,7 @@
       </p:grpSpPr>
       <p:sp>
         <p:nvSpPr>
-          <p:cNvPr id="2" name="Title 1"/>
+          <p:cNvPr id="5" name="Title 4"/>
           <p:cNvSpPr>
             <a:spLocks noGrp="1"/>
           </p:cNvSpPr>
@@ -15985,84 +16038,98 @@
         <p:spPr/>
         <p:txBody>
           <a:bodyPr>
-            <a:normAutofit fontScale="90000"/>
+            <a:noAutofit/>
           </a:bodyPr>
           <a:lstStyle/>
           <a:p>
             <a:r>
-              <a:rPr lang="en-US" dirty="0" smtClean="0"/>
-              <a:t>Understanding Distributed Programming Models </a:t>
-            </a:r>
-            <a:endParaRPr lang="en-US" dirty="0"/>
+              <a:rPr lang="en-US" sz="2400" dirty="0" smtClean="0"/>
+              <a:t>SAGA: Develop applications that are distributed by definition</a:t>
+            </a:r>
+            <a:endParaRPr lang="en-US" sz="2400" dirty="0"/>
+          </a:p>
+        </p:txBody>
+      </p:sp>
+      <p:sp>
+        <p:nvSpPr>
+          <p:cNvPr id="6" name="Content Placeholder 5"/>
+          <p:cNvSpPr>
+            <a:spLocks noGrp="1"/>
+          </p:cNvSpPr>
+          <p:nvPr>
+            <p:ph sz="half" idx="2"/>
+          </p:nvPr>
+        </p:nvSpPr>
+        <p:spPr>
+          <a:xfrm>
+            <a:off x="406400" y="1397001"/>
+            <a:ext cx="4495800" cy="4978399"/>
+          </a:xfrm>
+        </p:spPr>
+        <p:txBody>
+          <a:bodyPr>
+            <a:normAutofit/>
+          </a:bodyPr>
+          <a:lstStyle/>
+          <a:p>
+            <a:r>
+              <a:rPr lang="en-US" sz="1700" dirty="0" smtClean="0"/>
+              <a:t>How to develop a simple MR that is interoperable across infrastructure concurrently?</a:t>
+            </a:r>
+          </a:p>
+          <a:p>
+            <a:r>
+              <a:rPr lang="en-US" sz="1700" dirty="0" smtClean="0"/>
+              <a:t>Same application, same programming model:</a:t>
+            </a:r>
+          </a:p>
+          <a:p>
+            <a:pPr lvl="1"/>
+            <a:r>
+              <a:rPr lang="en-US" sz="1700" dirty="0" smtClean="0"/>
+              <a:t>Very different performance dependence</a:t>
+            </a:r>
+          </a:p>
+          <a:p>
+            <a:r>
+              <a:rPr lang="en-US" sz="1700" dirty="0" smtClean="0"/>
+              <a:t>Same application, different programming models</a:t>
+            </a:r>
+          </a:p>
+          <a:p>
+            <a:pPr lvl="1"/>
+            <a:r>
+              <a:rPr lang="en-US" sz="1700" dirty="0" smtClean="0"/>
+              <a:t>Very different performance dependence</a:t>
+            </a:r>
+          </a:p>
+          <a:p>
+            <a:pPr lvl="1">
+              <a:buNone/>
+            </a:pPr>
+            <a:endParaRPr lang="en-US" sz="1700" dirty="0" smtClean="0"/>
           </a:p>
         </p:txBody>
       </p:sp>
       <p:pic>
         <p:nvPicPr>
-          <p:cNvPr id="4" name="Content Placeholder 3" descr="sphere_varying_workers.png"/>
+          <p:cNvPr id="7" name="Content Placeholder 3" descr="saga_mapreduce_schema.png"/>
           <p:cNvPicPr>
-            <a:picLocks noGrp="1" noChangeAspect="1"/>
+            <a:picLocks noChangeAspect="1"/>
           </p:cNvPicPr>
-          <p:nvPr>
-            <p:ph idx="1"/>
-          </p:nvPr>
+          <p:nvPr/>
         </p:nvPicPr>
         <p:blipFill>
           <a:blip r:embed="rId2"/>
-          <a:srcRect l="-14268" r="-14268"/>
+          <a:srcRect l="-10578" r="-10578"/>
           <a:stretch>
             <a:fillRect/>
           </a:stretch>
         </p:blipFill>
         <p:spPr>
           <a:xfrm>
-            <a:off x="4129449" y="1817641"/>
-            <a:ext cx="5014551" cy="2731106"/>
-          </a:xfrm>
-        </p:spPr>
-      </p:pic>
-      <p:pic>
-        <p:nvPicPr>
-          <p:cNvPr id="5" name="Picture 4" descr="sagamr_varying_workers.png"/>
-          <p:cNvPicPr>
-            <a:picLocks noChangeAspect="1"/>
-          </p:cNvPicPr>
-          <p:nvPr/>
-        </p:nvPicPr>
-        <p:blipFill>
-          <a:blip r:embed="rId3"/>
-          <a:stretch>
-            <a:fillRect/>
-          </a:stretch>
-        </p:blipFill>
-        <p:spPr>
-          <a:xfrm>
-            <a:off x="4746883" y="4310826"/>
-            <a:ext cx="3827804" cy="2547174"/>
-          </a:xfrm>
-          <a:prstGeom prst="rect">
-            <a:avLst/>
-          </a:prstGeom>
-        </p:spPr>
-      </p:pic>
-      <p:pic>
-        <p:nvPicPr>
-          <p:cNvPr id="6" name="Picture 5" descr="sphere_mr_varying_chunksize.png"/>
-          <p:cNvPicPr>
-            <a:picLocks noChangeAspect="1"/>
-          </p:cNvPicPr>
-          <p:nvPr/>
-        </p:nvPicPr>
-        <p:blipFill>
-          <a:blip r:embed="rId4"/>
-          <a:stretch>
-            <a:fillRect/>
-          </a:stretch>
-        </p:blipFill>
-        <p:spPr>
-          <a:xfrm>
-            <a:off x="0" y="2465574"/>
-            <a:ext cx="4571429" cy="3200000"/>
+            <a:off x="4368801" y="1592712"/>
+            <a:ext cx="4632959" cy="4782688"/>
           </a:xfrm>
           <a:prstGeom prst="rect">
             <a:avLst/>

--- a/tutorial/general_tutorial/SAGA-Intro-Conclusion.pptx
+++ b/tutorial/general_tutorial/SAGA-Intro-Conclusion.pptx
@@ -24,12 +24,12 @@
     <p:sldId id="263" r:id="rId12"/>
     <p:sldId id="264" r:id="rId13"/>
     <p:sldId id="277" r:id="rId14"/>
-    <p:sldId id="279" r:id="rId15"/>
-    <p:sldId id="272" r:id="rId16"/>
-    <p:sldId id="266" r:id="rId17"/>
+    <p:sldId id="278" r:id="rId15"/>
+    <p:sldId id="279" r:id="rId16"/>
+    <p:sldId id="272" r:id="rId17"/>
     <p:sldId id="265" r:id="rId18"/>
-    <p:sldId id="267" r:id="rId19"/>
-    <p:sldId id="278" r:id="rId20"/>
+    <p:sldId id="266" r:id="rId19"/>
+    <p:sldId id="267" r:id="rId20"/>
     <p:sldId id="269" r:id="rId21"/>
     <p:sldId id="268" r:id="rId22"/>
     <p:sldId id="280" r:id="rId23"/>
@@ -355,24 +355,24 @@
             </c:numRef>
           </c:val>
         </c:ser>
-        <c:axId val="627642504"/>
-        <c:axId val="524568760"/>
+        <c:axId val="627838200"/>
+        <c:axId val="492001288"/>
       </c:barChart>
       <c:catAx>
-        <c:axId val="627642504"/>
+        <c:axId val="627838200"/>
         <c:scaling>
           <c:orientation val="minMax"/>
         </c:scaling>
         <c:axPos val="b"/>
         <c:tickLblPos val="nextTo"/>
-        <c:crossAx val="524568760"/>
+        <c:crossAx val="492001288"/>
         <c:crosses val="autoZero"/>
         <c:auto val="1"/>
         <c:lblAlgn val="ctr"/>
         <c:lblOffset val="100"/>
       </c:catAx>
       <c:valAx>
-        <c:axId val="524568760"/>
+        <c:axId val="492001288"/>
         <c:scaling>
           <c:orientation val="minMax"/>
         </c:scaling>
@@ -380,7 +380,7 @@
         <c:majorGridlines/>
         <c:numFmt formatCode="General" sourceLinked="1"/>
         <c:tickLblPos val="nextTo"/>
-        <c:crossAx val="627642504"/>
+        <c:crossAx val="627838200"/>
         <c:crosses val="autoZero"/>
         <c:crossBetween val="between"/>
       </c:valAx>
@@ -478,7 +478,7 @@
             <a:fld id="{9A6AC4B2-6F12-454D-8DA7-7B9C78843B81}" type="datetimeFigureOut">
               <a:rPr lang="en-US" smtClean="0"/>
               <a:pPr/>
-              <a:t>11/28/10</a:t>
+              <a:t>11/29/10</a:t>
             </a:fld>
             <a:endParaRPr lang="en-US"/>
           </a:p>
@@ -641,7 +641,7 @@
             <a:fld id="{19F24AD4-A78B-B645-8B43-825B1EB2901C}" type="datetimeFigureOut">
               <a:rPr lang="en-US" smtClean="0"/>
               <a:pPr/>
-              <a:t>11/28/10</a:t>
+              <a:t>11/29/10</a:t>
             </a:fld>
             <a:endParaRPr lang="en-US"/>
           </a:p>
@@ -1227,7 +1227,7 @@
             <a:fld id="{ADB8239A-D789-5443-937F-338E3AE3D41C}" type="datetime1">
               <a:rPr lang="en-US" smtClean="0"/>
               <a:pPr/>
-              <a:t>11/28/10</a:t>
+              <a:t>11/29/10</a:t>
             </a:fld>
             <a:endParaRPr lang="en-US"/>
           </a:p>
@@ -1531,7 +1531,7 @@
             <a:fld id="{459EC1CE-E98D-704D-AD6F-6E3323A36483}" type="datetime1">
               <a:rPr lang="en-US" smtClean="0"/>
               <a:pPr/>
-              <a:t>11/28/10</a:t>
+              <a:t>11/29/10</a:t>
             </a:fld>
             <a:endParaRPr lang="en-US"/>
           </a:p>
@@ -1807,7 +1807,7 @@
             <a:fld id="{23E692A5-8B3E-1949-B0CC-6F0593ACFA8E}" type="datetime1">
               <a:rPr lang="en-US" smtClean="0"/>
               <a:pPr/>
-              <a:t>11/28/10</a:t>
+              <a:t>11/29/10</a:t>
             </a:fld>
             <a:endParaRPr lang="en-US"/>
           </a:p>
@@ -2099,7 +2099,7 @@
             <a:fld id="{C381DA14-A3C0-9C42-96F2-BEE3D5DE963D}" type="datetime1">
               <a:rPr lang="en-US" smtClean="0"/>
               <a:pPr/>
-              <a:t>11/28/10</a:t>
+              <a:t>11/29/10</a:t>
             </a:fld>
             <a:endParaRPr lang="en-US"/>
           </a:p>
@@ -2426,7 +2426,7 @@
             <a:fld id="{33319320-9A5F-694B-B7B5-C734EC93AAA2}" type="datetime1">
               <a:rPr lang="en-US" smtClean="0"/>
               <a:pPr/>
-              <a:t>11/28/10</a:t>
+              <a:t>11/29/10</a:t>
             </a:fld>
             <a:endParaRPr lang="en-US"/>
           </a:p>
@@ -2674,7 +2674,7 @@
             <a:fld id="{CF6CE397-A6E6-7547-B24A-92BB5049E0F2}" type="datetime1">
               <a:rPr lang="en-US" smtClean="0"/>
               <a:pPr/>
-              <a:t>11/28/10</a:t>
+              <a:t>11/29/10</a:t>
             </a:fld>
             <a:endParaRPr lang="en-US"/>
           </a:p>
@@ -2851,7 +2851,7 @@
             <a:fld id="{27AB7D46-BD5E-E641-9118-DCE28F3B83FA}" type="datetime1">
               <a:rPr lang="en-US" smtClean="0"/>
               <a:pPr/>
-              <a:t>11/28/10</a:t>
+              <a:t>11/29/10</a:t>
             </a:fld>
             <a:endParaRPr lang="en-US"/>
           </a:p>
@@ -3191,7 +3191,7 @@
             <a:fld id="{4C4AD4EB-88D0-C141-9474-CCD86A78CB94}" type="datetimeFigureOut">
               <a:rPr lang="en-US" smtClean="0"/>
               <a:pPr/>
-              <a:t>11/28/10</a:t>
+              <a:t>11/29/10</a:t>
             </a:fld>
             <a:endParaRPr lang="en-US"/>
           </a:p>
@@ -3315,7 +3315,7 @@
             <a:fld id="{4C4AD4EB-88D0-C141-9474-CCD86A78CB94}" type="datetimeFigureOut">
               <a:rPr lang="en-US" smtClean="0"/>
               <a:pPr/>
-              <a:t>11/28/10</a:t>
+              <a:t>11/29/10</a:t>
             </a:fld>
             <a:endParaRPr lang="en-US"/>
           </a:p>
@@ -3609,7 +3609,7 @@
             <a:fld id="{4C4AD4EB-88D0-C141-9474-CCD86A78CB94}" type="datetimeFigureOut">
               <a:rPr lang="en-US" smtClean="0"/>
               <a:pPr/>
-              <a:t>11/28/10</a:t>
+              <a:t>11/29/10</a:t>
             </a:fld>
             <a:endParaRPr lang="en-US"/>
           </a:p>
@@ -3861,7 +3861,7 @@
             <a:fld id="{BC26097E-015C-3B4D-86C1-CD2AD30F0B81}" type="datetime1">
               <a:rPr lang="en-US" smtClean="0"/>
               <a:pPr/>
-              <a:t>11/28/10</a:t>
+              <a:t>11/29/10</a:t>
             </a:fld>
             <a:endParaRPr lang="en-US"/>
           </a:p>
@@ -3958,7 +3958,7 @@
             <a:fld id="{4C4AD4EB-88D0-C141-9474-CCD86A78CB94}" type="datetimeFigureOut">
               <a:rPr lang="en-US" smtClean="0"/>
               <a:pPr/>
-              <a:t>11/28/10</a:t>
+              <a:t>11/29/10</a:t>
             </a:fld>
             <a:endParaRPr lang="en-US"/>
           </a:p>
@@ -4229,7 +4229,7 @@
             <a:fld id="{ED6649F4-2545-3040-B7BD-803CA59D50C7}" type="datetime1">
               <a:rPr lang="en-US" smtClean="0"/>
               <a:pPr/>
-              <a:t>11/28/10</a:t>
+              <a:t>11/29/10</a:t>
             </a:fld>
             <a:endParaRPr lang="en-US"/>
           </a:p>
@@ -4537,7 +4537,7 @@
             <a:fld id="{833A9088-CEDD-2F48-A9A0-611A3CC03FE9}" type="datetime1">
               <a:rPr lang="en-US" smtClean="0"/>
               <a:pPr/>
-              <a:t>11/28/10</a:t>
+              <a:t>11/29/10</a:t>
             </a:fld>
             <a:endParaRPr lang="en-US"/>
           </a:p>
@@ -4831,7 +4831,7 @@
             <a:fld id="{AED87ACF-EB3C-EA42-8610-542FB50388EB}" type="datetime1">
               <a:rPr lang="en-US" smtClean="0"/>
               <a:pPr/>
-              <a:t>11/28/10</a:t>
+              <a:t>11/29/10</a:t>
             </a:fld>
             <a:endParaRPr lang="en-US"/>
           </a:p>
@@ -5263,7 +5263,7 @@
             <a:fld id="{0E0DC31B-692F-774E-A937-DA560DE61DA8}" type="datetime1">
               <a:rPr lang="en-US" smtClean="0"/>
               <a:pPr/>
-              <a:t>11/28/10</a:t>
+              <a:t>11/29/10</a:t>
             </a:fld>
             <a:endParaRPr lang="en-US"/>
           </a:p>
@@ -5611,7 +5611,7 @@
             <a:fld id="{95DEFDAE-5BDC-1B4F-BC4C-23C867CEBC21}" type="datetime1">
               <a:rPr lang="en-US" smtClean="0"/>
               <a:pPr/>
-              <a:t>11/28/10</a:t>
+              <a:t>11/29/10</a:t>
             </a:fld>
             <a:endParaRPr lang="en-US"/>
           </a:p>
@@ -5703,7 +5703,7 @@
             <a:fld id="{9F53C516-787B-9A45-AFCF-5D75DD78DEBE}" type="datetime1">
               <a:rPr lang="en-US" smtClean="0"/>
               <a:pPr/>
-              <a:t>11/28/10</a:t>
+              <a:t>11/29/10</a:t>
             </a:fld>
             <a:endParaRPr lang="en-US"/>
           </a:p>
@@ -6042,7 +6042,7 @@
             <a:fld id="{F19CAA94-9393-BB4A-8CB6-008B1351A132}" type="datetime1">
               <a:rPr lang="en-US" smtClean="0"/>
               <a:pPr/>
-              <a:t>11/28/10</a:t>
+              <a:t>11/29/10</a:t>
             </a:fld>
             <a:endParaRPr lang="en-US"/>
           </a:p>
@@ -6256,7 +6256,7 @@
             <a:fld id="{A3476A5E-2ED6-7749-A8C1-D0B1EEEB97E0}" type="datetime1">
               <a:rPr lang="en-US" smtClean="0"/>
               <a:pPr/>
-              <a:t>11/28/10</a:t>
+              <a:t>11/29/10</a:t>
             </a:fld>
             <a:endParaRPr lang="en-US"/>
           </a:p>
@@ -7670,7 +7670,7 @@
             <a:fld id="{4C4AD4EB-88D0-C141-9474-CCD86A78CB94}" type="datetimeFigureOut">
               <a:rPr lang="en-US" smtClean="0"/>
               <a:pPr/>
-              <a:t>11/28/10</a:t>
+              <a:t>11/29/10</a:t>
             </a:fld>
             <a:endParaRPr lang="en-US"/>
           </a:p>
@@ -8345,7 +8345,7 @@
             <a:fld id="{4C4AD4EB-88D0-C141-9474-CCD86A78CB94}" type="datetimeFigureOut">
               <a:rPr lang="en-US" smtClean="0"/>
               <a:pPr/>
-              <a:t>11/28/10</a:t>
+              <a:t>11/29/10</a:t>
             </a:fld>
             <a:endParaRPr lang="en-US"/>
           </a:p>
@@ -8988,7 +8988,7 @@
             <a:fld id="{4C4AD4EB-88D0-C141-9474-CCD86A78CB94}" type="datetimeFigureOut">
               <a:rPr lang="en-US" smtClean="0"/>
               <a:pPr/>
-              <a:t>11/28/10</a:t>
+              <a:t>11/29/10</a:t>
             </a:fld>
             <a:endParaRPr lang="en-US"/>
           </a:p>
@@ -9631,7 +9631,7 @@
             <a:fld id="{4C4AD4EB-88D0-C141-9474-CCD86A78CB94}" type="datetimeFigureOut">
               <a:rPr lang="en-US" smtClean="0"/>
               <a:pPr/>
-              <a:t>11/28/10</a:t>
+              <a:t>11/29/10</a:t>
             </a:fld>
             <a:endParaRPr lang="en-US"/>
           </a:p>
@@ -10345,7 +10345,7 @@
       </p:grpSpPr>
       <p:sp>
         <p:nvSpPr>
-          <p:cNvPr id="2" name="Title 1"/>
+          <p:cNvPr id="5" name="Title 4"/>
           <p:cNvSpPr>
             <a:spLocks noGrp="1"/>
           </p:cNvSpPr>
@@ -10356,84 +10356,98 @@
         <p:spPr/>
         <p:txBody>
           <a:bodyPr>
-            <a:normAutofit fontScale="90000"/>
+            <a:noAutofit/>
           </a:bodyPr>
           <a:lstStyle/>
           <a:p>
             <a:r>
-              <a:rPr lang="en-US" dirty="0" smtClean="0"/>
-              <a:t>Understanding Distributed Programming Models </a:t>
-            </a:r>
-            <a:endParaRPr lang="en-US" dirty="0"/>
+              <a:rPr lang="en-US" sz="2400" dirty="0" smtClean="0"/>
+              <a:t>SAGA: Develop applications that are distributed by definition</a:t>
+            </a:r>
+            <a:endParaRPr lang="en-US" sz="2400" dirty="0"/>
+          </a:p>
+        </p:txBody>
+      </p:sp>
+      <p:sp>
+        <p:nvSpPr>
+          <p:cNvPr id="6" name="Content Placeholder 5"/>
+          <p:cNvSpPr>
+            <a:spLocks noGrp="1"/>
+          </p:cNvSpPr>
+          <p:nvPr>
+            <p:ph sz="half" idx="2"/>
+          </p:nvPr>
+        </p:nvSpPr>
+        <p:spPr>
+          <a:xfrm>
+            <a:off x="406400" y="1397001"/>
+            <a:ext cx="4495800" cy="4978399"/>
+          </a:xfrm>
+        </p:spPr>
+        <p:txBody>
+          <a:bodyPr>
+            <a:normAutofit/>
+          </a:bodyPr>
+          <a:lstStyle/>
+          <a:p>
+            <a:r>
+              <a:rPr lang="en-US" sz="1700" dirty="0" smtClean="0"/>
+              <a:t>How to develop a simple MR that is interoperable across infrastructure concurrently?</a:t>
+            </a:r>
+          </a:p>
+          <a:p>
+            <a:r>
+              <a:rPr lang="en-US" sz="1700" dirty="0" smtClean="0"/>
+              <a:t>Same application, same programming model:</a:t>
+            </a:r>
+          </a:p>
+          <a:p>
+            <a:pPr lvl="1"/>
+            <a:r>
+              <a:rPr lang="en-US" sz="1700" dirty="0" smtClean="0"/>
+              <a:t>Very different performance dependence</a:t>
+            </a:r>
+          </a:p>
+          <a:p>
+            <a:r>
+              <a:rPr lang="en-US" sz="1700" dirty="0" smtClean="0"/>
+              <a:t>Same application, different programming models</a:t>
+            </a:r>
+          </a:p>
+          <a:p>
+            <a:pPr lvl="1"/>
+            <a:r>
+              <a:rPr lang="en-US" sz="1700" dirty="0" smtClean="0"/>
+              <a:t>Very different performance dependence</a:t>
+            </a:r>
+          </a:p>
+          <a:p>
+            <a:pPr lvl="1">
+              <a:buNone/>
+            </a:pPr>
+            <a:endParaRPr lang="en-US" sz="1700" dirty="0" smtClean="0"/>
           </a:p>
         </p:txBody>
       </p:sp>
       <p:pic>
         <p:nvPicPr>
-          <p:cNvPr id="4" name="Content Placeholder 3" descr="sphere_varying_workers.png"/>
+          <p:cNvPr id="7" name="Content Placeholder 3" descr="saga_mapreduce_schema.png"/>
           <p:cNvPicPr>
-            <a:picLocks noGrp="1" noChangeAspect="1"/>
+            <a:picLocks noChangeAspect="1"/>
           </p:cNvPicPr>
-          <p:nvPr>
-            <p:ph idx="1"/>
-          </p:nvPr>
+          <p:nvPr/>
         </p:nvPicPr>
         <p:blipFill>
           <a:blip r:embed="rId2"/>
-          <a:srcRect l="-14268" r="-14268"/>
+          <a:srcRect l="-10578" r="-10578"/>
           <a:stretch>
             <a:fillRect/>
           </a:stretch>
         </p:blipFill>
         <p:spPr>
           <a:xfrm>
-            <a:off x="4129450" y="1817641"/>
-            <a:ext cx="5014551" cy="2731106"/>
-          </a:xfrm>
-        </p:spPr>
-      </p:pic>
-      <p:pic>
-        <p:nvPicPr>
-          <p:cNvPr id="5" name="Picture 4" descr="sagamr_varying_workers.png"/>
-          <p:cNvPicPr>
-            <a:picLocks noChangeAspect="1"/>
-          </p:cNvPicPr>
-          <p:nvPr/>
-        </p:nvPicPr>
-        <p:blipFill>
-          <a:blip r:embed="rId3"/>
-          <a:stretch>
-            <a:fillRect/>
-          </a:stretch>
-        </p:blipFill>
-        <p:spPr>
-          <a:xfrm>
-            <a:off x="4746883" y="4310827"/>
-            <a:ext cx="3827804" cy="2547174"/>
-          </a:xfrm>
-          <a:prstGeom prst="rect">
-            <a:avLst/>
-          </a:prstGeom>
-        </p:spPr>
-      </p:pic>
-      <p:pic>
-        <p:nvPicPr>
-          <p:cNvPr id="6" name="Picture 5" descr="sphere_mr_varying_chunksize.png"/>
-          <p:cNvPicPr>
-            <a:picLocks noChangeAspect="1"/>
-          </p:cNvPicPr>
-          <p:nvPr/>
-        </p:nvPicPr>
-        <p:blipFill>
-          <a:blip r:embed="rId4"/>
-          <a:stretch>
-            <a:fillRect/>
-          </a:stretch>
-        </p:blipFill>
-        <p:spPr>
-          <a:xfrm>
-            <a:off x="1" y="2465574"/>
-            <a:ext cx="4571429" cy="3200000"/>
+            <a:off x="4368801" y="1592712"/>
+            <a:ext cx="4632959" cy="4782688"/>
           </a:xfrm>
           <a:prstGeom prst="rect">
             <a:avLst/>
@@ -10484,149 +10498,91 @@
         </p:nvSpPr>
         <p:spPr/>
         <p:txBody>
-          <a:bodyPr rtlCol="0">
-            <a:normAutofit/>
+          <a:bodyPr>
+            <a:normAutofit fontScale="90000"/>
           </a:bodyPr>
           <a:lstStyle/>
           <a:p>
-            <a:pPr>
-              <a:defRPr/>
-            </a:pPr>
-            <a:r>
-              <a:rPr lang="en-US" sz="2200" dirty="0" smtClean="0"/>
-              <a:t>Distributed Adaptive Replica Exchange (DARE)</a:t>
-            </a:r>
             <a:r>
               <a:rPr lang="en-US" dirty="0" smtClean="0"/>
-              <a:t/>
-            </a:r>
-            <a:br>
-              <a:rPr lang="en-US" dirty="0" smtClean="0"/>
-            </a:br>
-            <a:r>
-              <a:rPr lang="en-US" sz="2200" dirty="0" smtClean="0"/>
-              <a:t>Multiple Pilot-Jobs on the “Distributed” </a:t>
-            </a:r>
-            <a:r>
-              <a:rPr lang="en-US" sz="2200" dirty="0" err="1" smtClean="0"/>
-              <a:t>TeraGrid</a:t>
-            </a:r>
-            <a:endParaRPr lang="en-US" sz="2200" dirty="0" smtClean="0">
-              <a:solidFill>
-                <a:srgbClr val="800000"/>
-              </a:solidFill>
-              <a:latin typeface="Cooper Black"/>
-              <a:cs typeface="Cooper Black"/>
-            </a:endParaRPr>
-          </a:p>
-        </p:txBody>
-      </p:sp>
-      <p:sp>
-        <p:nvSpPr>
-          <p:cNvPr id="8" name="Content Placeholder 7"/>
-          <p:cNvSpPr>
-            <a:spLocks noGrp="1"/>
-          </p:cNvSpPr>
+              <a:t>Understanding Distributed Programming Models </a:t>
+            </a:r>
+            <a:endParaRPr lang="en-US" dirty="0"/>
+          </a:p>
+        </p:txBody>
+      </p:sp>
+      <p:pic>
+        <p:nvPicPr>
+          <p:cNvPr id="4" name="Content Placeholder 3" descr="sphere_varying_workers.png"/>
+          <p:cNvPicPr>
+            <a:picLocks noGrp="1" noChangeAspect="1"/>
+          </p:cNvPicPr>
           <p:nvPr>
             <p:ph idx="1"/>
           </p:nvPr>
-        </p:nvSpPr>
+        </p:nvPicPr>
+        <p:blipFill>
+          <a:blip r:embed="rId2"/>
+          <a:srcRect l="-14268" r="-14268"/>
+          <a:stretch>
+            <a:fillRect/>
+          </a:stretch>
+        </p:blipFill>
         <p:spPr>
           <a:xfrm>
-            <a:off x="892711" y="2011973"/>
-            <a:ext cx="7489289" cy="1366228"/>
+            <a:off x="4129450" y="1817641"/>
+            <a:ext cx="5014551" cy="2731106"/>
           </a:xfrm>
         </p:spPr>
-        <p:txBody>
-          <a:bodyPr>
-            <a:normAutofit/>
-          </a:bodyPr>
-          <a:lstStyle/>
-          <a:p>
-            <a:r>
-              <a:rPr lang="en-US" dirty="0" smtClean="0"/>
-              <a:t>Ability to dynamically add HPC resources. On TG:</a:t>
-            </a:r>
-          </a:p>
-          <a:p>
-            <a:r>
-              <a:rPr lang="en-US" dirty="0" smtClean="0"/>
-              <a:t>Innovations in Distributed Algorithms:</a:t>
-            </a:r>
-          </a:p>
-          <a:p>
-            <a:pPr lvl="1"/>
-            <a:r>
-              <a:rPr lang="en-US" dirty="0" smtClean="0"/>
-              <a:t>Variants of  RE: Sync (local) </a:t>
-            </a:r>
-            <a:r>
-              <a:rPr lang="en-US" dirty="0" err="1" smtClean="0"/>
-              <a:t>vs</a:t>
-            </a:r>
-            <a:r>
-              <a:rPr lang="en-US" dirty="0" smtClean="0"/>
-              <a:t> </a:t>
-            </a:r>
-            <a:r>
-              <a:rPr lang="en-US" dirty="0" err="1" smtClean="0"/>
-              <a:t>async</a:t>
-            </a:r>
-            <a:r>
-              <a:rPr lang="en-US" dirty="0" smtClean="0"/>
-              <a:t> (distr.)</a:t>
-            </a:r>
-          </a:p>
-        </p:txBody>
-      </p:sp>
+      </p:pic>
       <p:pic>
         <p:nvPicPr>
-          <p:cNvPr id="37894" name="Picture 7" descr="perf_distributed_number_replica-1.pdf"/>
+          <p:cNvPr id="5" name="Picture 4" descr="sagamr_varying_workers.png"/>
           <p:cNvPicPr>
             <a:picLocks noChangeAspect="1"/>
           </p:cNvPicPr>
           <p:nvPr/>
         </p:nvPicPr>
         <p:blipFill>
-          <a:blip r:embed="rId2"/>
-          <a:srcRect/>
+          <a:blip r:embed="rId3"/>
           <a:stretch>
             <a:fillRect/>
           </a:stretch>
         </p:blipFill>
-        <p:spPr bwMode="auto">
+        <p:spPr>
           <a:xfrm>
-            <a:off x="626011" y="3746500"/>
-            <a:ext cx="3657600" cy="2552700"/>
+            <a:off x="4746883" y="4310827"/>
+            <a:ext cx="3827804" cy="2547174"/>
           </a:xfrm>
           <a:prstGeom prst="rect">
             <a:avLst/>
           </a:prstGeom>
-          <a:noFill/>
-          <a:ln w="9525">
-            <a:noFill/>
-            <a:miter lim="800000"/>
-            <a:headEnd/>
-            <a:tailEnd/>
-          </a:ln>
         </p:spPr>
       </p:pic>
-      <p:graphicFrame>
-        <p:nvGraphicFramePr>
-          <p:cNvPr id="7" name="Chart 6"/>
-          <p:cNvGraphicFramePr/>
+      <p:pic>
+        <p:nvPicPr>
+          <p:cNvPr id="6" name="Picture 5" descr="sphere_mr_varying_chunksize.png"/>
+          <p:cNvPicPr>
+            <a:picLocks noChangeAspect="1"/>
+          </p:cNvPicPr>
           <p:nvPr/>
-        </p:nvGraphicFramePr>
-        <p:xfrm>
-          <a:off x="4888047" y="3644900"/>
-          <a:ext cx="3935959" cy="3073400"/>
-        </p:xfrm>
-        <a:graphic>
-          <a:graphicData uri="http://schemas.openxmlformats.org/drawingml/2006/chart">
-            <c:chart xmlns:c="http://schemas.openxmlformats.org/drawingml/2006/chart" xmlns:r="http://schemas.openxmlformats.org/officeDocument/2006/relationships" r:id="rId3"/>
-          </a:graphicData>
-        </a:graphic>
-      </p:graphicFrame>
+        </p:nvPicPr>
+        <p:blipFill>
+          <a:blip r:embed="rId4"/>
+          <a:stretch>
+            <a:fillRect/>
+          </a:stretch>
+        </p:blipFill>
+        <p:spPr>
+          <a:xfrm>
+            <a:off x="1" y="2465574"/>
+            <a:ext cx="4571429" cy="3200000"/>
+          </a:xfrm>
+          <a:prstGeom prst="rect">
+            <a:avLst/>
+          </a:prstGeom>
+        </p:spPr>
+      </p:pic>
     </p:spTree>
   </p:cSld>
   <p:clrMapOvr>
@@ -10678,7 +10634,11 @@
           <a:p>
             <a:r>
               <a:rPr lang="en-US" sz="2400" dirty="0" smtClean="0"/>
-              <a:t>SAGA: Tools for Effective Distributed Execution</a:t>
+              <a:t>2. Tools </a:t>
+            </a:r>
+            <a:r>
+              <a:rPr lang="en-US" sz="2400" dirty="0" smtClean="0"/>
+              <a:t>for Effective Distributed Execution</a:t>
             </a:r>
             <a:endParaRPr lang="en-US" sz="2400" dirty="0"/>
           </a:p>
@@ -10735,9 +10695,116 @@
           <a:chExt cx="0" cy="0"/>
         </a:xfrm>
       </p:grpSpPr>
+      <p:sp>
+        <p:nvSpPr>
+          <p:cNvPr id="2" name="Title 1"/>
+          <p:cNvSpPr>
+            <a:spLocks noGrp="1"/>
+          </p:cNvSpPr>
+          <p:nvPr>
+            <p:ph type="title"/>
+          </p:nvPr>
+        </p:nvSpPr>
+        <p:spPr/>
+        <p:txBody>
+          <a:bodyPr rtlCol="0">
+            <a:normAutofit/>
+          </a:bodyPr>
+          <a:lstStyle/>
+          <a:p>
+            <a:pPr>
+              <a:defRPr/>
+            </a:pPr>
+            <a:r>
+              <a:rPr lang="en-US" sz="2200" dirty="0" smtClean="0"/>
+              <a:t>Distributed Adaptive Replica Exchange (DARE)</a:t>
+            </a:r>
+            <a:r>
+              <a:rPr lang="en-US" dirty="0" smtClean="0"/>
+              <a:t/>
+            </a:r>
+            <a:br>
+              <a:rPr lang="en-US" dirty="0" smtClean="0"/>
+            </a:br>
+            <a:r>
+              <a:rPr lang="en-US" sz="2200" dirty="0" smtClean="0"/>
+              <a:t>Multiple Pilot-Jobs on the “Distributed” </a:t>
+            </a:r>
+            <a:r>
+              <a:rPr lang="en-US" sz="2200" dirty="0" err="1" smtClean="0"/>
+              <a:t>TeraGrid</a:t>
+            </a:r>
+            <a:endParaRPr lang="en-US" sz="2200" dirty="0" smtClean="0">
+              <a:solidFill>
+                <a:srgbClr val="800000"/>
+              </a:solidFill>
+              <a:latin typeface="Cooper Black"/>
+              <a:cs typeface="Cooper Black"/>
+            </a:endParaRPr>
+          </a:p>
+        </p:txBody>
+      </p:sp>
+      <p:sp>
+        <p:nvSpPr>
+          <p:cNvPr id="8" name="Content Placeholder 7"/>
+          <p:cNvSpPr>
+            <a:spLocks noGrp="1"/>
+          </p:cNvSpPr>
+          <p:nvPr>
+            <p:ph idx="1"/>
+          </p:nvPr>
+        </p:nvSpPr>
+        <p:spPr>
+          <a:xfrm>
+            <a:off x="892711" y="2011973"/>
+            <a:ext cx="7489289" cy="1366228"/>
+          </a:xfrm>
+        </p:spPr>
+        <p:txBody>
+          <a:bodyPr>
+            <a:normAutofit/>
+          </a:bodyPr>
+          <a:lstStyle/>
+          <a:p>
+            <a:r>
+              <a:rPr lang="en-US" dirty="0" smtClean="0"/>
+              <a:t>Ability to dynamically add HPC resources. On TG:</a:t>
+            </a:r>
+          </a:p>
+          <a:p>
+            <a:r>
+              <a:rPr lang="en-US" dirty="0" smtClean="0"/>
+              <a:t>Innovations in Distributed Algorithms:</a:t>
+            </a:r>
+          </a:p>
+          <a:p>
+            <a:pPr lvl="1"/>
+            <a:r>
+              <a:rPr lang="en-US" dirty="0" smtClean="0"/>
+              <a:t>Variants of  RE: Sync (local) </a:t>
+            </a:r>
+            <a:r>
+              <a:rPr lang="en-US" dirty="0" err="1" smtClean="0"/>
+              <a:t>vs</a:t>
+            </a:r>
+            <a:r>
+              <a:rPr lang="en-US" dirty="0" smtClean="0"/>
+              <a:t> </a:t>
+            </a:r>
+            <a:r>
+              <a:rPr lang="en-US" dirty="0" err="1" smtClean="0"/>
+              <a:t>async</a:t>
+            </a:r>
+            <a:r>
+              <a:rPr lang="en-US" dirty="0" smtClean="0"/>
+              <a:t> (distr.)</a:t>
+            </a:r>
+          </a:p>
+        </p:txBody>
+      </p:sp>
       <p:pic>
         <p:nvPicPr>
-          <p:cNvPr id="87042" name="Picture 1" descr="Picture 2.png"/>
+          <p:cNvPr id="37894" name="Picture 7" descr="perf_distributed_number_replica-1.pdf"/>
           <p:cNvPicPr>
             <a:picLocks noChangeAspect="1"/>
           </p:cNvPicPr>
@@ -10752,8 +10819,8 @@
         </p:blipFill>
         <p:spPr bwMode="auto">
           <a:xfrm>
-            <a:off x="192088" y="1016000"/>
-            <a:ext cx="8799512" cy="5232400"/>
+            <a:off x="626011" y="3746500"/>
+            <a:ext cx="3657600" cy="2552700"/>
           </a:xfrm>
           <a:prstGeom prst="rect">
             <a:avLst/>
@@ -10767,50 +10834,27 @@
           </a:ln>
         </p:spPr>
       </p:pic>
-      <p:sp>
-        <p:nvSpPr>
-          <p:cNvPr id="5" name="Title 4"/>
-          <p:cNvSpPr>
-            <a:spLocks noGrp="1"/>
-          </p:cNvSpPr>
-          <p:nvPr>
-            <p:ph type="title"/>
-          </p:nvPr>
-        </p:nvSpPr>
-        <p:spPr>
-          <a:xfrm>
-            <a:off x="25401" y="133256"/>
-            <a:ext cx="8913813" cy="914400"/>
-          </a:xfrm>
-        </p:spPr>
-        <p:txBody>
-          <a:bodyPr>
-            <a:normAutofit fontScale="90000"/>
-          </a:bodyPr>
-          <a:lstStyle/>
-          <a:p>
-            <a:r>
-              <a:rPr lang="en-US" dirty="0" smtClean="0"/>
-              <a:t>SAGA: Provides uniform access layers to </a:t>
-            </a:r>
-            <a:r>
-              <a:rPr lang="en-US" dirty="0" err="1" smtClean="0"/>
-              <a:t>heterogenous</a:t>
-            </a:r>
-            <a:r>
-              <a:rPr lang="en-US" dirty="0" smtClean="0"/>
-              <a:t> CI</a:t>
-            </a:r>
-            <a:endParaRPr lang="en-US" dirty="0"/>
-          </a:p>
-        </p:txBody>
-      </p:sp>
+      <p:graphicFrame>
+        <p:nvGraphicFramePr>
+          <p:cNvPr id="7" name="Chart 6"/>
+          <p:cNvGraphicFramePr/>
+          <p:nvPr/>
+        </p:nvGraphicFramePr>
+        <p:xfrm>
+          <a:off x="4888047" y="3644900"/>
+          <a:ext cx="3935959" cy="3073400"/>
+        </p:xfrm>
+        <a:graphic>
+          <a:graphicData uri="http://schemas.openxmlformats.org/drawingml/2006/chart">
+            <c:chart xmlns:c="http://schemas.openxmlformats.org/drawingml/2006/chart" xmlns:r="http://schemas.openxmlformats.org/officeDocument/2006/relationships" r:id="rId3"/>
+          </a:graphicData>
+        </a:graphic>
+      </p:graphicFrame>
     </p:spTree>
   </p:cSld>
   <p:clrMapOvr>
     <a:masterClrMapping/>
   </p:clrMapOvr>
-  <p:transition/>
   <p:timing>
     <p:tnLst>
       <p:par>
@@ -10840,7 +10884,7 @@
       </p:grpSpPr>
       <p:pic>
         <p:nvPicPr>
-          <p:cNvPr id="2" name="Picture 1" descr="mandelbrot-9.png"/>
+          <p:cNvPr id="87042" name="Picture 1" descr="Picture 2.png"/>
           <p:cNvPicPr>
             <a:picLocks noChangeAspect="1"/>
           </p:cNvPicPr>
@@ -10848,23 +10892,31 @@
         </p:nvPicPr>
         <p:blipFill>
           <a:blip r:embed="rId2"/>
+          <a:srcRect/>
           <a:stretch>
             <a:fillRect/>
           </a:stretch>
         </p:blipFill>
-        <p:spPr>
+        <p:spPr bwMode="auto">
           <a:xfrm>
-            <a:off x="1058415" y="1287404"/>
-            <a:ext cx="8089359" cy="5570597"/>
+            <a:off x="192088" y="1016000"/>
+            <a:ext cx="8799512" cy="5232400"/>
           </a:xfrm>
           <a:prstGeom prst="rect">
             <a:avLst/>
           </a:prstGeom>
+          <a:noFill/>
+          <a:ln w="9525">
+            <a:noFill/>
+            <a:miter lim="800000"/>
+            <a:headEnd/>
+            <a:tailEnd/>
+          </a:ln>
         </p:spPr>
       </p:pic>
       <p:sp>
         <p:nvSpPr>
-          <p:cNvPr id="3" name="Title 2"/>
+          <p:cNvPr id="5" name="Title 4"/>
           <p:cNvSpPr>
             <a:spLocks noGrp="1"/>
           </p:cNvSpPr>
@@ -10872,18 +10924,35 @@
             <p:ph type="title"/>
           </p:nvPr>
         </p:nvSpPr>
-        <p:spPr/>
+        <p:spPr>
+          <a:xfrm>
+            <a:off x="25401" y="133256"/>
+            <a:ext cx="8913813" cy="914400"/>
+          </a:xfrm>
+        </p:spPr>
         <p:txBody>
           <a:bodyPr>
-            <a:noAutofit/>
+            <a:normAutofit fontScale="90000"/>
           </a:bodyPr>
           <a:lstStyle/>
           <a:p>
             <a:r>
-              <a:rPr lang="en-US" sz="2400" dirty="0" smtClean="0"/>
-              <a:t>SAGA: To provide uniform access layers to heterogeneous CI</a:t>
-            </a:r>
-            <a:endParaRPr lang="en-US" sz="2400" dirty="0"/>
+              <a:rPr lang="en-US" dirty="0" smtClean="0"/>
+              <a:t>3. </a:t>
+            </a:r>
+            <a:r>
+              <a:rPr lang="en-US" dirty="0" smtClean="0"/>
+              <a:t>Provides uniform access layers to </a:t>
+            </a:r>
+            <a:r>
+              <a:rPr lang="en-US" dirty="0" err="1" smtClean="0"/>
+              <a:t>heterogenous</a:t>
+            </a:r>
+            <a:r>
+              <a:rPr lang="en-US" dirty="0" smtClean="0"/>
+              <a:t> CI</a:t>
+            </a:r>
+            <a:endParaRPr lang="en-US" dirty="0"/>
           </a:p>
         </p:txBody>
       </p:sp>
@@ -10892,6 +10961,7 @@
   <p:clrMapOvr>
     <a:masterClrMapping/>
   </p:clrMapOvr>
+  <p:transition/>
   <p:timing>
     <p:tnLst>
       <p:par>
@@ -14513,8 +14583,8 @@
         </p:nvSpPr>
         <p:spPr>
           <a:xfrm>
-            <a:off x="1" y="3820210"/>
-            <a:ext cx="4168024" cy="1569656"/>
+            <a:off x="1" y="3627444"/>
+            <a:ext cx="4168024" cy="3416316"/>
           </a:xfrm>
           <a:prstGeom prst="rect">
             <a:avLst/>
@@ -14552,8 +14622,29 @@
             </a:pPr>
             <a:r>
               <a:rPr lang="en-US" sz="2400" dirty="0" smtClean="0"/>
-              <a:t> Balanced: Scale-Up and Scale-out to</a:t>
-            </a:r>
+              <a:t> Balanced: Scale-Up and Scale-out </a:t>
+            </a:r>
+            <a:r>
+              <a:rPr lang="en-US" sz="2400" dirty="0" smtClean="0"/>
+              <a:t>to</a:t>
+            </a:r>
+          </a:p>
+          <a:p>
+            <a:pPr>
+              <a:buFont typeface="Arial"/>
+              <a:buChar char="•"/>
+            </a:pPr>
+            <a:r>
+              <a:rPr lang="en-US" sz="2400" dirty="0" smtClean="0"/>
+              <a:t>DARE-RFOLD, DOCK, Bioscope (NG Sequence Data), STMD (Molecular Dynamics)</a:t>
+            </a:r>
+          </a:p>
+          <a:p>
+            <a:pPr>
+              <a:buFont typeface="Arial"/>
+              <a:buChar char="•"/>
+            </a:pPr>
+            <a:endParaRPr lang="en-US" sz="2400" dirty="0" smtClean="0"/>
           </a:p>
         </p:txBody>
       </p:sp>
@@ -14773,13 +14864,7 @@
               <a:rPr lang="en-US" dirty="0" smtClean="0">
                 <a:hlinkClick r:id="rId3"/>
               </a:rPr>
-              <a:t>http:/</a:t>
-            </a:r>
-            <a:r>
-              <a:rPr lang="en-US" dirty="0" smtClean="0">
-                <a:hlinkClick r:id="rId3"/>
-              </a:rPr>
-              <a:t>/saga. cct.lsu.edu/</a:t>
+              <a:t>http://saga. cct.lsu.edu/</a:t>
             </a:r>
             <a:endParaRPr lang="en-US" dirty="0" smtClean="0"/>
           </a:p>
@@ -14793,11 +14878,7 @@
             <a:pPr lvl="1"/>
             <a:r>
               <a:rPr lang="en-US" dirty="0" smtClean="0"/>
-              <a:t>http</a:t>
-            </a:r>
-            <a:r>
-              <a:rPr lang="en-US" dirty="0" smtClean="0"/>
-              <a:t>://</a:t>
+              <a:t>http://</a:t>
             </a:r>
             <a:r>
               <a:rPr lang="en-US" dirty="0" err="1" smtClean="0"/>
@@ -14866,11 +14947,7 @@
             <a:pPr marL="207880"/>
             <a:r>
               <a:rPr lang="en-US" dirty="0" smtClean="0"/>
-              <a:t>Programmers</a:t>
-            </a:r>
-            <a:r>
-              <a:rPr lang="en-US" dirty="0" smtClean="0"/>
-              <a:t> Guide:</a:t>
+              <a:t>Programmers Guide:</a:t>
             </a:r>
           </a:p>
           <a:p>
@@ -14924,8 +15001,16 @@
           <a:lstStyle/>
           <a:p>
             <a:r>
-              <a:rPr lang="en-US" smtClean="0"/>
-              <a:t>November FIXME, 2010</a:t>
+              <a:rPr lang="en-US" dirty="0" smtClean="0"/>
+              <a:t>November</a:t>
+            </a:r>
+            <a:r>
+              <a:rPr lang="en-US" dirty="0" smtClean="0"/>
+              <a:t> 29, </a:t>
+            </a:r>
+            <a:r>
+              <a:rPr lang="en-US" dirty="0" smtClean="0"/>
+              <a:t>2010</a:t>
             </a:r>
             <a:endParaRPr lang="en-US" dirty="0"/>
           </a:p>
@@ -15891,7 +15976,38 @@
             </a:r>
             <a:r>
               <a:rPr lang="en-US" dirty="0" smtClean="0"/>
-              <a:t> scripting)</a:t>
+              <a:t> scripting</a:t>
+            </a:r>
+            <a:r>
+              <a:rPr lang="en-US" dirty="0" smtClean="0"/>
+              <a:t>)</a:t>
+            </a:r>
+          </a:p>
+          <a:p>
+            <a:pPr lvl="2"/>
+            <a:r>
+              <a:rPr lang="en-US" dirty="0" smtClean="0"/>
+              <a:t>MW </a:t>
+            </a:r>
+            <a:r>
+              <a:rPr lang="en-US" dirty="0" smtClean="0"/>
+              <a:t>applications</a:t>
+            </a:r>
+            <a:r>
+              <a:rPr lang="en-US" dirty="0" smtClean="0"/>
+              <a:t>,</a:t>
+            </a:r>
+            <a:r>
+              <a:rPr lang="en-US" dirty="0" smtClean="0"/>
+              <a:t> </a:t>
+            </a:r>
+            <a:r>
+              <a:rPr lang="en-US" dirty="0" smtClean="0"/>
+              <a:t>workers </a:t>
+            </a:r>
+            <a:r>
+              <a:rPr lang="en-US" dirty="0" smtClean="0"/>
+              <a:t>submitted to &gt;8 back-ends </a:t>
             </a:r>
           </a:p>
           <a:p>
@@ -15944,13 +16060,10 @@
               <a:t>SAGA: To provide uniform access layers to </a:t>
             </a:r>
             <a:r>
-              <a:rPr lang="en-US" dirty="0" err="1" smtClean="0"/>
-              <a:t>heter</a:t>
-            </a:r>
-            <a:r>
               <a:rPr lang="en-US" dirty="0" smtClean="0"/>
-              <a:t>. CI</a:t>
-            </a:r>
+              <a:t>heterogeneous CI</a:t>
+            </a:r>
+            <a:endParaRPr lang="en-US" dirty="0" smtClean="0"/>
           </a:p>
           <a:p>
             <a:pPr lvl="1"/>
@@ -15987,7 +16100,11 @@
             <a:pPr lvl="1"/>
             <a:r>
               <a:rPr lang="en-US" dirty="0" smtClean="0"/>
-              <a:t>Simplify the building of tools and Gateways or MW applications, workers submitted to &gt;8 back-ends </a:t>
+              <a:t>Simplify the building of tools and </a:t>
+            </a:r>
+            <a:r>
+              <a:rPr lang="en-US" dirty="0" smtClean="0"/>
+              <a:t>Gateways</a:t>
             </a:r>
             <a:endParaRPr lang="en-US" dirty="0"/>
           </a:p>
@@ -16025,95 +16142,9 @@
           <a:chExt cx="0" cy="0"/>
         </a:xfrm>
       </p:grpSpPr>
-      <p:sp>
-        <p:nvSpPr>
-          <p:cNvPr id="5" name="Title 4"/>
-          <p:cNvSpPr>
-            <a:spLocks noGrp="1"/>
-          </p:cNvSpPr>
-          <p:nvPr>
-            <p:ph type="title"/>
-          </p:nvPr>
-        </p:nvSpPr>
-        <p:spPr/>
-        <p:txBody>
-          <a:bodyPr>
-            <a:noAutofit/>
-          </a:bodyPr>
-          <a:lstStyle/>
-          <a:p>
-            <a:r>
-              <a:rPr lang="en-US" sz="2400" dirty="0" smtClean="0"/>
-              <a:t>SAGA: Develop applications that are distributed by definition</a:t>
-            </a:r>
-            <a:endParaRPr lang="en-US" sz="2400" dirty="0"/>
-          </a:p>
-        </p:txBody>
-      </p:sp>
-      <p:sp>
-        <p:nvSpPr>
-          <p:cNvPr id="6" name="Content Placeholder 5"/>
-          <p:cNvSpPr>
-            <a:spLocks noGrp="1"/>
-          </p:cNvSpPr>
-          <p:nvPr>
-            <p:ph sz="half" idx="2"/>
-          </p:nvPr>
-        </p:nvSpPr>
-        <p:spPr>
-          <a:xfrm>
-            <a:off x="406400" y="1397001"/>
-            <a:ext cx="4495800" cy="4978399"/>
-          </a:xfrm>
-        </p:spPr>
-        <p:txBody>
-          <a:bodyPr>
-            <a:normAutofit/>
-          </a:bodyPr>
-          <a:lstStyle/>
-          <a:p>
-            <a:r>
-              <a:rPr lang="en-US" sz="1700" dirty="0" smtClean="0"/>
-              <a:t>How to develop a simple MR that is interoperable across infrastructure concurrently?</a:t>
-            </a:r>
-          </a:p>
-          <a:p>
-            <a:r>
-              <a:rPr lang="en-US" sz="1700" dirty="0" smtClean="0"/>
-              <a:t>Same application, same programming model:</a:t>
-            </a:r>
-          </a:p>
-          <a:p>
-            <a:pPr lvl="1"/>
-            <a:r>
-              <a:rPr lang="en-US" sz="1700" dirty="0" smtClean="0"/>
-              <a:t>Very different performance dependence</a:t>
-            </a:r>
-          </a:p>
-          <a:p>
-            <a:r>
-              <a:rPr lang="en-US" sz="1700" dirty="0" smtClean="0"/>
-              <a:t>Same application, different programming models</a:t>
-            </a:r>
-          </a:p>
-          <a:p>
-            <a:pPr lvl="1"/>
-            <a:r>
-              <a:rPr lang="en-US" sz="1700" dirty="0" smtClean="0"/>
-              <a:t>Very different performance dependence</a:t>
-            </a:r>
-          </a:p>
-          <a:p>
-            <a:pPr lvl="1">
-              <a:buNone/>
-            </a:pPr>
-            <a:endParaRPr lang="en-US" sz="1700" dirty="0" smtClean="0"/>
-          </a:p>
-        </p:txBody>
-      </p:sp>
       <p:pic>
         <p:nvPicPr>
-          <p:cNvPr id="7" name="Content Placeholder 3" descr="saga_mapreduce_schema.png"/>
+          <p:cNvPr id="2" name="Picture 1" descr="mandelbrot-9.png"/>
           <p:cNvPicPr>
             <a:picLocks noChangeAspect="1"/>
           </p:cNvPicPr>
@@ -16121,21 +16152,57 @@
         </p:nvPicPr>
         <p:blipFill>
           <a:blip r:embed="rId2"/>
-          <a:srcRect l="-10578" r="-10578"/>
           <a:stretch>
             <a:fillRect/>
           </a:stretch>
         </p:blipFill>
         <p:spPr>
           <a:xfrm>
-            <a:off x="4368801" y="1592712"/>
-            <a:ext cx="4632959" cy="4782688"/>
+            <a:off x="1058415" y="1287404"/>
+            <a:ext cx="8089359" cy="5570597"/>
           </a:xfrm>
           <a:prstGeom prst="rect">
             <a:avLst/>
           </a:prstGeom>
         </p:spPr>
       </p:pic>
+      <p:sp>
+        <p:nvSpPr>
+          <p:cNvPr id="3" name="Title 2"/>
+          <p:cNvSpPr>
+            <a:spLocks noGrp="1"/>
+          </p:cNvSpPr>
+          <p:nvPr>
+            <p:ph type="title"/>
+          </p:nvPr>
+        </p:nvSpPr>
+        <p:spPr/>
+        <p:txBody>
+          <a:bodyPr>
+            <a:noAutofit/>
+          </a:bodyPr>
+          <a:lstStyle/>
+          <a:p>
+            <a:r>
+              <a:rPr lang="en-US" sz="2400" dirty="0" smtClean="0"/>
+              <a:t>1.  </a:t>
+            </a:r>
+            <a:r>
+              <a:rPr lang="en-US" sz="2400" dirty="0" smtClean="0"/>
+              <a:t>Develop </a:t>
+            </a:r>
+            <a:r>
+              <a:rPr lang="en-US" sz="2400" dirty="0" smtClean="0"/>
+              <a:t>applications that are distributed by </a:t>
+            </a:r>
+            <a:r>
+              <a:rPr lang="en-US" sz="2400" dirty="0" smtClean="0"/>
+              <a:t>definition</a:t>
+            </a:r>
+            <a:endParaRPr lang="en-US" sz="2400" dirty="0"/>
+          </a:p>
+        </p:txBody>
+      </p:sp>
     </p:spTree>
   </p:cSld>
   <p:clrMapOvr>

--- a/tutorial/general_tutorial/SAGA-Intro-Conclusion.pptx
+++ b/tutorial/general_tutorial/SAGA-Intro-Conclusion.pptx
@@ -355,24 +355,24 @@
             </c:numRef>
           </c:val>
         </c:ser>
-        <c:axId val="627838200"/>
-        <c:axId val="492001288"/>
+        <c:axId val="628852760"/>
+        <c:axId val="618333432"/>
       </c:barChart>
       <c:catAx>
-        <c:axId val="627838200"/>
+        <c:axId val="628852760"/>
         <c:scaling>
           <c:orientation val="minMax"/>
         </c:scaling>
         <c:axPos val="b"/>
         <c:tickLblPos val="nextTo"/>
-        <c:crossAx val="492001288"/>
+        <c:crossAx val="618333432"/>
         <c:crosses val="autoZero"/>
         <c:auto val="1"/>
         <c:lblAlgn val="ctr"/>
         <c:lblOffset val="100"/>
       </c:catAx>
       <c:valAx>
-        <c:axId val="492001288"/>
+        <c:axId val="618333432"/>
         <c:scaling>
           <c:orientation val="minMax"/>
         </c:scaling>
@@ -380,7 +380,7 @@
         <c:majorGridlines/>
         <c:numFmt formatCode="General" sourceLinked="1"/>
         <c:tickLblPos val="nextTo"/>
-        <c:crossAx val="627838200"/>
+        <c:crossAx val="628852760"/>
         <c:crosses val="autoZero"/>
         <c:crossBetween val="between"/>
       </c:valAx>
@@ -10634,11 +10634,7 @@
           <a:p>
             <a:r>
               <a:rPr lang="en-US" sz="2400" dirty="0" smtClean="0"/>
-              <a:t>2. Tools </a:t>
-            </a:r>
-            <a:r>
-              <a:rPr lang="en-US" sz="2400" dirty="0" smtClean="0"/>
-              <a:t>for Effective Distributed Execution</a:t>
+              <a:t>2. Tools for Effective Distributed Execution</a:t>
             </a:r>
             <a:endParaRPr lang="en-US" sz="2400" dirty="0"/>
           </a:p>
@@ -10938,19 +10934,15 @@
           <a:p>
             <a:r>
               <a:rPr lang="en-US" dirty="0" smtClean="0"/>
-              <a:t>3. </a:t>
+              <a:t>3. Provides uniform access layers to </a:t>
             </a:r>
             <a:r>
               <a:rPr lang="en-US" dirty="0" smtClean="0"/>
-              <a:t>Provides uniform access layers to </a:t>
-            </a:r>
-            <a:r>
-              <a:rPr lang="en-US" dirty="0" err="1" smtClean="0"/>
-              <a:t>heterogenous</a:t>
+              <a:t>heterogeneous </a:t>
             </a:r>
             <a:r>
               <a:rPr lang="en-US" dirty="0" smtClean="0"/>
-              <a:t> CI</a:t>
+              <a:t>CI</a:t>
             </a:r>
             <a:endParaRPr lang="en-US" dirty="0"/>
           </a:p>
@@ -14622,11 +14614,7 @@
             </a:pPr>
             <a:r>
               <a:rPr lang="en-US" sz="2400" dirty="0" smtClean="0"/>
-              <a:t> Balanced: Scale-Up and Scale-out </a:t>
-            </a:r>
-            <a:r>
-              <a:rPr lang="en-US" sz="2400" dirty="0" smtClean="0"/>
-              <a:t>to</a:t>
+              <a:t> Balanced: Scale-Up and Scale-out to</a:t>
             </a:r>
           </a:p>
           <a:p>
@@ -15002,15 +14990,7 @@
           <a:p>
             <a:r>
               <a:rPr lang="en-US" dirty="0" smtClean="0"/>
-              <a:t>November</a:t>
-            </a:r>
-            <a:r>
-              <a:rPr lang="en-US" dirty="0" smtClean="0"/>
-              <a:t> 29, </a:t>
-            </a:r>
-            <a:r>
-              <a:rPr lang="en-US" dirty="0" smtClean="0"/>
-              <a:t>2010</a:t>
+              <a:t>November 29, 2010</a:t>
             </a:r>
             <a:endParaRPr lang="en-US" dirty="0"/>
           </a:p>
@@ -15209,117 +15189,146 @@
         </p:nvSpPr>
         <p:spPr>
           <a:xfrm>
-            <a:off x="482367" y="2087422"/>
+            <a:off x="482367" y="1846122"/>
             <a:ext cx="7966954" cy="4940436"/>
           </a:xfrm>
         </p:spPr>
         <p:txBody>
           <a:bodyPr>
-            <a:normAutofit fontScale="77500" lnSpcReduction="20000"/>
+            <a:normAutofit fontScale="85000" lnSpcReduction="10000"/>
           </a:bodyPr>
           <a:lstStyle/>
+          <a:p>
+            <a:r>
+              <a:rPr lang="en-US" dirty="0" smtClean="0"/>
+              <a:t>Developing </a:t>
+            </a:r>
+            <a:r>
+              <a:rPr lang="en-US" dirty="0" smtClean="0"/>
+              <a:t>Distributed Applications is fundamentally hard:</a:t>
+            </a:r>
+          </a:p>
+          <a:p>
+            <a:pPr lvl="1"/>
+            <a:r>
+              <a:rPr lang="en-US" dirty="0" smtClean="0"/>
+              <a:t>Intrinsic: </a:t>
+            </a:r>
+          </a:p>
+          <a:p>
+            <a:pPr lvl="2"/>
+            <a:r>
+              <a:rPr lang="en-US" dirty="0" smtClean="0"/>
+              <a:t>Control/Coordination &amp; execution over Heterogeneous sites</a:t>
+            </a:r>
+          </a:p>
+          <a:p>
+            <a:pPr lvl="2"/>
+            <a:r>
+              <a:rPr lang="en-US" dirty="0" smtClean="0"/>
+              <a:t>Complex Design point/Models of Distributed Applications, </a:t>
+            </a:r>
+          </a:p>
+          <a:p>
+            <a:pPr lvl="3"/>
+            <a:r>
+              <a:rPr lang="en-US" dirty="0" smtClean="0"/>
+              <a:t>Reasons for using distributed CI -- more than (peak) performance result</a:t>
+            </a:r>
+          </a:p>
+          <a:p>
+            <a:pPr lvl="1"/>
+            <a:r>
+              <a:rPr lang="en-US" dirty="0" smtClean="0"/>
+              <a:t>Extrinsic:</a:t>
+            </a:r>
+          </a:p>
+          <a:p>
+            <a:pPr lvl="2"/>
+            <a:r>
+              <a:rPr lang="en-US" dirty="0" smtClean="0"/>
+              <a:t>(Complex) Underlying infrastructure &amp; its provisioning</a:t>
+            </a:r>
+            <a:endParaRPr lang="en-US" dirty="0" smtClean="0"/>
+          </a:p>
+          <a:p>
+            <a:pPr lvl="2"/>
+            <a:r>
+              <a:rPr lang="en-US" dirty="0" smtClean="0"/>
+              <a:t>Large </a:t>
+            </a:r>
+            <a:r>
+              <a:rPr lang="en-US" dirty="0" smtClean="0"/>
+              <a:t>number Programming systems, tools and environments</a:t>
+            </a:r>
+          </a:p>
+          <a:p>
+            <a:pPr lvl="3"/>
+            <a:r>
+              <a:rPr lang="en-US" dirty="0" smtClean="0"/>
+              <a:t>Lack of  well-defined interfaces &amp; abstractions</a:t>
+            </a:r>
+          </a:p>
+          <a:p>
+            <a:pPr lvl="3"/>
+            <a:r>
+              <a:rPr lang="en-US" dirty="0" smtClean="0"/>
+              <a:t>Interoperability and extensibility become </a:t>
+            </a:r>
+            <a:r>
+              <a:rPr lang="en-US" dirty="0" smtClean="0"/>
+              <a:t>difficult</a:t>
+            </a:r>
+          </a:p>
           <a:p>
             <a:r>
               <a:rPr lang="en-US" dirty="0" smtClean="0">
                 <a:sym typeface="Arial" pitchFamily="-110" charset="0"/>
               </a:rPr>
-              <a:t>Ability to develop simple or effective distributed applications </a:t>
-            </a:r>
-          </a:p>
-          <a:p>
-            <a:pPr lvl="1"/>
-            <a:r>
-              <a:rPr lang="en-US" dirty="0" smtClean="0"/>
-              <a:t>Distributed CI: Is the whole &gt;  than the sum of the parts?</a:t>
-            </a:r>
-            <a:endParaRPr lang="en-US" dirty="0" smtClean="0">
-              <a:sym typeface="Arial" pitchFamily="-110" charset="0"/>
-            </a:endParaRPr>
-          </a:p>
-          <a:p>
-            <a:pPr lvl="1"/>
+              <a:t>Number of “effective” distributed </a:t>
+            </a:r>
             <a:r>
               <a:rPr lang="en-US" dirty="0" smtClean="0">
                 <a:sym typeface="Arial" pitchFamily="-110" charset="0"/>
               </a:rPr>
-              <a:t>App. that utilize resources sequentially, concurrently or asynchronously is low </a:t>
-            </a:r>
-          </a:p>
-          <a:p>
+              <a:t>applications</a:t>
+            </a:r>
+            <a:r>
+              <a:rPr lang="en-US" dirty="0" smtClean="0">
+                <a:sym typeface="Arial" pitchFamily="-110" charset="0"/>
+              </a:rPr>
+              <a:t>  </a:t>
+            </a:r>
+            <a:r>
+              <a:rPr lang="en-US" smtClean="0">
+                <a:sym typeface="Arial" pitchFamily="-110" charset="0"/>
+              </a:rPr>
+              <a:t>that utilize resources </a:t>
+            </a:r>
+            <a:r>
+              <a:rPr lang="en-US" dirty="0" smtClean="0">
+                <a:sym typeface="Arial" pitchFamily="-110" charset="0"/>
+              </a:rPr>
+              <a:t>sequentially, concurrently or asynchronously is low</a:t>
+            </a:r>
+            <a:r>
+              <a:rPr lang="en-US" dirty="0" smtClean="0">
+                <a:sym typeface="Arial" pitchFamily="-110" charset="0"/>
+              </a:rPr>
+              <a:t> </a:t>
+            </a:r>
+          </a:p>
+          <a:p>
+            <a:pPr lvl="1"/>
             <a:r>
               <a:rPr lang="en-US" dirty="0" smtClean="0"/>
-              <a:t>Developing Distributed Applications is fundamentally hard:</a:t>
-            </a:r>
-          </a:p>
-          <a:p>
-            <a:pPr lvl="1"/>
+              <a:t>Distributed CI: Is the whole &gt;  than the sum of the parts</a:t>
+            </a:r>
             <a:r>
               <a:rPr lang="en-US" dirty="0" smtClean="0"/>
-              <a:t>Intrinsic: </a:t>
-            </a:r>
-          </a:p>
-          <a:p>
-            <a:pPr lvl="2"/>
-            <a:r>
-              <a:rPr lang="en-US" dirty="0" smtClean="0"/>
-              <a:t>Control/Coordination &amp; execution over Heterogeneous sites</a:t>
-            </a:r>
-          </a:p>
-          <a:p>
-            <a:pPr lvl="2"/>
-            <a:r>
-              <a:rPr lang="en-US" dirty="0" smtClean="0"/>
-              <a:t>Complex Design point/Models of Distributed Applications, </a:t>
-            </a:r>
-          </a:p>
-          <a:p>
-            <a:pPr lvl="3"/>
-            <a:r>
-              <a:rPr lang="en-US" dirty="0" smtClean="0"/>
-              <a:t>Reasons for using distributed CI -- more than (peak) performance result</a:t>
-            </a:r>
-          </a:p>
-          <a:p>
-            <a:pPr lvl="1"/>
-            <a:r>
-              <a:rPr lang="en-US" dirty="0" smtClean="0"/>
-              <a:t>Extrinsic:</a:t>
-            </a:r>
-          </a:p>
-          <a:p>
-            <a:pPr lvl="2"/>
-            <a:r>
-              <a:rPr lang="en-US" dirty="0" smtClean="0"/>
-              <a:t>(Complex) Underlying infrastructure &amp; its provisioning</a:t>
-            </a:r>
-          </a:p>
-          <a:p>
-            <a:pPr lvl="3"/>
-            <a:r>
-              <a:rPr lang="en-US" dirty="0" smtClean="0"/>
-              <a:t>Deployment and Exec. environment dependent on development tools</a:t>
-            </a:r>
-          </a:p>
-          <a:p>
-            <a:pPr lvl="2"/>
-            <a:r>
-              <a:rPr lang="en-US" dirty="0" smtClean="0"/>
-              <a:t>Large number Programming systems, tools and environments</a:t>
-            </a:r>
-          </a:p>
-          <a:p>
-            <a:pPr lvl="3"/>
-            <a:r>
-              <a:rPr lang="en-US" dirty="0" smtClean="0"/>
-              <a:t>Lack of  well-defined interfaces &amp; abstractions</a:t>
-            </a:r>
-          </a:p>
-          <a:p>
-            <a:pPr lvl="3"/>
-            <a:r>
-              <a:rPr lang="en-US" dirty="0" smtClean="0"/>
-              <a:t>Interoperability and extensibility become difficult</a:t>
-            </a:r>
+              <a:t>?</a:t>
+            </a:r>
+            <a:endParaRPr lang="en-US" dirty="0" smtClean="0"/>
           </a:p>
           <a:p>
             <a:r>
@@ -15976,7 +15985,33 @@
             </a:r>
             <a:r>
               <a:rPr lang="en-US" dirty="0" smtClean="0"/>
-              <a:t> scripting</a:t>
+              <a:t> scripting)</a:t>
+            </a:r>
+          </a:p>
+          <a:p>
+            <a:pPr lvl="2"/>
+            <a:r>
+              <a:rPr lang="en-US" dirty="0" smtClean="0"/>
+              <a:t>MW applications, workers submitted to &gt;8 back-ends </a:t>
+            </a:r>
+          </a:p>
+          <a:p>
+            <a:pPr lvl="1"/>
+            <a:r>
+              <a:rPr lang="en-US" dirty="0" smtClean="0"/>
+              <a:t>Novel Distributed Programming Models (</a:t>
+            </a:r>
+            <a:r>
+              <a:rPr lang="en-US" dirty="0" err="1" smtClean="0"/>
+              <a:t>eg</a:t>
+            </a:r>
+            <a:r>
+              <a:rPr lang="en-US" dirty="0" smtClean="0"/>
+              <a:t> Rep-</a:t>
+            </a:r>
+            <a:r>
+              <a:rPr lang="en-US" dirty="0" err="1" smtClean="0"/>
+              <a:t>Exch</a:t>
             </a:r>
             <a:r>
               <a:rPr lang="en-US" dirty="0" smtClean="0"/>
@@ -15984,56 +16019,6 @@
             </a:r>
           </a:p>
           <a:p>
-            <a:pPr lvl="2"/>
-            <a:r>
-              <a:rPr lang="en-US" dirty="0" smtClean="0"/>
-              <a:t>MW </a:t>
-            </a:r>
-            <a:r>
-              <a:rPr lang="en-US" dirty="0" smtClean="0"/>
-              <a:t>applications</a:t>
-            </a:r>
-            <a:r>
-              <a:rPr lang="en-US" dirty="0" smtClean="0"/>
-              <a:t>,</a:t>
-            </a:r>
-            <a:r>
-              <a:rPr lang="en-US" dirty="0" smtClean="0"/>
-              <a:t> </a:t>
-            </a:r>
-            <a:r>
-              <a:rPr lang="en-US" dirty="0" smtClean="0"/>
-              <a:t>workers </a:t>
-            </a:r>
-            <a:r>
-              <a:rPr lang="en-US" dirty="0" smtClean="0"/>
-              <a:t>submitted to &gt;8 back-ends </a:t>
-            </a:r>
-          </a:p>
-          <a:p>
-            <a:pPr lvl="1"/>
-            <a:r>
-              <a:rPr lang="en-US" dirty="0" smtClean="0"/>
-              <a:t>Novel Distributed Programming Models (</a:t>
-            </a:r>
-            <a:r>
-              <a:rPr lang="en-US" dirty="0" err="1" smtClean="0"/>
-              <a:t>eg</a:t>
-            </a:r>
-            <a:r>
-              <a:rPr lang="en-US" dirty="0" smtClean="0"/>
-              <a:t> Rep-</a:t>
-            </a:r>
-            <a:r>
-              <a:rPr lang="en-US" dirty="0" err="1" smtClean="0"/>
-              <a:t>Exch</a:t>
-            </a:r>
-            <a:r>
-              <a:rPr lang="en-US" dirty="0" smtClean="0"/>
-              <a:t>)</a:t>
-            </a:r>
-          </a:p>
-          <a:p>
             <a:r>
               <a:rPr lang="en-US" dirty="0" smtClean="0"/>
               <a:t>SAGA: Build tools and implement abstractions that enable the execution of applications over distributed resources, </a:t>
@@ -16057,13 +16042,8 @@
           <a:p>
             <a:r>
               <a:rPr lang="en-US" dirty="0" smtClean="0"/>
-              <a:t>SAGA: To provide uniform access layers to </a:t>
-            </a:r>
-            <a:r>
-              <a:rPr lang="en-US" dirty="0" smtClean="0"/>
-              <a:t>heterogeneous CI</a:t>
-            </a:r>
-            <a:endParaRPr lang="en-US" dirty="0" smtClean="0"/>
+              <a:t>SAGA: To provide uniform access layers to heterogeneous CI</a:t>
+            </a:r>
           </a:p>
           <a:p>
             <a:pPr lvl="1"/>
@@ -16100,11 +16080,7 @@
             <a:pPr lvl="1"/>
             <a:r>
               <a:rPr lang="en-US" dirty="0" smtClean="0"/>
-              <a:t>Simplify the building of tools and </a:t>
-            </a:r>
-            <a:r>
-              <a:rPr lang="en-US" dirty="0" smtClean="0"/>
-              <a:t>Gateways</a:t>
+              <a:t>Simplify the building of tools and Gateways</a:t>
             </a:r>
             <a:endParaRPr lang="en-US" dirty="0"/>
           </a:p>
@@ -16185,19 +16161,7 @@
           <a:p>
             <a:r>
               <a:rPr lang="en-US" sz="2400" dirty="0" smtClean="0"/>
-              <a:t>1.  </a:t>
-            </a:r>
-            <a:r>
-              <a:rPr lang="en-US" sz="2400" dirty="0" smtClean="0"/>
-              <a:t>Develop </a:t>
-            </a:r>
-            <a:r>
-              <a:rPr lang="en-US" sz="2400" dirty="0" smtClean="0"/>
-              <a:t>applications that are distributed by </a:t>
-            </a:r>
-            <a:r>
-              <a:rPr lang="en-US" sz="2400" dirty="0" smtClean="0"/>
-              <a:t>definition</a:t>
+              <a:t>1.  Develop applications that are distributed by definition</a:t>
             </a:r>
             <a:endParaRPr lang="en-US" sz="2400" dirty="0"/>
           </a:p>
